--- a/Lecture Slides/Lab02-Eagle-Packages.pptx
+++ b/Lecture Slides/Lab02-Eagle-Packages.pptx
@@ -5,17 +5,19 @@
     <p:sldMasterId id="2147483648" r:id="rId1"/>
   </p:sldMasterIdLst>
   <p:notesMasterIdLst>
-    <p:notesMasterId r:id="rId10"/>
+    <p:notesMasterId r:id="rId12"/>
   </p:notesMasterIdLst>
   <p:sldIdLst>
     <p:sldId id="256" r:id="rId2"/>
-    <p:sldId id="264" r:id="rId3"/>
-    <p:sldId id="257" r:id="rId4"/>
-    <p:sldId id="258" r:id="rId5"/>
-    <p:sldId id="260" r:id="rId6"/>
-    <p:sldId id="261" r:id="rId7"/>
-    <p:sldId id="263" r:id="rId8"/>
-    <p:sldId id="262" r:id="rId9"/>
+    <p:sldId id="265" r:id="rId3"/>
+    <p:sldId id="266" r:id="rId4"/>
+    <p:sldId id="264" r:id="rId5"/>
+    <p:sldId id="257" r:id="rId6"/>
+    <p:sldId id="258" r:id="rId7"/>
+    <p:sldId id="260" r:id="rId8"/>
+    <p:sldId id="261" r:id="rId9"/>
+    <p:sldId id="263" r:id="rId10"/>
+    <p:sldId id="262" r:id="rId11"/>
   </p:sldIdLst>
   <p:sldSz cx="9144000" cy="6858000" type="screen4x3"/>
   <p:notesSz cx="6858000" cy="9144000"/>
@@ -199,7 +201,7 @@
           <a:p>
             <a:fld id="{6047C4F8-16F2-034F-B62C-E7DA00D65955}" type="datetimeFigureOut">
               <a:rPr lang="en-US" smtClean="0"/>
-              <a:t>3/26/17</a:t>
+              <a:t>4/6/17</a:t>
             </a:fld>
             <a:endParaRPr lang="en-US"/>
           </a:p>
@@ -648,7 +650,7 @@
           <a:p>
             <a:fld id="{D7CD8825-7C65-DE49-B151-1F6315860DA4}" type="datetimeFigureOut">
               <a:rPr lang="en-US" smtClean="0"/>
-              <a:t>3/26/17</a:t>
+              <a:t>4/6/17</a:t>
             </a:fld>
             <a:endParaRPr lang="en-US"/>
           </a:p>
@@ -818,7 +820,7 @@
           <a:p>
             <a:fld id="{D7CD8825-7C65-DE49-B151-1F6315860DA4}" type="datetimeFigureOut">
               <a:rPr lang="en-US" smtClean="0"/>
-              <a:t>3/26/17</a:t>
+              <a:t>4/6/17</a:t>
             </a:fld>
             <a:endParaRPr lang="en-US"/>
           </a:p>
@@ -998,7 +1000,7 @@
           <a:p>
             <a:fld id="{D7CD8825-7C65-DE49-B151-1F6315860DA4}" type="datetimeFigureOut">
               <a:rPr lang="en-US" smtClean="0"/>
-              <a:t>3/26/17</a:t>
+              <a:t>4/6/17</a:t>
             </a:fld>
             <a:endParaRPr lang="en-US"/>
           </a:p>
@@ -1168,7 +1170,7 @@
           <a:p>
             <a:fld id="{D7CD8825-7C65-DE49-B151-1F6315860DA4}" type="datetimeFigureOut">
               <a:rPr lang="en-US" smtClean="0"/>
-              <a:t>3/26/17</a:t>
+              <a:t>4/6/17</a:t>
             </a:fld>
             <a:endParaRPr lang="en-US"/>
           </a:p>
@@ -1414,7 +1416,7 @@
           <a:p>
             <a:fld id="{D7CD8825-7C65-DE49-B151-1F6315860DA4}" type="datetimeFigureOut">
               <a:rPr lang="en-US" smtClean="0"/>
-              <a:t>3/26/17</a:t>
+              <a:t>4/6/17</a:t>
             </a:fld>
             <a:endParaRPr lang="en-US"/>
           </a:p>
@@ -1702,7 +1704,7 @@
           <a:p>
             <a:fld id="{D7CD8825-7C65-DE49-B151-1F6315860DA4}" type="datetimeFigureOut">
               <a:rPr lang="en-US" smtClean="0"/>
-              <a:t>3/26/17</a:t>
+              <a:t>4/6/17</a:t>
             </a:fld>
             <a:endParaRPr lang="en-US"/>
           </a:p>
@@ -2124,7 +2126,7 @@
           <a:p>
             <a:fld id="{D7CD8825-7C65-DE49-B151-1F6315860DA4}" type="datetimeFigureOut">
               <a:rPr lang="en-US" smtClean="0"/>
-              <a:t>3/26/17</a:t>
+              <a:t>4/6/17</a:t>
             </a:fld>
             <a:endParaRPr lang="en-US"/>
           </a:p>
@@ -2242,7 +2244,7 @@
           <a:p>
             <a:fld id="{D7CD8825-7C65-DE49-B151-1F6315860DA4}" type="datetimeFigureOut">
               <a:rPr lang="en-US" smtClean="0"/>
-              <a:t>3/26/17</a:t>
+              <a:t>4/6/17</a:t>
             </a:fld>
             <a:endParaRPr lang="en-US"/>
           </a:p>
@@ -2337,7 +2339,7 @@
           <a:p>
             <a:fld id="{D7CD8825-7C65-DE49-B151-1F6315860DA4}" type="datetimeFigureOut">
               <a:rPr lang="en-US" smtClean="0"/>
-              <a:t>3/26/17</a:t>
+              <a:t>4/6/17</a:t>
             </a:fld>
             <a:endParaRPr lang="en-US"/>
           </a:p>
@@ -2614,7 +2616,7 @@
           <a:p>
             <a:fld id="{D7CD8825-7C65-DE49-B151-1F6315860DA4}" type="datetimeFigureOut">
               <a:rPr lang="en-US" smtClean="0"/>
-              <a:t>3/26/17</a:t>
+              <a:t>4/6/17</a:t>
             </a:fld>
             <a:endParaRPr lang="en-US"/>
           </a:p>
@@ -2867,7 +2869,7 @@
           <a:p>
             <a:fld id="{D7CD8825-7C65-DE49-B151-1F6315860DA4}" type="datetimeFigureOut">
               <a:rPr lang="en-US" smtClean="0"/>
-              <a:t>3/26/17</a:t>
+              <a:t>4/6/17</a:t>
             </a:fld>
             <a:endParaRPr lang="en-US"/>
           </a:p>
@@ -3080,7 +3082,7 @@
           <a:p>
             <a:fld id="{D7CD8825-7C65-DE49-B151-1F6315860DA4}" type="datetimeFigureOut">
               <a:rPr lang="en-US" smtClean="0"/>
-              <a:t>3/26/17</a:t>
+              <a:t>4/6/17</a:t>
             </a:fld>
             <a:endParaRPr lang="en-US"/>
           </a:p>
@@ -3472,11 +3474,7 @@
           <a:p>
             <a:r>
               <a:rPr lang="en-US" dirty="0" smtClean="0"/>
-              <a:t>Designing </a:t>
-            </a:r>
-            <a:r>
-              <a:rPr lang="en-US" dirty="0" smtClean="0"/>
-              <a:t>Packages, Symbols, and Devices</a:t>
+              <a:t>Designing Packages, Symbols, and Devices</a:t>
             </a:r>
             <a:endParaRPr lang="en-US" dirty="0"/>
           </a:p>
@@ -3521,1840 +3519,7 @@
 </p:sld>
 </file>
 
-<file path=ppt/slides/slide2.xml><?xml version="1.0" encoding="utf-8"?>
-<p:sld xmlns:a="http://schemas.openxmlformats.org/drawingml/2006/main" xmlns:r="http://schemas.openxmlformats.org/officeDocument/2006/relationships" xmlns:p="http://schemas.openxmlformats.org/presentationml/2006/main">
-  <p:cSld>
-    <p:spTree>
-      <p:nvGrpSpPr>
-        <p:cNvPr id="1" name=""/>
-        <p:cNvGrpSpPr/>
-        <p:nvPr/>
-      </p:nvGrpSpPr>
-      <p:grpSpPr>
-        <a:xfrm>
-          <a:off x="0" y="0"/>
-          <a:ext cx="0" cy="0"/>
-          <a:chOff x="0" y="0"/>
-          <a:chExt cx="0" cy="0"/>
-        </a:xfrm>
-      </p:grpSpPr>
-      <p:sp>
-        <p:nvSpPr>
-          <p:cNvPr id="2" name="Title 1"/>
-          <p:cNvSpPr>
-            <a:spLocks noGrp="1"/>
-          </p:cNvSpPr>
-          <p:nvPr>
-            <p:ph type="title"/>
-          </p:nvPr>
-        </p:nvSpPr>
-        <p:spPr/>
-        <p:txBody>
-          <a:bodyPr/>
-          <a:lstStyle/>
-          <a:p>
-            <a:r>
-              <a:rPr lang="en-US" dirty="0" smtClean="0"/>
-              <a:t>PCB Libraries</a:t>
-            </a:r>
-            <a:endParaRPr lang="en-US" dirty="0"/>
-          </a:p>
-        </p:txBody>
-      </p:sp>
-      <p:sp>
-        <p:nvSpPr>
-          <p:cNvPr id="3" name="Content Placeholder 2"/>
-          <p:cNvSpPr>
-            <a:spLocks noGrp="1"/>
-          </p:cNvSpPr>
-          <p:nvPr>
-            <p:ph idx="1"/>
-          </p:nvPr>
-        </p:nvSpPr>
-        <p:spPr/>
-        <p:txBody>
-          <a:bodyPr>
-            <a:normAutofit fontScale="92500" lnSpcReduction="20000"/>
-          </a:bodyPr>
-          <a:lstStyle/>
-          <a:p>
-            <a:r>
-              <a:rPr lang="en-US" dirty="0" smtClean="0"/>
-              <a:t>To use a part on a PCB, you need a library entry for it</a:t>
-            </a:r>
-          </a:p>
-          <a:p>
-            <a:pPr lvl="1"/>
-            <a:r>
-              <a:rPr lang="en-US" dirty="0" smtClean="0"/>
-              <a:t>Physical/mechanical information for the board</a:t>
-            </a:r>
-          </a:p>
-          <a:p>
-            <a:pPr lvl="1"/>
-            <a:r>
-              <a:rPr lang="en-US" dirty="0" smtClean="0"/>
-              <a:t>Logical/electrical information for the schematic</a:t>
-            </a:r>
-          </a:p>
-          <a:p>
-            <a:pPr lvl="1"/>
-            <a:r>
-              <a:rPr lang="en-US" dirty="0" smtClean="0"/>
-              <a:t>Mapping between the two</a:t>
-            </a:r>
-          </a:p>
-          <a:p>
-            <a:pPr lvl="1"/>
-            <a:r>
-              <a:rPr lang="en-US" dirty="0" smtClean="0"/>
-              <a:t>Metadata</a:t>
-            </a:r>
-          </a:p>
-          <a:p>
-            <a:r>
-              <a:rPr lang="en-US" dirty="0" smtClean="0"/>
-              <a:t>A well designed library, will make your life much, much easier.</a:t>
-            </a:r>
-          </a:p>
-          <a:p>
-            <a:r>
-              <a:rPr lang="en-US" dirty="0" smtClean="0"/>
-              <a:t>There are lots of libraries are the internet</a:t>
-            </a:r>
-          </a:p>
-          <a:p>
-            <a:pPr lvl="1"/>
-            <a:r>
-              <a:rPr lang="en-US" dirty="0" smtClean="0"/>
-              <a:t>Some are good, some are bad, some a poor match for what we need.</a:t>
-            </a:r>
-          </a:p>
-        </p:txBody>
-      </p:sp>
-    </p:spTree>
-    <p:extLst>
-      <p:ext uri="{BB962C8B-B14F-4D97-AF65-F5344CB8AC3E}">
-        <p14:creationId xmlns:p14="http://schemas.microsoft.com/office/powerpoint/2010/main" val="667542074"/>
-      </p:ext>
-    </p:extLst>
-  </p:cSld>
-  <p:clrMapOvr>
-    <a:masterClrMapping/>
-  </p:clrMapOvr>
-</p:sld>
-</file>
-
-<file path=ppt/slides/slide3.xml><?xml version="1.0" encoding="utf-8"?>
-<p:sld xmlns:a="http://schemas.openxmlformats.org/drawingml/2006/main" xmlns:r="http://schemas.openxmlformats.org/officeDocument/2006/relationships" xmlns:p="http://schemas.openxmlformats.org/presentationml/2006/main">
-  <p:cSld>
-    <p:spTree>
-      <p:nvGrpSpPr>
-        <p:cNvPr id="1" name=""/>
-        <p:cNvGrpSpPr/>
-        <p:nvPr/>
-      </p:nvGrpSpPr>
-      <p:grpSpPr>
-        <a:xfrm>
-          <a:off x="0" y="0"/>
-          <a:ext cx="0" cy="0"/>
-          <a:chOff x="0" y="0"/>
-          <a:chExt cx="0" cy="0"/>
-        </a:xfrm>
-      </p:grpSpPr>
-      <p:sp>
-        <p:nvSpPr>
-          <p:cNvPr id="2" name="Title 1"/>
-          <p:cNvSpPr>
-            <a:spLocks noGrp="1"/>
-          </p:cNvSpPr>
-          <p:nvPr>
-            <p:ph type="title"/>
-          </p:nvPr>
-        </p:nvSpPr>
-        <p:spPr/>
-        <p:txBody>
-          <a:bodyPr/>
-          <a:lstStyle/>
-          <a:p>
-            <a:endParaRPr lang="en-US" dirty="0"/>
-          </a:p>
-        </p:txBody>
-      </p:sp>
-      <p:pic>
-        <p:nvPicPr>
-          <p:cNvPr id="6" name="Picture 5" descr="64-QFN_sml.jpg"/>
-          <p:cNvPicPr>
-            <a:picLocks noChangeAspect="1"/>
-          </p:cNvPicPr>
-          <p:nvPr/>
-        </p:nvPicPr>
-        <p:blipFill>
-          <a:blip r:embed="rId2">
-            <a:extLst>
-              <a:ext uri="{28A0092B-C50C-407E-A947-70E740481C1C}">
-                <a14:useLocalDpi xmlns:a14="http://schemas.microsoft.com/office/drawing/2010/main" val="0"/>
-              </a:ext>
-            </a:extLst>
-          </a:blip>
-          <a:stretch>
-            <a:fillRect/>
-          </a:stretch>
-        </p:blipFill>
-        <p:spPr>
-          <a:xfrm>
-            <a:off x="285750" y="274638"/>
-            <a:ext cx="2540000" cy="2540000"/>
-          </a:xfrm>
-          <a:prstGeom prst="rect">
-            <a:avLst/>
-          </a:prstGeom>
-        </p:spPr>
-      </p:pic>
-      <p:pic>
-        <p:nvPicPr>
-          <p:cNvPr id="9" name="Picture 8"/>
-          <p:cNvPicPr>
-            <a:picLocks noChangeAspect="1"/>
-          </p:cNvPicPr>
-          <p:nvPr/>
-        </p:nvPicPr>
-        <p:blipFill>
-          <a:blip r:embed="rId3"/>
-          <a:stretch>
-            <a:fillRect/>
-          </a:stretch>
-        </p:blipFill>
-        <p:spPr>
-          <a:xfrm>
-            <a:off x="457200" y="3687762"/>
-            <a:ext cx="2569428" cy="2587625"/>
-          </a:xfrm>
-          <a:prstGeom prst="rect">
-            <a:avLst/>
-          </a:prstGeom>
-        </p:spPr>
-      </p:pic>
-      <p:pic>
-        <p:nvPicPr>
-          <p:cNvPr id="10" name="Picture 9"/>
-          <p:cNvPicPr>
-            <a:picLocks noChangeAspect="1"/>
-          </p:cNvPicPr>
-          <p:nvPr/>
-        </p:nvPicPr>
-        <p:blipFill>
-          <a:blip r:embed="rId4"/>
-          <a:stretch>
-            <a:fillRect/>
-          </a:stretch>
-        </p:blipFill>
-        <p:spPr>
-          <a:xfrm>
-            <a:off x="5569626" y="873124"/>
-            <a:ext cx="3574374" cy="5402263"/>
-          </a:xfrm>
-          <a:prstGeom prst="rect">
-            <a:avLst/>
-          </a:prstGeom>
-        </p:spPr>
-      </p:pic>
-      <p:cxnSp>
-        <p:nvCxnSpPr>
-          <p:cNvPr id="12" name="Straight Connector 11"/>
-          <p:cNvCxnSpPr/>
-          <p:nvPr/>
-        </p:nvCxnSpPr>
-        <p:spPr>
-          <a:xfrm flipV="1">
-            <a:off x="2978150" y="1095376"/>
-            <a:ext cx="2720975" cy="3175000"/>
-          </a:xfrm>
-          <a:prstGeom prst="line">
-            <a:avLst/>
-          </a:prstGeom>
-        </p:spPr>
-        <p:style>
-          <a:lnRef idx="2">
-            <a:schemeClr val="accent1"/>
-          </a:lnRef>
-          <a:fillRef idx="0">
-            <a:schemeClr val="accent1"/>
-          </a:fillRef>
-          <a:effectRef idx="1">
-            <a:schemeClr val="accent1"/>
-          </a:effectRef>
-          <a:fontRef idx="minor">
-            <a:schemeClr val="tx1"/>
-          </a:fontRef>
-        </p:style>
-      </p:cxnSp>
-      <p:cxnSp>
-        <p:nvCxnSpPr>
-          <p:cNvPr id="15" name="Straight Connector 14"/>
-          <p:cNvCxnSpPr/>
-          <p:nvPr/>
-        </p:nvCxnSpPr>
-        <p:spPr>
-          <a:xfrm flipV="1">
-            <a:off x="2978150" y="1247775"/>
-            <a:ext cx="2720975" cy="3175002"/>
-          </a:xfrm>
-          <a:prstGeom prst="line">
-            <a:avLst/>
-          </a:prstGeom>
-        </p:spPr>
-        <p:style>
-          <a:lnRef idx="2">
-            <a:schemeClr val="accent1"/>
-          </a:lnRef>
-          <a:fillRef idx="0">
-            <a:schemeClr val="accent1"/>
-          </a:fillRef>
-          <a:effectRef idx="1">
-            <a:schemeClr val="accent1"/>
-          </a:effectRef>
-          <a:fontRef idx="minor">
-            <a:schemeClr val="tx1"/>
-          </a:fontRef>
-        </p:style>
-      </p:cxnSp>
-      <p:cxnSp>
-        <p:nvCxnSpPr>
-          <p:cNvPr id="16" name="Straight Connector 15"/>
-          <p:cNvCxnSpPr/>
-          <p:nvPr/>
-        </p:nvCxnSpPr>
-        <p:spPr>
-          <a:xfrm flipV="1">
-            <a:off x="2978150" y="2651125"/>
-            <a:ext cx="2720975" cy="2047875"/>
-          </a:xfrm>
-          <a:prstGeom prst="line">
-            <a:avLst/>
-          </a:prstGeom>
-        </p:spPr>
-        <p:style>
-          <a:lnRef idx="2">
-            <a:schemeClr val="accent1"/>
-          </a:lnRef>
-          <a:fillRef idx="0">
-            <a:schemeClr val="accent1"/>
-          </a:fillRef>
-          <a:effectRef idx="1">
-            <a:schemeClr val="accent1"/>
-          </a:effectRef>
-          <a:fontRef idx="minor">
-            <a:schemeClr val="tx1"/>
-          </a:fontRef>
-        </p:style>
-      </p:cxnSp>
-      <p:cxnSp>
-        <p:nvCxnSpPr>
-          <p:cNvPr id="17" name="Straight Connector 16"/>
-          <p:cNvCxnSpPr/>
-          <p:nvPr/>
-        </p:nvCxnSpPr>
-        <p:spPr>
-          <a:xfrm flipV="1">
-            <a:off x="2978150" y="3571876"/>
-            <a:ext cx="2720975" cy="1508124"/>
-          </a:xfrm>
-          <a:prstGeom prst="line">
-            <a:avLst/>
-          </a:prstGeom>
-        </p:spPr>
-        <p:style>
-          <a:lnRef idx="2">
-            <a:schemeClr val="accent1"/>
-          </a:lnRef>
-          <a:fillRef idx="0">
-            <a:schemeClr val="accent1"/>
-          </a:fillRef>
-          <a:effectRef idx="1">
-            <a:schemeClr val="accent1"/>
-          </a:effectRef>
-          <a:fontRef idx="minor">
-            <a:schemeClr val="tx1"/>
-          </a:fontRef>
-        </p:style>
-      </p:cxnSp>
-      <p:cxnSp>
-        <p:nvCxnSpPr>
-          <p:cNvPr id="18" name="Straight Connector 17"/>
-          <p:cNvCxnSpPr/>
-          <p:nvPr/>
-        </p:nvCxnSpPr>
-        <p:spPr>
-          <a:xfrm flipV="1">
-            <a:off x="1333500" y="2206626"/>
-            <a:ext cx="4365625" cy="1603374"/>
-          </a:xfrm>
-          <a:prstGeom prst="line">
-            <a:avLst/>
-          </a:prstGeom>
-        </p:spPr>
-        <p:style>
-          <a:lnRef idx="2">
-            <a:schemeClr val="accent1"/>
-          </a:lnRef>
-          <a:fillRef idx="0">
-            <a:schemeClr val="accent1"/>
-          </a:fillRef>
-          <a:effectRef idx="1">
-            <a:schemeClr val="accent1"/>
-          </a:effectRef>
-          <a:fontRef idx="minor">
-            <a:schemeClr val="tx1"/>
-          </a:fontRef>
-        </p:style>
-      </p:cxnSp>
-      <p:cxnSp>
-        <p:nvCxnSpPr>
-          <p:cNvPr id="29" name="Straight Connector 28"/>
-          <p:cNvCxnSpPr/>
-          <p:nvPr/>
-        </p:nvCxnSpPr>
-        <p:spPr>
-          <a:xfrm flipV="1">
-            <a:off x="2978150" y="3819527"/>
-            <a:ext cx="2720975" cy="1508124"/>
-          </a:xfrm>
-          <a:prstGeom prst="line">
-            <a:avLst/>
-          </a:prstGeom>
-        </p:spPr>
-        <p:style>
-          <a:lnRef idx="2">
-            <a:schemeClr val="accent1"/>
-          </a:lnRef>
-          <a:fillRef idx="0">
-            <a:schemeClr val="accent1"/>
-          </a:fillRef>
-          <a:effectRef idx="1">
-            <a:schemeClr val="accent1"/>
-          </a:effectRef>
-          <a:fontRef idx="minor">
-            <a:schemeClr val="tx1"/>
-          </a:fontRef>
-        </p:style>
-      </p:cxnSp>
-      <p:cxnSp>
-        <p:nvCxnSpPr>
-          <p:cNvPr id="30" name="Straight Connector 29"/>
-          <p:cNvCxnSpPr/>
-          <p:nvPr/>
-        </p:nvCxnSpPr>
-        <p:spPr>
-          <a:xfrm flipV="1">
-            <a:off x="2978150" y="4029076"/>
-            <a:ext cx="2720975" cy="1508124"/>
-          </a:xfrm>
-          <a:prstGeom prst="line">
-            <a:avLst/>
-          </a:prstGeom>
-        </p:spPr>
-        <p:style>
-          <a:lnRef idx="2">
-            <a:schemeClr val="accent1"/>
-          </a:lnRef>
-          <a:fillRef idx="0">
-            <a:schemeClr val="accent1"/>
-          </a:fillRef>
-          <a:effectRef idx="1">
-            <a:schemeClr val="accent1"/>
-          </a:effectRef>
-          <a:fontRef idx="minor">
-            <a:schemeClr val="tx1"/>
-          </a:fontRef>
-        </p:style>
-      </p:cxnSp>
-      <p:cxnSp>
-        <p:nvCxnSpPr>
-          <p:cNvPr id="31" name="Straight Connector 30"/>
-          <p:cNvCxnSpPr/>
-          <p:nvPr/>
-        </p:nvCxnSpPr>
-        <p:spPr>
-          <a:xfrm flipV="1">
-            <a:off x="2978150" y="4181476"/>
-            <a:ext cx="2720975" cy="1508124"/>
-          </a:xfrm>
-          <a:prstGeom prst="line">
-            <a:avLst/>
-          </a:prstGeom>
-        </p:spPr>
-        <p:style>
-          <a:lnRef idx="2">
-            <a:schemeClr val="accent1"/>
-          </a:lnRef>
-          <a:fillRef idx="0">
-            <a:schemeClr val="accent1"/>
-          </a:fillRef>
-          <a:effectRef idx="1">
-            <a:schemeClr val="accent1"/>
-          </a:effectRef>
-          <a:fontRef idx="minor">
-            <a:schemeClr val="tx1"/>
-          </a:fontRef>
-        </p:style>
-      </p:cxnSp>
-      <p:cxnSp>
-        <p:nvCxnSpPr>
-          <p:cNvPr id="32" name="Straight Connector 31"/>
-          <p:cNvCxnSpPr/>
-          <p:nvPr/>
-        </p:nvCxnSpPr>
-        <p:spPr>
-          <a:xfrm flipV="1">
-            <a:off x="2016125" y="4422777"/>
-            <a:ext cx="3553501" cy="1784347"/>
-          </a:xfrm>
-          <a:prstGeom prst="line">
-            <a:avLst/>
-          </a:prstGeom>
-        </p:spPr>
-        <p:style>
-          <a:lnRef idx="2">
-            <a:schemeClr val="accent1"/>
-          </a:lnRef>
-          <a:fillRef idx="0">
-            <a:schemeClr val="accent1"/>
-          </a:fillRef>
-          <a:effectRef idx="1">
-            <a:schemeClr val="accent1"/>
-          </a:effectRef>
-          <a:fontRef idx="minor">
-            <a:schemeClr val="tx1"/>
-          </a:fontRef>
-        </p:style>
-      </p:cxnSp>
-      <p:cxnSp>
-        <p:nvCxnSpPr>
-          <p:cNvPr id="33" name="Straight Connector 32"/>
-          <p:cNvCxnSpPr/>
-          <p:nvPr/>
-        </p:nvCxnSpPr>
-        <p:spPr>
-          <a:xfrm flipV="1">
-            <a:off x="2227262" y="5080000"/>
-            <a:ext cx="3471863" cy="1127124"/>
-          </a:xfrm>
-          <a:prstGeom prst="line">
-            <a:avLst/>
-          </a:prstGeom>
-        </p:spPr>
-        <p:style>
-          <a:lnRef idx="2">
-            <a:schemeClr val="accent1"/>
-          </a:lnRef>
-          <a:fillRef idx="0">
-            <a:schemeClr val="accent1"/>
-          </a:fillRef>
-          <a:effectRef idx="1">
-            <a:schemeClr val="accent1"/>
-          </a:effectRef>
-          <a:fontRef idx="minor">
-            <a:schemeClr val="tx1"/>
-          </a:fontRef>
-        </p:style>
-      </p:cxnSp>
-      <p:cxnSp>
-        <p:nvCxnSpPr>
-          <p:cNvPr id="34" name="Straight Connector 33"/>
-          <p:cNvCxnSpPr/>
-          <p:nvPr/>
-        </p:nvCxnSpPr>
-        <p:spPr>
-          <a:xfrm flipV="1">
-            <a:off x="1041400" y="4699000"/>
-            <a:ext cx="4528226" cy="1508124"/>
-          </a:xfrm>
-          <a:prstGeom prst="line">
-            <a:avLst/>
-          </a:prstGeom>
-        </p:spPr>
-        <p:style>
-          <a:lnRef idx="2">
-            <a:schemeClr val="accent1"/>
-          </a:lnRef>
-          <a:fillRef idx="0">
-            <a:schemeClr val="accent1"/>
-          </a:fillRef>
-          <a:effectRef idx="1">
-            <a:schemeClr val="accent1"/>
-          </a:effectRef>
-          <a:fontRef idx="minor">
-            <a:schemeClr val="tx1"/>
-          </a:fontRef>
-        </p:style>
-      </p:cxnSp>
-      <p:cxnSp>
-        <p:nvCxnSpPr>
-          <p:cNvPr id="35" name="Straight Connector 34"/>
-          <p:cNvCxnSpPr/>
-          <p:nvPr/>
-        </p:nvCxnSpPr>
-        <p:spPr>
-          <a:xfrm flipV="1">
-            <a:off x="1317625" y="4935538"/>
-            <a:ext cx="4381500" cy="1239834"/>
-          </a:xfrm>
-          <a:prstGeom prst="line">
-            <a:avLst/>
-          </a:prstGeom>
-        </p:spPr>
-        <p:style>
-          <a:lnRef idx="2">
-            <a:schemeClr val="accent1"/>
-          </a:lnRef>
-          <a:fillRef idx="0">
-            <a:schemeClr val="accent1"/>
-          </a:fillRef>
-          <a:effectRef idx="1">
-            <a:schemeClr val="accent1"/>
-          </a:effectRef>
-          <a:fontRef idx="minor">
-            <a:schemeClr val="tx1"/>
-          </a:fontRef>
-        </p:style>
-      </p:cxnSp>
-      <p:cxnSp>
-        <p:nvCxnSpPr>
-          <p:cNvPr id="36" name="Straight Connector 35"/>
-          <p:cNvCxnSpPr/>
-          <p:nvPr/>
-        </p:nvCxnSpPr>
-        <p:spPr>
-          <a:xfrm flipV="1">
-            <a:off x="1666140" y="5327651"/>
-            <a:ext cx="4032985" cy="863597"/>
-          </a:xfrm>
-          <a:prstGeom prst="line">
-            <a:avLst/>
-          </a:prstGeom>
-        </p:spPr>
-        <p:style>
-          <a:lnRef idx="2">
-            <a:schemeClr val="accent1"/>
-          </a:lnRef>
-          <a:fillRef idx="0">
-            <a:schemeClr val="accent1"/>
-          </a:fillRef>
-          <a:effectRef idx="1">
-            <a:schemeClr val="accent1"/>
-          </a:effectRef>
-          <a:fontRef idx="minor">
-            <a:schemeClr val="tx1"/>
-          </a:fontRef>
-        </p:style>
-      </p:cxnSp>
-      <p:cxnSp>
-        <p:nvCxnSpPr>
-          <p:cNvPr id="37" name="Straight Connector 36"/>
-          <p:cNvCxnSpPr/>
-          <p:nvPr/>
-        </p:nvCxnSpPr>
-        <p:spPr>
-          <a:xfrm flipV="1">
-            <a:off x="504090" y="4667248"/>
-            <a:ext cx="5065536" cy="517525"/>
-          </a:xfrm>
-          <a:prstGeom prst="line">
-            <a:avLst/>
-          </a:prstGeom>
-        </p:spPr>
-        <p:style>
-          <a:lnRef idx="2">
-            <a:schemeClr val="accent1"/>
-          </a:lnRef>
-          <a:fillRef idx="0">
-            <a:schemeClr val="accent1"/>
-          </a:fillRef>
-          <a:effectRef idx="1">
-            <a:schemeClr val="accent1"/>
-          </a:effectRef>
-          <a:fontRef idx="minor">
-            <a:schemeClr val="tx1"/>
-          </a:fontRef>
-        </p:style>
-      </p:cxnSp>
-      <p:cxnSp>
-        <p:nvCxnSpPr>
-          <p:cNvPr id="38" name="Straight Connector 37"/>
-          <p:cNvCxnSpPr/>
-          <p:nvPr/>
-        </p:nvCxnSpPr>
-        <p:spPr>
-          <a:xfrm flipV="1">
-            <a:off x="504090" y="2984500"/>
-            <a:ext cx="8465285" cy="2452686"/>
-          </a:xfrm>
-          <a:prstGeom prst="line">
-            <a:avLst/>
-          </a:prstGeom>
-        </p:spPr>
-        <p:style>
-          <a:lnRef idx="2">
-            <a:schemeClr val="accent1"/>
-          </a:lnRef>
-          <a:fillRef idx="0">
-            <a:schemeClr val="accent1"/>
-          </a:fillRef>
-          <a:effectRef idx="1">
-            <a:schemeClr val="accent1"/>
-          </a:effectRef>
-          <a:fontRef idx="minor">
-            <a:schemeClr val="tx1"/>
-          </a:fontRef>
-        </p:style>
-      </p:cxnSp>
-      <p:cxnSp>
-        <p:nvCxnSpPr>
-          <p:cNvPr id="39" name="Straight Connector 38"/>
-          <p:cNvCxnSpPr/>
-          <p:nvPr/>
-        </p:nvCxnSpPr>
-        <p:spPr>
-          <a:xfrm flipV="1">
-            <a:off x="504090" y="3302000"/>
-            <a:ext cx="8465285" cy="2416175"/>
-          </a:xfrm>
-          <a:prstGeom prst="line">
-            <a:avLst/>
-          </a:prstGeom>
-        </p:spPr>
-        <p:style>
-          <a:lnRef idx="2">
-            <a:schemeClr val="accent1"/>
-          </a:lnRef>
-          <a:fillRef idx="0">
-            <a:schemeClr val="accent1"/>
-          </a:fillRef>
-          <a:effectRef idx="1">
-            <a:schemeClr val="accent1"/>
-          </a:effectRef>
-          <a:fontRef idx="minor">
-            <a:schemeClr val="tx1"/>
-          </a:fontRef>
-        </p:style>
-      </p:cxnSp>
-      <p:cxnSp>
-        <p:nvCxnSpPr>
-          <p:cNvPr id="40" name="Straight Connector 39"/>
-          <p:cNvCxnSpPr/>
-          <p:nvPr/>
-        </p:nvCxnSpPr>
-        <p:spPr>
-          <a:xfrm flipV="1">
-            <a:off x="504090" y="1571625"/>
-            <a:ext cx="8465285" cy="3095623"/>
-          </a:xfrm>
-          <a:prstGeom prst="line">
-            <a:avLst/>
-          </a:prstGeom>
-        </p:spPr>
-        <p:style>
-          <a:lnRef idx="2">
-            <a:schemeClr val="accent1"/>
-          </a:lnRef>
-          <a:fillRef idx="0">
-            <a:schemeClr val="accent1"/>
-          </a:fillRef>
-          <a:effectRef idx="1">
-            <a:schemeClr val="accent1"/>
-          </a:effectRef>
-          <a:fontRef idx="minor">
-            <a:schemeClr val="tx1"/>
-          </a:fontRef>
-        </p:style>
-      </p:cxnSp>
-      <p:cxnSp>
-        <p:nvCxnSpPr>
-          <p:cNvPr id="41" name="Straight Connector 40"/>
-          <p:cNvCxnSpPr/>
-          <p:nvPr/>
-        </p:nvCxnSpPr>
-        <p:spPr>
-          <a:xfrm flipV="1">
-            <a:off x="519230" y="1095376"/>
-            <a:ext cx="8450145" cy="3175000"/>
-          </a:xfrm>
-          <a:prstGeom prst="line">
-            <a:avLst/>
-          </a:prstGeom>
-        </p:spPr>
-        <p:style>
-          <a:lnRef idx="2">
-            <a:schemeClr val="accent1"/>
-          </a:lnRef>
-          <a:fillRef idx="0">
-            <a:schemeClr val="accent1"/>
-          </a:fillRef>
-          <a:effectRef idx="1">
-            <a:schemeClr val="accent1"/>
-          </a:effectRef>
-          <a:fontRef idx="minor">
-            <a:schemeClr val="tx1"/>
-          </a:fontRef>
-        </p:style>
-      </p:cxnSp>
-      <p:cxnSp>
-        <p:nvCxnSpPr>
-          <p:cNvPr id="42" name="Straight Connector 41"/>
-          <p:cNvCxnSpPr/>
-          <p:nvPr/>
-        </p:nvCxnSpPr>
-        <p:spPr>
-          <a:xfrm flipV="1">
-            <a:off x="504090" y="1905000"/>
-            <a:ext cx="8465285" cy="3030538"/>
-          </a:xfrm>
-          <a:prstGeom prst="line">
-            <a:avLst/>
-          </a:prstGeom>
-        </p:spPr>
-        <p:style>
-          <a:lnRef idx="2">
-            <a:schemeClr val="accent1"/>
-          </a:lnRef>
-          <a:fillRef idx="0">
-            <a:schemeClr val="accent1"/>
-          </a:fillRef>
-          <a:effectRef idx="1">
-            <a:schemeClr val="accent1"/>
-          </a:effectRef>
-          <a:fontRef idx="minor">
-            <a:schemeClr val="tx1"/>
-          </a:fontRef>
-        </p:style>
-      </p:cxnSp>
-      <p:sp>
-        <p:nvSpPr>
-          <p:cNvPr id="55" name="Oval 54"/>
-          <p:cNvSpPr/>
-          <p:nvPr/>
-        </p:nvSpPr>
-        <p:spPr>
-          <a:xfrm>
-            <a:off x="3905250" y="2063750"/>
-            <a:ext cx="603250" cy="4111622"/>
-          </a:xfrm>
-          <a:prstGeom prst="ellipse">
-            <a:avLst/>
-          </a:prstGeom>
-          <a:noFill/>
-          <a:ln w="57150" cmpd="sng">
-            <a:solidFill>
-              <a:srgbClr val="FF0000"/>
-            </a:solidFill>
-          </a:ln>
-        </p:spPr>
-        <p:style>
-          <a:lnRef idx="1">
-            <a:schemeClr val="accent1"/>
-          </a:lnRef>
-          <a:fillRef idx="3">
-            <a:schemeClr val="accent1"/>
-          </a:fillRef>
-          <a:effectRef idx="2">
-            <a:schemeClr val="accent1"/>
-          </a:effectRef>
-          <a:fontRef idx="minor">
-            <a:schemeClr val="lt1"/>
-          </a:fontRef>
-        </p:style>
-        <p:txBody>
-          <a:bodyPr rtlCol="0" anchor="ctr"/>
-          <a:lstStyle/>
-          <a:p>
-            <a:pPr algn="ctr"/>
-            <a:endParaRPr lang="en-US"/>
-          </a:p>
-        </p:txBody>
-      </p:sp>
-      <p:sp>
-        <p:nvSpPr>
-          <p:cNvPr id="56" name="TextBox 55"/>
-          <p:cNvSpPr txBox="1"/>
-          <p:nvPr/>
-        </p:nvSpPr>
-        <p:spPr>
-          <a:xfrm>
-            <a:off x="1190589" y="6397625"/>
-            <a:ext cx="951102" cy="369332"/>
-          </a:xfrm>
-          <a:prstGeom prst="rect">
-            <a:avLst/>
-          </a:prstGeom>
-          <a:noFill/>
-        </p:spPr>
-        <p:txBody>
-          <a:bodyPr wrap="none" rtlCol="0">
-            <a:spAutoFit/>
-          </a:bodyPr>
-          <a:lstStyle/>
-          <a:p>
-            <a:r>
-              <a:rPr lang="en-US" dirty="0" smtClean="0"/>
-              <a:t>Package</a:t>
-            </a:r>
-            <a:endParaRPr lang="en-US" dirty="0"/>
-          </a:p>
-        </p:txBody>
-      </p:sp>
-      <p:sp>
-        <p:nvSpPr>
-          <p:cNvPr id="57" name="TextBox 56"/>
-          <p:cNvSpPr txBox="1"/>
-          <p:nvPr/>
-        </p:nvSpPr>
-        <p:spPr>
-          <a:xfrm>
-            <a:off x="6740489" y="6365359"/>
-            <a:ext cx="875585" cy="369332"/>
-          </a:xfrm>
-          <a:prstGeom prst="rect">
-            <a:avLst/>
-          </a:prstGeom>
-          <a:noFill/>
-        </p:spPr>
-        <p:txBody>
-          <a:bodyPr wrap="none" rtlCol="0">
-            <a:spAutoFit/>
-          </a:bodyPr>
-          <a:lstStyle/>
-          <a:p>
-            <a:r>
-              <a:rPr lang="en-US" dirty="0" smtClean="0"/>
-              <a:t>Symbol</a:t>
-            </a:r>
-            <a:endParaRPr lang="en-US" dirty="0"/>
-          </a:p>
-        </p:txBody>
-      </p:sp>
-      <p:sp>
-        <p:nvSpPr>
-          <p:cNvPr id="58" name="TextBox 57"/>
-          <p:cNvSpPr txBox="1"/>
-          <p:nvPr/>
-        </p:nvSpPr>
-        <p:spPr>
-          <a:xfrm>
-            <a:off x="3162264" y="6275387"/>
-            <a:ext cx="2042484" cy="369332"/>
-          </a:xfrm>
-          <a:prstGeom prst="rect">
-            <a:avLst/>
-          </a:prstGeom>
-          <a:noFill/>
-        </p:spPr>
-        <p:txBody>
-          <a:bodyPr wrap="none" rtlCol="0">
-            <a:spAutoFit/>
-          </a:bodyPr>
-          <a:lstStyle/>
-          <a:p>
-            <a:r>
-              <a:rPr lang="en-US" dirty="0" smtClean="0"/>
-              <a:t>Device Pin Mapping</a:t>
-            </a:r>
-            <a:endParaRPr lang="en-US" dirty="0"/>
-          </a:p>
-        </p:txBody>
-      </p:sp>
-      <p:sp>
-        <p:nvSpPr>
-          <p:cNvPr id="59" name="TextBox 58"/>
-          <p:cNvSpPr txBox="1"/>
-          <p:nvPr/>
-        </p:nvSpPr>
-        <p:spPr>
-          <a:xfrm>
-            <a:off x="849962" y="2466459"/>
-            <a:ext cx="1377300" cy="369332"/>
-          </a:xfrm>
-          <a:prstGeom prst="rect">
-            <a:avLst/>
-          </a:prstGeom>
-          <a:noFill/>
-        </p:spPr>
-        <p:txBody>
-          <a:bodyPr wrap="none" rtlCol="0">
-            <a:spAutoFit/>
-          </a:bodyPr>
-          <a:lstStyle/>
-          <a:p>
-            <a:r>
-              <a:rPr lang="en-US" dirty="0" smtClean="0"/>
-              <a:t>Physical part</a:t>
-            </a:r>
-            <a:endParaRPr lang="en-US" dirty="0"/>
-          </a:p>
-        </p:txBody>
-      </p:sp>
-    </p:spTree>
-    <p:extLst>
-      <p:ext uri="{BB962C8B-B14F-4D97-AF65-F5344CB8AC3E}">
-        <p14:creationId xmlns:p14="http://schemas.microsoft.com/office/powerpoint/2010/main" val="1989894804"/>
-      </p:ext>
-    </p:extLst>
-  </p:cSld>
-  <p:clrMapOvr>
-    <a:masterClrMapping/>
-  </p:clrMapOvr>
-  <p:timing>
-    <p:tnLst>
-      <p:par>
-        <p:cTn xmlns:p14="http://schemas.microsoft.com/office/powerpoint/2010/main" id="1" dur="indefinite" restart="never" nodeType="tmRoot"/>
-      </p:par>
-    </p:tnLst>
-  </p:timing>
-</p:sld>
-</file>
-
-<file path=ppt/slides/slide4.xml><?xml version="1.0" encoding="utf-8"?>
-<p:sld xmlns:a="http://schemas.openxmlformats.org/drawingml/2006/main" xmlns:r="http://schemas.openxmlformats.org/officeDocument/2006/relationships" xmlns:p="http://schemas.openxmlformats.org/presentationml/2006/main">
-  <p:cSld>
-    <p:spTree>
-      <p:nvGrpSpPr>
-        <p:cNvPr id="1" name=""/>
-        <p:cNvGrpSpPr/>
-        <p:nvPr/>
-      </p:nvGrpSpPr>
-      <p:grpSpPr>
-        <a:xfrm>
-          <a:off x="0" y="0"/>
-          <a:ext cx="0" cy="0"/>
-          <a:chOff x="0" y="0"/>
-          <a:chExt cx="0" cy="0"/>
-        </a:xfrm>
-      </p:grpSpPr>
-      <p:sp>
-        <p:nvSpPr>
-          <p:cNvPr id="2" name="Title 1"/>
-          <p:cNvSpPr>
-            <a:spLocks noGrp="1"/>
-          </p:cNvSpPr>
-          <p:nvPr>
-            <p:ph type="title"/>
-          </p:nvPr>
-        </p:nvSpPr>
-        <p:spPr/>
-        <p:txBody>
-          <a:bodyPr/>
-          <a:lstStyle/>
-          <a:p>
-            <a:r>
-              <a:rPr lang="en-US" dirty="0" smtClean="0"/>
-              <a:t>PCB Libraries: Packages</a:t>
-            </a:r>
-            <a:endParaRPr lang="en-US" dirty="0"/>
-          </a:p>
-        </p:txBody>
-      </p:sp>
-      <p:sp>
-        <p:nvSpPr>
-          <p:cNvPr id="3" name="Content Placeholder 2"/>
-          <p:cNvSpPr>
-            <a:spLocks noGrp="1"/>
-          </p:cNvSpPr>
-          <p:nvPr>
-            <p:ph idx="1"/>
-          </p:nvPr>
-        </p:nvSpPr>
-        <p:spPr/>
-        <p:txBody>
-          <a:bodyPr/>
-          <a:lstStyle/>
-          <a:p>
-            <a:r>
-              <a:rPr lang="en-US" dirty="0" smtClean="0"/>
-              <a:t>Mechanical description of the part</a:t>
-            </a:r>
-          </a:p>
-          <a:p>
-            <a:r>
-              <a:rPr lang="en-US" dirty="0" smtClean="0"/>
-              <a:t>Electrical connections (i.e., pads and SMDs)</a:t>
-            </a:r>
-          </a:p>
-          <a:p>
-            <a:r>
-              <a:rPr lang="en-US" dirty="0" smtClean="0"/>
-              <a:t>Other things: “</a:t>
-            </a:r>
-            <a:r>
-              <a:rPr lang="en-US" dirty="0" err="1" smtClean="0"/>
-              <a:t>keepouts</a:t>
-            </a:r>
-            <a:r>
-              <a:rPr lang="en-US" dirty="0" smtClean="0"/>
-              <a:t>”, mounting holes, documentation, labels etc.</a:t>
-            </a:r>
-          </a:p>
-          <a:p>
-            <a:r>
-              <a:rPr lang="en-US" dirty="0" smtClean="0"/>
-              <a:t>Generic packages: e.g., 0805 Resistor</a:t>
-            </a:r>
-          </a:p>
-          <a:p>
-            <a:r>
-              <a:rPr lang="en-US" dirty="0" smtClean="0"/>
-              <a:t>Specific packages: e.g., Atmegat128RF</a:t>
-            </a:r>
-          </a:p>
-        </p:txBody>
-      </p:sp>
-      <p:pic>
-        <p:nvPicPr>
-          <p:cNvPr id="4" name="Picture 3"/>
-          <p:cNvPicPr>
-            <a:picLocks noChangeAspect="1"/>
-          </p:cNvPicPr>
-          <p:nvPr/>
-        </p:nvPicPr>
-        <p:blipFill>
-          <a:blip r:embed="rId2"/>
-          <a:stretch>
-            <a:fillRect/>
-          </a:stretch>
-        </p:blipFill>
-        <p:spPr>
-          <a:xfrm>
-            <a:off x="457200" y="5358269"/>
-            <a:ext cx="3000375" cy="1266454"/>
-          </a:xfrm>
-          <a:prstGeom prst="rect">
-            <a:avLst/>
-          </a:prstGeom>
-        </p:spPr>
-      </p:pic>
-      <p:pic>
-        <p:nvPicPr>
-          <p:cNvPr id="5" name="Picture 4"/>
-          <p:cNvPicPr>
-            <a:picLocks noChangeAspect="1"/>
-          </p:cNvPicPr>
-          <p:nvPr/>
-        </p:nvPicPr>
-        <p:blipFill>
-          <a:blip r:embed="rId3"/>
-          <a:stretch>
-            <a:fillRect/>
-          </a:stretch>
-        </p:blipFill>
-        <p:spPr>
-          <a:xfrm>
-            <a:off x="5787360" y="5130602"/>
-            <a:ext cx="3356639" cy="1721787"/>
-          </a:xfrm>
-          <a:prstGeom prst="rect">
-            <a:avLst/>
-          </a:prstGeom>
-        </p:spPr>
-      </p:pic>
-      <p:pic>
-        <p:nvPicPr>
-          <p:cNvPr id="6" name="Picture 5"/>
-          <p:cNvPicPr>
-            <a:picLocks noChangeAspect="1"/>
-          </p:cNvPicPr>
-          <p:nvPr/>
-        </p:nvPicPr>
-        <p:blipFill>
-          <a:blip r:embed="rId4"/>
-          <a:stretch>
-            <a:fillRect/>
-          </a:stretch>
-        </p:blipFill>
-        <p:spPr>
-          <a:xfrm>
-            <a:off x="3873500" y="5026182"/>
-            <a:ext cx="1447799" cy="1831818"/>
-          </a:xfrm>
-          <a:prstGeom prst="rect">
-            <a:avLst/>
-          </a:prstGeom>
-        </p:spPr>
-      </p:pic>
-    </p:spTree>
-    <p:extLst>
-      <p:ext uri="{BB962C8B-B14F-4D97-AF65-F5344CB8AC3E}">
-        <p14:creationId xmlns:p14="http://schemas.microsoft.com/office/powerpoint/2010/main" val="1303850685"/>
-      </p:ext>
-    </p:extLst>
-  </p:cSld>
-  <p:clrMapOvr>
-    <a:masterClrMapping/>
-  </p:clrMapOvr>
-</p:sld>
-</file>
-
-<file path=ppt/slides/slide5.xml><?xml version="1.0" encoding="utf-8"?>
-<p:sld xmlns:a="http://schemas.openxmlformats.org/drawingml/2006/main" xmlns:r="http://schemas.openxmlformats.org/officeDocument/2006/relationships" xmlns:p="http://schemas.openxmlformats.org/presentationml/2006/main">
-  <p:cSld>
-    <p:spTree>
-      <p:nvGrpSpPr>
-        <p:cNvPr id="1" name=""/>
-        <p:cNvGrpSpPr/>
-        <p:nvPr/>
-      </p:nvGrpSpPr>
-      <p:grpSpPr>
-        <a:xfrm>
-          <a:off x="0" y="0"/>
-          <a:ext cx="0" cy="0"/>
-          <a:chOff x="0" y="0"/>
-          <a:chExt cx="0" cy="0"/>
-        </a:xfrm>
-      </p:grpSpPr>
-      <p:sp>
-        <p:nvSpPr>
-          <p:cNvPr id="2" name="Title 1"/>
-          <p:cNvSpPr>
-            <a:spLocks noGrp="1"/>
-          </p:cNvSpPr>
-          <p:nvPr>
-            <p:ph type="title"/>
-          </p:nvPr>
-        </p:nvSpPr>
-        <p:spPr/>
-        <p:txBody>
-          <a:bodyPr/>
-          <a:lstStyle/>
-          <a:p>
-            <a:r>
-              <a:rPr lang="en-US" dirty="0" smtClean="0"/>
-              <a:t>PCB Libraries: Symbols</a:t>
-            </a:r>
-            <a:endParaRPr lang="en-US" dirty="0"/>
-          </a:p>
-        </p:txBody>
-      </p:sp>
-      <p:sp>
-        <p:nvSpPr>
-          <p:cNvPr id="3" name="Content Placeholder 2"/>
-          <p:cNvSpPr>
-            <a:spLocks noGrp="1"/>
-          </p:cNvSpPr>
-          <p:nvPr>
-            <p:ph idx="1"/>
-          </p:nvPr>
-        </p:nvSpPr>
-        <p:spPr>
-          <a:xfrm>
-            <a:off x="441325" y="1409700"/>
-            <a:ext cx="8229600" cy="4525963"/>
-          </a:xfrm>
-        </p:spPr>
-        <p:txBody>
-          <a:bodyPr/>
-          <a:lstStyle/>
-          <a:p>
-            <a:r>
-              <a:rPr lang="en-US" dirty="0" smtClean="0"/>
-              <a:t>Schematic representation of the component</a:t>
-            </a:r>
-          </a:p>
-          <a:p>
-            <a:r>
-              <a:rPr lang="en-US" dirty="0" smtClean="0"/>
-              <a:t>Electrical connection points </a:t>
-            </a:r>
-            <a:r>
-              <a:rPr lang="mr-IN" dirty="0" smtClean="0"/>
-              <a:t>–</a:t>
-            </a:r>
-            <a:r>
-              <a:rPr lang="en-US" dirty="0" smtClean="0"/>
-              <a:t> “pins”</a:t>
-            </a:r>
-          </a:p>
-          <a:p>
-            <a:r>
-              <a:rPr lang="en-US" dirty="0" smtClean="0"/>
-              <a:t>Generic symbols: resistors, capacitors, etc.</a:t>
-            </a:r>
-          </a:p>
-          <a:p>
-            <a:r>
-              <a:rPr lang="en-US" dirty="0" smtClean="0"/>
-              <a:t>Specific symbols: e.g., Atmega128RF</a:t>
-            </a:r>
-          </a:p>
-          <a:p>
-            <a:r>
-              <a:rPr lang="en-US" dirty="0" smtClean="0"/>
-              <a:t>Documentation, labels, etc.</a:t>
-            </a:r>
-          </a:p>
-          <a:p>
-            <a:r>
-              <a:rPr lang="en-US" dirty="0" smtClean="0"/>
-              <a:t>Organized for ease of use and readability</a:t>
-            </a:r>
-          </a:p>
-          <a:p>
-            <a:endParaRPr lang="en-US" dirty="0" smtClean="0"/>
-          </a:p>
-        </p:txBody>
-      </p:sp>
-      <p:pic>
-        <p:nvPicPr>
-          <p:cNvPr id="4" name="Picture 3"/>
-          <p:cNvPicPr>
-            <a:picLocks noChangeAspect="1"/>
-          </p:cNvPicPr>
-          <p:nvPr/>
-        </p:nvPicPr>
-        <p:blipFill>
-          <a:blip r:embed="rId2"/>
-          <a:stretch>
-            <a:fillRect/>
-          </a:stretch>
-        </p:blipFill>
-        <p:spPr>
-          <a:xfrm>
-            <a:off x="294506" y="5046663"/>
-            <a:ext cx="1735639" cy="1571625"/>
-          </a:xfrm>
-          <a:prstGeom prst="rect">
-            <a:avLst/>
-          </a:prstGeom>
-        </p:spPr>
-      </p:pic>
-      <p:pic>
-        <p:nvPicPr>
-          <p:cNvPr id="5" name="Picture 4"/>
-          <p:cNvPicPr>
-            <a:picLocks noChangeAspect="1"/>
-          </p:cNvPicPr>
-          <p:nvPr/>
-        </p:nvPicPr>
-        <p:blipFill>
-          <a:blip r:embed="rId3"/>
-          <a:stretch>
-            <a:fillRect/>
-          </a:stretch>
-        </p:blipFill>
-        <p:spPr>
-          <a:xfrm>
-            <a:off x="7010612" y="5222874"/>
-            <a:ext cx="1974637" cy="1365065"/>
-          </a:xfrm>
-          <a:prstGeom prst="rect">
-            <a:avLst/>
-          </a:prstGeom>
-        </p:spPr>
-      </p:pic>
-      <p:pic>
-        <p:nvPicPr>
-          <p:cNvPr id="6" name="Picture 5"/>
-          <p:cNvPicPr>
-            <a:picLocks noChangeAspect="1"/>
-          </p:cNvPicPr>
-          <p:nvPr/>
-        </p:nvPicPr>
-        <p:blipFill>
-          <a:blip r:embed="rId4"/>
-          <a:stretch>
-            <a:fillRect/>
-          </a:stretch>
-        </p:blipFill>
-        <p:spPr>
-          <a:xfrm>
-            <a:off x="2603500" y="5697556"/>
-            <a:ext cx="1873250" cy="428607"/>
-          </a:xfrm>
-          <a:prstGeom prst="rect">
-            <a:avLst/>
-          </a:prstGeom>
-        </p:spPr>
-      </p:pic>
-      <p:pic>
-        <p:nvPicPr>
-          <p:cNvPr id="7" name="Picture 6"/>
-          <p:cNvPicPr>
-            <a:picLocks noChangeAspect="1"/>
-          </p:cNvPicPr>
-          <p:nvPr/>
-        </p:nvPicPr>
-        <p:blipFill>
-          <a:blip r:embed="rId5"/>
-          <a:stretch>
-            <a:fillRect/>
-          </a:stretch>
-        </p:blipFill>
-        <p:spPr>
-          <a:xfrm>
-            <a:off x="5256496" y="5180013"/>
-            <a:ext cx="953803" cy="1438275"/>
-          </a:xfrm>
-          <a:prstGeom prst="rect">
-            <a:avLst/>
-          </a:prstGeom>
-        </p:spPr>
-      </p:pic>
-    </p:spTree>
-    <p:extLst>
-      <p:ext uri="{BB962C8B-B14F-4D97-AF65-F5344CB8AC3E}">
-        <p14:creationId xmlns:p14="http://schemas.microsoft.com/office/powerpoint/2010/main" val="404899139"/>
-      </p:ext>
-    </p:extLst>
-  </p:cSld>
-  <p:clrMapOvr>
-    <a:masterClrMapping/>
-  </p:clrMapOvr>
-</p:sld>
-</file>
-
-<file path=ppt/slides/slide6.xml><?xml version="1.0" encoding="utf-8"?>
-<p:sld xmlns:a="http://schemas.openxmlformats.org/drawingml/2006/main" xmlns:r="http://schemas.openxmlformats.org/officeDocument/2006/relationships" xmlns:p="http://schemas.openxmlformats.org/presentationml/2006/main">
-  <p:cSld>
-    <p:spTree>
-      <p:nvGrpSpPr>
-        <p:cNvPr id="1" name=""/>
-        <p:cNvGrpSpPr/>
-        <p:nvPr/>
-      </p:nvGrpSpPr>
-      <p:grpSpPr>
-        <a:xfrm>
-          <a:off x="0" y="0"/>
-          <a:ext cx="0" cy="0"/>
-          <a:chOff x="0" y="0"/>
-          <a:chExt cx="0" cy="0"/>
-        </a:xfrm>
-      </p:grpSpPr>
-      <p:sp>
-        <p:nvSpPr>
-          <p:cNvPr id="2" name="Title 1"/>
-          <p:cNvSpPr>
-            <a:spLocks noGrp="1"/>
-          </p:cNvSpPr>
-          <p:nvPr>
-            <p:ph type="title"/>
-          </p:nvPr>
-        </p:nvSpPr>
-        <p:spPr/>
-        <p:txBody>
-          <a:bodyPr/>
-          <a:lstStyle/>
-          <a:p>
-            <a:r>
-              <a:rPr lang="en-US" dirty="0" smtClean="0"/>
-              <a:t>PCB Libraries: Devices</a:t>
-            </a:r>
-            <a:endParaRPr lang="en-US" dirty="0"/>
-          </a:p>
-        </p:txBody>
-      </p:sp>
-      <p:sp>
-        <p:nvSpPr>
-          <p:cNvPr id="3" name="Content Placeholder 2"/>
-          <p:cNvSpPr>
-            <a:spLocks noGrp="1"/>
-          </p:cNvSpPr>
-          <p:nvPr>
-            <p:ph idx="1"/>
-          </p:nvPr>
-        </p:nvSpPr>
-        <p:spPr/>
-        <p:txBody>
-          <a:bodyPr>
-            <a:normAutofit fontScale="92500" lnSpcReduction="20000"/>
-          </a:bodyPr>
-          <a:lstStyle/>
-          <a:p>
-            <a:r>
-              <a:rPr lang="en-US" dirty="0" smtClean="0"/>
-              <a:t>Devices map between</a:t>
-            </a:r>
-          </a:p>
-          <a:p>
-            <a:pPr lvl="1"/>
-            <a:r>
-              <a:rPr lang="en-US" dirty="0" smtClean="0"/>
-              <a:t>1 symbol</a:t>
-            </a:r>
-          </a:p>
-          <a:p>
-            <a:pPr lvl="1"/>
-            <a:r>
-              <a:rPr lang="en-US" dirty="0" smtClean="0"/>
-              <a:t>&gt;=1 packages</a:t>
-            </a:r>
-          </a:p>
-          <a:p>
-            <a:r>
-              <a:rPr lang="en-US" dirty="0" smtClean="0"/>
-              <a:t>For each package, the device maps the schematic pins to the package pads/SMDs.</a:t>
-            </a:r>
-          </a:p>
-          <a:p>
-            <a:r>
-              <a:rPr lang="en-US" dirty="0" smtClean="0"/>
-              <a:t>Metadata</a:t>
-            </a:r>
-          </a:p>
-          <a:p>
-            <a:pPr lvl="1"/>
-            <a:r>
-              <a:rPr lang="en-US" dirty="0"/>
-              <a:t>“attributes</a:t>
-            </a:r>
-            <a:r>
-              <a:rPr lang="en-US" dirty="0" smtClean="0"/>
-              <a:t>” -- E.g., Manufacturer, part number, etc.</a:t>
-            </a:r>
-          </a:p>
-          <a:p>
-            <a:pPr lvl="1"/>
-            <a:r>
-              <a:rPr lang="en-US" dirty="0" smtClean="0"/>
-              <a:t>Name prefix for reference designators -- </a:t>
-            </a:r>
-            <a:r>
-              <a:rPr lang="en-US" dirty="0" err="1" smtClean="0"/>
-              <a:t>e.g</a:t>
-            </a:r>
-            <a:r>
-              <a:rPr lang="en-US" dirty="0" smtClean="0"/>
-              <a:t>, the “R” in R1, R2, etc.</a:t>
-            </a:r>
-          </a:p>
-          <a:p>
-            <a:pPr lvl="1"/>
-            <a:r>
-              <a:rPr lang="en-US" dirty="0" smtClean="0"/>
-              <a:t>Does it have a “value” (e.g., a resistor’s value is it’s resistance, but a microcontroller doesn’t have a value)</a:t>
-            </a:r>
-          </a:p>
-          <a:p>
-            <a:pPr lvl="1"/>
-            <a:endParaRPr lang="en-US" dirty="0"/>
-          </a:p>
-        </p:txBody>
-      </p:sp>
-    </p:spTree>
-    <p:extLst>
-      <p:ext uri="{BB962C8B-B14F-4D97-AF65-F5344CB8AC3E}">
-        <p14:creationId xmlns:p14="http://schemas.microsoft.com/office/powerpoint/2010/main" val="2471138546"/>
-      </p:ext>
-    </p:extLst>
-  </p:cSld>
-  <p:clrMapOvr>
-    <a:masterClrMapping/>
-  </p:clrMapOvr>
-</p:sld>
-</file>
-
-<file path=ppt/slides/slide7.xml><?xml version="1.0" encoding="utf-8"?>
-<p:sld xmlns:a="http://schemas.openxmlformats.org/drawingml/2006/main" xmlns:r="http://schemas.openxmlformats.org/officeDocument/2006/relationships" xmlns:p="http://schemas.openxmlformats.org/presentationml/2006/main">
-  <p:cSld>
-    <p:spTree>
-      <p:nvGrpSpPr>
-        <p:cNvPr id="1" name=""/>
-        <p:cNvGrpSpPr/>
-        <p:nvPr/>
-      </p:nvGrpSpPr>
-      <p:grpSpPr>
-        <a:xfrm>
-          <a:off x="0" y="0"/>
-          <a:ext cx="0" cy="0"/>
-          <a:chOff x="0" y="0"/>
-          <a:chExt cx="0" cy="0"/>
-        </a:xfrm>
-      </p:grpSpPr>
-      <p:sp>
-        <p:nvSpPr>
-          <p:cNvPr id="2" name="Title 1"/>
-          <p:cNvSpPr>
-            <a:spLocks noGrp="1"/>
-          </p:cNvSpPr>
-          <p:nvPr>
-            <p:ph type="title"/>
-          </p:nvPr>
-        </p:nvSpPr>
-        <p:spPr/>
-        <p:txBody>
-          <a:bodyPr>
-            <a:normAutofit/>
-          </a:bodyPr>
-          <a:lstStyle/>
-          <a:p>
-            <a:r>
-              <a:rPr lang="en-US" dirty="0" smtClean="0"/>
-              <a:t>Device Example: LED</a:t>
-            </a:r>
-            <a:endParaRPr lang="en-US" dirty="0"/>
-          </a:p>
-        </p:txBody>
-      </p:sp>
-      <p:sp>
-        <p:nvSpPr>
-          <p:cNvPr id="3" name="Content Placeholder 2"/>
-          <p:cNvSpPr>
-            <a:spLocks noGrp="1"/>
-          </p:cNvSpPr>
-          <p:nvPr>
-            <p:ph idx="1"/>
-          </p:nvPr>
-        </p:nvSpPr>
-        <p:spPr/>
-        <p:txBody>
-          <a:bodyPr/>
-          <a:lstStyle/>
-          <a:p>
-            <a:pPr marL="0" indent="0">
-              <a:buNone/>
-            </a:pPr>
-            <a:endParaRPr lang="en-US" dirty="0"/>
-          </a:p>
-        </p:txBody>
-      </p:sp>
-      <p:pic>
-        <p:nvPicPr>
-          <p:cNvPr id="5" name="Picture 4"/>
-          <p:cNvPicPr>
-            <a:picLocks noChangeAspect="1"/>
-          </p:cNvPicPr>
-          <p:nvPr/>
-        </p:nvPicPr>
-        <p:blipFill>
-          <a:blip r:embed="rId2"/>
-          <a:stretch>
-            <a:fillRect/>
-          </a:stretch>
-        </p:blipFill>
-        <p:spPr>
-          <a:xfrm>
-            <a:off x="457200" y="2578637"/>
-            <a:ext cx="1524000" cy="2171700"/>
-          </a:xfrm>
-          <a:prstGeom prst="rect">
-            <a:avLst/>
-          </a:prstGeom>
-        </p:spPr>
-      </p:pic>
-      <p:pic>
-        <p:nvPicPr>
-          <p:cNvPr id="6" name="Picture 5"/>
-          <p:cNvPicPr>
-            <a:picLocks noChangeAspect="1"/>
-          </p:cNvPicPr>
-          <p:nvPr/>
-        </p:nvPicPr>
-        <p:blipFill>
-          <a:blip r:embed="rId3"/>
-          <a:stretch>
-            <a:fillRect/>
-          </a:stretch>
-        </p:blipFill>
-        <p:spPr>
-          <a:xfrm>
-            <a:off x="6406384" y="1406529"/>
-            <a:ext cx="2214628" cy="1018099"/>
-          </a:xfrm>
-          <a:prstGeom prst="rect">
-            <a:avLst/>
-          </a:prstGeom>
-        </p:spPr>
-      </p:pic>
-      <p:pic>
-        <p:nvPicPr>
-          <p:cNvPr id="7" name="Picture 6"/>
-          <p:cNvPicPr>
-            <a:picLocks noChangeAspect="1"/>
-          </p:cNvPicPr>
-          <p:nvPr/>
-        </p:nvPicPr>
-        <p:blipFill>
-          <a:blip r:embed="rId4"/>
-          <a:stretch>
-            <a:fillRect/>
-          </a:stretch>
-        </p:blipFill>
-        <p:spPr>
-          <a:xfrm rot="5400000">
-            <a:off x="3992282" y="4520689"/>
-            <a:ext cx="934132" cy="2036198"/>
-          </a:xfrm>
-          <a:prstGeom prst="rect">
-            <a:avLst/>
-          </a:prstGeom>
-        </p:spPr>
-      </p:pic>
-      <p:pic>
-        <p:nvPicPr>
-          <p:cNvPr id="8" name="Picture 7"/>
-          <p:cNvPicPr>
-            <a:picLocks noChangeAspect="1"/>
-          </p:cNvPicPr>
-          <p:nvPr/>
-        </p:nvPicPr>
-        <p:blipFill>
-          <a:blip r:embed="rId5"/>
-          <a:stretch>
-            <a:fillRect/>
-          </a:stretch>
-        </p:blipFill>
-        <p:spPr>
-          <a:xfrm>
-            <a:off x="6005337" y="2755535"/>
-            <a:ext cx="2991323" cy="1437934"/>
-          </a:xfrm>
-          <a:prstGeom prst="rect">
-            <a:avLst/>
-          </a:prstGeom>
-        </p:spPr>
-      </p:pic>
-      <p:pic>
-        <p:nvPicPr>
-          <p:cNvPr id="9" name="Picture 8"/>
-          <p:cNvPicPr>
-            <a:picLocks noChangeAspect="1"/>
-          </p:cNvPicPr>
-          <p:nvPr/>
-        </p:nvPicPr>
-        <p:blipFill>
-          <a:blip r:embed="rId6"/>
-          <a:stretch>
-            <a:fillRect/>
-          </a:stretch>
-        </p:blipFill>
-        <p:spPr>
-          <a:xfrm>
-            <a:off x="6157615" y="4587908"/>
-            <a:ext cx="2853514" cy="1503533"/>
-          </a:xfrm>
-          <a:prstGeom prst="rect">
-            <a:avLst/>
-          </a:prstGeom>
-        </p:spPr>
-      </p:pic>
-      <p:pic>
-        <p:nvPicPr>
-          <p:cNvPr id="10" name="Picture 9"/>
-          <p:cNvPicPr>
-            <a:picLocks noChangeAspect="1"/>
-          </p:cNvPicPr>
-          <p:nvPr/>
-        </p:nvPicPr>
-        <p:blipFill>
-          <a:blip r:embed="rId7"/>
-          <a:stretch>
-            <a:fillRect/>
-          </a:stretch>
-        </p:blipFill>
-        <p:spPr>
-          <a:xfrm>
-            <a:off x="4108130" y="2047181"/>
-            <a:ext cx="1432686" cy="1416708"/>
-          </a:xfrm>
-          <a:prstGeom prst="rect">
-            <a:avLst/>
-          </a:prstGeom>
-        </p:spPr>
-      </p:pic>
-      <p:pic>
-        <p:nvPicPr>
-          <p:cNvPr id="11" name="Picture 10"/>
-          <p:cNvPicPr>
-            <a:picLocks noChangeAspect="1"/>
-          </p:cNvPicPr>
-          <p:nvPr/>
-        </p:nvPicPr>
-        <p:blipFill>
-          <a:blip r:embed="rId8"/>
-          <a:stretch>
-            <a:fillRect/>
-          </a:stretch>
-        </p:blipFill>
-        <p:spPr>
-          <a:xfrm>
-            <a:off x="4329829" y="3906537"/>
-            <a:ext cx="792438" cy="843800"/>
-          </a:xfrm>
-          <a:prstGeom prst="rect">
-            <a:avLst/>
-          </a:prstGeom>
-        </p:spPr>
-      </p:pic>
-      <p:sp>
-        <p:nvSpPr>
-          <p:cNvPr id="12" name="TextBox 11"/>
-          <p:cNvSpPr txBox="1"/>
-          <p:nvPr/>
-        </p:nvSpPr>
-        <p:spPr>
-          <a:xfrm>
-            <a:off x="571500" y="4714058"/>
-            <a:ext cx="2197236" cy="584776"/>
-          </a:xfrm>
-          <a:prstGeom prst="rect">
-            <a:avLst/>
-          </a:prstGeom>
-          <a:noFill/>
-        </p:spPr>
-        <p:txBody>
-          <a:bodyPr wrap="none" rtlCol="0">
-            <a:spAutoFit/>
-          </a:bodyPr>
-          <a:lstStyle/>
-          <a:p>
-            <a:r>
-              <a:rPr lang="en-US" sz="3200" dirty="0" smtClean="0"/>
-              <a:t>One Symbol</a:t>
-            </a:r>
-            <a:endParaRPr lang="en-US" sz="3200" dirty="0"/>
-          </a:p>
-        </p:txBody>
-      </p:sp>
-      <p:sp>
-        <p:nvSpPr>
-          <p:cNvPr id="13" name="TextBox 12"/>
-          <p:cNvSpPr txBox="1"/>
-          <p:nvPr/>
-        </p:nvSpPr>
-        <p:spPr>
-          <a:xfrm>
-            <a:off x="5477447" y="6126163"/>
-            <a:ext cx="2749270" cy="584776"/>
-          </a:xfrm>
-          <a:prstGeom prst="rect">
-            <a:avLst/>
-          </a:prstGeom>
-          <a:noFill/>
-        </p:spPr>
-        <p:txBody>
-          <a:bodyPr wrap="none" rtlCol="0">
-            <a:spAutoFit/>
-          </a:bodyPr>
-          <a:lstStyle/>
-          <a:p>
-            <a:r>
-              <a:rPr lang="en-US" sz="3200" dirty="0" smtClean="0"/>
-              <a:t>Many Packages</a:t>
-            </a:r>
-            <a:endParaRPr lang="en-US" sz="3200" dirty="0"/>
-          </a:p>
-        </p:txBody>
-      </p:sp>
-    </p:spTree>
-    <p:extLst>
-      <p:ext uri="{BB962C8B-B14F-4D97-AF65-F5344CB8AC3E}">
-        <p14:creationId xmlns:p14="http://schemas.microsoft.com/office/powerpoint/2010/main" val="1304726912"/>
-      </p:ext>
-    </p:extLst>
-  </p:cSld>
-  <p:clrMapOvr>
-    <a:masterClrMapping/>
-  </p:clrMapOvr>
-</p:sld>
-</file>
-
-<file path=ppt/slides/slide8.xml><?xml version="1.0" encoding="utf-8"?>
+<file path=ppt/slides/slide10.xml><?xml version="1.0" encoding="utf-8"?>
 <p:sld xmlns:a="http://schemas.openxmlformats.org/drawingml/2006/main" xmlns:r="http://schemas.openxmlformats.org/officeDocument/2006/relationships" xmlns:p="http://schemas.openxmlformats.org/presentationml/2006/main">
   <p:cSld>
     <p:spTree>
@@ -5525,6 +3690,2056 @@
       </p:par>
     </p:tnLst>
   </p:timing>
+</p:sld>
+</file>
+
+<file path=ppt/slides/slide2.xml><?xml version="1.0" encoding="utf-8"?>
+<p:sld xmlns:a="http://schemas.openxmlformats.org/drawingml/2006/main" xmlns:r="http://schemas.openxmlformats.org/officeDocument/2006/relationships" xmlns:p="http://schemas.openxmlformats.org/presentationml/2006/main">
+  <p:cSld>
+    <p:spTree>
+      <p:nvGrpSpPr>
+        <p:cNvPr id="1" name=""/>
+        <p:cNvGrpSpPr/>
+        <p:nvPr/>
+      </p:nvGrpSpPr>
+      <p:grpSpPr>
+        <a:xfrm>
+          <a:off x="0" y="0"/>
+          <a:ext cx="0" cy="0"/>
+          <a:chOff x="0" y="0"/>
+          <a:chExt cx="0" cy="0"/>
+        </a:xfrm>
+      </p:grpSpPr>
+      <p:sp>
+        <p:nvSpPr>
+          <p:cNvPr id="2" name="Title 1"/>
+          <p:cNvSpPr>
+            <a:spLocks noGrp="1"/>
+          </p:cNvSpPr>
+          <p:nvPr>
+            <p:ph type="title"/>
+          </p:nvPr>
+        </p:nvSpPr>
+        <p:spPr/>
+        <p:txBody>
+          <a:bodyPr/>
+          <a:lstStyle/>
+          <a:p>
+            <a:r>
+              <a:rPr lang="en-US" dirty="0" smtClean="0"/>
+              <a:t>PCM Assembly</a:t>
+            </a:r>
+            <a:endParaRPr lang="en-US" dirty="0"/>
+          </a:p>
+        </p:txBody>
+      </p:sp>
+      <p:sp>
+        <p:nvSpPr>
+          <p:cNvPr id="3" name="Content Placeholder 2"/>
+          <p:cNvSpPr>
+            <a:spLocks noGrp="1"/>
+          </p:cNvSpPr>
+          <p:nvPr>
+            <p:ph idx="1"/>
+          </p:nvPr>
+        </p:nvSpPr>
+        <p:spPr/>
+        <p:txBody>
+          <a:bodyPr/>
+          <a:lstStyle/>
+          <a:p>
+            <a:r>
+              <a:rPr lang="en-US" dirty="0">
+                <a:hlinkClick r:id="rId2"/>
+              </a:rPr>
+              <a:t>https://youtu.be/gu0v8lfLcKg?t=3m59s</a:t>
+            </a:r>
+          </a:p>
+          <a:p>
+            <a:r>
+              <a:rPr lang="en-US" dirty="0" smtClean="0">
+                <a:hlinkClick r:id="rId2"/>
+              </a:rPr>
+              <a:t>https</a:t>
+            </a:r>
+            <a:r>
+              <a:rPr lang="en-US" dirty="0">
+                <a:hlinkClick r:id="rId2"/>
+              </a:rPr>
+              <a:t>://youtu.be/2qk5vxWY46A?t=</a:t>
+            </a:r>
+            <a:r>
+              <a:rPr lang="en-US" dirty="0" smtClean="0">
+                <a:hlinkClick r:id="rId2"/>
+              </a:rPr>
+              <a:t>2m28s</a:t>
+            </a:r>
+            <a:endParaRPr lang="en-US" dirty="0" smtClean="0"/>
+          </a:p>
+          <a:p>
+            <a:endParaRPr lang="en-US" dirty="0"/>
+          </a:p>
+        </p:txBody>
+      </p:sp>
+    </p:spTree>
+    <p:extLst>
+      <p:ext uri="{BB962C8B-B14F-4D97-AF65-F5344CB8AC3E}">
+        <p14:creationId xmlns:p14="http://schemas.microsoft.com/office/powerpoint/2010/main" val="124302695"/>
+      </p:ext>
+    </p:extLst>
+  </p:cSld>
+  <p:clrMapOvr>
+    <a:masterClrMapping/>
+  </p:clrMapOvr>
+</p:sld>
+</file>
+
+<file path=ppt/slides/slide3.xml><?xml version="1.0" encoding="utf-8"?>
+<p:sld xmlns:a="http://schemas.openxmlformats.org/drawingml/2006/main" xmlns:r="http://schemas.openxmlformats.org/officeDocument/2006/relationships" xmlns:p="http://schemas.openxmlformats.org/presentationml/2006/main">
+  <p:cSld>
+    <p:spTree>
+      <p:nvGrpSpPr>
+        <p:cNvPr id="1" name=""/>
+        <p:cNvGrpSpPr/>
+        <p:nvPr/>
+      </p:nvGrpSpPr>
+      <p:grpSpPr>
+        <a:xfrm>
+          <a:off x="0" y="0"/>
+          <a:ext cx="0" cy="0"/>
+          <a:chOff x="0" y="0"/>
+          <a:chExt cx="0" cy="0"/>
+        </a:xfrm>
+      </p:grpSpPr>
+      <p:sp>
+        <p:nvSpPr>
+          <p:cNvPr id="2" name="Title 1"/>
+          <p:cNvSpPr>
+            <a:spLocks noGrp="1"/>
+          </p:cNvSpPr>
+          <p:nvPr>
+            <p:ph type="title"/>
+          </p:nvPr>
+        </p:nvSpPr>
+        <p:spPr/>
+        <p:txBody>
+          <a:bodyPr/>
+          <a:lstStyle/>
+          <a:p>
+            <a:r>
+              <a:rPr lang="en-US" dirty="0" smtClean="0"/>
+              <a:t>Part Sizes</a:t>
+            </a:r>
+            <a:endParaRPr lang="en-US" dirty="0"/>
+          </a:p>
+        </p:txBody>
+      </p:sp>
+      <p:pic>
+        <p:nvPicPr>
+          <p:cNvPr id="4" name="Content Placeholder 3"/>
+          <p:cNvPicPr>
+            <a:picLocks noGrp="1" noChangeAspect="1"/>
+          </p:cNvPicPr>
+          <p:nvPr>
+            <p:ph idx="1"/>
+          </p:nvPr>
+        </p:nvPicPr>
+        <p:blipFill>
+          <a:blip r:embed="rId2"/>
+          <a:srcRect t="24933" b="24933"/>
+          <a:stretch>
+            <a:fillRect/>
+          </a:stretch>
+        </p:blipFill>
+        <p:spPr/>
+      </p:pic>
+      <p:sp>
+        <p:nvSpPr>
+          <p:cNvPr id="5" name="Rectangle 4"/>
+          <p:cNvSpPr/>
+          <p:nvPr/>
+        </p:nvSpPr>
+        <p:spPr>
+          <a:xfrm>
+            <a:off x="3841750" y="2778125"/>
+            <a:ext cx="2111375" cy="3348038"/>
+          </a:xfrm>
+          <a:prstGeom prst="rect">
+            <a:avLst/>
+          </a:prstGeom>
+          <a:noFill/>
+          <a:ln w="38100" cmpd="sng">
+            <a:solidFill>
+              <a:srgbClr val="FF0000"/>
+            </a:solidFill>
+          </a:ln>
+        </p:spPr>
+        <p:style>
+          <a:lnRef idx="1">
+            <a:schemeClr val="accent1"/>
+          </a:lnRef>
+          <a:fillRef idx="3">
+            <a:schemeClr val="accent1"/>
+          </a:fillRef>
+          <a:effectRef idx="2">
+            <a:schemeClr val="accent1"/>
+          </a:effectRef>
+          <a:fontRef idx="minor">
+            <a:schemeClr val="lt1"/>
+          </a:fontRef>
+        </p:style>
+        <p:txBody>
+          <a:bodyPr rtlCol="0" anchor="ctr"/>
+          <a:lstStyle/>
+          <a:p>
+            <a:pPr algn="ctr"/>
+            <a:endParaRPr lang="en-US"/>
+          </a:p>
+        </p:txBody>
+      </p:sp>
+    </p:spTree>
+    <p:extLst>
+      <p:ext uri="{BB962C8B-B14F-4D97-AF65-F5344CB8AC3E}">
+        <p14:creationId xmlns:p14="http://schemas.microsoft.com/office/powerpoint/2010/main" val="489738326"/>
+      </p:ext>
+    </p:extLst>
+  </p:cSld>
+  <p:clrMapOvr>
+    <a:masterClrMapping/>
+  </p:clrMapOvr>
+</p:sld>
+</file>
+
+<file path=ppt/slides/slide4.xml><?xml version="1.0" encoding="utf-8"?>
+<p:sld xmlns:a="http://schemas.openxmlformats.org/drawingml/2006/main" xmlns:r="http://schemas.openxmlformats.org/officeDocument/2006/relationships" xmlns:p="http://schemas.openxmlformats.org/presentationml/2006/main">
+  <p:cSld>
+    <p:spTree>
+      <p:nvGrpSpPr>
+        <p:cNvPr id="1" name=""/>
+        <p:cNvGrpSpPr/>
+        <p:nvPr/>
+      </p:nvGrpSpPr>
+      <p:grpSpPr>
+        <a:xfrm>
+          <a:off x="0" y="0"/>
+          <a:ext cx="0" cy="0"/>
+          <a:chOff x="0" y="0"/>
+          <a:chExt cx="0" cy="0"/>
+        </a:xfrm>
+      </p:grpSpPr>
+      <p:sp>
+        <p:nvSpPr>
+          <p:cNvPr id="2" name="Title 1"/>
+          <p:cNvSpPr>
+            <a:spLocks noGrp="1"/>
+          </p:cNvSpPr>
+          <p:nvPr>
+            <p:ph type="title"/>
+          </p:nvPr>
+        </p:nvSpPr>
+        <p:spPr/>
+        <p:txBody>
+          <a:bodyPr/>
+          <a:lstStyle/>
+          <a:p>
+            <a:r>
+              <a:rPr lang="en-US" dirty="0" smtClean="0"/>
+              <a:t>PCB Libraries</a:t>
+            </a:r>
+            <a:endParaRPr lang="en-US" dirty="0"/>
+          </a:p>
+        </p:txBody>
+      </p:sp>
+      <p:sp>
+        <p:nvSpPr>
+          <p:cNvPr id="3" name="Content Placeholder 2"/>
+          <p:cNvSpPr>
+            <a:spLocks noGrp="1"/>
+          </p:cNvSpPr>
+          <p:nvPr>
+            <p:ph idx="1"/>
+          </p:nvPr>
+        </p:nvSpPr>
+        <p:spPr/>
+        <p:txBody>
+          <a:bodyPr>
+            <a:normAutofit fontScale="92500" lnSpcReduction="20000"/>
+          </a:bodyPr>
+          <a:lstStyle/>
+          <a:p>
+            <a:r>
+              <a:rPr lang="en-US" dirty="0" smtClean="0"/>
+              <a:t>To use a part on a PCB, you need a library entry for it</a:t>
+            </a:r>
+          </a:p>
+          <a:p>
+            <a:pPr lvl="1"/>
+            <a:r>
+              <a:rPr lang="en-US" dirty="0" smtClean="0"/>
+              <a:t>Physical/mechanical information for the board</a:t>
+            </a:r>
+          </a:p>
+          <a:p>
+            <a:pPr lvl="1"/>
+            <a:r>
+              <a:rPr lang="en-US" dirty="0" smtClean="0"/>
+              <a:t>Logical/electrical information for the schematic</a:t>
+            </a:r>
+          </a:p>
+          <a:p>
+            <a:pPr lvl="1"/>
+            <a:r>
+              <a:rPr lang="en-US" dirty="0" smtClean="0"/>
+              <a:t>Mapping between the two</a:t>
+            </a:r>
+          </a:p>
+          <a:p>
+            <a:pPr lvl="1"/>
+            <a:r>
+              <a:rPr lang="en-US" dirty="0" smtClean="0"/>
+              <a:t>Metadata</a:t>
+            </a:r>
+          </a:p>
+          <a:p>
+            <a:r>
+              <a:rPr lang="en-US" dirty="0" smtClean="0"/>
+              <a:t>A well designed library, will make your life much, much easier.</a:t>
+            </a:r>
+          </a:p>
+          <a:p>
+            <a:r>
+              <a:rPr lang="en-US" dirty="0" smtClean="0"/>
+              <a:t>There are lots of libraries are the internet</a:t>
+            </a:r>
+          </a:p>
+          <a:p>
+            <a:pPr lvl="1"/>
+            <a:r>
+              <a:rPr lang="en-US" dirty="0" smtClean="0"/>
+              <a:t>Some are good, some are bad, some a poor match for what we need.</a:t>
+            </a:r>
+          </a:p>
+        </p:txBody>
+      </p:sp>
+    </p:spTree>
+    <p:extLst>
+      <p:ext uri="{BB962C8B-B14F-4D97-AF65-F5344CB8AC3E}">
+        <p14:creationId xmlns:p14="http://schemas.microsoft.com/office/powerpoint/2010/main" val="667542074"/>
+      </p:ext>
+    </p:extLst>
+  </p:cSld>
+  <p:clrMapOvr>
+    <a:masterClrMapping/>
+  </p:clrMapOvr>
+</p:sld>
+</file>
+
+<file path=ppt/slides/slide5.xml><?xml version="1.0" encoding="utf-8"?>
+<p:sld xmlns:a="http://schemas.openxmlformats.org/drawingml/2006/main" xmlns:r="http://schemas.openxmlformats.org/officeDocument/2006/relationships" xmlns:p="http://schemas.openxmlformats.org/presentationml/2006/main">
+  <p:cSld>
+    <p:spTree>
+      <p:nvGrpSpPr>
+        <p:cNvPr id="1" name=""/>
+        <p:cNvGrpSpPr/>
+        <p:nvPr/>
+      </p:nvGrpSpPr>
+      <p:grpSpPr>
+        <a:xfrm>
+          <a:off x="0" y="0"/>
+          <a:ext cx="0" cy="0"/>
+          <a:chOff x="0" y="0"/>
+          <a:chExt cx="0" cy="0"/>
+        </a:xfrm>
+      </p:grpSpPr>
+      <p:sp>
+        <p:nvSpPr>
+          <p:cNvPr id="2" name="Title 1"/>
+          <p:cNvSpPr>
+            <a:spLocks noGrp="1"/>
+          </p:cNvSpPr>
+          <p:nvPr>
+            <p:ph type="title"/>
+          </p:nvPr>
+        </p:nvSpPr>
+        <p:spPr/>
+        <p:txBody>
+          <a:bodyPr/>
+          <a:lstStyle/>
+          <a:p>
+            <a:endParaRPr lang="en-US" dirty="0"/>
+          </a:p>
+        </p:txBody>
+      </p:sp>
+      <p:pic>
+        <p:nvPicPr>
+          <p:cNvPr id="6" name="Picture 5" descr="64-QFN_sml.jpg"/>
+          <p:cNvPicPr>
+            <a:picLocks noChangeAspect="1"/>
+          </p:cNvPicPr>
+          <p:nvPr/>
+        </p:nvPicPr>
+        <p:blipFill>
+          <a:blip r:embed="rId2">
+            <a:extLst>
+              <a:ext uri="{28A0092B-C50C-407E-A947-70E740481C1C}">
+                <a14:useLocalDpi xmlns:a14="http://schemas.microsoft.com/office/drawing/2010/main" val="0"/>
+              </a:ext>
+            </a:extLst>
+          </a:blip>
+          <a:stretch>
+            <a:fillRect/>
+          </a:stretch>
+        </p:blipFill>
+        <p:spPr>
+          <a:xfrm>
+            <a:off x="285750" y="274638"/>
+            <a:ext cx="2540000" cy="2540000"/>
+          </a:xfrm>
+          <a:prstGeom prst="rect">
+            <a:avLst/>
+          </a:prstGeom>
+        </p:spPr>
+      </p:pic>
+      <p:pic>
+        <p:nvPicPr>
+          <p:cNvPr id="9" name="Picture 8"/>
+          <p:cNvPicPr>
+            <a:picLocks noChangeAspect="1"/>
+          </p:cNvPicPr>
+          <p:nvPr/>
+        </p:nvPicPr>
+        <p:blipFill>
+          <a:blip r:embed="rId3"/>
+          <a:stretch>
+            <a:fillRect/>
+          </a:stretch>
+        </p:blipFill>
+        <p:spPr>
+          <a:xfrm>
+            <a:off x="457200" y="3687762"/>
+            <a:ext cx="2569428" cy="2587625"/>
+          </a:xfrm>
+          <a:prstGeom prst="rect">
+            <a:avLst/>
+          </a:prstGeom>
+        </p:spPr>
+      </p:pic>
+      <p:pic>
+        <p:nvPicPr>
+          <p:cNvPr id="10" name="Picture 9"/>
+          <p:cNvPicPr>
+            <a:picLocks noChangeAspect="1"/>
+          </p:cNvPicPr>
+          <p:nvPr/>
+        </p:nvPicPr>
+        <p:blipFill>
+          <a:blip r:embed="rId4"/>
+          <a:stretch>
+            <a:fillRect/>
+          </a:stretch>
+        </p:blipFill>
+        <p:spPr>
+          <a:xfrm>
+            <a:off x="5569626" y="873124"/>
+            <a:ext cx="3574374" cy="5402263"/>
+          </a:xfrm>
+          <a:prstGeom prst="rect">
+            <a:avLst/>
+          </a:prstGeom>
+        </p:spPr>
+      </p:pic>
+      <p:cxnSp>
+        <p:nvCxnSpPr>
+          <p:cNvPr id="12" name="Straight Connector 11"/>
+          <p:cNvCxnSpPr/>
+          <p:nvPr/>
+        </p:nvCxnSpPr>
+        <p:spPr>
+          <a:xfrm flipV="1">
+            <a:off x="2978150" y="1095376"/>
+            <a:ext cx="2720975" cy="3175000"/>
+          </a:xfrm>
+          <a:prstGeom prst="line">
+            <a:avLst/>
+          </a:prstGeom>
+        </p:spPr>
+        <p:style>
+          <a:lnRef idx="2">
+            <a:schemeClr val="accent1"/>
+          </a:lnRef>
+          <a:fillRef idx="0">
+            <a:schemeClr val="accent1"/>
+          </a:fillRef>
+          <a:effectRef idx="1">
+            <a:schemeClr val="accent1"/>
+          </a:effectRef>
+          <a:fontRef idx="minor">
+            <a:schemeClr val="tx1"/>
+          </a:fontRef>
+        </p:style>
+      </p:cxnSp>
+      <p:cxnSp>
+        <p:nvCxnSpPr>
+          <p:cNvPr id="15" name="Straight Connector 14"/>
+          <p:cNvCxnSpPr/>
+          <p:nvPr/>
+        </p:nvCxnSpPr>
+        <p:spPr>
+          <a:xfrm flipV="1">
+            <a:off x="2978150" y="1247775"/>
+            <a:ext cx="2720975" cy="3175002"/>
+          </a:xfrm>
+          <a:prstGeom prst="line">
+            <a:avLst/>
+          </a:prstGeom>
+        </p:spPr>
+        <p:style>
+          <a:lnRef idx="2">
+            <a:schemeClr val="accent1"/>
+          </a:lnRef>
+          <a:fillRef idx="0">
+            <a:schemeClr val="accent1"/>
+          </a:fillRef>
+          <a:effectRef idx="1">
+            <a:schemeClr val="accent1"/>
+          </a:effectRef>
+          <a:fontRef idx="minor">
+            <a:schemeClr val="tx1"/>
+          </a:fontRef>
+        </p:style>
+      </p:cxnSp>
+      <p:cxnSp>
+        <p:nvCxnSpPr>
+          <p:cNvPr id="16" name="Straight Connector 15"/>
+          <p:cNvCxnSpPr/>
+          <p:nvPr/>
+        </p:nvCxnSpPr>
+        <p:spPr>
+          <a:xfrm flipV="1">
+            <a:off x="2978150" y="2651125"/>
+            <a:ext cx="2720975" cy="2047875"/>
+          </a:xfrm>
+          <a:prstGeom prst="line">
+            <a:avLst/>
+          </a:prstGeom>
+        </p:spPr>
+        <p:style>
+          <a:lnRef idx="2">
+            <a:schemeClr val="accent1"/>
+          </a:lnRef>
+          <a:fillRef idx="0">
+            <a:schemeClr val="accent1"/>
+          </a:fillRef>
+          <a:effectRef idx="1">
+            <a:schemeClr val="accent1"/>
+          </a:effectRef>
+          <a:fontRef idx="minor">
+            <a:schemeClr val="tx1"/>
+          </a:fontRef>
+        </p:style>
+      </p:cxnSp>
+      <p:cxnSp>
+        <p:nvCxnSpPr>
+          <p:cNvPr id="17" name="Straight Connector 16"/>
+          <p:cNvCxnSpPr/>
+          <p:nvPr/>
+        </p:nvCxnSpPr>
+        <p:spPr>
+          <a:xfrm flipV="1">
+            <a:off x="2978150" y="3571876"/>
+            <a:ext cx="2720975" cy="1508124"/>
+          </a:xfrm>
+          <a:prstGeom prst="line">
+            <a:avLst/>
+          </a:prstGeom>
+        </p:spPr>
+        <p:style>
+          <a:lnRef idx="2">
+            <a:schemeClr val="accent1"/>
+          </a:lnRef>
+          <a:fillRef idx="0">
+            <a:schemeClr val="accent1"/>
+          </a:fillRef>
+          <a:effectRef idx="1">
+            <a:schemeClr val="accent1"/>
+          </a:effectRef>
+          <a:fontRef idx="minor">
+            <a:schemeClr val="tx1"/>
+          </a:fontRef>
+        </p:style>
+      </p:cxnSp>
+      <p:cxnSp>
+        <p:nvCxnSpPr>
+          <p:cNvPr id="18" name="Straight Connector 17"/>
+          <p:cNvCxnSpPr/>
+          <p:nvPr/>
+        </p:nvCxnSpPr>
+        <p:spPr>
+          <a:xfrm flipV="1">
+            <a:off x="1333500" y="2206626"/>
+            <a:ext cx="4365625" cy="1603374"/>
+          </a:xfrm>
+          <a:prstGeom prst="line">
+            <a:avLst/>
+          </a:prstGeom>
+        </p:spPr>
+        <p:style>
+          <a:lnRef idx="2">
+            <a:schemeClr val="accent1"/>
+          </a:lnRef>
+          <a:fillRef idx="0">
+            <a:schemeClr val="accent1"/>
+          </a:fillRef>
+          <a:effectRef idx="1">
+            <a:schemeClr val="accent1"/>
+          </a:effectRef>
+          <a:fontRef idx="minor">
+            <a:schemeClr val="tx1"/>
+          </a:fontRef>
+        </p:style>
+      </p:cxnSp>
+      <p:cxnSp>
+        <p:nvCxnSpPr>
+          <p:cNvPr id="29" name="Straight Connector 28"/>
+          <p:cNvCxnSpPr/>
+          <p:nvPr/>
+        </p:nvCxnSpPr>
+        <p:spPr>
+          <a:xfrm flipV="1">
+            <a:off x="2978150" y="3819527"/>
+            <a:ext cx="2720975" cy="1508124"/>
+          </a:xfrm>
+          <a:prstGeom prst="line">
+            <a:avLst/>
+          </a:prstGeom>
+        </p:spPr>
+        <p:style>
+          <a:lnRef idx="2">
+            <a:schemeClr val="accent1"/>
+          </a:lnRef>
+          <a:fillRef idx="0">
+            <a:schemeClr val="accent1"/>
+          </a:fillRef>
+          <a:effectRef idx="1">
+            <a:schemeClr val="accent1"/>
+          </a:effectRef>
+          <a:fontRef idx="minor">
+            <a:schemeClr val="tx1"/>
+          </a:fontRef>
+        </p:style>
+      </p:cxnSp>
+      <p:cxnSp>
+        <p:nvCxnSpPr>
+          <p:cNvPr id="30" name="Straight Connector 29"/>
+          <p:cNvCxnSpPr/>
+          <p:nvPr/>
+        </p:nvCxnSpPr>
+        <p:spPr>
+          <a:xfrm flipV="1">
+            <a:off x="2978150" y="4029076"/>
+            <a:ext cx="2720975" cy="1508124"/>
+          </a:xfrm>
+          <a:prstGeom prst="line">
+            <a:avLst/>
+          </a:prstGeom>
+        </p:spPr>
+        <p:style>
+          <a:lnRef idx="2">
+            <a:schemeClr val="accent1"/>
+          </a:lnRef>
+          <a:fillRef idx="0">
+            <a:schemeClr val="accent1"/>
+          </a:fillRef>
+          <a:effectRef idx="1">
+            <a:schemeClr val="accent1"/>
+          </a:effectRef>
+          <a:fontRef idx="minor">
+            <a:schemeClr val="tx1"/>
+          </a:fontRef>
+        </p:style>
+      </p:cxnSp>
+      <p:cxnSp>
+        <p:nvCxnSpPr>
+          <p:cNvPr id="31" name="Straight Connector 30"/>
+          <p:cNvCxnSpPr/>
+          <p:nvPr/>
+        </p:nvCxnSpPr>
+        <p:spPr>
+          <a:xfrm flipV="1">
+            <a:off x="2978150" y="4181476"/>
+            <a:ext cx="2720975" cy="1508124"/>
+          </a:xfrm>
+          <a:prstGeom prst="line">
+            <a:avLst/>
+          </a:prstGeom>
+        </p:spPr>
+        <p:style>
+          <a:lnRef idx="2">
+            <a:schemeClr val="accent1"/>
+          </a:lnRef>
+          <a:fillRef idx="0">
+            <a:schemeClr val="accent1"/>
+          </a:fillRef>
+          <a:effectRef idx="1">
+            <a:schemeClr val="accent1"/>
+          </a:effectRef>
+          <a:fontRef idx="minor">
+            <a:schemeClr val="tx1"/>
+          </a:fontRef>
+        </p:style>
+      </p:cxnSp>
+      <p:cxnSp>
+        <p:nvCxnSpPr>
+          <p:cNvPr id="32" name="Straight Connector 31"/>
+          <p:cNvCxnSpPr/>
+          <p:nvPr/>
+        </p:nvCxnSpPr>
+        <p:spPr>
+          <a:xfrm flipV="1">
+            <a:off x="2016125" y="4422777"/>
+            <a:ext cx="3553501" cy="1784347"/>
+          </a:xfrm>
+          <a:prstGeom prst="line">
+            <a:avLst/>
+          </a:prstGeom>
+        </p:spPr>
+        <p:style>
+          <a:lnRef idx="2">
+            <a:schemeClr val="accent1"/>
+          </a:lnRef>
+          <a:fillRef idx="0">
+            <a:schemeClr val="accent1"/>
+          </a:fillRef>
+          <a:effectRef idx="1">
+            <a:schemeClr val="accent1"/>
+          </a:effectRef>
+          <a:fontRef idx="minor">
+            <a:schemeClr val="tx1"/>
+          </a:fontRef>
+        </p:style>
+      </p:cxnSp>
+      <p:cxnSp>
+        <p:nvCxnSpPr>
+          <p:cNvPr id="33" name="Straight Connector 32"/>
+          <p:cNvCxnSpPr/>
+          <p:nvPr/>
+        </p:nvCxnSpPr>
+        <p:spPr>
+          <a:xfrm flipV="1">
+            <a:off x="2227262" y="5080000"/>
+            <a:ext cx="3471863" cy="1127124"/>
+          </a:xfrm>
+          <a:prstGeom prst="line">
+            <a:avLst/>
+          </a:prstGeom>
+        </p:spPr>
+        <p:style>
+          <a:lnRef idx="2">
+            <a:schemeClr val="accent1"/>
+          </a:lnRef>
+          <a:fillRef idx="0">
+            <a:schemeClr val="accent1"/>
+          </a:fillRef>
+          <a:effectRef idx="1">
+            <a:schemeClr val="accent1"/>
+          </a:effectRef>
+          <a:fontRef idx="minor">
+            <a:schemeClr val="tx1"/>
+          </a:fontRef>
+        </p:style>
+      </p:cxnSp>
+      <p:cxnSp>
+        <p:nvCxnSpPr>
+          <p:cNvPr id="34" name="Straight Connector 33"/>
+          <p:cNvCxnSpPr/>
+          <p:nvPr/>
+        </p:nvCxnSpPr>
+        <p:spPr>
+          <a:xfrm flipV="1">
+            <a:off x="1041400" y="4699000"/>
+            <a:ext cx="4528226" cy="1508124"/>
+          </a:xfrm>
+          <a:prstGeom prst="line">
+            <a:avLst/>
+          </a:prstGeom>
+        </p:spPr>
+        <p:style>
+          <a:lnRef idx="2">
+            <a:schemeClr val="accent1"/>
+          </a:lnRef>
+          <a:fillRef idx="0">
+            <a:schemeClr val="accent1"/>
+          </a:fillRef>
+          <a:effectRef idx="1">
+            <a:schemeClr val="accent1"/>
+          </a:effectRef>
+          <a:fontRef idx="minor">
+            <a:schemeClr val="tx1"/>
+          </a:fontRef>
+        </p:style>
+      </p:cxnSp>
+      <p:cxnSp>
+        <p:nvCxnSpPr>
+          <p:cNvPr id="35" name="Straight Connector 34"/>
+          <p:cNvCxnSpPr/>
+          <p:nvPr/>
+        </p:nvCxnSpPr>
+        <p:spPr>
+          <a:xfrm flipV="1">
+            <a:off x="1317625" y="4935538"/>
+            <a:ext cx="4381500" cy="1239834"/>
+          </a:xfrm>
+          <a:prstGeom prst="line">
+            <a:avLst/>
+          </a:prstGeom>
+        </p:spPr>
+        <p:style>
+          <a:lnRef idx="2">
+            <a:schemeClr val="accent1"/>
+          </a:lnRef>
+          <a:fillRef idx="0">
+            <a:schemeClr val="accent1"/>
+          </a:fillRef>
+          <a:effectRef idx="1">
+            <a:schemeClr val="accent1"/>
+          </a:effectRef>
+          <a:fontRef idx="minor">
+            <a:schemeClr val="tx1"/>
+          </a:fontRef>
+        </p:style>
+      </p:cxnSp>
+      <p:cxnSp>
+        <p:nvCxnSpPr>
+          <p:cNvPr id="36" name="Straight Connector 35"/>
+          <p:cNvCxnSpPr/>
+          <p:nvPr/>
+        </p:nvCxnSpPr>
+        <p:spPr>
+          <a:xfrm flipV="1">
+            <a:off x="1666140" y="5327651"/>
+            <a:ext cx="4032985" cy="863597"/>
+          </a:xfrm>
+          <a:prstGeom prst="line">
+            <a:avLst/>
+          </a:prstGeom>
+        </p:spPr>
+        <p:style>
+          <a:lnRef idx="2">
+            <a:schemeClr val="accent1"/>
+          </a:lnRef>
+          <a:fillRef idx="0">
+            <a:schemeClr val="accent1"/>
+          </a:fillRef>
+          <a:effectRef idx="1">
+            <a:schemeClr val="accent1"/>
+          </a:effectRef>
+          <a:fontRef idx="minor">
+            <a:schemeClr val="tx1"/>
+          </a:fontRef>
+        </p:style>
+      </p:cxnSp>
+      <p:cxnSp>
+        <p:nvCxnSpPr>
+          <p:cNvPr id="37" name="Straight Connector 36"/>
+          <p:cNvCxnSpPr/>
+          <p:nvPr/>
+        </p:nvCxnSpPr>
+        <p:spPr>
+          <a:xfrm flipV="1">
+            <a:off x="504090" y="4667248"/>
+            <a:ext cx="5065536" cy="517525"/>
+          </a:xfrm>
+          <a:prstGeom prst="line">
+            <a:avLst/>
+          </a:prstGeom>
+        </p:spPr>
+        <p:style>
+          <a:lnRef idx="2">
+            <a:schemeClr val="accent1"/>
+          </a:lnRef>
+          <a:fillRef idx="0">
+            <a:schemeClr val="accent1"/>
+          </a:fillRef>
+          <a:effectRef idx="1">
+            <a:schemeClr val="accent1"/>
+          </a:effectRef>
+          <a:fontRef idx="minor">
+            <a:schemeClr val="tx1"/>
+          </a:fontRef>
+        </p:style>
+      </p:cxnSp>
+      <p:cxnSp>
+        <p:nvCxnSpPr>
+          <p:cNvPr id="38" name="Straight Connector 37"/>
+          <p:cNvCxnSpPr/>
+          <p:nvPr/>
+        </p:nvCxnSpPr>
+        <p:spPr>
+          <a:xfrm flipV="1">
+            <a:off x="504090" y="2984500"/>
+            <a:ext cx="8465285" cy="2452686"/>
+          </a:xfrm>
+          <a:prstGeom prst="line">
+            <a:avLst/>
+          </a:prstGeom>
+        </p:spPr>
+        <p:style>
+          <a:lnRef idx="2">
+            <a:schemeClr val="accent1"/>
+          </a:lnRef>
+          <a:fillRef idx="0">
+            <a:schemeClr val="accent1"/>
+          </a:fillRef>
+          <a:effectRef idx="1">
+            <a:schemeClr val="accent1"/>
+          </a:effectRef>
+          <a:fontRef idx="minor">
+            <a:schemeClr val="tx1"/>
+          </a:fontRef>
+        </p:style>
+      </p:cxnSp>
+      <p:cxnSp>
+        <p:nvCxnSpPr>
+          <p:cNvPr id="39" name="Straight Connector 38"/>
+          <p:cNvCxnSpPr/>
+          <p:nvPr/>
+        </p:nvCxnSpPr>
+        <p:spPr>
+          <a:xfrm flipV="1">
+            <a:off x="504090" y="3302000"/>
+            <a:ext cx="8465285" cy="2416175"/>
+          </a:xfrm>
+          <a:prstGeom prst="line">
+            <a:avLst/>
+          </a:prstGeom>
+        </p:spPr>
+        <p:style>
+          <a:lnRef idx="2">
+            <a:schemeClr val="accent1"/>
+          </a:lnRef>
+          <a:fillRef idx="0">
+            <a:schemeClr val="accent1"/>
+          </a:fillRef>
+          <a:effectRef idx="1">
+            <a:schemeClr val="accent1"/>
+          </a:effectRef>
+          <a:fontRef idx="minor">
+            <a:schemeClr val="tx1"/>
+          </a:fontRef>
+        </p:style>
+      </p:cxnSp>
+      <p:cxnSp>
+        <p:nvCxnSpPr>
+          <p:cNvPr id="40" name="Straight Connector 39"/>
+          <p:cNvCxnSpPr/>
+          <p:nvPr/>
+        </p:nvCxnSpPr>
+        <p:spPr>
+          <a:xfrm flipV="1">
+            <a:off x="504090" y="1571625"/>
+            <a:ext cx="8465285" cy="3095623"/>
+          </a:xfrm>
+          <a:prstGeom prst="line">
+            <a:avLst/>
+          </a:prstGeom>
+        </p:spPr>
+        <p:style>
+          <a:lnRef idx="2">
+            <a:schemeClr val="accent1"/>
+          </a:lnRef>
+          <a:fillRef idx="0">
+            <a:schemeClr val="accent1"/>
+          </a:fillRef>
+          <a:effectRef idx="1">
+            <a:schemeClr val="accent1"/>
+          </a:effectRef>
+          <a:fontRef idx="minor">
+            <a:schemeClr val="tx1"/>
+          </a:fontRef>
+        </p:style>
+      </p:cxnSp>
+      <p:cxnSp>
+        <p:nvCxnSpPr>
+          <p:cNvPr id="41" name="Straight Connector 40"/>
+          <p:cNvCxnSpPr/>
+          <p:nvPr/>
+        </p:nvCxnSpPr>
+        <p:spPr>
+          <a:xfrm flipV="1">
+            <a:off x="519230" y="1095376"/>
+            <a:ext cx="8450145" cy="3175000"/>
+          </a:xfrm>
+          <a:prstGeom prst="line">
+            <a:avLst/>
+          </a:prstGeom>
+        </p:spPr>
+        <p:style>
+          <a:lnRef idx="2">
+            <a:schemeClr val="accent1"/>
+          </a:lnRef>
+          <a:fillRef idx="0">
+            <a:schemeClr val="accent1"/>
+          </a:fillRef>
+          <a:effectRef idx="1">
+            <a:schemeClr val="accent1"/>
+          </a:effectRef>
+          <a:fontRef idx="minor">
+            <a:schemeClr val="tx1"/>
+          </a:fontRef>
+        </p:style>
+      </p:cxnSp>
+      <p:cxnSp>
+        <p:nvCxnSpPr>
+          <p:cNvPr id="42" name="Straight Connector 41"/>
+          <p:cNvCxnSpPr/>
+          <p:nvPr/>
+        </p:nvCxnSpPr>
+        <p:spPr>
+          <a:xfrm flipV="1">
+            <a:off x="504090" y="1905000"/>
+            <a:ext cx="8465285" cy="3030538"/>
+          </a:xfrm>
+          <a:prstGeom prst="line">
+            <a:avLst/>
+          </a:prstGeom>
+        </p:spPr>
+        <p:style>
+          <a:lnRef idx="2">
+            <a:schemeClr val="accent1"/>
+          </a:lnRef>
+          <a:fillRef idx="0">
+            <a:schemeClr val="accent1"/>
+          </a:fillRef>
+          <a:effectRef idx="1">
+            <a:schemeClr val="accent1"/>
+          </a:effectRef>
+          <a:fontRef idx="minor">
+            <a:schemeClr val="tx1"/>
+          </a:fontRef>
+        </p:style>
+      </p:cxnSp>
+      <p:sp>
+        <p:nvSpPr>
+          <p:cNvPr id="55" name="Oval 54"/>
+          <p:cNvSpPr/>
+          <p:nvPr/>
+        </p:nvSpPr>
+        <p:spPr>
+          <a:xfrm>
+            <a:off x="3905250" y="2063750"/>
+            <a:ext cx="603250" cy="4111622"/>
+          </a:xfrm>
+          <a:prstGeom prst="ellipse">
+            <a:avLst/>
+          </a:prstGeom>
+          <a:noFill/>
+          <a:ln w="57150" cmpd="sng">
+            <a:solidFill>
+              <a:srgbClr val="FF0000"/>
+            </a:solidFill>
+          </a:ln>
+        </p:spPr>
+        <p:style>
+          <a:lnRef idx="1">
+            <a:schemeClr val="accent1"/>
+          </a:lnRef>
+          <a:fillRef idx="3">
+            <a:schemeClr val="accent1"/>
+          </a:fillRef>
+          <a:effectRef idx="2">
+            <a:schemeClr val="accent1"/>
+          </a:effectRef>
+          <a:fontRef idx="minor">
+            <a:schemeClr val="lt1"/>
+          </a:fontRef>
+        </p:style>
+        <p:txBody>
+          <a:bodyPr rtlCol="0" anchor="ctr"/>
+          <a:lstStyle/>
+          <a:p>
+            <a:pPr algn="ctr"/>
+            <a:endParaRPr lang="en-US"/>
+          </a:p>
+        </p:txBody>
+      </p:sp>
+      <p:sp>
+        <p:nvSpPr>
+          <p:cNvPr id="56" name="TextBox 55"/>
+          <p:cNvSpPr txBox="1"/>
+          <p:nvPr/>
+        </p:nvSpPr>
+        <p:spPr>
+          <a:xfrm>
+            <a:off x="1190589" y="6397625"/>
+            <a:ext cx="951102" cy="369332"/>
+          </a:xfrm>
+          <a:prstGeom prst="rect">
+            <a:avLst/>
+          </a:prstGeom>
+          <a:noFill/>
+        </p:spPr>
+        <p:txBody>
+          <a:bodyPr wrap="none" rtlCol="0">
+            <a:spAutoFit/>
+          </a:bodyPr>
+          <a:lstStyle/>
+          <a:p>
+            <a:r>
+              <a:rPr lang="en-US" dirty="0" smtClean="0"/>
+              <a:t>Package</a:t>
+            </a:r>
+            <a:endParaRPr lang="en-US" dirty="0"/>
+          </a:p>
+        </p:txBody>
+      </p:sp>
+      <p:sp>
+        <p:nvSpPr>
+          <p:cNvPr id="57" name="TextBox 56"/>
+          <p:cNvSpPr txBox="1"/>
+          <p:nvPr/>
+        </p:nvSpPr>
+        <p:spPr>
+          <a:xfrm>
+            <a:off x="6740489" y="6365359"/>
+            <a:ext cx="875585" cy="369332"/>
+          </a:xfrm>
+          <a:prstGeom prst="rect">
+            <a:avLst/>
+          </a:prstGeom>
+          <a:noFill/>
+        </p:spPr>
+        <p:txBody>
+          <a:bodyPr wrap="none" rtlCol="0">
+            <a:spAutoFit/>
+          </a:bodyPr>
+          <a:lstStyle/>
+          <a:p>
+            <a:r>
+              <a:rPr lang="en-US" dirty="0" smtClean="0"/>
+              <a:t>Symbol</a:t>
+            </a:r>
+            <a:endParaRPr lang="en-US" dirty="0"/>
+          </a:p>
+        </p:txBody>
+      </p:sp>
+      <p:sp>
+        <p:nvSpPr>
+          <p:cNvPr id="58" name="TextBox 57"/>
+          <p:cNvSpPr txBox="1"/>
+          <p:nvPr/>
+        </p:nvSpPr>
+        <p:spPr>
+          <a:xfrm>
+            <a:off x="3162264" y="6275387"/>
+            <a:ext cx="2042484" cy="369332"/>
+          </a:xfrm>
+          <a:prstGeom prst="rect">
+            <a:avLst/>
+          </a:prstGeom>
+          <a:noFill/>
+        </p:spPr>
+        <p:txBody>
+          <a:bodyPr wrap="none" rtlCol="0">
+            <a:spAutoFit/>
+          </a:bodyPr>
+          <a:lstStyle/>
+          <a:p>
+            <a:r>
+              <a:rPr lang="en-US" dirty="0" smtClean="0"/>
+              <a:t>Device Pin Mapping</a:t>
+            </a:r>
+            <a:endParaRPr lang="en-US" dirty="0"/>
+          </a:p>
+        </p:txBody>
+      </p:sp>
+      <p:sp>
+        <p:nvSpPr>
+          <p:cNvPr id="59" name="TextBox 58"/>
+          <p:cNvSpPr txBox="1"/>
+          <p:nvPr/>
+        </p:nvSpPr>
+        <p:spPr>
+          <a:xfrm>
+            <a:off x="849962" y="2466459"/>
+            <a:ext cx="1377300" cy="369332"/>
+          </a:xfrm>
+          <a:prstGeom prst="rect">
+            <a:avLst/>
+          </a:prstGeom>
+          <a:noFill/>
+        </p:spPr>
+        <p:txBody>
+          <a:bodyPr wrap="none" rtlCol="0">
+            <a:spAutoFit/>
+          </a:bodyPr>
+          <a:lstStyle/>
+          <a:p>
+            <a:r>
+              <a:rPr lang="en-US" dirty="0" smtClean="0"/>
+              <a:t>Physical part</a:t>
+            </a:r>
+            <a:endParaRPr lang="en-US" dirty="0"/>
+          </a:p>
+        </p:txBody>
+      </p:sp>
+    </p:spTree>
+    <p:extLst>
+      <p:ext uri="{BB962C8B-B14F-4D97-AF65-F5344CB8AC3E}">
+        <p14:creationId xmlns:p14="http://schemas.microsoft.com/office/powerpoint/2010/main" val="1989894804"/>
+      </p:ext>
+    </p:extLst>
+  </p:cSld>
+  <p:clrMapOvr>
+    <a:masterClrMapping/>
+  </p:clrMapOvr>
+  <p:timing>
+    <p:tnLst>
+      <p:par>
+        <p:cTn xmlns:p14="http://schemas.microsoft.com/office/powerpoint/2010/main" id="1" dur="indefinite" restart="never" nodeType="tmRoot"/>
+      </p:par>
+    </p:tnLst>
+  </p:timing>
+</p:sld>
+</file>
+
+<file path=ppt/slides/slide6.xml><?xml version="1.0" encoding="utf-8"?>
+<p:sld xmlns:a="http://schemas.openxmlformats.org/drawingml/2006/main" xmlns:r="http://schemas.openxmlformats.org/officeDocument/2006/relationships" xmlns:p="http://schemas.openxmlformats.org/presentationml/2006/main">
+  <p:cSld>
+    <p:spTree>
+      <p:nvGrpSpPr>
+        <p:cNvPr id="1" name=""/>
+        <p:cNvGrpSpPr/>
+        <p:nvPr/>
+      </p:nvGrpSpPr>
+      <p:grpSpPr>
+        <a:xfrm>
+          <a:off x="0" y="0"/>
+          <a:ext cx="0" cy="0"/>
+          <a:chOff x="0" y="0"/>
+          <a:chExt cx="0" cy="0"/>
+        </a:xfrm>
+      </p:grpSpPr>
+      <p:sp>
+        <p:nvSpPr>
+          <p:cNvPr id="2" name="Title 1"/>
+          <p:cNvSpPr>
+            <a:spLocks noGrp="1"/>
+          </p:cNvSpPr>
+          <p:nvPr>
+            <p:ph type="title"/>
+          </p:nvPr>
+        </p:nvSpPr>
+        <p:spPr/>
+        <p:txBody>
+          <a:bodyPr/>
+          <a:lstStyle/>
+          <a:p>
+            <a:r>
+              <a:rPr lang="en-US" dirty="0" smtClean="0"/>
+              <a:t>PCB Libraries: Packages</a:t>
+            </a:r>
+            <a:endParaRPr lang="en-US" dirty="0"/>
+          </a:p>
+        </p:txBody>
+      </p:sp>
+      <p:sp>
+        <p:nvSpPr>
+          <p:cNvPr id="3" name="Content Placeholder 2"/>
+          <p:cNvSpPr>
+            <a:spLocks noGrp="1"/>
+          </p:cNvSpPr>
+          <p:nvPr>
+            <p:ph idx="1"/>
+          </p:nvPr>
+        </p:nvSpPr>
+        <p:spPr/>
+        <p:txBody>
+          <a:bodyPr/>
+          <a:lstStyle/>
+          <a:p>
+            <a:r>
+              <a:rPr lang="en-US" dirty="0" smtClean="0"/>
+              <a:t>Mechanical description of the part</a:t>
+            </a:r>
+          </a:p>
+          <a:p>
+            <a:r>
+              <a:rPr lang="en-US" dirty="0" smtClean="0"/>
+              <a:t>Electrical connections (i.e., pads and SMDs)</a:t>
+            </a:r>
+          </a:p>
+          <a:p>
+            <a:r>
+              <a:rPr lang="en-US" dirty="0" smtClean="0"/>
+              <a:t>Other things: “</a:t>
+            </a:r>
+            <a:r>
+              <a:rPr lang="en-US" dirty="0" err="1" smtClean="0"/>
+              <a:t>keepouts</a:t>
+            </a:r>
+            <a:r>
+              <a:rPr lang="en-US" dirty="0" smtClean="0"/>
+              <a:t>”, mounting holes, documentation, labels etc.</a:t>
+            </a:r>
+          </a:p>
+          <a:p>
+            <a:r>
+              <a:rPr lang="en-US" dirty="0" smtClean="0"/>
+              <a:t>Generic packages: e.g., 0805 Resistor</a:t>
+            </a:r>
+          </a:p>
+          <a:p>
+            <a:r>
+              <a:rPr lang="en-US" dirty="0" smtClean="0"/>
+              <a:t>Specific packages: e.g., Atmegat128RF</a:t>
+            </a:r>
+          </a:p>
+        </p:txBody>
+      </p:sp>
+      <p:pic>
+        <p:nvPicPr>
+          <p:cNvPr id="4" name="Picture 3"/>
+          <p:cNvPicPr>
+            <a:picLocks noChangeAspect="1"/>
+          </p:cNvPicPr>
+          <p:nvPr/>
+        </p:nvPicPr>
+        <p:blipFill>
+          <a:blip r:embed="rId2"/>
+          <a:stretch>
+            <a:fillRect/>
+          </a:stretch>
+        </p:blipFill>
+        <p:spPr>
+          <a:xfrm>
+            <a:off x="457200" y="5358269"/>
+            <a:ext cx="3000375" cy="1266454"/>
+          </a:xfrm>
+          <a:prstGeom prst="rect">
+            <a:avLst/>
+          </a:prstGeom>
+        </p:spPr>
+      </p:pic>
+      <p:pic>
+        <p:nvPicPr>
+          <p:cNvPr id="5" name="Picture 4"/>
+          <p:cNvPicPr>
+            <a:picLocks noChangeAspect="1"/>
+          </p:cNvPicPr>
+          <p:nvPr/>
+        </p:nvPicPr>
+        <p:blipFill>
+          <a:blip r:embed="rId3"/>
+          <a:stretch>
+            <a:fillRect/>
+          </a:stretch>
+        </p:blipFill>
+        <p:spPr>
+          <a:xfrm>
+            <a:off x="5787360" y="5130602"/>
+            <a:ext cx="3356639" cy="1721787"/>
+          </a:xfrm>
+          <a:prstGeom prst="rect">
+            <a:avLst/>
+          </a:prstGeom>
+        </p:spPr>
+      </p:pic>
+      <p:pic>
+        <p:nvPicPr>
+          <p:cNvPr id="6" name="Picture 5"/>
+          <p:cNvPicPr>
+            <a:picLocks noChangeAspect="1"/>
+          </p:cNvPicPr>
+          <p:nvPr/>
+        </p:nvPicPr>
+        <p:blipFill>
+          <a:blip r:embed="rId4"/>
+          <a:stretch>
+            <a:fillRect/>
+          </a:stretch>
+        </p:blipFill>
+        <p:spPr>
+          <a:xfrm>
+            <a:off x="3873500" y="5026182"/>
+            <a:ext cx="1447799" cy="1831818"/>
+          </a:xfrm>
+          <a:prstGeom prst="rect">
+            <a:avLst/>
+          </a:prstGeom>
+        </p:spPr>
+      </p:pic>
+    </p:spTree>
+    <p:extLst>
+      <p:ext uri="{BB962C8B-B14F-4D97-AF65-F5344CB8AC3E}">
+        <p14:creationId xmlns:p14="http://schemas.microsoft.com/office/powerpoint/2010/main" val="1303850685"/>
+      </p:ext>
+    </p:extLst>
+  </p:cSld>
+  <p:clrMapOvr>
+    <a:masterClrMapping/>
+  </p:clrMapOvr>
+</p:sld>
+</file>
+
+<file path=ppt/slides/slide7.xml><?xml version="1.0" encoding="utf-8"?>
+<p:sld xmlns:a="http://schemas.openxmlformats.org/drawingml/2006/main" xmlns:r="http://schemas.openxmlformats.org/officeDocument/2006/relationships" xmlns:p="http://schemas.openxmlformats.org/presentationml/2006/main">
+  <p:cSld>
+    <p:spTree>
+      <p:nvGrpSpPr>
+        <p:cNvPr id="1" name=""/>
+        <p:cNvGrpSpPr/>
+        <p:nvPr/>
+      </p:nvGrpSpPr>
+      <p:grpSpPr>
+        <a:xfrm>
+          <a:off x="0" y="0"/>
+          <a:ext cx="0" cy="0"/>
+          <a:chOff x="0" y="0"/>
+          <a:chExt cx="0" cy="0"/>
+        </a:xfrm>
+      </p:grpSpPr>
+      <p:sp>
+        <p:nvSpPr>
+          <p:cNvPr id="2" name="Title 1"/>
+          <p:cNvSpPr>
+            <a:spLocks noGrp="1"/>
+          </p:cNvSpPr>
+          <p:nvPr>
+            <p:ph type="title"/>
+          </p:nvPr>
+        </p:nvSpPr>
+        <p:spPr/>
+        <p:txBody>
+          <a:bodyPr/>
+          <a:lstStyle/>
+          <a:p>
+            <a:r>
+              <a:rPr lang="en-US" dirty="0" smtClean="0"/>
+              <a:t>PCB Libraries: Symbols</a:t>
+            </a:r>
+            <a:endParaRPr lang="en-US" dirty="0"/>
+          </a:p>
+        </p:txBody>
+      </p:sp>
+      <p:sp>
+        <p:nvSpPr>
+          <p:cNvPr id="3" name="Content Placeholder 2"/>
+          <p:cNvSpPr>
+            <a:spLocks noGrp="1"/>
+          </p:cNvSpPr>
+          <p:nvPr>
+            <p:ph idx="1"/>
+          </p:nvPr>
+        </p:nvSpPr>
+        <p:spPr>
+          <a:xfrm>
+            <a:off x="441325" y="1409700"/>
+            <a:ext cx="8229600" cy="4525963"/>
+          </a:xfrm>
+        </p:spPr>
+        <p:txBody>
+          <a:bodyPr/>
+          <a:lstStyle/>
+          <a:p>
+            <a:r>
+              <a:rPr lang="en-US" dirty="0" smtClean="0"/>
+              <a:t>Schematic representation of the component</a:t>
+            </a:r>
+          </a:p>
+          <a:p>
+            <a:r>
+              <a:rPr lang="en-US" dirty="0" smtClean="0"/>
+              <a:t>Electrical connection points </a:t>
+            </a:r>
+            <a:r>
+              <a:rPr lang="mr-IN" dirty="0" smtClean="0"/>
+              <a:t>–</a:t>
+            </a:r>
+            <a:r>
+              <a:rPr lang="en-US" dirty="0" smtClean="0"/>
+              <a:t> “pins”</a:t>
+            </a:r>
+          </a:p>
+          <a:p>
+            <a:r>
+              <a:rPr lang="en-US" dirty="0" smtClean="0"/>
+              <a:t>Generic symbols: resistors, capacitors, etc.</a:t>
+            </a:r>
+          </a:p>
+          <a:p>
+            <a:r>
+              <a:rPr lang="en-US" dirty="0" smtClean="0"/>
+              <a:t>Specific symbols: e.g., Atmega128RF</a:t>
+            </a:r>
+          </a:p>
+          <a:p>
+            <a:r>
+              <a:rPr lang="en-US" dirty="0" smtClean="0"/>
+              <a:t>Documentation, labels, etc.</a:t>
+            </a:r>
+          </a:p>
+          <a:p>
+            <a:r>
+              <a:rPr lang="en-US" dirty="0" smtClean="0"/>
+              <a:t>Organized for ease of use and readability</a:t>
+            </a:r>
+          </a:p>
+          <a:p>
+            <a:endParaRPr lang="en-US" dirty="0" smtClean="0"/>
+          </a:p>
+        </p:txBody>
+      </p:sp>
+      <p:pic>
+        <p:nvPicPr>
+          <p:cNvPr id="4" name="Picture 3"/>
+          <p:cNvPicPr>
+            <a:picLocks noChangeAspect="1"/>
+          </p:cNvPicPr>
+          <p:nvPr/>
+        </p:nvPicPr>
+        <p:blipFill>
+          <a:blip r:embed="rId2"/>
+          <a:stretch>
+            <a:fillRect/>
+          </a:stretch>
+        </p:blipFill>
+        <p:spPr>
+          <a:xfrm>
+            <a:off x="294506" y="5046663"/>
+            <a:ext cx="1735639" cy="1571625"/>
+          </a:xfrm>
+          <a:prstGeom prst="rect">
+            <a:avLst/>
+          </a:prstGeom>
+        </p:spPr>
+      </p:pic>
+      <p:pic>
+        <p:nvPicPr>
+          <p:cNvPr id="5" name="Picture 4"/>
+          <p:cNvPicPr>
+            <a:picLocks noChangeAspect="1"/>
+          </p:cNvPicPr>
+          <p:nvPr/>
+        </p:nvPicPr>
+        <p:blipFill>
+          <a:blip r:embed="rId3"/>
+          <a:stretch>
+            <a:fillRect/>
+          </a:stretch>
+        </p:blipFill>
+        <p:spPr>
+          <a:xfrm>
+            <a:off x="7010612" y="5222874"/>
+            <a:ext cx="1974637" cy="1365065"/>
+          </a:xfrm>
+          <a:prstGeom prst="rect">
+            <a:avLst/>
+          </a:prstGeom>
+        </p:spPr>
+      </p:pic>
+      <p:pic>
+        <p:nvPicPr>
+          <p:cNvPr id="6" name="Picture 5"/>
+          <p:cNvPicPr>
+            <a:picLocks noChangeAspect="1"/>
+          </p:cNvPicPr>
+          <p:nvPr/>
+        </p:nvPicPr>
+        <p:blipFill>
+          <a:blip r:embed="rId4"/>
+          <a:stretch>
+            <a:fillRect/>
+          </a:stretch>
+        </p:blipFill>
+        <p:spPr>
+          <a:xfrm>
+            <a:off x="2603500" y="5697556"/>
+            <a:ext cx="1873250" cy="428607"/>
+          </a:xfrm>
+          <a:prstGeom prst="rect">
+            <a:avLst/>
+          </a:prstGeom>
+        </p:spPr>
+      </p:pic>
+      <p:pic>
+        <p:nvPicPr>
+          <p:cNvPr id="7" name="Picture 6"/>
+          <p:cNvPicPr>
+            <a:picLocks noChangeAspect="1"/>
+          </p:cNvPicPr>
+          <p:nvPr/>
+        </p:nvPicPr>
+        <p:blipFill>
+          <a:blip r:embed="rId5"/>
+          <a:stretch>
+            <a:fillRect/>
+          </a:stretch>
+        </p:blipFill>
+        <p:spPr>
+          <a:xfrm>
+            <a:off x="5256496" y="5180013"/>
+            <a:ext cx="953803" cy="1438275"/>
+          </a:xfrm>
+          <a:prstGeom prst="rect">
+            <a:avLst/>
+          </a:prstGeom>
+        </p:spPr>
+      </p:pic>
+    </p:spTree>
+    <p:extLst>
+      <p:ext uri="{BB962C8B-B14F-4D97-AF65-F5344CB8AC3E}">
+        <p14:creationId xmlns:p14="http://schemas.microsoft.com/office/powerpoint/2010/main" val="404899139"/>
+      </p:ext>
+    </p:extLst>
+  </p:cSld>
+  <p:clrMapOvr>
+    <a:masterClrMapping/>
+  </p:clrMapOvr>
+</p:sld>
+</file>
+
+<file path=ppt/slides/slide8.xml><?xml version="1.0" encoding="utf-8"?>
+<p:sld xmlns:a="http://schemas.openxmlformats.org/drawingml/2006/main" xmlns:r="http://schemas.openxmlformats.org/officeDocument/2006/relationships" xmlns:p="http://schemas.openxmlformats.org/presentationml/2006/main">
+  <p:cSld>
+    <p:spTree>
+      <p:nvGrpSpPr>
+        <p:cNvPr id="1" name=""/>
+        <p:cNvGrpSpPr/>
+        <p:nvPr/>
+      </p:nvGrpSpPr>
+      <p:grpSpPr>
+        <a:xfrm>
+          <a:off x="0" y="0"/>
+          <a:ext cx="0" cy="0"/>
+          <a:chOff x="0" y="0"/>
+          <a:chExt cx="0" cy="0"/>
+        </a:xfrm>
+      </p:grpSpPr>
+      <p:sp>
+        <p:nvSpPr>
+          <p:cNvPr id="2" name="Title 1"/>
+          <p:cNvSpPr>
+            <a:spLocks noGrp="1"/>
+          </p:cNvSpPr>
+          <p:nvPr>
+            <p:ph type="title"/>
+          </p:nvPr>
+        </p:nvSpPr>
+        <p:spPr/>
+        <p:txBody>
+          <a:bodyPr/>
+          <a:lstStyle/>
+          <a:p>
+            <a:r>
+              <a:rPr lang="en-US" dirty="0" smtClean="0"/>
+              <a:t>PCB Libraries: Devices</a:t>
+            </a:r>
+            <a:endParaRPr lang="en-US" dirty="0"/>
+          </a:p>
+        </p:txBody>
+      </p:sp>
+      <p:sp>
+        <p:nvSpPr>
+          <p:cNvPr id="3" name="Content Placeholder 2"/>
+          <p:cNvSpPr>
+            <a:spLocks noGrp="1"/>
+          </p:cNvSpPr>
+          <p:nvPr>
+            <p:ph idx="1"/>
+          </p:nvPr>
+        </p:nvSpPr>
+        <p:spPr/>
+        <p:txBody>
+          <a:bodyPr>
+            <a:normAutofit fontScale="92500" lnSpcReduction="20000"/>
+          </a:bodyPr>
+          <a:lstStyle/>
+          <a:p>
+            <a:r>
+              <a:rPr lang="en-US" dirty="0" smtClean="0"/>
+              <a:t>Devices map between</a:t>
+            </a:r>
+          </a:p>
+          <a:p>
+            <a:pPr lvl="1"/>
+            <a:r>
+              <a:rPr lang="en-US" dirty="0" smtClean="0"/>
+              <a:t>1 symbol</a:t>
+            </a:r>
+          </a:p>
+          <a:p>
+            <a:pPr lvl="1"/>
+            <a:r>
+              <a:rPr lang="en-US" dirty="0" smtClean="0"/>
+              <a:t>&gt;=1 packages</a:t>
+            </a:r>
+          </a:p>
+          <a:p>
+            <a:r>
+              <a:rPr lang="en-US" dirty="0" smtClean="0"/>
+              <a:t>For each package, the device maps the schematic pins to the package pads/SMDs.</a:t>
+            </a:r>
+          </a:p>
+          <a:p>
+            <a:r>
+              <a:rPr lang="en-US" dirty="0" smtClean="0"/>
+              <a:t>Metadata</a:t>
+            </a:r>
+          </a:p>
+          <a:p>
+            <a:pPr lvl="1"/>
+            <a:r>
+              <a:rPr lang="en-US" dirty="0"/>
+              <a:t>“attributes</a:t>
+            </a:r>
+            <a:r>
+              <a:rPr lang="en-US" dirty="0" smtClean="0"/>
+              <a:t>” -- E.g., Manufacturer, part number, etc.</a:t>
+            </a:r>
+          </a:p>
+          <a:p>
+            <a:pPr lvl="1"/>
+            <a:r>
+              <a:rPr lang="en-US" dirty="0" smtClean="0"/>
+              <a:t>Name prefix for reference designators -- </a:t>
+            </a:r>
+            <a:r>
+              <a:rPr lang="en-US" dirty="0" err="1" smtClean="0"/>
+              <a:t>e.g</a:t>
+            </a:r>
+            <a:r>
+              <a:rPr lang="en-US" dirty="0" smtClean="0"/>
+              <a:t>, the “R” in R1, R2, etc.</a:t>
+            </a:r>
+          </a:p>
+          <a:p>
+            <a:pPr lvl="1"/>
+            <a:r>
+              <a:rPr lang="en-US" dirty="0" smtClean="0"/>
+              <a:t>Does it have a “value” (e.g., a resistor’s value is it’s resistance, but a microcontroller doesn’t have a value)</a:t>
+            </a:r>
+          </a:p>
+          <a:p>
+            <a:pPr lvl="1"/>
+            <a:endParaRPr lang="en-US" dirty="0"/>
+          </a:p>
+        </p:txBody>
+      </p:sp>
+    </p:spTree>
+    <p:extLst>
+      <p:ext uri="{BB962C8B-B14F-4D97-AF65-F5344CB8AC3E}">
+        <p14:creationId xmlns:p14="http://schemas.microsoft.com/office/powerpoint/2010/main" val="2471138546"/>
+      </p:ext>
+    </p:extLst>
+  </p:cSld>
+  <p:clrMapOvr>
+    <a:masterClrMapping/>
+  </p:clrMapOvr>
+</p:sld>
+</file>
+
+<file path=ppt/slides/slide9.xml><?xml version="1.0" encoding="utf-8"?>
+<p:sld xmlns:a="http://schemas.openxmlformats.org/drawingml/2006/main" xmlns:r="http://schemas.openxmlformats.org/officeDocument/2006/relationships" xmlns:p="http://schemas.openxmlformats.org/presentationml/2006/main">
+  <p:cSld>
+    <p:spTree>
+      <p:nvGrpSpPr>
+        <p:cNvPr id="1" name=""/>
+        <p:cNvGrpSpPr/>
+        <p:nvPr/>
+      </p:nvGrpSpPr>
+      <p:grpSpPr>
+        <a:xfrm>
+          <a:off x="0" y="0"/>
+          <a:ext cx="0" cy="0"/>
+          <a:chOff x="0" y="0"/>
+          <a:chExt cx="0" cy="0"/>
+        </a:xfrm>
+      </p:grpSpPr>
+      <p:sp>
+        <p:nvSpPr>
+          <p:cNvPr id="2" name="Title 1"/>
+          <p:cNvSpPr>
+            <a:spLocks noGrp="1"/>
+          </p:cNvSpPr>
+          <p:nvPr>
+            <p:ph type="title"/>
+          </p:nvPr>
+        </p:nvSpPr>
+        <p:spPr/>
+        <p:txBody>
+          <a:bodyPr>
+            <a:normAutofit/>
+          </a:bodyPr>
+          <a:lstStyle/>
+          <a:p>
+            <a:r>
+              <a:rPr lang="en-US" dirty="0" smtClean="0"/>
+              <a:t>Device Example: LED</a:t>
+            </a:r>
+            <a:endParaRPr lang="en-US" dirty="0"/>
+          </a:p>
+        </p:txBody>
+      </p:sp>
+      <p:sp>
+        <p:nvSpPr>
+          <p:cNvPr id="3" name="Content Placeholder 2"/>
+          <p:cNvSpPr>
+            <a:spLocks noGrp="1"/>
+          </p:cNvSpPr>
+          <p:nvPr>
+            <p:ph idx="1"/>
+          </p:nvPr>
+        </p:nvSpPr>
+        <p:spPr/>
+        <p:txBody>
+          <a:bodyPr/>
+          <a:lstStyle/>
+          <a:p>
+            <a:pPr marL="0" indent="0">
+              <a:buNone/>
+            </a:pPr>
+            <a:endParaRPr lang="en-US" dirty="0"/>
+          </a:p>
+        </p:txBody>
+      </p:sp>
+      <p:pic>
+        <p:nvPicPr>
+          <p:cNvPr id="5" name="Picture 4"/>
+          <p:cNvPicPr>
+            <a:picLocks noChangeAspect="1"/>
+          </p:cNvPicPr>
+          <p:nvPr/>
+        </p:nvPicPr>
+        <p:blipFill>
+          <a:blip r:embed="rId2"/>
+          <a:stretch>
+            <a:fillRect/>
+          </a:stretch>
+        </p:blipFill>
+        <p:spPr>
+          <a:xfrm>
+            <a:off x="457200" y="2578637"/>
+            <a:ext cx="1524000" cy="2171700"/>
+          </a:xfrm>
+          <a:prstGeom prst="rect">
+            <a:avLst/>
+          </a:prstGeom>
+        </p:spPr>
+      </p:pic>
+      <p:pic>
+        <p:nvPicPr>
+          <p:cNvPr id="6" name="Picture 5"/>
+          <p:cNvPicPr>
+            <a:picLocks noChangeAspect="1"/>
+          </p:cNvPicPr>
+          <p:nvPr/>
+        </p:nvPicPr>
+        <p:blipFill>
+          <a:blip r:embed="rId3"/>
+          <a:stretch>
+            <a:fillRect/>
+          </a:stretch>
+        </p:blipFill>
+        <p:spPr>
+          <a:xfrm>
+            <a:off x="6406384" y="1406529"/>
+            <a:ext cx="2214628" cy="1018099"/>
+          </a:xfrm>
+          <a:prstGeom prst="rect">
+            <a:avLst/>
+          </a:prstGeom>
+        </p:spPr>
+      </p:pic>
+      <p:pic>
+        <p:nvPicPr>
+          <p:cNvPr id="7" name="Picture 6"/>
+          <p:cNvPicPr>
+            <a:picLocks noChangeAspect="1"/>
+          </p:cNvPicPr>
+          <p:nvPr/>
+        </p:nvPicPr>
+        <p:blipFill>
+          <a:blip r:embed="rId4"/>
+          <a:stretch>
+            <a:fillRect/>
+          </a:stretch>
+        </p:blipFill>
+        <p:spPr>
+          <a:xfrm rot="5400000">
+            <a:off x="3992282" y="4520689"/>
+            <a:ext cx="934132" cy="2036198"/>
+          </a:xfrm>
+          <a:prstGeom prst="rect">
+            <a:avLst/>
+          </a:prstGeom>
+        </p:spPr>
+      </p:pic>
+      <p:pic>
+        <p:nvPicPr>
+          <p:cNvPr id="8" name="Picture 7"/>
+          <p:cNvPicPr>
+            <a:picLocks noChangeAspect="1"/>
+          </p:cNvPicPr>
+          <p:nvPr/>
+        </p:nvPicPr>
+        <p:blipFill>
+          <a:blip r:embed="rId5"/>
+          <a:stretch>
+            <a:fillRect/>
+          </a:stretch>
+        </p:blipFill>
+        <p:spPr>
+          <a:xfrm>
+            <a:off x="6005337" y="2755535"/>
+            <a:ext cx="2991323" cy="1437934"/>
+          </a:xfrm>
+          <a:prstGeom prst="rect">
+            <a:avLst/>
+          </a:prstGeom>
+        </p:spPr>
+      </p:pic>
+      <p:pic>
+        <p:nvPicPr>
+          <p:cNvPr id="9" name="Picture 8"/>
+          <p:cNvPicPr>
+            <a:picLocks noChangeAspect="1"/>
+          </p:cNvPicPr>
+          <p:nvPr/>
+        </p:nvPicPr>
+        <p:blipFill>
+          <a:blip r:embed="rId6"/>
+          <a:stretch>
+            <a:fillRect/>
+          </a:stretch>
+        </p:blipFill>
+        <p:spPr>
+          <a:xfrm>
+            <a:off x="6157615" y="4587908"/>
+            <a:ext cx="2853514" cy="1503533"/>
+          </a:xfrm>
+          <a:prstGeom prst="rect">
+            <a:avLst/>
+          </a:prstGeom>
+        </p:spPr>
+      </p:pic>
+      <p:pic>
+        <p:nvPicPr>
+          <p:cNvPr id="10" name="Picture 9"/>
+          <p:cNvPicPr>
+            <a:picLocks noChangeAspect="1"/>
+          </p:cNvPicPr>
+          <p:nvPr/>
+        </p:nvPicPr>
+        <p:blipFill>
+          <a:blip r:embed="rId7"/>
+          <a:stretch>
+            <a:fillRect/>
+          </a:stretch>
+        </p:blipFill>
+        <p:spPr>
+          <a:xfrm>
+            <a:off x="4108130" y="2047181"/>
+            <a:ext cx="1432686" cy="1416708"/>
+          </a:xfrm>
+          <a:prstGeom prst="rect">
+            <a:avLst/>
+          </a:prstGeom>
+        </p:spPr>
+      </p:pic>
+      <p:pic>
+        <p:nvPicPr>
+          <p:cNvPr id="11" name="Picture 10"/>
+          <p:cNvPicPr>
+            <a:picLocks noChangeAspect="1"/>
+          </p:cNvPicPr>
+          <p:nvPr/>
+        </p:nvPicPr>
+        <p:blipFill>
+          <a:blip r:embed="rId8"/>
+          <a:stretch>
+            <a:fillRect/>
+          </a:stretch>
+        </p:blipFill>
+        <p:spPr>
+          <a:xfrm>
+            <a:off x="4329829" y="3906537"/>
+            <a:ext cx="792438" cy="843800"/>
+          </a:xfrm>
+          <a:prstGeom prst="rect">
+            <a:avLst/>
+          </a:prstGeom>
+        </p:spPr>
+      </p:pic>
+      <p:sp>
+        <p:nvSpPr>
+          <p:cNvPr id="12" name="TextBox 11"/>
+          <p:cNvSpPr txBox="1"/>
+          <p:nvPr/>
+        </p:nvSpPr>
+        <p:spPr>
+          <a:xfrm>
+            <a:off x="571500" y="4714058"/>
+            <a:ext cx="2197236" cy="584776"/>
+          </a:xfrm>
+          <a:prstGeom prst="rect">
+            <a:avLst/>
+          </a:prstGeom>
+          <a:noFill/>
+        </p:spPr>
+        <p:txBody>
+          <a:bodyPr wrap="none" rtlCol="0">
+            <a:spAutoFit/>
+          </a:bodyPr>
+          <a:lstStyle/>
+          <a:p>
+            <a:r>
+              <a:rPr lang="en-US" sz="3200" dirty="0" smtClean="0"/>
+              <a:t>One Symbol</a:t>
+            </a:r>
+            <a:endParaRPr lang="en-US" sz="3200" dirty="0"/>
+          </a:p>
+        </p:txBody>
+      </p:sp>
+      <p:sp>
+        <p:nvSpPr>
+          <p:cNvPr id="13" name="TextBox 12"/>
+          <p:cNvSpPr txBox="1"/>
+          <p:nvPr/>
+        </p:nvSpPr>
+        <p:spPr>
+          <a:xfrm>
+            <a:off x="5477447" y="6126163"/>
+            <a:ext cx="2749270" cy="584776"/>
+          </a:xfrm>
+          <a:prstGeom prst="rect">
+            <a:avLst/>
+          </a:prstGeom>
+          <a:noFill/>
+        </p:spPr>
+        <p:txBody>
+          <a:bodyPr wrap="none" rtlCol="0">
+            <a:spAutoFit/>
+          </a:bodyPr>
+          <a:lstStyle/>
+          <a:p>
+            <a:r>
+              <a:rPr lang="en-US" sz="3200" dirty="0" smtClean="0"/>
+              <a:t>Many Packages</a:t>
+            </a:r>
+            <a:endParaRPr lang="en-US" sz="3200" dirty="0"/>
+          </a:p>
+        </p:txBody>
+      </p:sp>
+    </p:spTree>
+    <p:extLst>
+      <p:ext uri="{BB962C8B-B14F-4D97-AF65-F5344CB8AC3E}">
+        <p14:creationId xmlns:p14="http://schemas.microsoft.com/office/powerpoint/2010/main" val="1304726912"/>
+      </p:ext>
+    </p:extLst>
+  </p:cSld>
+  <p:clrMapOvr>
+    <a:masterClrMapping/>
+  </p:clrMapOvr>
 </p:sld>
 </file>
 

--- a/Lecture Slides/Lab02-Eagle-Packages.pptx
+++ b/Lecture Slides/Lab02-Eagle-Packages.pptx
@@ -5,19 +5,20 @@
     <p:sldMasterId id="2147483648" r:id="rId1"/>
   </p:sldMasterIdLst>
   <p:notesMasterIdLst>
-    <p:notesMasterId r:id="rId12"/>
+    <p:notesMasterId r:id="rId13"/>
   </p:notesMasterIdLst>
   <p:sldIdLst>
     <p:sldId id="256" r:id="rId2"/>
     <p:sldId id="265" r:id="rId3"/>
-    <p:sldId id="266" r:id="rId4"/>
-    <p:sldId id="264" r:id="rId5"/>
-    <p:sldId id="257" r:id="rId6"/>
-    <p:sldId id="258" r:id="rId7"/>
-    <p:sldId id="260" r:id="rId8"/>
-    <p:sldId id="261" r:id="rId9"/>
-    <p:sldId id="263" r:id="rId10"/>
-    <p:sldId id="262" r:id="rId11"/>
+    <p:sldId id="267" r:id="rId4"/>
+    <p:sldId id="266" r:id="rId5"/>
+    <p:sldId id="264" r:id="rId6"/>
+    <p:sldId id="257" r:id="rId7"/>
+    <p:sldId id="258" r:id="rId8"/>
+    <p:sldId id="260" r:id="rId9"/>
+    <p:sldId id="261" r:id="rId10"/>
+    <p:sldId id="263" r:id="rId11"/>
+    <p:sldId id="262" r:id="rId12"/>
   </p:sldIdLst>
   <p:sldSz cx="9144000" cy="6858000" type="screen4x3"/>
   <p:notesSz cx="6858000" cy="9144000"/>
@@ -3548,6 +3549,318 @@
         </p:nvSpPr>
         <p:spPr/>
         <p:txBody>
+          <a:bodyPr>
+            <a:normAutofit/>
+          </a:bodyPr>
+          <a:lstStyle/>
+          <a:p>
+            <a:r>
+              <a:rPr lang="en-US" dirty="0" smtClean="0"/>
+              <a:t>Device Example: LED</a:t>
+            </a:r>
+            <a:endParaRPr lang="en-US" dirty="0"/>
+          </a:p>
+        </p:txBody>
+      </p:sp>
+      <p:sp>
+        <p:nvSpPr>
+          <p:cNvPr id="3" name="Content Placeholder 2"/>
+          <p:cNvSpPr>
+            <a:spLocks noGrp="1"/>
+          </p:cNvSpPr>
+          <p:nvPr>
+            <p:ph idx="1"/>
+          </p:nvPr>
+        </p:nvSpPr>
+        <p:spPr/>
+        <p:txBody>
+          <a:bodyPr/>
+          <a:lstStyle/>
+          <a:p>
+            <a:pPr marL="0" indent="0">
+              <a:buNone/>
+            </a:pPr>
+            <a:endParaRPr lang="en-US" dirty="0"/>
+          </a:p>
+        </p:txBody>
+      </p:sp>
+      <p:pic>
+        <p:nvPicPr>
+          <p:cNvPr id="5" name="Picture 4"/>
+          <p:cNvPicPr>
+            <a:picLocks noChangeAspect="1"/>
+          </p:cNvPicPr>
+          <p:nvPr/>
+        </p:nvPicPr>
+        <p:blipFill>
+          <a:blip r:embed="rId2"/>
+          <a:stretch>
+            <a:fillRect/>
+          </a:stretch>
+        </p:blipFill>
+        <p:spPr>
+          <a:xfrm>
+            <a:off x="457200" y="2578637"/>
+            <a:ext cx="1524000" cy="2171700"/>
+          </a:xfrm>
+          <a:prstGeom prst="rect">
+            <a:avLst/>
+          </a:prstGeom>
+        </p:spPr>
+      </p:pic>
+      <p:pic>
+        <p:nvPicPr>
+          <p:cNvPr id="6" name="Picture 5"/>
+          <p:cNvPicPr>
+            <a:picLocks noChangeAspect="1"/>
+          </p:cNvPicPr>
+          <p:nvPr/>
+        </p:nvPicPr>
+        <p:blipFill>
+          <a:blip r:embed="rId3"/>
+          <a:stretch>
+            <a:fillRect/>
+          </a:stretch>
+        </p:blipFill>
+        <p:spPr>
+          <a:xfrm>
+            <a:off x="6406384" y="1406529"/>
+            <a:ext cx="2214628" cy="1018099"/>
+          </a:xfrm>
+          <a:prstGeom prst="rect">
+            <a:avLst/>
+          </a:prstGeom>
+        </p:spPr>
+      </p:pic>
+      <p:pic>
+        <p:nvPicPr>
+          <p:cNvPr id="7" name="Picture 6"/>
+          <p:cNvPicPr>
+            <a:picLocks noChangeAspect="1"/>
+          </p:cNvPicPr>
+          <p:nvPr/>
+        </p:nvPicPr>
+        <p:blipFill>
+          <a:blip r:embed="rId4"/>
+          <a:stretch>
+            <a:fillRect/>
+          </a:stretch>
+        </p:blipFill>
+        <p:spPr>
+          <a:xfrm rot="5400000">
+            <a:off x="3992282" y="4520689"/>
+            <a:ext cx="934132" cy="2036198"/>
+          </a:xfrm>
+          <a:prstGeom prst="rect">
+            <a:avLst/>
+          </a:prstGeom>
+        </p:spPr>
+      </p:pic>
+      <p:pic>
+        <p:nvPicPr>
+          <p:cNvPr id="8" name="Picture 7"/>
+          <p:cNvPicPr>
+            <a:picLocks noChangeAspect="1"/>
+          </p:cNvPicPr>
+          <p:nvPr/>
+        </p:nvPicPr>
+        <p:blipFill>
+          <a:blip r:embed="rId5"/>
+          <a:stretch>
+            <a:fillRect/>
+          </a:stretch>
+        </p:blipFill>
+        <p:spPr>
+          <a:xfrm>
+            <a:off x="6005337" y="2755535"/>
+            <a:ext cx="2991323" cy="1437934"/>
+          </a:xfrm>
+          <a:prstGeom prst="rect">
+            <a:avLst/>
+          </a:prstGeom>
+        </p:spPr>
+      </p:pic>
+      <p:pic>
+        <p:nvPicPr>
+          <p:cNvPr id="9" name="Picture 8"/>
+          <p:cNvPicPr>
+            <a:picLocks noChangeAspect="1"/>
+          </p:cNvPicPr>
+          <p:nvPr/>
+        </p:nvPicPr>
+        <p:blipFill>
+          <a:blip r:embed="rId6"/>
+          <a:stretch>
+            <a:fillRect/>
+          </a:stretch>
+        </p:blipFill>
+        <p:spPr>
+          <a:xfrm>
+            <a:off x="6157615" y="4587908"/>
+            <a:ext cx="2853514" cy="1503533"/>
+          </a:xfrm>
+          <a:prstGeom prst="rect">
+            <a:avLst/>
+          </a:prstGeom>
+        </p:spPr>
+      </p:pic>
+      <p:pic>
+        <p:nvPicPr>
+          <p:cNvPr id="10" name="Picture 9"/>
+          <p:cNvPicPr>
+            <a:picLocks noChangeAspect="1"/>
+          </p:cNvPicPr>
+          <p:nvPr/>
+        </p:nvPicPr>
+        <p:blipFill>
+          <a:blip r:embed="rId7"/>
+          <a:stretch>
+            <a:fillRect/>
+          </a:stretch>
+        </p:blipFill>
+        <p:spPr>
+          <a:xfrm>
+            <a:off x="4108130" y="2047181"/>
+            <a:ext cx="1432686" cy="1416708"/>
+          </a:xfrm>
+          <a:prstGeom prst="rect">
+            <a:avLst/>
+          </a:prstGeom>
+        </p:spPr>
+      </p:pic>
+      <p:pic>
+        <p:nvPicPr>
+          <p:cNvPr id="11" name="Picture 10"/>
+          <p:cNvPicPr>
+            <a:picLocks noChangeAspect="1"/>
+          </p:cNvPicPr>
+          <p:nvPr/>
+        </p:nvPicPr>
+        <p:blipFill>
+          <a:blip r:embed="rId8"/>
+          <a:stretch>
+            <a:fillRect/>
+          </a:stretch>
+        </p:blipFill>
+        <p:spPr>
+          <a:xfrm>
+            <a:off x="4329829" y="3906537"/>
+            <a:ext cx="792438" cy="843800"/>
+          </a:xfrm>
+          <a:prstGeom prst="rect">
+            <a:avLst/>
+          </a:prstGeom>
+        </p:spPr>
+      </p:pic>
+      <p:sp>
+        <p:nvSpPr>
+          <p:cNvPr id="12" name="TextBox 11"/>
+          <p:cNvSpPr txBox="1"/>
+          <p:nvPr/>
+        </p:nvSpPr>
+        <p:spPr>
+          <a:xfrm>
+            <a:off x="571500" y="4714058"/>
+            <a:ext cx="2197236" cy="584776"/>
+          </a:xfrm>
+          <a:prstGeom prst="rect">
+            <a:avLst/>
+          </a:prstGeom>
+          <a:noFill/>
+        </p:spPr>
+        <p:txBody>
+          <a:bodyPr wrap="none" rtlCol="0">
+            <a:spAutoFit/>
+          </a:bodyPr>
+          <a:lstStyle/>
+          <a:p>
+            <a:r>
+              <a:rPr lang="en-US" sz="3200" dirty="0" smtClean="0"/>
+              <a:t>One Symbol</a:t>
+            </a:r>
+            <a:endParaRPr lang="en-US" sz="3200" dirty="0"/>
+          </a:p>
+        </p:txBody>
+      </p:sp>
+      <p:sp>
+        <p:nvSpPr>
+          <p:cNvPr id="13" name="TextBox 12"/>
+          <p:cNvSpPr txBox="1"/>
+          <p:nvPr/>
+        </p:nvSpPr>
+        <p:spPr>
+          <a:xfrm>
+            <a:off x="5477447" y="6126163"/>
+            <a:ext cx="2749270" cy="584776"/>
+          </a:xfrm>
+          <a:prstGeom prst="rect">
+            <a:avLst/>
+          </a:prstGeom>
+          <a:noFill/>
+        </p:spPr>
+        <p:txBody>
+          <a:bodyPr wrap="none" rtlCol="0">
+            <a:spAutoFit/>
+          </a:bodyPr>
+          <a:lstStyle/>
+          <a:p>
+            <a:r>
+              <a:rPr lang="en-US" sz="3200" dirty="0" smtClean="0"/>
+              <a:t>Many Packages</a:t>
+            </a:r>
+            <a:endParaRPr lang="en-US" sz="3200" dirty="0"/>
+          </a:p>
+        </p:txBody>
+      </p:sp>
+    </p:spTree>
+    <p:extLst>
+      <p:ext uri="{BB962C8B-B14F-4D97-AF65-F5344CB8AC3E}">
+        <p14:creationId xmlns:p14="http://schemas.microsoft.com/office/powerpoint/2010/main" val="1304726912"/>
+      </p:ext>
+    </p:extLst>
+  </p:cSld>
+  <p:clrMapOvr>
+    <a:masterClrMapping/>
+  </p:clrMapOvr>
+  <p:timing>
+    <p:tnLst>
+      <p:par>
+        <p:cTn xmlns:p14="http://schemas.microsoft.com/office/powerpoint/2010/main" id="1" dur="indefinite" restart="never" nodeType="tmRoot"/>
+      </p:par>
+    </p:tnLst>
+  </p:timing>
+</p:sld>
+</file>
+
+<file path=ppt/slides/slide11.xml><?xml version="1.0" encoding="utf-8"?>
+<p:sld xmlns:a="http://schemas.openxmlformats.org/drawingml/2006/main" xmlns:r="http://schemas.openxmlformats.org/officeDocument/2006/relationships" xmlns:p="http://schemas.openxmlformats.org/presentationml/2006/main">
+  <p:cSld>
+    <p:spTree>
+      <p:nvGrpSpPr>
+        <p:cNvPr id="1" name=""/>
+        <p:cNvGrpSpPr/>
+        <p:nvPr/>
+      </p:nvGrpSpPr>
+      <p:grpSpPr>
+        <a:xfrm>
+          <a:off x="0" y="0"/>
+          <a:ext cx="0" cy="0"/>
+          <a:chOff x="0" y="0"/>
+          <a:chExt cx="0" cy="0"/>
+        </a:xfrm>
+      </p:grpSpPr>
+      <p:sp>
+        <p:nvSpPr>
+          <p:cNvPr id="2" name="Title 1"/>
+          <p:cNvSpPr>
+            <a:spLocks noGrp="1"/>
+          </p:cNvSpPr>
+          <p:nvPr>
+            <p:ph type="title"/>
+          </p:nvPr>
+        </p:nvSpPr>
+        <p:spPr/>
+        <p:txBody>
           <a:bodyPr/>
           <a:lstStyle/>
           <a:p>
@@ -3791,6 +4104,13 @@
   <p:clrMapOvr>
     <a:masterClrMapping/>
   </p:clrMapOvr>
+  <p:timing>
+    <p:tnLst>
+      <p:par>
+        <p:cTn xmlns:p14="http://schemas.microsoft.com/office/powerpoint/2010/main" id="1" dur="indefinite" restart="never" nodeType="tmRoot"/>
+      </p:par>
+    </p:tnLst>
+  </p:timing>
 </p:sld>
 </file>
 
@@ -3828,79 +4148,97 @@
           <a:p>
             <a:r>
               <a:rPr lang="en-US" dirty="0" smtClean="0"/>
-              <a:t>Part Sizes</a:t>
+              <a:t>TODO	</a:t>
             </a:r>
             <a:endParaRPr lang="en-US" dirty="0"/>
           </a:p>
         </p:txBody>
       </p:sp>
-      <p:pic>
-        <p:nvPicPr>
-          <p:cNvPr id="4" name="Content Placeholder 3"/>
-          <p:cNvPicPr>
-            <a:picLocks noGrp="1" noChangeAspect="1"/>
-          </p:cNvPicPr>
+      <p:sp>
+        <p:nvSpPr>
+          <p:cNvPr id="3" name="Content Placeholder 2"/>
+          <p:cNvSpPr>
+            <a:spLocks noGrp="1"/>
+          </p:cNvSpPr>
           <p:nvPr>
             <p:ph idx="1"/>
           </p:nvPr>
-        </p:nvPicPr>
-        <p:blipFill>
-          <a:blip r:embed="rId2"/>
-          <a:srcRect t="24933" b="24933"/>
-          <a:stretch>
-            <a:fillRect/>
-          </a:stretch>
-        </p:blipFill>
+        </p:nvSpPr>
         <p:spPr/>
-      </p:pic>
-      <p:sp>
-        <p:nvSpPr>
-          <p:cNvPr id="5" name="Rectangle 4"/>
-          <p:cNvSpPr/>
-          <p:nvPr/>
-        </p:nvSpPr>
-        <p:spPr>
-          <a:xfrm>
-            <a:off x="3841750" y="2778125"/>
-            <a:ext cx="2111375" cy="3348038"/>
-          </a:xfrm>
-          <a:prstGeom prst="rect">
-            <a:avLst/>
-          </a:prstGeom>
-          <a:noFill/>
-          <a:ln w="38100" cmpd="sng">
-            <a:solidFill>
-              <a:srgbClr val="FF0000"/>
-            </a:solidFill>
-          </a:ln>
-        </p:spPr>
-        <p:style>
-          <a:lnRef idx="1">
-            <a:schemeClr val="accent1"/>
-          </a:lnRef>
-          <a:fillRef idx="3">
-            <a:schemeClr val="accent1"/>
-          </a:fillRef>
-          <a:effectRef idx="2">
-            <a:schemeClr val="accent1"/>
-          </a:effectRef>
-          <a:fontRef idx="minor">
-            <a:schemeClr val="lt1"/>
-          </a:fontRef>
-        </p:style>
-        <p:txBody>
-          <a:bodyPr rtlCol="0" anchor="ctr"/>
-          <a:lstStyle/>
-          <a:p>
-            <a:pPr algn="ctr"/>
-            <a:endParaRPr lang="en-US"/>
+        <p:txBody>
+          <a:bodyPr/>
+          <a:lstStyle/>
+          <a:p>
+            <a:r>
+              <a:rPr lang="en-US" dirty="0" smtClean="0"/>
+              <a:t>Add slides for:</a:t>
+            </a:r>
+          </a:p>
+          <a:p>
+            <a:pPr lvl="1"/>
+            <a:r>
+              <a:rPr lang="en-US" dirty="0" smtClean="0"/>
+              <a:t>SMD </a:t>
+            </a:r>
+            <a:r>
+              <a:rPr lang="en-US" dirty="0" err="1" smtClean="0"/>
+              <a:t>vs</a:t>
+            </a:r>
+            <a:r>
+              <a:rPr lang="en-US" dirty="0" smtClean="0"/>
+              <a:t> Through holes</a:t>
+            </a:r>
+          </a:p>
+          <a:p>
+            <a:pPr lvl="1"/>
+            <a:r>
+              <a:rPr lang="en-US" dirty="0" smtClean="0"/>
+              <a:t>Eagle PAD/SMD terminology.</a:t>
+            </a:r>
+          </a:p>
+          <a:p>
+            <a:pPr lvl="1"/>
+            <a:r>
+              <a:rPr lang="en-US" dirty="0" smtClean="0"/>
+              <a:t>Flow chart/illustrations of assembly process.</a:t>
+            </a:r>
+          </a:p>
+          <a:p>
+            <a:pPr lvl="1"/>
+            <a:r>
+              <a:rPr lang="en-US" dirty="0" smtClean="0"/>
+              <a:t>Anatomy of solder joint (showing </a:t>
+            </a:r>
+            <a:r>
+              <a:rPr lang="en-US" dirty="0" err="1" smtClean="0"/>
+              <a:t>miniscis</a:t>
+            </a:r>
+            <a:r>
+              <a:rPr lang="en-US" dirty="0" smtClean="0"/>
+              <a:t>)</a:t>
+            </a:r>
+          </a:p>
+          <a:p>
+            <a:pPr lvl="1"/>
+            <a:r>
+              <a:rPr lang="en-US" dirty="0" smtClean="0"/>
+              <a:t>Side view of board + paste + component.</a:t>
+            </a:r>
+          </a:p>
+          <a:p>
+            <a:pPr lvl="1"/>
+            <a:r>
+              <a:rPr lang="en-US" dirty="0" smtClean="0"/>
+              <a:t>Problems with IMU pads being in accessible.</a:t>
+            </a:r>
+            <a:endParaRPr lang="en-US" dirty="0"/>
           </a:p>
         </p:txBody>
       </p:sp>
     </p:spTree>
     <p:extLst>
       <p:ext uri="{BB962C8B-B14F-4D97-AF65-F5344CB8AC3E}">
-        <p14:creationId xmlns:p14="http://schemas.microsoft.com/office/powerpoint/2010/main" val="489738326"/>
+        <p14:creationId xmlns:p14="http://schemas.microsoft.com/office/powerpoint/2010/main" val="409850314"/>
       </p:ext>
     </p:extLst>
   </p:cSld>
@@ -3944,93 +4282,92 @@
           <a:p>
             <a:r>
               <a:rPr lang="en-US" dirty="0" smtClean="0"/>
-              <a:t>PCB Libraries</a:t>
+              <a:t>Part Sizes</a:t>
             </a:r>
             <a:endParaRPr lang="en-US" dirty="0"/>
           </a:p>
         </p:txBody>
       </p:sp>
-      <p:sp>
-        <p:nvSpPr>
-          <p:cNvPr id="3" name="Content Placeholder 2"/>
-          <p:cNvSpPr>
-            <a:spLocks noGrp="1"/>
-          </p:cNvSpPr>
+      <p:pic>
+        <p:nvPicPr>
+          <p:cNvPr id="4" name="Content Placeholder 3"/>
+          <p:cNvPicPr>
+            <a:picLocks noGrp="1" noChangeAspect="1"/>
+          </p:cNvPicPr>
           <p:nvPr>
             <p:ph idx="1"/>
           </p:nvPr>
-        </p:nvSpPr>
+        </p:nvPicPr>
+        <p:blipFill>
+          <a:blip r:embed="rId2"/>
+          <a:srcRect t="24933" b="24933"/>
+          <a:stretch>
+            <a:fillRect/>
+          </a:stretch>
+        </p:blipFill>
         <p:spPr/>
-        <p:txBody>
-          <a:bodyPr>
-            <a:normAutofit fontScale="92500" lnSpcReduction="20000"/>
-          </a:bodyPr>
-          <a:lstStyle/>
-          <a:p>
-            <a:r>
-              <a:rPr lang="en-US" dirty="0" smtClean="0"/>
-              <a:t>To use a part on a PCB, you need a library entry for it</a:t>
-            </a:r>
-          </a:p>
-          <a:p>
-            <a:pPr lvl="1"/>
-            <a:r>
-              <a:rPr lang="en-US" dirty="0" smtClean="0"/>
-              <a:t>Physical/mechanical information for the board</a:t>
-            </a:r>
-          </a:p>
-          <a:p>
-            <a:pPr lvl="1"/>
-            <a:r>
-              <a:rPr lang="en-US" dirty="0" smtClean="0"/>
-              <a:t>Logical/electrical information for the schematic</a:t>
-            </a:r>
-          </a:p>
-          <a:p>
-            <a:pPr lvl="1"/>
-            <a:r>
-              <a:rPr lang="en-US" dirty="0" smtClean="0"/>
-              <a:t>Mapping between the two</a:t>
-            </a:r>
-          </a:p>
-          <a:p>
-            <a:pPr lvl="1"/>
-            <a:r>
-              <a:rPr lang="en-US" dirty="0" smtClean="0"/>
-              <a:t>Metadata</a:t>
-            </a:r>
-          </a:p>
-          <a:p>
-            <a:r>
-              <a:rPr lang="en-US" dirty="0" smtClean="0"/>
-              <a:t>A well designed library, will make your life much, much easier.</a:t>
-            </a:r>
-          </a:p>
-          <a:p>
-            <a:r>
-              <a:rPr lang="en-US" dirty="0" smtClean="0"/>
-              <a:t>There are lots of libraries are the internet</a:t>
-            </a:r>
-          </a:p>
-          <a:p>
-            <a:pPr lvl="1"/>
-            <a:r>
-              <a:rPr lang="en-US" dirty="0" smtClean="0"/>
-              <a:t>Some are good, some are bad, some a poor match for what we need.</a:t>
-            </a:r>
+      </p:pic>
+      <p:sp>
+        <p:nvSpPr>
+          <p:cNvPr id="5" name="Rectangle 4"/>
+          <p:cNvSpPr/>
+          <p:nvPr/>
+        </p:nvSpPr>
+        <p:spPr>
+          <a:xfrm>
+            <a:off x="3841750" y="2778125"/>
+            <a:ext cx="2111375" cy="3348038"/>
+          </a:xfrm>
+          <a:prstGeom prst="rect">
+            <a:avLst/>
+          </a:prstGeom>
+          <a:noFill/>
+          <a:ln w="38100" cmpd="sng">
+            <a:solidFill>
+              <a:srgbClr val="FF0000"/>
+            </a:solidFill>
+          </a:ln>
+        </p:spPr>
+        <p:style>
+          <a:lnRef idx="1">
+            <a:schemeClr val="accent1"/>
+          </a:lnRef>
+          <a:fillRef idx="3">
+            <a:schemeClr val="accent1"/>
+          </a:fillRef>
+          <a:effectRef idx="2">
+            <a:schemeClr val="accent1"/>
+          </a:effectRef>
+          <a:fontRef idx="minor">
+            <a:schemeClr val="lt1"/>
+          </a:fontRef>
+        </p:style>
+        <p:txBody>
+          <a:bodyPr rtlCol="0" anchor="ctr"/>
+          <a:lstStyle/>
+          <a:p>
+            <a:pPr algn="ctr"/>
+            <a:endParaRPr lang="en-US"/>
           </a:p>
         </p:txBody>
       </p:sp>
     </p:spTree>
     <p:extLst>
       <p:ext uri="{BB962C8B-B14F-4D97-AF65-F5344CB8AC3E}">
-        <p14:creationId xmlns:p14="http://schemas.microsoft.com/office/powerpoint/2010/main" val="667542074"/>
+        <p14:creationId xmlns:p14="http://schemas.microsoft.com/office/powerpoint/2010/main" val="489738326"/>
       </p:ext>
     </p:extLst>
   </p:cSld>
   <p:clrMapOvr>
     <a:masterClrMapping/>
   </p:clrMapOvr>
+  <p:timing>
+    <p:tnLst>
+      <p:par>
+        <p:cTn xmlns:p14="http://schemas.microsoft.com/office/powerpoint/2010/main" id="1" dur="indefinite" restart="never" nodeType="tmRoot"/>
+      </p:par>
+    </p:tnLst>
+  </p:timing>
 </p:sld>
 </file>
 
@@ -4066,826 +4403,89 @@
           <a:bodyPr/>
           <a:lstStyle/>
           <a:p>
+            <a:r>
+              <a:rPr lang="en-US" dirty="0" smtClean="0"/>
+              <a:t>PCB Libraries</a:t>
+            </a:r>
             <a:endParaRPr lang="en-US" dirty="0"/>
           </a:p>
         </p:txBody>
       </p:sp>
-      <p:pic>
-        <p:nvPicPr>
-          <p:cNvPr id="6" name="Picture 5" descr="64-QFN_sml.jpg"/>
-          <p:cNvPicPr>
-            <a:picLocks noChangeAspect="1"/>
-          </p:cNvPicPr>
-          <p:nvPr/>
-        </p:nvPicPr>
-        <p:blipFill>
-          <a:blip r:embed="rId2">
-            <a:extLst>
-              <a:ext uri="{28A0092B-C50C-407E-A947-70E740481C1C}">
-                <a14:useLocalDpi xmlns:a14="http://schemas.microsoft.com/office/drawing/2010/main" val="0"/>
-              </a:ext>
-            </a:extLst>
-          </a:blip>
-          <a:stretch>
-            <a:fillRect/>
-          </a:stretch>
-        </p:blipFill>
-        <p:spPr>
-          <a:xfrm>
-            <a:off x="285750" y="274638"/>
-            <a:ext cx="2540000" cy="2540000"/>
-          </a:xfrm>
-          <a:prstGeom prst="rect">
-            <a:avLst/>
-          </a:prstGeom>
-        </p:spPr>
-      </p:pic>
-      <p:pic>
-        <p:nvPicPr>
-          <p:cNvPr id="9" name="Picture 8"/>
-          <p:cNvPicPr>
-            <a:picLocks noChangeAspect="1"/>
-          </p:cNvPicPr>
-          <p:nvPr/>
-        </p:nvPicPr>
-        <p:blipFill>
-          <a:blip r:embed="rId3"/>
-          <a:stretch>
-            <a:fillRect/>
-          </a:stretch>
-        </p:blipFill>
-        <p:spPr>
-          <a:xfrm>
-            <a:off x="457200" y="3687762"/>
-            <a:ext cx="2569428" cy="2587625"/>
-          </a:xfrm>
-          <a:prstGeom prst="rect">
-            <a:avLst/>
-          </a:prstGeom>
-        </p:spPr>
-      </p:pic>
-      <p:pic>
-        <p:nvPicPr>
-          <p:cNvPr id="10" name="Picture 9"/>
-          <p:cNvPicPr>
-            <a:picLocks noChangeAspect="1"/>
-          </p:cNvPicPr>
-          <p:nvPr/>
-        </p:nvPicPr>
-        <p:blipFill>
-          <a:blip r:embed="rId4"/>
-          <a:stretch>
-            <a:fillRect/>
-          </a:stretch>
-        </p:blipFill>
-        <p:spPr>
-          <a:xfrm>
-            <a:off x="5569626" y="873124"/>
-            <a:ext cx="3574374" cy="5402263"/>
-          </a:xfrm>
-          <a:prstGeom prst="rect">
-            <a:avLst/>
-          </a:prstGeom>
-        </p:spPr>
-      </p:pic>
-      <p:cxnSp>
-        <p:nvCxnSpPr>
-          <p:cNvPr id="12" name="Straight Connector 11"/>
-          <p:cNvCxnSpPr/>
-          <p:nvPr/>
-        </p:nvCxnSpPr>
-        <p:spPr>
-          <a:xfrm flipV="1">
-            <a:off x="2978150" y="1095376"/>
-            <a:ext cx="2720975" cy="3175000"/>
-          </a:xfrm>
-          <a:prstGeom prst="line">
-            <a:avLst/>
-          </a:prstGeom>
-        </p:spPr>
-        <p:style>
-          <a:lnRef idx="2">
-            <a:schemeClr val="accent1"/>
-          </a:lnRef>
-          <a:fillRef idx="0">
-            <a:schemeClr val="accent1"/>
-          </a:fillRef>
-          <a:effectRef idx="1">
-            <a:schemeClr val="accent1"/>
-          </a:effectRef>
-          <a:fontRef idx="minor">
-            <a:schemeClr val="tx1"/>
-          </a:fontRef>
-        </p:style>
-      </p:cxnSp>
-      <p:cxnSp>
-        <p:nvCxnSpPr>
-          <p:cNvPr id="15" name="Straight Connector 14"/>
-          <p:cNvCxnSpPr/>
-          <p:nvPr/>
-        </p:nvCxnSpPr>
-        <p:spPr>
-          <a:xfrm flipV="1">
-            <a:off x="2978150" y="1247775"/>
-            <a:ext cx="2720975" cy="3175002"/>
-          </a:xfrm>
-          <a:prstGeom prst="line">
-            <a:avLst/>
-          </a:prstGeom>
-        </p:spPr>
-        <p:style>
-          <a:lnRef idx="2">
-            <a:schemeClr val="accent1"/>
-          </a:lnRef>
-          <a:fillRef idx="0">
-            <a:schemeClr val="accent1"/>
-          </a:fillRef>
-          <a:effectRef idx="1">
-            <a:schemeClr val="accent1"/>
-          </a:effectRef>
-          <a:fontRef idx="minor">
-            <a:schemeClr val="tx1"/>
-          </a:fontRef>
-        </p:style>
-      </p:cxnSp>
-      <p:cxnSp>
-        <p:nvCxnSpPr>
-          <p:cNvPr id="16" name="Straight Connector 15"/>
-          <p:cNvCxnSpPr/>
-          <p:nvPr/>
-        </p:nvCxnSpPr>
-        <p:spPr>
-          <a:xfrm flipV="1">
-            <a:off x="2978150" y="2651125"/>
-            <a:ext cx="2720975" cy="2047875"/>
-          </a:xfrm>
-          <a:prstGeom prst="line">
-            <a:avLst/>
-          </a:prstGeom>
-        </p:spPr>
-        <p:style>
-          <a:lnRef idx="2">
-            <a:schemeClr val="accent1"/>
-          </a:lnRef>
-          <a:fillRef idx="0">
-            <a:schemeClr val="accent1"/>
-          </a:fillRef>
-          <a:effectRef idx="1">
-            <a:schemeClr val="accent1"/>
-          </a:effectRef>
-          <a:fontRef idx="minor">
-            <a:schemeClr val="tx1"/>
-          </a:fontRef>
-        </p:style>
-      </p:cxnSp>
-      <p:cxnSp>
-        <p:nvCxnSpPr>
-          <p:cNvPr id="17" name="Straight Connector 16"/>
-          <p:cNvCxnSpPr/>
-          <p:nvPr/>
-        </p:nvCxnSpPr>
-        <p:spPr>
-          <a:xfrm flipV="1">
-            <a:off x="2978150" y="3571876"/>
-            <a:ext cx="2720975" cy="1508124"/>
-          </a:xfrm>
-          <a:prstGeom prst="line">
-            <a:avLst/>
-          </a:prstGeom>
-        </p:spPr>
-        <p:style>
-          <a:lnRef idx="2">
-            <a:schemeClr val="accent1"/>
-          </a:lnRef>
-          <a:fillRef idx="0">
-            <a:schemeClr val="accent1"/>
-          </a:fillRef>
-          <a:effectRef idx="1">
-            <a:schemeClr val="accent1"/>
-          </a:effectRef>
-          <a:fontRef idx="minor">
-            <a:schemeClr val="tx1"/>
-          </a:fontRef>
-        </p:style>
-      </p:cxnSp>
-      <p:cxnSp>
-        <p:nvCxnSpPr>
-          <p:cNvPr id="18" name="Straight Connector 17"/>
-          <p:cNvCxnSpPr/>
-          <p:nvPr/>
-        </p:nvCxnSpPr>
-        <p:spPr>
-          <a:xfrm flipV="1">
-            <a:off x="1333500" y="2206626"/>
-            <a:ext cx="4365625" cy="1603374"/>
-          </a:xfrm>
-          <a:prstGeom prst="line">
-            <a:avLst/>
-          </a:prstGeom>
-        </p:spPr>
-        <p:style>
-          <a:lnRef idx="2">
-            <a:schemeClr val="accent1"/>
-          </a:lnRef>
-          <a:fillRef idx="0">
-            <a:schemeClr val="accent1"/>
-          </a:fillRef>
-          <a:effectRef idx="1">
-            <a:schemeClr val="accent1"/>
-          </a:effectRef>
-          <a:fontRef idx="minor">
-            <a:schemeClr val="tx1"/>
-          </a:fontRef>
-        </p:style>
-      </p:cxnSp>
-      <p:cxnSp>
-        <p:nvCxnSpPr>
-          <p:cNvPr id="29" name="Straight Connector 28"/>
-          <p:cNvCxnSpPr/>
-          <p:nvPr/>
-        </p:nvCxnSpPr>
-        <p:spPr>
-          <a:xfrm flipV="1">
-            <a:off x="2978150" y="3819527"/>
-            <a:ext cx="2720975" cy="1508124"/>
-          </a:xfrm>
-          <a:prstGeom prst="line">
-            <a:avLst/>
-          </a:prstGeom>
-        </p:spPr>
-        <p:style>
-          <a:lnRef idx="2">
-            <a:schemeClr val="accent1"/>
-          </a:lnRef>
-          <a:fillRef idx="0">
-            <a:schemeClr val="accent1"/>
-          </a:fillRef>
-          <a:effectRef idx="1">
-            <a:schemeClr val="accent1"/>
-          </a:effectRef>
-          <a:fontRef idx="minor">
-            <a:schemeClr val="tx1"/>
-          </a:fontRef>
-        </p:style>
-      </p:cxnSp>
-      <p:cxnSp>
-        <p:nvCxnSpPr>
-          <p:cNvPr id="30" name="Straight Connector 29"/>
-          <p:cNvCxnSpPr/>
-          <p:nvPr/>
-        </p:nvCxnSpPr>
-        <p:spPr>
-          <a:xfrm flipV="1">
-            <a:off x="2978150" y="4029076"/>
-            <a:ext cx="2720975" cy="1508124"/>
-          </a:xfrm>
-          <a:prstGeom prst="line">
-            <a:avLst/>
-          </a:prstGeom>
-        </p:spPr>
-        <p:style>
-          <a:lnRef idx="2">
-            <a:schemeClr val="accent1"/>
-          </a:lnRef>
-          <a:fillRef idx="0">
-            <a:schemeClr val="accent1"/>
-          </a:fillRef>
-          <a:effectRef idx="1">
-            <a:schemeClr val="accent1"/>
-          </a:effectRef>
-          <a:fontRef idx="minor">
-            <a:schemeClr val="tx1"/>
-          </a:fontRef>
-        </p:style>
-      </p:cxnSp>
-      <p:cxnSp>
-        <p:nvCxnSpPr>
-          <p:cNvPr id="31" name="Straight Connector 30"/>
-          <p:cNvCxnSpPr/>
-          <p:nvPr/>
-        </p:nvCxnSpPr>
-        <p:spPr>
-          <a:xfrm flipV="1">
-            <a:off x="2978150" y="4181476"/>
-            <a:ext cx="2720975" cy="1508124"/>
-          </a:xfrm>
-          <a:prstGeom prst="line">
-            <a:avLst/>
-          </a:prstGeom>
-        </p:spPr>
-        <p:style>
-          <a:lnRef idx="2">
-            <a:schemeClr val="accent1"/>
-          </a:lnRef>
-          <a:fillRef idx="0">
-            <a:schemeClr val="accent1"/>
-          </a:fillRef>
-          <a:effectRef idx="1">
-            <a:schemeClr val="accent1"/>
-          </a:effectRef>
-          <a:fontRef idx="minor">
-            <a:schemeClr val="tx1"/>
-          </a:fontRef>
-        </p:style>
-      </p:cxnSp>
-      <p:cxnSp>
-        <p:nvCxnSpPr>
-          <p:cNvPr id="32" name="Straight Connector 31"/>
-          <p:cNvCxnSpPr/>
-          <p:nvPr/>
-        </p:nvCxnSpPr>
-        <p:spPr>
-          <a:xfrm flipV="1">
-            <a:off x="2016125" y="4422777"/>
-            <a:ext cx="3553501" cy="1784347"/>
-          </a:xfrm>
-          <a:prstGeom prst="line">
-            <a:avLst/>
-          </a:prstGeom>
-        </p:spPr>
-        <p:style>
-          <a:lnRef idx="2">
-            <a:schemeClr val="accent1"/>
-          </a:lnRef>
-          <a:fillRef idx="0">
-            <a:schemeClr val="accent1"/>
-          </a:fillRef>
-          <a:effectRef idx="1">
-            <a:schemeClr val="accent1"/>
-          </a:effectRef>
-          <a:fontRef idx="minor">
-            <a:schemeClr val="tx1"/>
-          </a:fontRef>
-        </p:style>
-      </p:cxnSp>
-      <p:cxnSp>
-        <p:nvCxnSpPr>
-          <p:cNvPr id="33" name="Straight Connector 32"/>
-          <p:cNvCxnSpPr/>
-          <p:nvPr/>
-        </p:nvCxnSpPr>
-        <p:spPr>
-          <a:xfrm flipV="1">
-            <a:off x="2227262" y="5080000"/>
-            <a:ext cx="3471863" cy="1127124"/>
-          </a:xfrm>
-          <a:prstGeom prst="line">
-            <a:avLst/>
-          </a:prstGeom>
-        </p:spPr>
-        <p:style>
-          <a:lnRef idx="2">
-            <a:schemeClr val="accent1"/>
-          </a:lnRef>
-          <a:fillRef idx="0">
-            <a:schemeClr val="accent1"/>
-          </a:fillRef>
-          <a:effectRef idx="1">
-            <a:schemeClr val="accent1"/>
-          </a:effectRef>
-          <a:fontRef idx="minor">
-            <a:schemeClr val="tx1"/>
-          </a:fontRef>
-        </p:style>
-      </p:cxnSp>
-      <p:cxnSp>
-        <p:nvCxnSpPr>
-          <p:cNvPr id="34" name="Straight Connector 33"/>
-          <p:cNvCxnSpPr/>
-          <p:nvPr/>
-        </p:nvCxnSpPr>
-        <p:spPr>
-          <a:xfrm flipV="1">
-            <a:off x="1041400" y="4699000"/>
-            <a:ext cx="4528226" cy="1508124"/>
-          </a:xfrm>
-          <a:prstGeom prst="line">
-            <a:avLst/>
-          </a:prstGeom>
-        </p:spPr>
-        <p:style>
-          <a:lnRef idx="2">
-            <a:schemeClr val="accent1"/>
-          </a:lnRef>
-          <a:fillRef idx="0">
-            <a:schemeClr val="accent1"/>
-          </a:fillRef>
-          <a:effectRef idx="1">
-            <a:schemeClr val="accent1"/>
-          </a:effectRef>
-          <a:fontRef idx="minor">
-            <a:schemeClr val="tx1"/>
-          </a:fontRef>
-        </p:style>
-      </p:cxnSp>
-      <p:cxnSp>
-        <p:nvCxnSpPr>
-          <p:cNvPr id="35" name="Straight Connector 34"/>
-          <p:cNvCxnSpPr/>
-          <p:nvPr/>
-        </p:nvCxnSpPr>
-        <p:spPr>
-          <a:xfrm flipV="1">
-            <a:off x="1317625" y="4935538"/>
-            <a:ext cx="4381500" cy="1239834"/>
-          </a:xfrm>
-          <a:prstGeom prst="line">
-            <a:avLst/>
-          </a:prstGeom>
-        </p:spPr>
-        <p:style>
-          <a:lnRef idx="2">
-            <a:schemeClr val="accent1"/>
-          </a:lnRef>
-          <a:fillRef idx="0">
-            <a:schemeClr val="accent1"/>
-          </a:fillRef>
-          <a:effectRef idx="1">
-            <a:schemeClr val="accent1"/>
-          </a:effectRef>
-          <a:fontRef idx="minor">
-            <a:schemeClr val="tx1"/>
-          </a:fontRef>
-        </p:style>
-      </p:cxnSp>
-      <p:cxnSp>
-        <p:nvCxnSpPr>
-          <p:cNvPr id="36" name="Straight Connector 35"/>
-          <p:cNvCxnSpPr/>
-          <p:nvPr/>
-        </p:nvCxnSpPr>
-        <p:spPr>
-          <a:xfrm flipV="1">
-            <a:off x="1666140" y="5327651"/>
-            <a:ext cx="4032985" cy="863597"/>
-          </a:xfrm>
-          <a:prstGeom prst="line">
-            <a:avLst/>
-          </a:prstGeom>
-        </p:spPr>
-        <p:style>
-          <a:lnRef idx="2">
-            <a:schemeClr val="accent1"/>
-          </a:lnRef>
-          <a:fillRef idx="0">
-            <a:schemeClr val="accent1"/>
-          </a:fillRef>
-          <a:effectRef idx="1">
-            <a:schemeClr val="accent1"/>
-          </a:effectRef>
-          <a:fontRef idx="minor">
-            <a:schemeClr val="tx1"/>
-          </a:fontRef>
-        </p:style>
-      </p:cxnSp>
-      <p:cxnSp>
-        <p:nvCxnSpPr>
-          <p:cNvPr id="37" name="Straight Connector 36"/>
-          <p:cNvCxnSpPr/>
-          <p:nvPr/>
-        </p:nvCxnSpPr>
-        <p:spPr>
-          <a:xfrm flipV="1">
-            <a:off x="504090" y="4667248"/>
-            <a:ext cx="5065536" cy="517525"/>
-          </a:xfrm>
-          <a:prstGeom prst="line">
-            <a:avLst/>
-          </a:prstGeom>
-        </p:spPr>
-        <p:style>
-          <a:lnRef idx="2">
-            <a:schemeClr val="accent1"/>
-          </a:lnRef>
-          <a:fillRef idx="0">
-            <a:schemeClr val="accent1"/>
-          </a:fillRef>
-          <a:effectRef idx="1">
-            <a:schemeClr val="accent1"/>
-          </a:effectRef>
-          <a:fontRef idx="minor">
-            <a:schemeClr val="tx1"/>
-          </a:fontRef>
-        </p:style>
-      </p:cxnSp>
-      <p:cxnSp>
-        <p:nvCxnSpPr>
-          <p:cNvPr id="38" name="Straight Connector 37"/>
-          <p:cNvCxnSpPr/>
-          <p:nvPr/>
-        </p:nvCxnSpPr>
-        <p:spPr>
-          <a:xfrm flipV="1">
-            <a:off x="504090" y="2984500"/>
-            <a:ext cx="8465285" cy="2452686"/>
-          </a:xfrm>
-          <a:prstGeom prst="line">
-            <a:avLst/>
-          </a:prstGeom>
-        </p:spPr>
-        <p:style>
-          <a:lnRef idx="2">
-            <a:schemeClr val="accent1"/>
-          </a:lnRef>
-          <a:fillRef idx="0">
-            <a:schemeClr val="accent1"/>
-          </a:fillRef>
-          <a:effectRef idx="1">
-            <a:schemeClr val="accent1"/>
-          </a:effectRef>
-          <a:fontRef idx="minor">
-            <a:schemeClr val="tx1"/>
-          </a:fontRef>
-        </p:style>
-      </p:cxnSp>
-      <p:cxnSp>
-        <p:nvCxnSpPr>
-          <p:cNvPr id="39" name="Straight Connector 38"/>
-          <p:cNvCxnSpPr/>
-          <p:nvPr/>
-        </p:nvCxnSpPr>
-        <p:spPr>
-          <a:xfrm flipV="1">
-            <a:off x="504090" y="3302000"/>
-            <a:ext cx="8465285" cy="2416175"/>
-          </a:xfrm>
-          <a:prstGeom prst="line">
-            <a:avLst/>
-          </a:prstGeom>
-        </p:spPr>
-        <p:style>
-          <a:lnRef idx="2">
-            <a:schemeClr val="accent1"/>
-          </a:lnRef>
-          <a:fillRef idx="0">
-            <a:schemeClr val="accent1"/>
-          </a:fillRef>
-          <a:effectRef idx="1">
-            <a:schemeClr val="accent1"/>
-          </a:effectRef>
-          <a:fontRef idx="minor">
-            <a:schemeClr val="tx1"/>
-          </a:fontRef>
-        </p:style>
-      </p:cxnSp>
-      <p:cxnSp>
-        <p:nvCxnSpPr>
-          <p:cNvPr id="40" name="Straight Connector 39"/>
-          <p:cNvCxnSpPr/>
-          <p:nvPr/>
-        </p:nvCxnSpPr>
-        <p:spPr>
-          <a:xfrm flipV="1">
-            <a:off x="504090" y="1571625"/>
-            <a:ext cx="8465285" cy="3095623"/>
-          </a:xfrm>
-          <a:prstGeom prst="line">
-            <a:avLst/>
-          </a:prstGeom>
-        </p:spPr>
-        <p:style>
-          <a:lnRef idx="2">
-            <a:schemeClr val="accent1"/>
-          </a:lnRef>
-          <a:fillRef idx="0">
-            <a:schemeClr val="accent1"/>
-          </a:fillRef>
-          <a:effectRef idx="1">
-            <a:schemeClr val="accent1"/>
-          </a:effectRef>
-          <a:fontRef idx="minor">
-            <a:schemeClr val="tx1"/>
-          </a:fontRef>
-        </p:style>
-      </p:cxnSp>
-      <p:cxnSp>
-        <p:nvCxnSpPr>
-          <p:cNvPr id="41" name="Straight Connector 40"/>
-          <p:cNvCxnSpPr/>
-          <p:nvPr/>
-        </p:nvCxnSpPr>
-        <p:spPr>
-          <a:xfrm flipV="1">
-            <a:off x="519230" y="1095376"/>
-            <a:ext cx="8450145" cy="3175000"/>
-          </a:xfrm>
-          <a:prstGeom prst="line">
-            <a:avLst/>
-          </a:prstGeom>
-        </p:spPr>
-        <p:style>
-          <a:lnRef idx="2">
-            <a:schemeClr val="accent1"/>
-          </a:lnRef>
-          <a:fillRef idx="0">
-            <a:schemeClr val="accent1"/>
-          </a:fillRef>
-          <a:effectRef idx="1">
-            <a:schemeClr val="accent1"/>
-          </a:effectRef>
-          <a:fontRef idx="minor">
-            <a:schemeClr val="tx1"/>
-          </a:fontRef>
-        </p:style>
-      </p:cxnSp>
-      <p:cxnSp>
-        <p:nvCxnSpPr>
-          <p:cNvPr id="42" name="Straight Connector 41"/>
-          <p:cNvCxnSpPr/>
-          <p:nvPr/>
-        </p:nvCxnSpPr>
-        <p:spPr>
-          <a:xfrm flipV="1">
-            <a:off x="504090" y="1905000"/>
-            <a:ext cx="8465285" cy="3030538"/>
-          </a:xfrm>
-          <a:prstGeom prst="line">
-            <a:avLst/>
-          </a:prstGeom>
-        </p:spPr>
-        <p:style>
-          <a:lnRef idx="2">
-            <a:schemeClr val="accent1"/>
-          </a:lnRef>
-          <a:fillRef idx="0">
-            <a:schemeClr val="accent1"/>
-          </a:fillRef>
-          <a:effectRef idx="1">
-            <a:schemeClr val="accent1"/>
-          </a:effectRef>
-          <a:fontRef idx="minor">
-            <a:schemeClr val="tx1"/>
-          </a:fontRef>
-        </p:style>
-      </p:cxnSp>
-      <p:sp>
-        <p:nvSpPr>
-          <p:cNvPr id="55" name="Oval 54"/>
-          <p:cNvSpPr/>
-          <p:nvPr/>
-        </p:nvSpPr>
-        <p:spPr>
-          <a:xfrm>
-            <a:off x="3905250" y="2063750"/>
-            <a:ext cx="603250" cy="4111622"/>
-          </a:xfrm>
-          <a:prstGeom prst="ellipse">
-            <a:avLst/>
-          </a:prstGeom>
-          <a:noFill/>
-          <a:ln w="57150" cmpd="sng">
-            <a:solidFill>
-              <a:srgbClr val="FF0000"/>
-            </a:solidFill>
-          </a:ln>
-        </p:spPr>
-        <p:style>
-          <a:lnRef idx="1">
-            <a:schemeClr val="accent1"/>
-          </a:lnRef>
-          <a:fillRef idx="3">
-            <a:schemeClr val="accent1"/>
-          </a:fillRef>
-          <a:effectRef idx="2">
-            <a:schemeClr val="accent1"/>
-          </a:effectRef>
-          <a:fontRef idx="minor">
-            <a:schemeClr val="lt1"/>
-          </a:fontRef>
-        </p:style>
-        <p:txBody>
-          <a:bodyPr rtlCol="0" anchor="ctr"/>
-          <a:lstStyle/>
-          <a:p>
-            <a:pPr algn="ctr"/>
-            <a:endParaRPr lang="en-US"/>
-          </a:p>
-        </p:txBody>
-      </p:sp>
-      <p:sp>
-        <p:nvSpPr>
-          <p:cNvPr id="56" name="TextBox 55"/>
-          <p:cNvSpPr txBox="1"/>
-          <p:nvPr/>
-        </p:nvSpPr>
-        <p:spPr>
-          <a:xfrm>
-            <a:off x="1190589" y="6397625"/>
-            <a:ext cx="951102" cy="369332"/>
-          </a:xfrm>
-          <a:prstGeom prst="rect">
-            <a:avLst/>
-          </a:prstGeom>
-          <a:noFill/>
-        </p:spPr>
-        <p:txBody>
-          <a:bodyPr wrap="none" rtlCol="0">
-            <a:spAutoFit/>
+      <p:sp>
+        <p:nvSpPr>
+          <p:cNvPr id="3" name="Content Placeholder 2"/>
+          <p:cNvSpPr>
+            <a:spLocks noGrp="1"/>
+          </p:cNvSpPr>
+          <p:nvPr>
+            <p:ph idx="1"/>
+          </p:nvPr>
+        </p:nvSpPr>
+        <p:spPr/>
+        <p:txBody>
+          <a:bodyPr>
+            <a:normAutofit fontScale="92500" lnSpcReduction="20000"/>
           </a:bodyPr>
           <a:lstStyle/>
           <a:p>
             <a:r>
               <a:rPr lang="en-US" dirty="0" smtClean="0"/>
-              <a:t>Package</a:t>
-            </a:r>
-            <a:endParaRPr lang="en-US" dirty="0"/>
-          </a:p>
-        </p:txBody>
-      </p:sp>
-      <p:sp>
-        <p:nvSpPr>
-          <p:cNvPr id="57" name="TextBox 56"/>
-          <p:cNvSpPr txBox="1"/>
-          <p:nvPr/>
-        </p:nvSpPr>
-        <p:spPr>
-          <a:xfrm>
-            <a:off x="6740489" y="6365359"/>
-            <a:ext cx="875585" cy="369332"/>
-          </a:xfrm>
-          <a:prstGeom prst="rect">
-            <a:avLst/>
-          </a:prstGeom>
-          <a:noFill/>
-        </p:spPr>
-        <p:txBody>
-          <a:bodyPr wrap="none" rtlCol="0">
-            <a:spAutoFit/>
-          </a:bodyPr>
-          <a:lstStyle/>
-          <a:p>
+              <a:t>To use a part on a PCB, you need a library entry for it</a:t>
+            </a:r>
+          </a:p>
+          <a:p>
+            <a:pPr lvl="1"/>
             <a:r>
               <a:rPr lang="en-US" dirty="0" smtClean="0"/>
-              <a:t>Symbol</a:t>
-            </a:r>
-            <a:endParaRPr lang="en-US" dirty="0"/>
-          </a:p>
-        </p:txBody>
-      </p:sp>
-      <p:sp>
-        <p:nvSpPr>
-          <p:cNvPr id="58" name="TextBox 57"/>
-          <p:cNvSpPr txBox="1"/>
-          <p:nvPr/>
-        </p:nvSpPr>
-        <p:spPr>
-          <a:xfrm>
-            <a:off x="3162264" y="6275387"/>
-            <a:ext cx="2042484" cy="369332"/>
-          </a:xfrm>
-          <a:prstGeom prst="rect">
-            <a:avLst/>
-          </a:prstGeom>
-          <a:noFill/>
-        </p:spPr>
-        <p:txBody>
-          <a:bodyPr wrap="none" rtlCol="0">
-            <a:spAutoFit/>
-          </a:bodyPr>
-          <a:lstStyle/>
-          <a:p>
+              <a:t>Physical/mechanical information for the board</a:t>
+            </a:r>
+          </a:p>
+          <a:p>
+            <a:pPr lvl="1"/>
             <a:r>
               <a:rPr lang="en-US" dirty="0" smtClean="0"/>
-              <a:t>Device Pin Mapping</a:t>
-            </a:r>
-            <a:endParaRPr lang="en-US" dirty="0"/>
-          </a:p>
-        </p:txBody>
-      </p:sp>
-      <p:sp>
-        <p:nvSpPr>
-          <p:cNvPr id="59" name="TextBox 58"/>
-          <p:cNvSpPr txBox="1"/>
-          <p:nvPr/>
-        </p:nvSpPr>
-        <p:spPr>
-          <a:xfrm>
-            <a:off x="849962" y="2466459"/>
-            <a:ext cx="1377300" cy="369332"/>
-          </a:xfrm>
-          <a:prstGeom prst="rect">
-            <a:avLst/>
-          </a:prstGeom>
-          <a:noFill/>
-        </p:spPr>
-        <p:txBody>
-          <a:bodyPr wrap="none" rtlCol="0">
-            <a:spAutoFit/>
-          </a:bodyPr>
-          <a:lstStyle/>
-          <a:p>
+              <a:t>Logical/electrical information for the schematic</a:t>
+            </a:r>
+          </a:p>
+          <a:p>
+            <a:pPr lvl="1"/>
             <a:r>
               <a:rPr lang="en-US" dirty="0" smtClean="0"/>
-              <a:t>Physical part</a:t>
-            </a:r>
-            <a:endParaRPr lang="en-US" dirty="0"/>
+              <a:t>Mapping between the two</a:t>
+            </a:r>
+          </a:p>
+          <a:p>
+            <a:pPr lvl="1"/>
+            <a:r>
+              <a:rPr lang="en-US" dirty="0" smtClean="0"/>
+              <a:t>Metadata</a:t>
+            </a:r>
+          </a:p>
+          <a:p>
+            <a:r>
+              <a:rPr lang="en-US" dirty="0" smtClean="0"/>
+              <a:t>A well designed library, will make your life much, much easier.</a:t>
+            </a:r>
+          </a:p>
+          <a:p>
+            <a:r>
+              <a:rPr lang="en-US" dirty="0" smtClean="0"/>
+              <a:t>There are lots of libraries are the internet</a:t>
+            </a:r>
+          </a:p>
+          <a:p>
+            <a:pPr lvl="1"/>
+            <a:r>
+              <a:rPr lang="en-US" dirty="0" smtClean="0"/>
+              <a:t>Some are good, some are bad, some a poor match for what we need.</a:t>
+            </a:r>
           </a:p>
         </p:txBody>
       </p:sp>
     </p:spTree>
     <p:extLst>
       <p:ext uri="{BB962C8B-B14F-4D97-AF65-F5344CB8AC3E}">
-        <p14:creationId xmlns:p14="http://schemas.microsoft.com/office/powerpoint/2010/main" val="1989894804"/>
+        <p14:creationId xmlns:p14="http://schemas.microsoft.com/office/powerpoint/2010/main" val="667542074"/>
       </p:ext>
     </p:extLst>
   </p:cSld>
@@ -4934,86 +4534,34 @@
           <a:bodyPr/>
           <a:lstStyle/>
           <a:p>
-            <a:r>
-              <a:rPr lang="en-US" dirty="0" smtClean="0"/>
-              <a:t>PCB Libraries: Packages</a:t>
-            </a:r>
             <a:endParaRPr lang="en-US" dirty="0"/>
-          </a:p>
-        </p:txBody>
-      </p:sp>
-      <p:sp>
-        <p:nvSpPr>
-          <p:cNvPr id="3" name="Content Placeholder 2"/>
-          <p:cNvSpPr>
-            <a:spLocks noGrp="1"/>
-          </p:cNvSpPr>
-          <p:nvPr>
-            <p:ph idx="1"/>
-          </p:nvPr>
-        </p:nvSpPr>
-        <p:spPr/>
-        <p:txBody>
-          <a:bodyPr/>
-          <a:lstStyle/>
-          <a:p>
-            <a:r>
-              <a:rPr lang="en-US" dirty="0" smtClean="0"/>
-              <a:t>Mechanical description of the part</a:t>
-            </a:r>
-          </a:p>
-          <a:p>
-            <a:r>
-              <a:rPr lang="en-US" dirty="0" smtClean="0"/>
-              <a:t>Electrical connections (i.e., pads and SMDs)</a:t>
-            </a:r>
-          </a:p>
-          <a:p>
-            <a:r>
-              <a:rPr lang="en-US" dirty="0" smtClean="0"/>
-              <a:t>Other things: “</a:t>
-            </a:r>
-            <a:r>
-              <a:rPr lang="en-US" dirty="0" err="1" smtClean="0"/>
-              <a:t>keepouts</a:t>
-            </a:r>
-            <a:r>
-              <a:rPr lang="en-US" dirty="0" smtClean="0"/>
-              <a:t>”, mounting holes, documentation, labels etc.</a:t>
-            </a:r>
-          </a:p>
-          <a:p>
-            <a:r>
-              <a:rPr lang="en-US" dirty="0" smtClean="0"/>
-              <a:t>Generic packages: e.g., 0805 Resistor</a:t>
-            </a:r>
-          </a:p>
-          <a:p>
-            <a:r>
-              <a:rPr lang="en-US" dirty="0" smtClean="0"/>
-              <a:t>Specific packages: e.g., Atmegat128RF</a:t>
-            </a:r>
           </a:p>
         </p:txBody>
       </p:sp>
       <p:pic>
         <p:nvPicPr>
-          <p:cNvPr id="4" name="Picture 3"/>
+          <p:cNvPr id="6" name="Picture 5" descr="64-QFN_sml.jpg"/>
           <p:cNvPicPr>
             <a:picLocks noChangeAspect="1"/>
           </p:cNvPicPr>
           <p:nvPr/>
         </p:nvPicPr>
         <p:blipFill>
-          <a:blip r:embed="rId2"/>
+          <a:blip r:embed="rId2">
+            <a:extLst>
+              <a:ext uri="{28A0092B-C50C-407E-A947-70E740481C1C}">
+                <a14:useLocalDpi xmlns:a14="http://schemas.microsoft.com/office/drawing/2010/main" val="0"/>
+              </a:ext>
+            </a:extLst>
+          </a:blip>
           <a:stretch>
             <a:fillRect/>
           </a:stretch>
         </p:blipFill>
         <p:spPr>
           <a:xfrm>
-            <a:off x="457200" y="5358269"/>
-            <a:ext cx="3000375" cy="1266454"/>
+            <a:off x="285750" y="274638"/>
+            <a:ext cx="2540000" cy="2540000"/>
           </a:xfrm>
           <a:prstGeom prst="rect">
             <a:avLst/>
@@ -5022,7 +4570,7 @@
       </p:pic>
       <p:pic>
         <p:nvPicPr>
-          <p:cNvPr id="5" name="Picture 4"/>
+          <p:cNvPr id="9" name="Picture 8"/>
           <p:cNvPicPr>
             <a:picLocks noChangeAspect="1"/>
           </p:cNvPicPr>
@@ -5036,8 +4584,8 @@
         </p:blipFill>
         <p:spPr>
           <a:xfrm>
-            <a:off x="5787360" y="5130602"/>
-            <a:ext cx="3356639" cy="1721787"/>
+            <a:off x="457200" y="3687762"/>
+            <a:ext cx="2569428" cy="2587625"/>
           </a:xfrm>
           <a:prstGeom prst="rect">
             <a:avLst/>
@@ -5046,7 +4594,7 @@
       </p:pic>
       <p:pic>
         <p:nvPicPr>
-          <p:cNvPr id="6" name="Picture 5"/>
+          <p:cNvPr id="10" name="Picture 9"/>
           <p:cNvPicPr>
             <a:picLocks noChangeAspect="1"/>
           </p:cNvPicPr>
@@ -5060,24 +4608,765 @@
         </p:blipFill>
         <p:spPr>
           <a:xfrm>
-            <a:off x="3873500" y="5026182"/>
-            <a:ext cx="1447799" cy="1831818"/>
+            <a:off x="5569626" y="873124"/>
+            <a:ext cx="3574374" cy="5402263"/>
           </a:xfrm>
           <a:prstGeom prst="rect">
             <a:avLst/>
           </a:prstGeom>
         </p:spPr>
       </p:pic>
+      <p:cxnSp>
+        <p:nvCxnSpPr>
+          <p:cNvPr id="12" name="Straight Connector 11"/>
+          <p:cNvCxnSpPr/>
+          <p:nvPr/>
+        </p:nvCxnSpPr>
+        <p:spPr>
+          <a:xfrm flipV="1">
+            <a:off x="2978150" y="1095376"/>
+            <a:ext cx="2720975" cy="3175000"/>
+          </a:xfrm>
+          <a:prstGeom prst="line">
+            <a:avLst/>
+          </a:prstGeom>
+        </p:spPr>
+        <p:style>
+          <a:lnRef idx="2">
+            <a:schemeClr val="accent1"/>
+          </a:lnRef>
+          <a:fillRef idx="0">
+            <a:schemeClr val="accent1"/>
+          </a:fillRef>
+          <a:effectRef idx="1">
+            <a:schemeClr val="accent1"/>
+          </a:effectRef>
+          <a:fontRef idx="minor">
+            <a:schemeClr val="tx1"/>
+          </a:fontRef>
+        </p:style>
+      </p:cxnSp>
+      <p:cxnSp>
+        <p:nvCxnSpPr>
+          <p:cNvPr id="15" name="Straight Connector 14"/>
+          <p:cNvCxnSpPr/>
+          <p:nvPr/>
+        </p:nvCxnSpPr>
+        <p:spPr>
+          <a:xfrm flipV="1">
+            <a:off x="2978150" y="1247775"/>
+            <a:ext cx="2720975" cy="3175002"/>
+          </a:xfrm>
+          <a:prstGeom prst="line">
+            <a:avLst/>
+          </a:prstGeom>
+        </p:spPr>
+        <p:style>
+          <a:lnRef idx="2">
+            <a:schemeClr val="accent1"/>
+          </a:lnRef>
+          <a:fillRef idx="0">
+            <a:schemeClr val="accent1"/>
+          </a:fillRef>
+          <a:effectRef idx="1">
+            <a:schemeClr val="accent1"/>
+          </a:effectRef>
+          <a:fontRef idx="minor">
+            <a:schemeClr val="tx1"/>
+          </a:fontRef>
+        </p:style>
+      </p:cxnSp>
+      <p:cxnSp>
+        <p:nvCxnSpPr>
+          <p:cNvPr id="16" name="Straight Connector 15"/>
+          <p:cNvCxnSpPr/>
+          <p:nvPr/>
+        </p:nvCxnSpPr>
+        <p:spPr>
+          <a:xfrm flipV="1">
+            <a:off x="2978150" y="2651125"/>
+            <a:ext cx="2720975" cy="2047875"/>
+          </a:xfrm>
+          <a:prstGeom prst="line">
+            <a:avLst/>
+          </a:prstGeom>
+        </p:spPr>
+        <p:style>
+          <a:lnRef idx="2">
+            <a:schemeClr val="accent1"/>
+          </a:lnRef>
+          <a:fillRef idx="0">
+            <a:schemeClr val="accent1"/>
+          </a:fillRef>
+          <a:effectRef idx="1">
+            <a:schemeClr val="accent1"/>
+          </a:effectRef>
+          <a:fontRef idx="minor">
+            <a:schemeClr val="tx1"/>
+          </a:fontRef>
+        </p:style>
+      </p:cxnSp>
+      <p:cxnSp>
+        <p:nvCxnSpPr>
+          <p:cNvPr id="17" name="Straight Connector 16"/>
+          <p:cNvCxnSpPr/>
+          <p:nvPr/>
+        </p:nvCxnSpPr>
+        <p:spPr>
+          <a:xfrm flipV="1">
+            <a:off x="2978150" y="3571876"/>
+            <a:ext cx="2720975" cy="1508124"/>
+          </a:xfrm>
+          <a:prstGeom prst="line">
+            <a:avLst/>
+          </a:prstGeom>
+        </p:spPr>
+        <p:style>
+          <a:lnRef idx="2">
+            <a:schemeClr val="accent1"/>
+          </a:lnRef>
+          <a:fillRef idx="0">
+            <a:schemeClr val="accent1"/>
+          </a:fillRef>
+          <a:effectRef idx="1">
+            <a:schemeClr val="accent1"/>
+          </a:effectRef>
+          <a:fontRef idx="minor">
+            <a:schemeClr val="tx1"/>
+          </a:fontRef>
+        </p:style>
+      </p:cxnSp>
+      <p:cxnSp>
+        <p:nvCxnSpPr>
+          <p:cNvPr id="18" name="Straight Connector 17"/>
+          <p:cNvCxnSpPr/>
+          <p:nvPr/>
+        </p:nvCxnSpPr>
+        <p:spPr>
+          <a:xfrm flipV="1">
+            <a:off x="1333500" y="2206626"/>
+            <a:ext cx="4365625" cy="1603374"/>
+          </a:xfrm>
+          <a:prstGeom prst="line">
+            <a:avLst/>
+          </a:prstGeom>
+        </p:spPr>
+        <p:style>
+          <a:lnRef idx="2">
+            <a:schemeClr val="accent1"/>
+          </a:lnRef>
+          <a:fillRef idx="0">
+            <a:schemeClr val="accent1"/>
+          </a:fillRef>
+          <a:effectRef idx="1">
+            <a:schemeClr val="accent1"/>
+          </a:effectRef>
+          <a:fontRef idx="minor">
+            <a:schemeClr val="tx1"/>
+          </a:fontRef>
+        </p:style>
+      </p:cxnSp>
+      <p:cxnSp>
+        <p:nvCxnSpPr>
+          <p:cNvPr id="29" name="Straight Connector 28"/>
+          <p:cNvCxnSpPr/>
+          <p:nvPr/>
+        </p:nvCxnSpPr>
+        <p:spPr>
+          <a:xfrm flipV="1">
+            <a:off x="2978150" y="3819527"/>
+            <a:ext cx="2720975" cy="1508124"/>
+          </a:xfrm>
+          <a:prstGeom prst="line">
+            <a:avLst/>
+          </a:prstGeom>
+        </p:spPr>
+        <p:style>
+          <a:lnRef idx="2">
+            <a:schemeClr val="accent1"/>
+          </a:lnRef>
+          <a:fillRef idx="0">
+            <a:schemeClr val="accent1"/>
+          </a:fillRef>
+          <a:effectRef idx="1">
+            <a:schemeClr val="accent1"/>
+          </a:effectRef>
+          <a:fontRef idx="minor">
+            <a:schemeClr val="tx1"/>
+          </a:fontRef>
+        </p:style>
+      </p:cxnSp>
+      <p:cxnSp>
+        <p:nvCxnSpPr>
+          <p:cNvPr id="30" name="Straight Connector 29"/>
+          <p:cNvCxnSpPr/>
+          <p:nvPr/>
+        </p:nvCxnSpPr>
+        <p:spPr>
+          <a:xfrm flipV="1">
+            <a:off x="2978150" y="4029076"/>
+            <a:ext cx="2720975" cy="1508124"/>
+          </a:xfrm>
+          <a:prstGeom prst="line">
+            <a:avLst/>
+          </a:prstGeom>
+        </p:spPr>
+        <p:style>
+          <a:lnRef idx="2">
+            <a:schemeClr val="accent1"/>
+          </a:lnRef>
+          <a:fillRef idx="0">
+            <a:schemeClr val="accent1"/>
+          </a:fillRef>
+          <a:effectRef idx="1">
+            <a:schemeClr val="accent1"/>
+          </a:effectRef>
+          <a:fontRef idx="minor">
+            <a:schemeClr val="tx1"/>
+          </a:fontRef>
+        </p:style>
+      </p:cxnSp>
+      <p:cxnSp>
+        <p:nvCxnSpPr>
+          <p:cNvPr id="31" name="Straight Connector 30"/>
+          <p:cNvCxnSpPr/>
+          <p:nvPr/>
+        </p:nvCxnSpPr>
+        <p:spPr>
+          <a:xfrm flipV="1">
+            <a:off x="2978150" y="4181476"/>
+            <a:ext cx="2720975" cy="1508124"/>
+          </a:xfrm>
+          <a:prstGeom prst="line">
+            <a:avLst/>
+          </a:prstGeom>
+        </p:spPr>
+        <p:style>
+          <a:lnRef idx="2">
+            <a:schemeClr val="accent1"/>
+          </a:lnRef>
+          <a:fillRef idx="0">
+            <a:schemeClr val="accent1"/>
+          </a:fillRef>
+          <a:effectRef idx="1">
+            <a:schemeClr val="accent1"/>
+          </a:effectRef>
+          <a:fontRef idx="minor">
+            <a:schemeClr val="tx1"/>
+          </a:fontRef>
+        </p:style>
+      </p:cxnSp>
+      <p:cxnSp>
+        <p:nvCxnSpPr>
+          <p:cNvPr id="32" name="Straight Connector 31"/>
+          <p:cNvCxnSpPr/>
+          <p:nvPr/>
+        </p:nvCxnSpPr>
+        <p:spPr>
+          <a:xfrm flipV="1">
+            <a:off x="2016125" y="4422777"/>
+            <a:ext cx="3553501" cy="1784347"/>
+          </a:xfrm>
+          <a:prstGeom prst="line">
+            <a:avLst/>
+          </a:prstGeom>
+        </p:spPr>
+        <p:style>
+          <a:lnRef idx="2">
+            <a:schemeClr val="accent1"/>
+          </a:lnRef>
+          <a:fillRef idx="0">
+            <a:schemeClr val="accent1"/>
+          </a:fillRef>
+          <a:effectRef idx="1">
+            <a:schemeClr val="accent1"/>
+          </a:effectRef>
+          <a:fontRef idx="minor">
+            <a:schemeClr val="tx1"/>
+          </a:fontRef>
+        </p:style>
+      </p:cxnSp>
+      <p:cxnSp>
+        <p:nvCxnSpPr>
+          <p:cNvPr id="33" name="Straight Connector 32"/>
+          <p:cNvCxnSpPr/>
+          <p:nvPr/>
+        </p:nvCxnSpPr>
+        <p:spPr>
+          <a:xfrm flipV="1">
+            <a:off x="2227262" y="5080000"/>
+            <a:ext cx="3471863" cy="1127124"/>
+          </a:xfrm>
+          <a:prstGeom prst="line">
+            <a:avLst/>
+          </a:prstGeom>
+        </p:spPr>
+        <p:style>
+          <a:lnRef idx="2">
+            <a:schemeClr val="accent1"/>
+          </a:lnRef>
+          <a:fillRef idx="0">
+            <a:schemeClr val="accent1"/>
+          </a:fillRef>
+          <a:effectRef idx="1">
+            <a:schemeClr val="accent1"/>
+          </a:effectRef>
+          <a:fontRef idx="minor">
+            <a:schemeClr val="tx1"/>
+          </a:fontRef>
+        </p:style>
+      </p:cxnSp>
+      <p:cxnSp>
+        <p:nvCxnSpPr>
+          <p:cNvPr id="34" name="Straight Connector 33"/>
+          <p:cNvCxnSpPr/>
+          <p:nvPr/>
+        </p:nvCxnSpPr>
+        <p:spPr>
+          <a:xfrm flipV="1">
+            <a:off x="1041400" y="4699000"/>
+            <a:ext cx="4528226" cy="1508124"/>
+          </a:xfrm>
+          <a:prstGeom prst="line">
+            <a:avLst/>
+          </a:prstGeom>
+        </p:spPr>
+        <p:style>
+          <a:lnRef idx="2">
+            <a:schemeClr val="accent1"/>
+          </a:lnRef>
+          <a:fillRef idx="0">
+            <a:schemeClr val="accent1"/>
+          </a:fillRef>
+          <a:effectRef idx="1">
+            <a:schemeClr val="accent1"/>
+          </a:effectRef>
+          <a:fontRef idx="minor">
+            <a:schemeClr val="tx1"/>
+          </a:fontRef>
+        </p:style>
+      </p:cxnSp>
+      <p:cxnSp>
+        <p:nvCxnSpPr>
+          <p:cNvPr id="35" name="Straight Connector 34"/>
+          <p:cNvCxnSpPr/>
+          <p:nvPr/>
+        </p:nvCxnSpPr>
+        <p:spPr>
+          <a:xfrm flipV="1">
+            <a:off x="1317625" y="4935538"/>
+            <a:ext cx="4381500" cy="1239834"/>
+          </a:xfrm>
+          <a:prstGeom prst="line">
+            <a:avLst/>
+          </a:prstGeom>
+        </p:spPr>
+        <p:style>
+          <a:lnRef idx="2">
+            <a:schemeClr val="accent1"/>
+          </a:lnRef>
+          <a:fillRef idx="0">
+            <a:schemeClr val="accent1"/>
+          </a:fillRef>
+          <a:effectRef idx="1">
+            <a:schemeClr val="accent1"/>
+          </a:effectRef>
+          <a:fontRef idx="minor">
+            <a:schemeClr val="tx1"/>
+          </a:fontRef>
+        </p:style>
+      </p:cxnSp>
+      <p:cxnSp>
+        <p:nvCxnSpPr>
+          <p:cNvPr id="36" name="Straight Connector 35"/>
+          <p:cNvCxnSpPr/>
+          <p:nvPr/>
+        </p:nvCxnSpPr>
+        <p:spPr>
+          <a:xfrm flipV="1">
+            <a:off x="1666140" y="5327651"/>
+            <a:ext cx="4032985" cy="863597"/>
+          </a:xfrm>
+          <a:prstGeom prst="line">
+            <a:avLst/>
+          </a:prstGeom>
+        </p:spPr>
+        <p:style>
+          <a:lnRef idx="2">
+            <a:schemeClr val="accent1"/>
+          </a:lnRef>
+          <a:fillRef idx="0">
+            <a:schemeClr val="accent1"/>
+          </a:fillRef>
+          <a:effectRef idx="1">
+            <a:schemeClr val="accent1"/>
+          </a:effectRef>
+          <a:fontRef idx="minor">
+            <a:schemeClr val="tx1"/>
+          </a:fontRef>
+        </p:style>
+      </p:cxnSp>
+      <p:cxnSp>
+        <p:nvCxnSpPr>
+          <p:cNvPr id="37" name="Straight Connector 36"/>
+          <p:cNvCxnSpPr/>
+          <p:nvPr/>
+        </p:nvCxnSpPr>
+        <p:spPr>
+          <a:xfrm flipV="1">
+            <a:off x="504090" y="4667248"/>
+            <a:ext cx="5065536" cy="517525"/>
+          </a:xfrm>
+          <a:prstGeom prst="line">
+            <a:avLst/>
+          </a:prstGeom>
+        </p:spPr>
+        <p:style>
+          <a:lnRef idx="2">
+            <a:schemeClr val="accent1"/>
+          </a:lnRef>
+          <a:fillRef idx="0">
+            <a:schemeClr val="accent1"/>
+          </a:fillRef>
+          <a:effectRef idx="1">
+            <a:schemeClr val="accent1"/>
+          </a:effectRef>
+          <a:fontRef idx="minor">
+            <a:schemeClr val="tx1"/>
+          </a:fontRef>
+        </p:style>
+      </p:cxnSp>
+      <p:cxnSp>
+        <p:nvCxnSpPr>
+          <p:cNvPr id="38" name="Straight Connector 37"/>
+          <p:cNvCxnSpPr/>
+          <p:nvPr/>
+        </p:nvCxnSpPr>
+        <p:spPr>
+          <a:xfrm flipV="1">
+            <a:off x="504090" y="2984500"/>
+            <a:ext cx="8465285" cy="2452686"/>
+          </a:xfrm>
+          <a:prstGeom prst="line">
+            <a:avLst/>
+          </a:prstGeom>
+        </p:spPr>
+        <p:style>
+          <a:lnRef idx="2">
+            <a:schemeClr val="accent1"/>
+          </a:lnRef>
+          <a:fillRef idx="0">
+            <a:schemeClr val="accent1"/>
+          </a:fillRef>
+          <a:effectRef idx="1">
+            <a:schemeClr val="accent1"/>
+          </a:effectRef>
+          <a:fontRef idx="minor">
+            <a:schemeClr val="tx1"/>
+          </a:fontRef>
+        </p:style>
+      </p:cxnSp>
+      <p:cxnSp>
+        <p:nvCxnSpPr>
+          <p:cNvPr id="39" name="Straight Connector 38"/>
+          <p:cNvCxnSpPr/>
+          <p:nvPr/>
+        </p:nvCxnSpPr>
+        <p:spPr>
+          <a:xfrm flipV="1">
+            <a:off x="504090" y="3302000"/>
+            <a:ext cx="8465285" cy="2416175"/>
+          </a:xfrm>
+          <a:prstGeom prst="line">
+            <a:avLst/>
+          </a:prstGeom>
+        </p:spPr>
+        <p:style>
+          <a:lnRef idx="2">
+            <a:schemeClr val="accent1"/>
+          </a:lnRef>
+          <a:fillRef idx="0">
+            <a:schemeClr val="accent1"/>
+          </a:fillRef>
+          <a:effectRef idx="1">
+            <a:schemeClr val="accent1"/>
+          </a:effectRef>
+          <a:fontRef idx="minor">
+            <a:schemeClr val="tx1"/>
+          </a:fontRef>
+        </p:style>
+      </p:cxnSp>
+      <p:cxnSp>
+        <p:nvCxnSpPr>
+          <p:cNvPr id="40" name="Straight Connector 39"/>
+          <p:cNvCxnSpPr/>
+          <p:nvPr/>
+        </p:nvCxnSpPr>
+        <p:spPr>
+          <a:xfrm flipV="1">
+            <a:off x="504090" y="1571625"/>
+            <a:ext cx="8465285" cy="3095623"/>
+          </a:xfrm>
+          <a:prstGeom prst="line">
+            <a:avLst/>
+          </a:prstGeom>
+        </p:spPr>
+        <p:style>
+          <a:lnRef idx="2">
+            <a:schemeClr val="accent1"/>
+          </a:lnRef>
+          <a:fillRef idx="0">
+            <a:schemeClr val="accent1"/>
+          </a:fillRef>
+          <a:effectRef idx="1">
+            <a:schemeClr val="accent1"/>
+          </a:effectRef>
+          <a:fontRef idx="minor">
+            <a:schemeClr val="tx1"/>
+          </a:fontRef>
+        </p:style>
+      </p:cxnSp>
+      <p:cxnSp>
+        <p:nvCxnSpPr>
+          <p:cNvPr id="41" name="Straight Connector 40"/>
+          <p:cNvCxnSpPr/>
+          <p:nvPr/>
+        </p:nvCxnSpPr>
+        <p:spPr>
+          <a:xfrm flipV="1">
+            <a:off x="519230" y="1095376"/>
+            <a:ext cx="8450145" cy="3175000"/>
+          </a:xfrm>
+          <a:prstGeom prst="line">
+            <a:avLst/>
+          </a:prstGeom>
+        </p:spPr>
+        <p:style>
+          <a:lnRef idx="2">
+            <a:schemeClr val="accent1"/>
+          </a:lnRef>
+          <a:fillRef idx="0">
+            <a:schemeClr val="accent1"/>
+          </a:fillRef>
+          <a:effectRef idx="1">
+            <a:schemeClr val="accent1"/>
+          </a:effectRef>
+          <a:fontRef idx="minor">
+            <a:schemeClr val="tx1"/>
+          </a:fontRef>
+        </p:style>
+      </p:cxnSp>
+      <p:cxnSp>
+        <p:nvCxnSpPr>
+          <p:cNvPr id="42" name="Straight Connector 41"/>
+          <p:cNvCxnSpPr/>
+          <p:nvPr/>
+        </p:nvCxnSpPr>
+        <p:spPr>
+          <a:xfrm flipV="1">
+            <a:off x="504090" y="1905000"/>
+            <a:ext cx="8465285" cy="3030538"/>
+          </a:xfrm>
+          <a:prstGeom prst="line">
+            <a:avLst/>
+          </a:prstGeom>
+        </p:spPr>
+        <p:style>
+          <a:lnRef idx="2">
+            <a:schemeClr val="accent1"/>
+          </a:lnRef>
+          <a:fillRef idx="0">
+            <a:schemeClr val="accent1"/>
+          </a:fillRef>
+          <a:effectRef idx="1">
+            <a:schemeClr val="accent1"/>
+          </a:effectRef>
+          <a:fontRef idx="minor">
+            <a:schemeClr val="tx1"/>
+          </a:fontRef>
+        </p:style>
+      </p:cxnSp>
+      <p:sp>
+        <p:nvSpPr>
+          <p:cNvPr id="55" name="Oval 54"/>
+          <p:cNvSpPr/>
+          <p:nvPr/>
+        </p:nvSpPr>
+        <p:spPr>
+          <a:xfrm>
+            <a:off x="3905250" y="2063750"/>
+            <a:ext cx="603250" cy="4111622"/>
+          </a:xfrm>
+          <a:prstGeom prst="ellipse">
+            <a:avLst/>
+          </a:prstGeom>
+          <a:noFill/>
+          <a:ln w="57150" cmpd="sng">
+            <a:solidFill>
+              <a:srgbClr val="FF0000"/>
+            </a:solidFill>
+          </a:ln>
+        </p:spPr>
+        <p:style>
+          <a:lnRef idx="1">
+            <a:schemeClr val="accent1"/>
+          </a:lnRef>
+          <a:fillRef idx="3">
+            <a:schemeClr val="accent1"/>
+          </a:fillRef>
+          <a:effectRef idx="2">
+            <a:schemeClr val="accent1"/>
+          </a:effectRef>
+          <a:fontRef idx="minor">
+            <a:schemeClr val="lt1"/>
+          </a:fontRef>
+        </p:style>
+        <p:txBody>
+          <a:bodyPr rtlCol="0" anchor="ctr"/>
+          <a:lstStyle/>
+          <a:p>
+            <a:pPr algn="ctr"/>
+            <a:endParaRPr lang="en-US"/>
+          </a:p>
+        </p:txBody>
+      </p:sp>
+      <p:sp>
+        <p:nvSpPr>
+          <p:cNvPr id="56" name="TextBox 55"/>
+          <p:cNvSpPr txBox="1"/>
+          <p:nvPr/>
+        </p:nvSpPr>
+        <p:spPr>
+          <a:xfrm>
+            <a:off x="1190589" y="6397625"/>
+            <a:ext cx="951102" cy="369332"/>
+          </a:xfrm>
+          <a:prstGeom prst="rect">
+            <a:avLst/>
+          </a:prstGeom>
+          <a:noFill/>
+        </p:spPr>
+        <p:txBody>
+          <a:bodyPr wrap="none" rtlCol="0">
+            <a:spAutoFit/>
+          </a:bodyPr>
+          <a:lstStyle/>
+          <a:p>
+            <a:r>
+              <a:rPr lang="en-US" dirty="0" smtClean="0"/>
+              <a:t>Package</a:t>
+            </a:r>
+            <a:endParaRPr lang="en-US" dirty="0"/>
+          </a:p>
+        </p:txBody>
+      </p:sp>
+      <p:sp>
+        <p:nvSpPr>
+          <p:cNvPr id="57" name="TextBox 56"/>
+          <p:cNvSpPr txBox="1"/>
+          <p:nvPr/>
+        </p:nvSpPr>
+        <p:spPr>
+          <a:xfrm>
+            <a:off x="6740489" y="6365359"/>
+            <a:ext cx="875585" cy="369332"/>
+          </a:xfrm>
+          <a:prstGeom prst="rect">
+            <a:avLst/>
+          </a:prstGeom>
+          <a:noFill/>
+        </p:spPr>
+        <p:txBody>
+          <a:bodyPr wrap="none" rtlCol="0">
+            <a:spAutoFit/>
+          </a:bodyPr>
+          <a:lstStyle/>
+          <a:p>
+            <a:r>
+              <a:rPr lang="en-US" dirty="0" smtClean="0"/>
+              <a:t>Symbol</a:t>
+            </a:r>
+            <a:endParaRPr lang="en-US" dirty="0"/>
+          </a:p>
+        </p:txBody>
+      </p:sp>
+      <p:sp>
+        <p:nvSpPr>
+          <p:cNvPr id="58" name="TextBox 57"/>
+          <p:cNvSpPr txBox="1"/>
+          <p:nvPr/>
+        </p:nvSpPr>
+        <p:spPr>
+          <a:xfrm>
+            <a:off x="3162264" y="6275387"/>
+            <a:ext cx="2042484" cy="369332"/>
+          </a:xfrm>
+          <a:prstGeom prst="rect">
+            <a:avLst/>
+          </a:prstGeom>
+          <a:noFill/>
+        </p:spPr>
+        <p:txBody>
+          <a:bodyPr wrap="none" rtlCol="0">
+            <a:spAutoFit/>
+          </a:bodyPr>
+          <a:lstStyle/>
+          <a:p>
+            <a:r>
+              <a:rPr lang="en-US" dirty="0" smtClean="0"/>
+              <a:t>Device Pin Mapping</a:t>
+            </a:r>
+            <a:endParaRPr lang="en-US" dirty="0"/>
+          </a:p>
+        </p:txBody>
+      </p:sp>
+      <p:sp>
+        <p:nvSpPr>
+          <p:cNvPr id="59" name="TextBox 58"/>
+          <p:cNvSpPr txBox="1"/>
+          <p:nvPr/>
+        </p:nvSpPr>
+        <p:spPr>
+          <a:xfrm>
+            <a:off x="849962" y="2466459"/>
+            <a:ext cx="1377300" cy="369332"/>
+          </a:xfrm>
+          <a:prstGeom prst="rect">
+            <a:avLst/>
+          </a:prstGeom>
+          <a:noFill/>
+        </p:spPr>
+        <p:txBody>
+          <a:bodyPr wrap="none" rtlCol="0">
+            <a:spAutoFit/>
+          </a:bodyPr>
+          <a:lstStyle/>
+          <a:p>
+            <a:r>
+              <a:rPr lang="en-US" dirty="0" smtClean="0"/>
+              <a:t>Physical part</a:t>
+            </a:r>
+            <a:endParaRPr lang="en-US" dirty="0"/>
+          </a:p>
+        </p:txBody>
+      </p:sp>
     </p:spTree>
     <p:extLst>
       <p:ext uri="{BB962C8B-B14F-4D97-AF65-F5344CB8AC3E}">
-        <p14:creationId xmlns:p14="http://schemas.microsoft.com/office/powerpoint/2010/main" val="1303850685"/>
+        <p14:creationId xmlns:p14="http://schemas.microsoft.com/office/powerpoint/2010/main" val="1989894804"/>
       </p:ext>
     </p:extLst>
   </p:cSld>
   <p:clrMapOvr>
     <a:masterClrMapping/>
   </p:clrMapOvr>
+  <p:timing>
+    <p:tnLst>
+      <p:par>
+        <p:cTn xmlns:p14="http://schemas.microsoft.com/office/powerpoint/2010/main" id="1" dur="indefinite" restart="never" nodeType="tmRoot"/>
+      </p:par>
+    </p:tnLst>
+  </p:timing>
 </p:sld>
 </file>
 
@@ -5115,7 +5404,7 @@
           <a:p>
             <a:r>
               <a:rPr lang="en-US" dirty="0" smtClean="0"/>
-              <a:t>PCB Libraries: Symbols</a:t>
+              <a:t>PCB Libraries: Packages</a:t>
             </a:r>
             <a:endParaRPr lang="en-US" dirty="0"/>
           </a:p>
@@ -5131,61 +5420,47 @@
             <p:ph idx="1"/>
           </p:nvPr>
         </p:nvSpPr>
-        <p:spPr>
-          <a:xfrm>
-            <a:off x="441325" y="1409700"/>
-            <a:ext cx="8229600" cy="4525963"/>
-          </a:xfrm>
-        </p:spPr>
+        <p:spPr/>
         <p:txBody>
           <a:bodyPr/>
           <a:lstStyle/>
           <a:p>
             <a:r>
               <a:rPr lang="en-US" dirty="0" smtClean="0"/>
-              <a:t>Schematic representation of the component</a:t>
+              <a:t>Mechanical description of the part</a:t>
             </a:r>
           </a:p>
           <a:p>
             <a:r>
               <a:rPr lang="en-US" dirty="0" smtClean="0"/>
-              <a:t>Electrical connection points </a:t>
-            </a:r>
-            <a:r>
-              <a:rPr lang="mr-IN" dirty="0" smtClean="0"/>
-              <a:t>–</a:t>
-            </a:r>
+              <a:t>Electrical connections (i.e., pads and SMDs)</a:t>
+            </a:r>
+          </a:p>
+          <a:p>
             <a:r>
               <a:rPr lang="en-US" dirty="0" smtClean="0"/>
-              <a:t> “pins”</a:t>
-            </a:r>
-          </a:p>
-          <a:p>
+              <a:t>Other things: “</a:t>
+            </a:r>
+            <a:r>
+              <a:rPr lang="en-US" dirty="0" err="1" smtClean="0"/>
+              <a:t>keepouts</a:t>
+            </a:r>
             <a:r>
               <a:rPr lang="en-US" dirty="0" smtClean="0"/>
-              <a:t>Generic symbols: resistors, capacitors, etc.</a:t>
+              <a:t>”, mounting holes, documentation, labels etc.</a:t>
             </a:r>
           </a:p>
           <a:p>
             <a:r>
               <a:rPr lang="en-US" dirty="0" smtClean="0"/>
-              <a:t>Specific symbols: e.g., Atmega128RF</a:t>
+              <a:t>Generic packages: e.g., 0805 Resistor</a:t>
             </a:r>
           </a:p>
           <a:p>
             <a:r>
               <a:rPr lang="en-US" dirty="0" smtClean="0"/>
-              <a:t>Documentation, labels, etc.</a:t>
-            </a:r>
-          </a:p>
-          <a:p>
-            <a:r>
-              <a:rPr lang="en-US" dirty="0" smtClean="0"/>
-              <a:t>Organized for ease of use and readability</a:t>
-            </a:r>
-          </a:p>
-          <a:p>
-            <a:endParaRPr lang="en-US" dirty="0" smtClean="0"/>
+              <a:t>Specific packages: e.g., Atmegat128RF</a:t>
+            </a:r>
           </a:p>
         </p:txBody>
       </p:sp>
@@ -5205,8 +5480,8 @@
         </p:blipFill>
         <p:spPr>
           <a:xfrm>
-            <a:off x="294506" y="5046663"/>
-            <a:ext cx="1735639" cy="1571625"/>
+            <a:off x="457200" y="5358269"/>
+            <a:ext cx="3000375" cy="1266454"/>
           </a:xfrm>
           <a:prstGeom prst="rect">
             <a:avLst/>
@@ -5229,8 +5504,8 @@
         </p:blipFill>
         <p:spPr>
           <a:xfrm>
-            <a:off x="7010612" y="5222874"/>
-            <a:ext cx="1974637" cy="1365065"/>
+            <a:off x="5787360" y="5130602"/>
+            <a:ext cx="3356639" cy="1721787"/>
           </a:xfrm>
           <a:prstGeom prst="rect">
             <a:avLst/>
@@ -5253,32 +5528,8 @@
         </p:blipFill>
         <p:spPr>
           <a:xfrm>
-            <a:off x="2603500" y="5697556"/>
-            <a:ext cx="1873250" cy="428607"/>
-          </a:xfrm>
-          <a:prstGeom prst="rect">
-            <a:avLst/>
-          </a:prstGeom>
-        </p:spPr>
-      </p:pic>
-      <p:pic>
-        <p:nvPicPr>
-          <p:cNvPr id="7" name="Picture 6"/>
-          <p:cNvPicPr>
-            <a:picLocks noChangeAspect="1"/>
-          </p:cNvPicPr>
-          <p:nvPr/>
-        </p:nvPicPr>
-        <p:blipFill>
-          <a:blip r:embed="rId5"/>
-          <a:stretch>
-            <a:fillRect/>
-          </a:stretch>
-        </p:blipFill>
-        <p:spPr>
-          <a:xfrm>
-            <a:off x="5256496" y="5180013"/>
-            <a:ext cx="953803" cy="1438275"/>
+            <a:off x="3873500" y="5026182"/>
+            <a:ext cx="1447799" cy="1831818"/>
           </a:xfrm>
           <a:prstGeom prst="rect">
             <a:avLst/>
@@ -5288,13 +5539,20 @@
     </p:spTree>
     <p:extLst>
       <p:ext uri="{BB962C8B-B14F-4D97-AF65-F5344CB8AC3E}">
-        <p14:creationId xmlns:p14="http://schemas.microsoft.com/office/powerpoint/2010/main" val="404899139"/>
+        <p14:creationId xmlns:p14="http://schemas.microsoft.com/office/powerpoint/2010/main" val="1303850685"/>
       </p:ext>
     </p:extLst>
   </p:cSld>
   <p:clrMapOvr>
     <a:masterClrMapping/>
   </p:clrMapOvr>
+  <p:timing>
+    <p:tnLst>
+      <p:par>
+        <p:cTn xmlns:p14="http://schemas.microsoft.com/office/powerpoint/2010/main" id="1" dur="indefinite" restart="never" nodeType="tmRoot"/>
+      </p:par>
+    </p:tnLst>
+  </p:timing>
 </p:sld>
 </file>
 
@@ -5332,7 +5590,7 @@
           <a:p>
             <a:r>
               <a:rPr lang="en-US" dirty="0" smtClean="0"/>
-              <a:t>PCB Libraries: Devices</a:t>
+              <a:t>PCB Libraries: Symbols</a:t>
             </a:r>
             <a:endParaRPr lang="en-US" dirty="0"/>
           </a:p>
@@ -5348,93 +5606,177 @@
             <p:ph idx="1"/>
           </p:nvPr>
         </p:nvSpPr>
-        <p:spPr/>
-        <p:txBody>
-          <a:bodyPr>
-            <a:normAutofit fontScale="92500" lnSpcReduction="20000"/>
-          </a:bodyPr>
+        <p:spPr>
+          <a:xfrm>
+            <a:off x="441325" y="1409700"/>
+            <a:ext cx="8229600" cy="4525963"/>
+          </a:xfrm>
+        </p:spPr>
+        <p:txBody>
+          <a:bodyPr/>
           <a:lstStyle/>
           <a:p>
             <a:r>
               <a:rPr lang="en-US" dirty="0" smtClean="0"/>
-              <a:t>Devices map between</a:t>
-            </a:r>
-          </a:p>
-          <a:p>
-            <a:pPr lvl="1"/>
+              <a:t>Schematic representation of the component</a:t>
+            </a:r>
+          </a:p>
+          <a:p>
             <a:r>
               <a:rPr lang="en-US" dirty="0" smtClean="0"/>
-              <a:t>1 symbol</a:t>
-            </a:r>
-          </a:p>
-          <a:p>
-            <a:pPr lvl="1"/>
+              <a:t>Electrical connection points </a:t>
+            </a:r>
+            <a:r>
+              <a:rPr lang="mr-IN" dirty="0" smtClean="0"/>
+              <a:t>–</a:t>
+            </a:r>
             <a:r>
               <a:rPr lang="en-US" dirty="0" smtClean="0"/>
-              <a:t>&gt;=1 packages</a:t>
+              <a:t> “pins”</a:t>
             </a:r>
           </a:p>
           <a:p>
             <a:r>
               <a:rPr lang="en-US" dirty="0" smtClean="0"/>
-              <a:t>For each package, the device maps the schematic pins to the package pads/SMDs.</a:t>
+              <a:t>Generic symbols: resistors, capacitors, etc.</a:t>
             </a:r>
           </a:p>
           <a:p>
             <a:r>
               <a:rPr lang="en-US" dirty="0" smtClean="0"/>
-              <a:t>Metadata</a:t>
-            </a:r>
-          </a:p>
-          <a:p>
-            <a:pPr lvl="1"/>
-            <a:r>
-              <a:rPr lang="en-US" dirty="0"/>
-              <a:t>“attributes</a:t>
-            </a:r>
+              <a:t>Specific symbols: e.g., Atmega128RF</a:t>
+            </a:r>
+          </a:p>
+          <a:p>
             <a:r>
               <a:rPr lang="en-US" dirty="0" smtClean="0"/>
-              <a:t>” -- E.g., Manufacturer, part number, etc.</a:t>
-            </a:r>
-          </a:p>
-          <a:p>
-            <a:pPr lvl="1"/>
+              <a:t>Documentation, labels, etc.</a:t>
+            </a:r>
+          </a:p>
+          <a:p>
             <a:r>
               <a:rPr lang="en-US" dirty="0" smtClean="0"/>
-              <a:t>Name prefix for reference designators -- </a:t>
-            </a:r>
-            <a:r>
-              <a:rPr lang="en-US" dirty="0" err="1" smtClean="0"/>
-              <a:t>e.g</a:t>
-            </a:r>
-            <a:r>
-              <a:rPr lang="en-US" dirty="0" smtClean="0"/>
-              <a:t>, the “R” in R1, R2, etc.</a:t>
-            </a:r>
-          </a:p>
-          <a:p>
-            <a:pPr lvl="1"/>
-            <a:r>
-              <a:rPr lang="en-US" dirty="0" smtClean="0"/>
-              <a:t>Does it have a “value” (e.g., a resistor’s value is it’s resistance, but a microcontroller doesn’t have a value)</a:t>
-            </a:r>
-          </a:p>
-          <a:p>
-            <a:pPr lvl="1"/>
-            <a:endParaRPr lang="en-US" dirty="0"/>
-          </a:p>
-        </p:txBody>
-      </p:sp>
+              <a:t>Organized for ease of use and readability</a:t>
+            </a:r>
+          </a:p>
+          <a:p>
+            <a:endParaRPr lang="en-US" dirty="0" smtClean="0"/>
+          </a:p>
+        </p:txBody>
+      </p:sp>
+      <p:pic>
+        <p:nvPicPr>
+          <p:cNvPr id="4" name="Picture 3"/>
+          <p:cNvPicPr>
+            <a:picLocks noChangeAspect="1"/>
+          </p:cNvPicPr>
+          <p:nvPr/>
+        </p:nvPicPr>
+        <p:blipFill>
+          <a:blip r:embed="rId2"/>
+          <a:stretch>
+            <a:fillRect/>
+          </a:stretch>
+        </p:blipFill>
+        <p:spPr>
+          <a:xfrm>
+            <a:off x="294506" y="5046663"/>
+            <a:ext cx="1735639" cy="1571625"/>
+          </a:xfrm>
+          <a:prstGeom prst="rect">
+            <a:avLst/>
+          </a:prstGeom>
+        </p:spPr>
+      </p:pic>
+      <p:pic>
+        <p:nvPicPr>
+          <p:cNvPr id="5" name="Picture 4"/>
+          <p:cNvPicPr>
+            <a:picLocks noChangeAspect="1"/>
+          </p:cNvPicPr>
+          <p:nvPr/>
+        </p:nvPicPr>
+        <p:blipFill>
+          <a:blip r:embed="rId3"/>
+          <a:stretch>
+            <a:fillRect/>
+          </a:stretch>
+        </p:blipFill>
+        <p:spPr>
+          <a:xfrm>
+            <a:off x="7010612" y="5222874"/>
+            <a:ext cx="1974637" cy="1365065"/>
+          </a:xfrm>
+          <a:prstGeom prst="rect">
+            <a:avLst/>
+          </a:prstGeom>
+        </p:spPr>
+      </p:pic>
+      <p:pic>
+        <p:nvPicPr>
+          <p:cNvPr id="6" name="Picture 5"/>
+          <p:cNvPicPr>
+            <a:picLocks noChangeAspect="1"/>
+          </p:cNvPicPr>
+          <p:nvPr/>
+        </p:nvPicPr>
+        <p:blipFill>
+          <a:blip r:embed="rId4"/>
+          <a:stretch>
+            <a:fillRect/>
+          </a:stretch>
+        </p:blipFill>
+        <p:spPr>
+          <a:xfrm>
+            <a:off x="2603500" y="5697556"/>
+            <a:ext cx="1873250" cy="428607"/>
+          </a:xfrm>
+          <a:prstGeom prst="rect">
+            <a:avLst/>
+          </a:prstGeom>
+        </p:spPr>
+      </p:pic>
+      <p:pic>
+        <p:nvPicPr>
+          <p:cNvPr id="7" name="Picture 6"/>
+          <p:cNvPicPr>
+            <a:picLocks noChangeAspect="1"/>
+          </p:cNvPicPr>
+          <p:nvPr/>
+        </p:nvPicPr>
+        <p:blipFill>
+          <a:blip r:embed="rId5"/>
+          <a:stretch>
+            <a:fillRect/>
+          </a:stretch>
+        </p:blipFill>
+        <p:spPr>
+          <a:xfrm>
+            <a:off x="5256496" y="5180013"/>
+            <a:ext cx="953803" cy="1438275"/>
+          </a:xfrm>
+          <a:prstGeom prst="rect">
+            <a:avLst/>
+          </a:prstGeom>
+        </p:spPr>
+      </p:pic>
     </p:spTree>
     <p:extLst>
       <p:ext uri="{BB962C8B-B14F-4D97-AF65-F5344CB8AC3E}">
-        <p14:creationId xmlns:p14="http://schemas.microsoft.com/office/powerpoint/2010/main" val="2471138546"/>
+        <p14:creationId xmlns:p14="http://schemas.microsoft.com/office/powerpoint/2010/main" val="404899139"/>
       </p:ext>
     </p:extLst>
   </p:cSld>
   <p:clrMapOvr>
     <a:masterClrMapping/>
   </p:clrMapOvr>
+  <p:timing>
+    <p:tnLst>
+      <p:par>
+        <p:cTn xmlns:p14="http://schemas.microsoft.com/office/powerpoint/2010/main" id="1" dur="indefinite" restart="never" nodeType="tmRoot"/>
+      </p:par>
+    </p:tnLst>
+  </p:timing>
 </p:sld>
 </file>
 
@@ -5467,279 +5809,121 @@
         </p:nvSpPr>
         <p:spPr/>
         <p:txBody>
+          <a:bodyPr/>
+          <a:lstStyle/>
+          <a:p>
+            <a:r>
+              <a:rPr lang="en-US" dirty="0" smtClean="0"/>
+              <a:t>PCB Libraries: Devices</a:t>
+            </a:r>
+            <a:endParaRPr lang="en-US" dirty="0"/>
+          </a:p>
+        </p:txBody>
+      </p:sp>
+      <p:sp>
+        <p:nvSpPr>
+          <p:cNvPr id="3" name="Content Placeholder 2"/>
+          <p:cNvSpPr>
+            <a:spLocks noGrp="1"/>
+          </p:cNvSpPr>
+          <p:nvPr>
+            <p:ph idx="1"/>
+          </p:nvPr>
+        </p:nvSpPr>
+        <p:spPr/>
+        <p:txBody>
           <a:bodyPr>
-            <a:normAutofit/>
+            <a:normAutofit fontScale="92500" lnSpcReduction="20000"/>
           </a:bodyPr>
           <a:lstStyle/>
           <a:p>
             <a:r>
               <a:rPr lang="en-US" dirty="0" smtClean="0"/>
-              <a:t>Device Example: LED</a:t>
-            </a:r>
+              <a:t>Devices map between</a:t>
+            </a:r>
+          </a:p>
+          <a:p>
+            <a:pPr lvl="1"/>
+            <a:r>
+              <a:rPr lang="en-US" dirty="0" smtClean="0"/>
+              <a:t>1 symbol</a:t>
+            </a:r>
+          </a:p>
+          <a:p>
+            <a:pPr lvl="1"/>
+            <a:r>
+              <a:rPr lang="en-US" dirty="0" smtClean="0"/>
+              <a:t>&gt;=1 packages</a:t>
+            </a:r>
+          </a:p>
+          <a:p>
+            <a:r>
+              <a:rPr lang="en-US" dirty="0" smtClean="0"/>
+              <a:t>For each package, the device maps the schematic pins to the package pads/SMDs.</a:t>
+            </a:r>
+          </a:p>
+          <a:p>
+            <a:r>
+              <a:rPr lang="en-US" dirty="0" smtClean="0"/>
+              <a:t>Metadata</a:t>
+            </a:r>
+          </a:p>
+          <a:p>
+            <a:pPr lvl="1"/>
+            <a:r>
+              <a:rPr lang="en-US" dirty="0"/>
+              <a:t>“attributes</a:t>
+            </a:r>
+            <a:r>
+              <a:rPr lang="en-US" dirty="0" smtClean="0"/>
+              <a:t>” -- E.g., Manufacturer, part number, etc.</a:t>
+            </a:r>
+          </a:p>
+          <a:p>
+            <a:pPr lvl="1"/>
+            <a:r>
+              <a:rPr lang="en-US" dirty="0" smtClean="0"/>
+              <a:t>Name prefix for reference designators -- </a:t>
+            </a:r>
+            <a:r>
+              <a:rPr lang="en-US" dirty="0" err="1" smtClean="0"/>
+              <a:t>e.g</a:t>
+            </a:r>
+            <a:r>
+              <a:rPr lang="en-US" dirty="0" smtClean="0"/>
+              <a:t>, the “R” in R1, R2, etc.</a:t>
+            </a:r>
+          </a:p>
+          <a:p>
+            <a:pPr lvl="1"/>
+            <a:r>
+              <a:rPr lang="en-US" dirty="0" smtClean="0"/>
+              <a:t>Does it have a “value” (e.g., a resistor’s value is it’s resistance, but a microcontroller doesn’t have a value)</a:t>
+            </a:r>
+          </a:p>
+          <a:p>
+            <a:pPr lvl="1"/>
             <a:endParaRPr lang="en-US" dirty="0"/>
-          </a:p>
-        </p:txBody>
-      </p:sp>
-      <p:sp>
-        <p:nvSpPr>
-          <p:cNvPr id="3" name="Content Placeholder 2"/>
-          <p:cNvSpPr>
-            <a:spLocks noGrp="1"/>
-          </p:cNvSpPr>
-          <p:nvPr>
-            <p:ph idx="1"/>
-          </p:nvPr>
-        </p:nvSpPr>
-        <p:spPr/>
-        <p:txBody>
-          <a:bodyPr/>
-          <a:lstStyle/>
-          <a:p>
-            <a:pPr marL="0" indent="0">
-              <a:buNone/>
-            </a:pPr>
-            <a:endParaRPr lang="en-US" dirty="0"/>
-          </a:p>
-        </p:txBody>
-      </p:sp>
-      <p:pic>
-        <p:nvPicPr>
-          <p:cNvPr id="5" name="Picture 4"/>
-          <p:cNvPicPr>
-            <a:picLocks noChangeAspect="1"/>
-          </p:cNvPicPr>
-          <p:nvPr/>
-        </p:nvPicPr>
-        <p:blipFill>
-          <a:blip r:embed="rId2"/>
-          <a:stretch>
-            <a:fillRect/>
-          </a:stretch>
-        </p:blipFill>
-        <p:spPr>
-          <a:xfrm>
-            <a:off x="457200" y="2578637"/>
-            <a:ext cx="1524000" cy="2171700"/>
-          </a:xfrm>
-          <a:prstGeom prst="rect">
-            <a:avLst/>
-          </a:prstGeom>
-        </p:spPr>
-      </p:pic>
-      <p:pic>
-        <p:nvPicPr>
-          <p:cNvPr id="6" name="Picture 5"/>
-          <p:cNvPicPr>
-            <a:picLocks noChangeAspect="1"/>
-          </p:cNvPicPr>
-          <p:nvPr/>
-        </p:nvPicPr>
-        <p:blipFill>
-          <a:blip r:embed="rId3"/>
-          <a:stretch>
-            <a:fillRect/>
-          </a:stretch>
-        </p:blipFill>
-        <p:spPr>
-          <a:xfrm>
-            <a:off x="6406384" y="1406529"/>
-            <a:ext cx="2214628" cy="1018099"/>
-          </a:xfrm>
-          <a:prstGeom prst="rect">
-            <a:avLst/>
-          </a:prstGeom>
-        </p:spPr>
-      </p:pic>
-      <p:pic>
-        <p:nvPicPr>
-          <p:cNvPr id="7" name="Picture 6"/>
-          <p:cNvPicPr>
-            <a:picLocks noChangeAspect="1"/>
-          </p:cNvPicPr>
-          <p:nvPr/>
-        </p:nvPicPr>
-        <p:blipFill>
-          <a:blip r:embed="rId4"/>
-          <a:stretch>
-            <a:fillRect/>
-          </a:stretch>
-        </p:blipFill>
-        <p:spPr>
-          <a:xfrm rot="5400000">
-            <a:off x="3992282" y="4520689"/>
-            <a:ext cx="934132" cy="2036198"/>
-          </a:xfrm>
-          <a:prstGeom prst="rect">
-            <a:avLst/>
-          </a:prstGeom>
-        </p:spPr>
-      </p:pic>
-      <p:pic>
-        <p:nvPicPr>
-          <p:cNvPr id="8" name="Picture 7"/>
-          <p:cNvPicPr>
-            <a:picLocks noChangeAspect="1"/>
-          </p:cNvPicPr>
-          <p:nvPr/>
-        </p:nvPicPr>
-        <p:blipFill>
-          <a:blip r:embed="rId5"/>
-          <a:stretch>
-            <a:fillRect/>
-          </a:stretch>
-        </p:blipFill>
-        <p:spPr>
-          <a:xfrm>
-            <a:off x="6005337" y="2755535"/>
-            <a:ext cx="2991323" cy="1437934"/>
-          </a:xfrm>
-          <a:prstGeom prst="rect">
-            <a:avLst/>
-          </a:prstGeom>
-        </p:spPr>
-      </p:pic>
-      <p:pic>
-        <p:nvPicPr>
-          <p:cNvPr id="9" name="Picture 8"/>
-          <p:cNvPicPr>
-            <a:picLocks noChangeAspect="1"/>
-          </p:cNvPicPr>
-          <p:nvPr/>
-        </p:nvPicPr>
-        <p:blipFill>
-          <a:blip r:embed="rId6"/>
-          <a:stretch>
-            <a:fillRect/>
-          </a:stretch>
-        </p:blipFill>
-        <p:spPr>
-          <a:xfrm>
-            <a:off x="6157615" y="4587908"/>
-            <a:ext cx="2853514" cy="1503533"/>
-          </a:xfrm>
-          <a:prstGeom prst="rect">
-            <a:avLst/>
-          </a:prstGeom>
-        </p:spPr>
-      </p:pic>
-      <p:pic>
-        <p:nvPicPr>
-          <p:cNvPr id="10" name="Picture 9"/>
-          <p:cNvPicPr>
-            <a:picLocks noChangeAspect="1"/>
-          </p:cNvPicPr>
-          <p:nvPr/>
-        </p:nvPicPr>
-        <p:blipFill>
-          <a:blip r:embed="rId7"/>
-          <a:stretch>
-            <a:fillRect/>
-          </a:stretch>
-        </p:blipFill>
-        <p:spPr>
-          <a:xfrm>
-            <a:off x="4108130" y="2047181"/>
-            <a:ext cx="1432686" cy="1416708"/>
-          </a:xfrm>
-          <a:prstGeom prst="rect">
-            <a:avLst/>
-          </a:prstGeom>
-        </p:spPr>
-      </p:pic>
-      <p:pic>
-        <p:nvPicPr>
-          <p:cNvPr id="11" name="Picture 10"/>
-          <p:cNvPicPr>
-            <a:picLocks noChangeAspect="1"/>
-          </p:cNvPicPr>
-          <p:nvPr/>
-        </p:nvPicPr>
-        <p:blipFill>
-          <a:blip r:embed="rId8"/>
-          <a:stretch>
-            <a:fillRect/>
-          </a:stretch>
-        </p:blipFill>
-        <p:spPr>
-          <a:xfrm>
-            <a:off x="4329829" y="3906537"/>
-            <a:ext cx="792438" cy="843800"/>
-          </a:xfrm>
-          <a:prstGeom prst="rect">
-            <a:avLst/>
-          </a:prstGeom>
-        </p:spPr>
-      </p:pic>
-      <p:sp>
-        <p:nvSpPr>
-          <p:cNvPr id="12" name="TextBox 11"/>
-          <p:cNvSpPr txBox="1"/>
-          <p:nvPr/>
-        </p:nvSpPr>
-        <p:spPr>
-          <a:xfrm>
-            <a:off x="571500" y="4714058"/>
-            <a:ext cx="2197236" cy="584776"/>
-          </a:xfrm>
-          <a:prstGeom prst="rect">
-            <a:avLst/>
-          </a:prstGeom>
-          <a:noFill/>
-        </p:spPr>
-        <p:txBody>
-          <a:bodyPr wrap="none" rtlCol="0">
-            <a:spAutoFit/>
-          </a:bodyPr>
-          <a:lstStyle/>
-          <a:p>
-            <a:r>
-              <a:rPr lang="en-US" sz="3200" dirty="0" smtClean="0"/>
-              <a:t>One Symbol</a:t>
-            </a:r>
-            <a:endParaRPr lang="en-US" sz="3200" dirty="0"/>
-          </a:p>
-        </p:txBody>
-      </p:sp>
-      <p:sp>
-        <p:nvSpPr>
-          <p:cNvPr id="13" name="TextBox 12"/>
-          <p:cNvSpPr txBox="1"/>
-          <p:nvPr/>
-        </p:nvSpPr>
-        <p:spPr>
-          <a:xfrm>
-            <a:off x="5477447" y="6126163"/>
-            <a:ext cx="2749270" cy="584776"/>
-          </a:xfrm>
-          <a:prstGeom prst="rect">
-            <a:avLst/>
-          </a:prstGeom>
-          <a:noFill/>
-        </p:spPr>
-        <p:txBody>
-          <a:bodyPr wrap="none" rtlCol="0">
-            <a:spAutoFit/>
-          </a:bodyPr>
-          <a:lstStyle/>
-          <a:p>
-            <a:r>
-              <a:rPr lang="en-US" sz="3200" dirty="0" smtClean="0"/>
-              <a:t>Many Packages</a:t>
-            </a:r>
-            <a:endParaRPr lang="en-US" sz="3200" dirty="0"/>
           </a:p>
         </p:txBody>
       </p:sp>
     </p:spTree>
     <p:extLst>
       <p:ext uri="{BB962C8B-B14F-4D97-AF65-F5344CB8AC3E}">
-        <p14:creationId xmlns:p14="http://schemas.microsoft.com/office/powerpoint/2010/main" val="1304726912"/>
+        <p14:creationId xmlns:p14="http://schemas.microsoft.com/office/powerpoint/2010/main" val="2471138546"/>
       </p:ext>
     </p:extLst>
   </p:cSld>
   <p:clrMapOvr>
     <a:masterClrMapping/>
   </p:clrMapOvr>
+  <p:timing>
+    <p:tnLst>
+      <p:par>
+        <p:cTn xmlns:p14="http://schemas.microsoft.com/office/powerpoint/2010/main" id="1" dur="indefinite" restart="never" nodeType="tmRoot"/>
+      </p:par>
+    </p:tnLst>
+  </p:timing>
 </p:sld>
 </file>
 

--- a/Lecture Slides/Lab02-Eagle-Packages.pptx
+++ b/Lecture Slides/Lab02-Eagle-Packages.pptx
@@ -5,7 +5,7 @@
     <p:sldMasterId id="2147483648" r:id="rId1"/>
   </p:sldMasterIdLst>
   <p:notesMasterIdLst>
-    <p:notesMasterId r:id="rId13"/>
+    <p:notesMasterId r:id="rId15"/>
   </p:notesMasterIdLst>
   <p:sldIdLst>
     <p:sldId id="256" r:id="rId2"/>
@@ -19,6 +19,8 @@
     <p:sldId id="261" r:id="rId10"/>
     <p:sldId id="263" r:id="rId11"/>
     <p:sldId id="262" r:id="rId12"/>
+    <p:sldId id="268" r:id="rId13"/>
+    <p:sldId id="269" r:id="rId14"/>
   </p:sldIdLst>
   <p:sldSz cx="9144000" cy="6858000" type="screen4x3"/>
   <p:notesSz cx="6858000" cy="9144000"/>
@@ -117,6 +119,22 @@
       </a:defRPr>
     </a:lvl9pPr>
   </p:defaultTextStyle>
+  <p:extLst>
+    <p:ext uri="{EFAFB233-063F-42B5-8137-9DF3F51BA10A}">
+      <p15:sldGuideLst xmlns:p15="http://schemas.microsoft.com/office/powerpoint/2012/main">
+        <p15:guide id="1" orient="horz" pos="2160">
+          <p15:clr>
+            <a:srgbClr val="A4A3A4"/>
+          </p15:clr>
+        </p15:guide>
+        <p15:guide id="2" pos="2880">
+          <p15:clr>
+            <a:srgbClr val="A4A3A4"/>
+          </p15:clr>
+        </p15:guide>
+      </p15:sldGuideLst>
+    </p:ext>
+  </p:extLst>
 </p:presentation>
 </file>
 
@@ -202,7 +220,7 @@
           <a:p>
             <a:fld id="{6047C4F8-16F2-034F-B62C-E7DA00D65955}" type="datetimeFigureOut">
               <a:rPr lang="en-US" smtClean="0"/>
-              <a:t>4/6/17</a:t>
+              <a:t>3/30/18</a:t>
             </a:fld>
             <a:endParaRPr lang="en-US"/>
           </a:p>
@@ -266,35 +284,35 @@
           <a:p>
             <a:pPr lvl="0"/>
             <a:r>
-              <a:rPr lang="x-none" smtClean="0"/>
+              <a:rPr lang="x-none"/>
               <a:t>Click to edit Master text styles</a:t>
             </a:r>
           </a:p>
           <a:p>
             <a:pPr lvl="1"/>
             <a:r>
-              <a:rPr lang="x-none" smtClean="0"/>
+              <a:rPr lang="x-none"/>
               <a:t>Second level</a:t>
             </a:r>
           </a:p>
           <a:p>
             <a:pPr lvl="2"/>
             <a:r>
-              <a:rPr lang="x-none" smtClean="0"/>
+              <a:rPr lang="x-none"/>
               <a:t>Third level</a:t>
             </a:r>
           </a:p>
           <a:p>
             <a:pPr lvl="3"/>
             <a:r>
-              <a:rPr lang="x-none" smtClean="0"/>
+              <a:rPr lang="x-none"/>
               <a:t>Fourth level</a:t>
             </a:r>
           </a:p>
           <a:p>
             <a:pPr lvl="4"/>
             <a:r>
-              <a:rPr lang="x-none" smtClean="0"/>
+              <a:rPr lang="x-none"/>
               <a:t>Fifth level</a:t>
             </a:r>
             <a:endParaRPr lang="en-US"/>
@@ -508,7 +526,7 @@
           <a:lstStyle/>
           <a:p>
             <a:r>
-              <a:rPr lang="x-none" smtClean="0"/>
+              <a:rPr lang="x-none"/>
               <a:t>Click to edit Master title style</a:t>
             </a:r>
             <a:endParaRPr lang="en-US"/>
@@ -627,7 +645,7 @@
           </a:lstStyle>
           <a:p>
             <a:r>
-              <a:rPr lang="x-none" smtClean="0"/>
+              <a:rPr lang="x-none"/>
               <a:t>Click to edit Master subtitle style</a:t>
             </a:r>
             <a:endParaRPr lang="en-US"/>
@@ -651,7 +669,7 @@
           <a:p>
             <a:fld id="{D7CD8825-7C65-DE49-B151-1F6315860DA4}" type="datetimeFigureOut">
               <a:rPr lang="en-US" smtClean="0"/>
-              <a:t>4/6/17</a:t>
+              <a:t>3/30/18</a:t>
             </a:fld>
             <a:endParaRPr lang="en-US"/>
           </a:p>
@@ -745,7 +763,7 @@
           <a:lstStyle/>
           <a:p>
             <a:r>
-              <a:rPr lang="x-none" smtClean="0"/>
+              <a:rPr lang="x-none"/>
               <a:t>Click to edit Master title style</a:t>
             </a:r>
             <a:endParaRPr lang="en-US"/>
@@ -769,35 +787,35 @@
           <a:p>
             <a:pPr lvl="0"/>
             <a:r>
-              <a:rPr lang="x-none" smtClean="0"/>
+              <a:rPr lang="x-none"/>
               <a:t>Click to edit Master text styles</a:t>
             </a:r>
           </a:p>
           <a:p>
             <a:pPr lvl="1"/>
             <a:r>
-              <a:rPr lang="x-none" smtClean="0"/>
+              <a:rPr lang="x-none"/>
               <a:t>Second level</a:t>
             </a:r>
           </a:p>
           <a:p>
             <a:pPr lvl="2"/>
             <a:r>
-              <a:rPr lang="x-none" smtClean="0"/>
+              <a:rPr lang="x-none"/>
               <a:t>Third level</a:t>
             </a:r>
           </a:p>
           <a:p>
             <a:pPr lvl="3"/>
             <a:r>
-              <a:rPr lang="x-none" smtClean="0"/>
+              <a:rPr lang="x-none"/>
               <a:t>Fourth level</a:t>
             </a:r>
           </a:p>
           <a:p>
             <a:pPr lvl="4"/>
             <a:r>
-              <a:rPr lang="x-none" smtClean="0"/>
+              <a:rPr lang="x-none"/>
               <a:t>Fifth level</a:t>
             </a:r>
             <a:endParaRPr lang="en-US"/>
@@ -821,7 +839,7 @@
           <a:p>
             <a:fld id="{D7CD8825-7C65-DE49-B151-1F6315860DA4}" type="datetimeFigureOut">
               <a:rPr lang="en-US" smtClean="0"/>
-              <a:t>4/6/17</a:t>
+              <a:t>3/30/18</a:t>
             </a:fld>
             <a:endParaRPr lang="en-US"/>
           </a:p>
@@ -920,7 +938,7 @@
           <a:lstStyle/>
           <a:p>
             <a:r>
-              <a:rPr lang="x-none" smtClean="0"/>
+              <a:rPr lang="x-none"/>
               <a:t>Click to edit Master title style</a:t>
             </a:r>
             <a:endParaRPr lang="en-US"/>
@@ -949,35 +967,35 @@
           <a:p>
             <a:pPr lvl="0"/>
             <a:r>
-              <a:rPr lang="x-none" smtClean="0"/>
+              <a:rPr lang="x-none"/>
               <a:t>Click to edit Master text styles</a:t>
             </a:r>
           </a:p>
           <a:p>
             <a:pPr lvl="1"/>
             <a:r>
-              <a:rPr lang="x-none" smtClean="0"/>
+              <a:rPr lang="x-none"/>
               <a:t>Second level</a:t>
             </a:r>
           </a:p>
           <a:p>
             <a:pPr lvl="2"/>
             <a:r>
-              <a:rPr lang="x-none" smtClean="0"/>
+              <a:rPr lang="x-none"/>
               <a:t>Third level</a:t>
             </a:r>
           </a:p>
           <a:p>
             <a:pPr lvl="3"/>
             <a:r>
-              <a:rPr lang="x-none" smtClean="0"/>
+              <a:rPr lang="x-none"/>
               <a:t>Fourth level</a:t>
             </a:r>
           </a:p>
           <a:p>
             <a:pPr lvl="4"/>
             <a:r>
-              <a:rPr lang="x-none" smtClean="0"/>
+              <a:rPr lang="x-none"/>
               <a:t>Fifth level</a:t>
             </a:r>
             <a:endParaRPr lang="en-US"/>
@@ -1001,7 +1019,7 @@
           <a:p>
             <a:fld id="{D7CD8825-7C65-DE49-B151-1F6315860DA4}" type="datetimeFigureOut">
               <a:rPr lang="en-US" smtClean="0"/>
-              <a:t>4/6/17</a:t>
+              <a:t>3/30/18</a:t>
             </a:fld>
             <a:endParaRPr lang="en-US"/>
           </a:p>
@@ -1095,7 +1113,7 @@
           <a:lstStyle/>
           <a:p>
             <a:r>
-              <a:rPr lang="x-none" smtClean="0"/>
+              <a:rPr lang="x-none"/>
               <a:t>Click to edit Master title style</a:t>
             </a:r>
             <a:endParaRPr lang="en-US"/>
@@ -1119,35 +1137,35 @@
           <a:p>
             <a:pPr lvl="0"/>
             <a:r>
-              <a:rPr lang="x-none" smtClean="0"/>
+              <a:rPr lang="x-none"/>
               <a:t>Click to edit Master text styles</a:t>
             </a:r>
           </a:p>
           <a:p>
             <a:pPr lvl="1"/>
             <a:r>
-              <a:rPr lang="x-none" smtClean="0"/>
+              <a:rPr lang="x-none"/>
               <a:t>Second level</a:t>
             </a:r>
           </a:p>
           <a:p>
             <a:pPr lvl="2"/>
             <a:r>
-              <a:rPr lang="x-none" smtClean="0"/>
+              <a:rPr lang="x-none"/>
               <a:t>Third level</a:t>
             </a:r>
           </a:p>
           <a:p>
             <a:pPr lvl="3"/>
             <a:r>
-              <a:rPr lang="x-none" smtClean="0"/>
+              <a:rPr lang="x-none"/>
               <a:t>Fourth level</a:t>
             </a:r>
           </a:p>
           <a:p>
             <a:pPr lvl="4"/>
             <a:r>
-              <a:rPr lang="x-none" smtClean="0"/>
+              <a:rPr lang="x-none"/>
               <a:t>Fifth level</a:t>
             </a:r>
             <a:endParaRPr lang="en-US"/>
@@ -1171,7 +1189,7 @@
           <a:p>
             <a:fld id="{D7CD8825-7C65-DE49-B151-1F6315860DA4}" type="datetimeFigureOut">
               <a:rPr lang="en-US" smtClean="0"/>
-              <a:t>4/6/17</a:t>
+              <a:t>3/30/18</a:t>
             </a:fld>
             <a:endParaRPr lang="en-US"/>
           </a:p>
@@ -1274,7 +1292,7 @@
           </a:lstStyle>
           <a:p>
             <a:r>
-              <a:rPr lang="x-none" smtClean="0"/>
+              <a:rPr lang="x-none"/>
               <a:t>Click to edit Master title style</a:t>
             </a:r>
             <a:endParaRPr lang="en-US"/>
@@ -1394,7 +1412,7 @@
           <a:p>
             <a:pPr lvl="0"/>
             <a:r>
-              <a:rPr lang="x-none" smtClean="0"/>
+              <a:rPr lang="x-none"/>
               <a:t>Click to edit Master text styles</a:t>
             </a:r>
           </a:p>
@@ -1417,7 +1435,7 @@
           <a:p>
             <a:fld id="{D7CD8825-7C65-DE49-B151-1F6315860DA4}" type="datetimeFigureOut">
               <a:rPr lang="en-US" smtClean="0"/>
-              <a:t>4/6/17</a:t>
+              <a:t>3/30/18</a:t>
             </a:fld>
             <a:endParaRPr lang="en-US"/>
           </a:p>
@@ -1511,7 +1529,7 @@
           <a:lstStyle/>
           <a:p>
             <a:r>
-              <a:rPr lang="x-none" smtClean="0"/>
+              <a:rPr lang="x-none"/>
               <a:t>Click to edit Master title style</a:t>
             </a:r>
             <a:endParaRPr lang="en-US"/>
@@ -1568,35 +1586,35 @@
           <a:p>
             <a:pPr lvl="0"/>
             <a:r>
-              <a:rPr lang="x-none" smtClean="0"/>
+              <a:rPr lang="x-none"/>
               <a:t>Click to edit Master text styles</a:t>
             </a:r>
           </a:p>
           <a:p>
             <a:pPr lvl="1"/>
             <a:r>
-              <a:rPr lang="x-none" smtClean="0"/>
+              <a:rPr lang="x-none"/>
               <a:t>Second level</a:t>
             </a:r>
           </a:p>
           <a:p>
             <a:pPr lvl="2"/>
             <a:r>
-              <a:rPr lang="x-none" smtClean="0"/>
+              <a:rPr lang="x-none"/>
               <a:t>Third level</a:t>
             </a:r>
           </a:p>
           <a:p>
             <a:pPr lvl="3"/>
             <a:r>
-              <a:rPr lang="x-none" smtClean="0"/>
+              <a:rPr lang="x-none"/>
               <a:t>Fourth level</a:t>
             </a:r>
           </a:p>
           <a:p>
             <a:pPr lvl="4"/>
             <a:r>
-              <a:rPr lang="x-none" smtClean="0"/>
+              <a:rPr lang="x-none"/>
               <a:t>Fifth level</a:t>
             </a:r>
             <a:endParaRPr lang="en-US"/>
@@ -1653,35 +1671,35 @@
           <a:p>
             <a:pPr lvl="0"/>
             <a:r>
-              <a:rPr lang="x-none" smtClean="0"/>
+              <a:rPr lang="x-none"/>
               <a:t>Click to edit Master text styles</a:t>
             </a:r>
           </a:p>
           <a:p>
             <a:pPr lvl="1"/>
             <a:r>
-              <a:rPr lang="x-none" smtClean="0"/>
+              <a:rPr lang="x-none"/>
               <a:t>Second level</a:t>
             </a:r>
           </a:p>
           <a:p>
             <a:pPr lvl="2"/>
             <a:r>
-              <a:rPr lang="x-none" smtClean="0"/>
+              <a:rPr lang="x-none"/>
               <a:t>Third level</a:t>
             </a:r>
           </a:p>
           <a:p>
             <a:pPr lvl="3"/>
             <a:r>
-              <a:rPr lang="x-none" smtClean="0"/>
+              <a:rPr lang="x-none"/>
               <a:t>Fourth level</a:t>
             </a:r>
           </a:p>
           <a:p>
             <a:pPr lvl="4"/>
             <a:r>
-              <a:rPr lang="x-none" smtClean="0"/>
+              <a:rPr lang="x-none"/>
               <a:t>Fifth level</a:t>
             </a:r>
             <a:endParaRPr lang="en-US"/>
@@ -1705,7 +1723,7 @@
           <a:p>
             <a:fld id="{D7CD8825-7C65-DE49-B151-1F6315860DA4}" type="datetimeFigureOut">
               <a:rPr lang="en-US" smtClean="0"/>
-              <a:t>4/6/17</a:t>
+              <a:t>3/30/18</a:t>
             </a:fld>
             <a:endParaRPr lang="en-US"/>
           </a:p>
@@ -1803,7 +1821,7 @@
           </a:lstStyle>
           <a:p>
             <a:r>
-              <a:rPr lang="x-none" smtClean="0"/>
+              <a:rPr lang="x-none"/>
               <a:t>Click to edit Master title style</a:t>
             </a:r>
             <a:endParaRPr lang="en-US"/>
@@ -1869,7 +1887,7 @@
           <a:p>
             <a:pPr lvl="0"/>
             <a:r>
-              <a:rPr lang="x-none" smtClean="0"/>
+              <a:rPr lang="x-none"/>
               <a:t>Click to edit Master text styles</a:t>
             </a:r>
           </a:p>
@@ -1925,35 +1943,35 @@
           <a:p>
             <a:pPr lvl="0"/>
             <a:r>
-              <a:rPr lang="x-none" smtClean="0"/>
+              <a:rPr lang="x-none"/>
               <a:t>Click to edit Master text styles</a:t>
             </a:r>
           </a:p>
           <a:p>
             <a:pPr lvl="1"/>
             <a:r>
-              <a:rPr lang="x-none" smtClean="0"/>
+              <a:rPr lang="x-none"/>
               <a:t>Second level</a:t>
             </a:r>
           </a:p>
           <a:p>
             <a:pPr lvl="2"/>
             <a:r>
-              <a:rPr lang="x-none" smtClean="0"/>
+              <a:rPr lang="x-none"/>
               <a:t>Third level</a:t>
             </a:r>
           </a:p>
           <a:p>
             <a:pPr lvl="3"/>
             <a:r>
-              <a:rPr lang="x-none" smtClean="0"/>
+              <a:rPr lang="x-none"/>
               <a:t>Fourth level</a:t>
             </a:r>
           </a:p>
           <a:p>
             <a:pPr lvl="4"/>
             <a:r>
-              <a:rPr lang="x-none" smtClean="0"/>
+              <a:rPr lang="x-none"/>
               <a:t>Fifth level</a:t>
             </a:r>
             <a:endParaRPr lang="en-US"/>
@@ -2019,7 +2037,7 @@
           <a:p>
             <a:pPr lvl="0"/>
             <a:r>
-              <a:rPr lang="x-none" smtClean="0"/>
+              <a:rPr lang="x-none"/>
               <a:t>Click to edit Master text styles</a:t>
             </a:r>
           </a:p>
@@ -2075,35 +2093,35 @@
           <a:p>
             <a:pPr lvl="0"/>
             <a:r>
-              <a:rPr lang="x-none" smtClean="0"/>
+              <a:rPr lang="x-none"/>
               <a:t>Click to edit Master text styles</a:t>
             </a:r>
           </a:p>
           <a:p>
             <a:pPr lvl="1"/>
             <a:r>
-              <a:rPr lang="x-none" smtClean="0"/>
+              <a:rPr lang="x-none"/>
               <a:t>Second level</a:t>
             </a:r>
           </a:p>
           <a:p>
             <a:pPr lvl="2"/>
             <a:r>
-              <a:rPr lang="x-none" smtClean="0"/>
+              <a:rPr lang="x-none"/>
               <a:t>Third level</a:t>
             </a:r>
           </a:p>
           <a:p>
             <a:pPr lvl="3"/>
             <a:r>
-              <a:rPr lang="x-none" smtClean="0"/>
+              <a:rPr lang="x-none"/>
               <a:t>Fourth level</a:t>
             </a:r>
           </a:p>
           <a:p>
             <a:pPr lvl="4"/>
             <a:r>
-              <a:rPr lang="x-none" smtClean="0"/>
+              <a:rPr lang="x-none"/>
               <a:t>Fifth level</a:t>
             </a:r>
             <a:endParaRPr lang="en-US"/>
@@ -2127,7 +2145,7 @@
           <a:p>
             <a:fld id="{D7CD8825-7C65-DE49-B151-1F6315860DA4}" type="datetimeFigureOut">
               <a:rPr lang="en-US" smtClean="0"/>
-              <a:t>4/6/17</a:t>
+              <a:t>3/30/18</a:t>
             </a:fld>
             <a:endParaRPr lang="en-US"/>
           </a:p>
@@ -2221,7 +2239,7 @@
           <a:lstStyle/>
           <a:p>
             <a:r>
-              <a:rPr lang="x-none" smtClean="0"/>
+              <a:rPr lang="x-none"/>
               <a:t>Click to edit Master title style</a:t>
             </a:r>
             <a:endParaRPr lang="en-US"/>
@@ -2245,7 +2263,7 @@
           <a:p>
             <a:fld id="{D7CD8825-7C65-DE49-B151-1F6315860DA4}" type="datetimeFigureOut">
               <a:rPr lang="en-US" smtClean="0"/>
-              <a:t>4/6/17</a:t>
+              <a:t>3/30/18</a:t>
             </a:fld>
             <a:endParaRPr lang="en-US"/>
           </a:p>
@@ -2340,7 +2358,7 @@
           <a:p>
             <a:fld id="{D7CD8825-7C65-DE49-B151-1F6315860DA4}" type="datetimeFigureOut">
               <a:rPr lang="en-US" smtClean="0"/>
-              <a:t>4/6/17</a:t>
+              <a:t>3/30/18</a:t>
             </a:fld>
             <a:endParaRPr lang="en-US"/>
           </a:p>
@@ -2443,7 +2461,7 @@
           </a:lstStyle>
           <a:p>
             <a:r>
-              <a:rPr lang="x-none" smtClean="0"/>
+              <a:rPr lang="x-none"/>
               <a:t>Click to edit Master title style</a:t>
             </a:r>
             <a:endParaRPr lang="en-US"/>
@@ -2500,35 +2518,35 @@
           <a:p>
             <a:pPr lvl="0"/>
             <a:r>
-              <a:rPr lang="x-none" smtClean="0"/>
+              <a:rPr lang="x-none"/>
               <a:t>Click to edit Master text styles</a:t>
             </a:r>
           </a:p>
           <a:p>
             <a:pPr lvl="1"/>
             <a:r>
-              <a:rPr lang="x-none" smtClean="0"/>
+              <a:rPr lang="x-none"/>
               <a:t>Second level</a:t>
             </a:r>
           </a:p>
           <a:p>
             <a:pPr lvl="2"/>
             <a:r>
-              <a:rPr lang="x-none" smtClean="0"/>
+              <a:rPr lang="x-none"/>
               <a:t>Third level</a:t>
             </a:r>
           </a:p>
           <a:p>
             <a:pPr lvl="3"/>
             <a:r>
-              <a:rPr lang="x-none" smtClean="0"/>
+              <a:rPr lang="x-none"/>
               <a:t>Fourth level</a:t>
             </a:r>
           </a:p>
           <a:p>
             <a:pPr lvl="4"/>
             <a:r>
-              <a:rPr lang="x-none" smtClean="0"/>
+              <a:rPr lang="x-none"/>
               <a:t>Fifth level</a:t>
             </a:r>
             <a:endParaRPr lang="en-US"/>
@@ -2594,7 +2612,7 @@
           <a:p>
             <a:pPr lvl="0"/>
             <a:r>
-              <a:rPr lang="x-none" smtClean="0"/>
+              <a:rPr lang="x-none"/>
               <a:t>Click to edit Master text styles</a:t>
             </a:r>
           </a:p>
@@ -2617,7 +2635,7 @@
           <a:p>
             <a:fld id="{D7CD8825-7C65-DE49-B151-1F6315860DA4}" type="datetimeFigureOut">
               <a:rPr lang="en-US" smtClean="0"/>
-              <a:t>4/6/17</a:t>
+              <a:t>3/30/18</a:t>
             </a:fld>
             <a:endParaRPr lang="en-US"/>
           </a:p>
@@ -2720,7 +2738,7 @@
           </a:lstStyle>
           <a:p>
             <a:r>
-              <a:rPr lang="x-none" smtClean="0"/>
+              <a:rPr lang="x-none"/>
               <a:t>Click to edit Master title style</a:t>
             </a:r>
             <a:endParaRPr lang="en-US"/>
@@ -2847,7 +2865,7 @@
           <a:p>
             <a:pPr lvl="0"/>
             <a:r>
-              <a:rPr lang="x-none" smtClean="0"/>
+              <a:rPr lang="x-none"/>
               <a:t>Click to edit Master text styles</a:t>
             </a:r>
           </a:p>
@@ -2870,7 +2888,7 @@
           <a:p>
             <a:fld id="{D7CD8825-7C65-DE49-B151-1F6315860DA4}" type="datetimeFigureOut">
               <a:rPr lang="en-US" smtClean="0"/>
-              <a:t>4/6/17</a:t>
+              <a:t>3/30/18</a:t>
             </a:fld>
             <a:endParaRPr lang="en-US"/>
           </a:p>
@@ -2979,7 +2997,7 @@
           <a:lstStyle/>
           <a:p>
             <a:r>
-              <a:rPr lang="x-none" smtClean="0"/>
+              <a:rPr lang="x-none"/>
               <a:t>Click to edit Master title style</a:t>
             </a:r>
             <a:endParaRPr lang="en-US"/>
@@ -3013,35 +3031,35 @@
           <a:p>
             <a:pPr lvl="0"/>
             <a:r>
-              <a:rPr lang="x-none" smtClean="0"/>
+              <a:rPr lang="x-none"/>
               <a:t>Click to edit Master text styles</a:t>
             </a:r>
           </a:p>
           <a:p>
             <a:pPr lvl="1"/>
             <a:r>
-              <a:rPr lang="x-none" smtClean="0"/>
+              <a:rPr lang="x-none"/>
               <a:t>Second level</a:t>
             </a:r>
           </a:p>
           <a:p>
             <a:pPr lvl="2"/>
             <a:r>
-              <a:rPr lang="x-none" smtClean="0"/>
+              <a:rPr lang="x-none"/>
               <a:t>Third level</a:t>
             </a:r>
           </a:p>
           <a:p>
             <a:pPr lvl="3"/>
             <a:r>
-              <a:rPr lang="x-none" smtClean="0"/>
+              <a:rPr lang="x-none"/>
               <a:t>Fourth level</a:t>
             </a:r>
           </a:p>
           <a:p>
             <a:pPr lvl="4"/>
             <a:r>
-              <a:rPr lang="x-none" smtClean="0"/>
+              <a:rPr lang="x-none"/>
               <a:t>Fifth level</a:t>
             </a:r>
             <a:endParaRPr lang="en-US"/>
@@ -3083,7 +3101,7 @@
           <a:p>
             <a:fld id="{D7CD8825-7C65-DE49-B151-1F6315860DA4}" type="datetimeFigureOut">
               <a:rPr lang="en-US" smtClean="0"/>
-              <a:t>4/6/17</a:t>
+              <a:t>3/30/18</a:t>
             </a:fld>
             <a:endParaRPr lang="en-US"/>
           </a:p>
@@ -3474,10 +3492,9 @@
           <a:lstStyle/>
           <a:p>
             <a:r>
-              <a:rPr lang="en-US" dirty="0" smtClean="0"/>
+              <a:rPr lang="en-US" dirty="0"/>
               <a:t>Designing Packages, Symbols, and Devices</a:t>
             </a:r>
-            <a:endParaRPr lang="en-US" dirty="0"/>
           </a:p>
         </p:txBody>
       </p:sp>
@@ -3510,13 +3527,6 @@
   <p:clrMapOvr>
     <a:masterClrMapping/>
   </p:clrMapOvr>
-  <p:timing>
-    <p:tnLst>
-      <p:par>
-        <p:cTn xmlns:p14="http://schemas.microsoft.com/office/powerpoint/2010/main" id="1" dur="indefinite" restart="never" nodeType="tmRoot"/>
-      </p:par>
-    </p:tnLst>
-  </p:timing>
 </p:sld>
 </file>
 
@@ -3555,10 +3565,9 @@
           <a:lstStyle/>
           <a:p>
             <a:r>
-              <a:rPr lang="en-US" dirty="0" smtClean="0"/>
+              <a:rPr lang="en-US" dirty="0"/>
               <a:t>Device Example: LED</a:t>
             </a:r>
-            <a:endParaRPr lang="en-US" dirty="0"/>
           </a:p>
         </p:txBody>
       </p:sp>
@@ -3775,10 +3784,9 @@
           <a:lstStyle/>
           <a:p>
             <a:r>
-              <a:rPr lang="en-US" sz="3200" dirty="0" smtClean="0"/>
+              <a:rPr lang="en-US" sz="3200" dirty="0"/>
               <a:t>One Symbol</a:t>
             </a:r>
-            <a:endParaRPr lang="en-US" sz="3200" dirty="0"/>
           </a:p>
         </p:txBody>
       </p:sp>
@@ -3805,10 +3813,9 @@
           <a:lstStyle/>
           <a:p>
             <a:r>
-              <a:rPr lang="en-US" sz="3200" dirty="0" smtClean="0"/>
+              <a:rPr lang="en-US" sz="3200" dirty="0"/>
               <a:t>Many Packages</a:t>
             </a:r>
-            <a:endParaRPr lang="en-US" sz="3200" dirty="0"/>
           </a:p>
         </p:txBody>
       </p:sp>
@@ -3822,13 +3829,6 @@
   <p:clrMapOvr>
     <a:masterClrMapping/>
   </p:clrMapOvr>
-  <p:timing>
-    <p:tnLst>
-      <p:par>
-        <p:cTn xmlns:p14="http://schemas.microsoft.com/office/powerpoint/2010/main" id="1" dur="indefinite" restart="never" nodeType="tmRoot"/>
-      </p:par>
-    </p:tnLst>
-  </p:timing>
 </p:sld>
 </file>
 
@@ -3865,10 +3865,9 @@
           <a:lstStyle/>
           <a:p>
             <a:r>
-              <a:rPr lang="en-US" dirty="0" smtClean="0"/>
+              <a:rPr lang="en-US" dirty="0"/>
               <a:t>Devices in Eagle</a:t>
             </a:r>
-            <a:endParaRPr lang="en-US" dirty="0"/>
           </a:p>
         </p:txBody>
       </p:sp>
@@ -3931,7 +3930,7 @@
   <p:timing>
     <p:tnLst>
       <p:par>
-        <p:cTn xmlns:p14="http://schemas.microsoft.com/office/powerpoint/2010/main" id="1" dur="indefinite" restart="never" nodeType="tmRoot">
+        <p:cTn id="1" dur="indefinite" restart="never" nodeType="tmRoot">
           <p:childTnLst>
             <p:seq concurrent="1" nextAc="seek">
               <p:cTn id="2" dur="indefinite" nodeType="mainSeq">
@@ -4006,6 +4005,172 @@
 </p:sld>
 </file>
 
+<file path=ppt/slides/slide12.xml><?xml version="1.0" encoding="utf-8"?>
+<p:sld xmlns:a="http://schemas.openxmlformats.org/drawingml/2006/main" xmlns:r="http://schemas.openxmlformats.org/officeDocument/2006/relationships" xmlns:p="http://schemas.openxmlformats.org/presentationml/2006/main">
+  <p:cSld>
+    <p:spTree>
+      <p:nvGrpSpPr>
+        <p:cNvPr id="1" name=""/>
+        <p:cNvGrpSpPr/>
+        <p:nvPr/>
+      </p:nvGrpSpPr>
+      <p:grpSpPr>
+        <a:xfrm>
+          <a:off x="0" y="0"/>
+          <a:ext cx="0" cy="0"/>
+          <a:chOff x="0" y="0"/>
+          <a:chExt cx="0" cy="0"/>
+        </a:xfrm>
+      </p:grpSpPr>
+      <p:sp>
+        <p:nvSpPr>
+          <p:cNvPr id="2" name="Title 1">
+            <a:extLst>
+              <a:ext uri="{FF2B5EF4-FFF2-40B4-BE49-F238E27FC236}">
+                <a16:creationId xmlns:a16="http://schemas.microsoft.com/office/drawing/2014/main" id="{EE590A5A-5827-5D41-8422-580208E1A42D}"/>
+              </a:ext>
+            </a:extLst>
+          </p:cNvPr>
+          <p:cNvSpPr>
+            <a:spLocks noGrp="1"/>
+          </p:cNvSpPr>
+          <p:nvPr>
+            <p:ph type="title"/>
+          </p:nvPr>
+        </p:nvSpPr>
+        <p:spPr/>
+        <p:txBody>
+          <a:bodyPr/>
+          <a:lstStyle/>
+          <a:p>
+            <a:r>
+              <a:rPr lang="en-US" dirty="0"/>
+              <a:t>Demo and Lab Walk Through</a:t>
+            </a:r>
+          </a:p>
+        </p:txBody>
+      </p:sp>
+      <p:sp>
+        <p:nvSpPr>
+          <p:cNvPr id="3" name="Content Placeholder 2">
+            <a:extLst>
+              <a:ext uri="{FF2B5EF4-FFF2-40B4-BE49-F238E27FC236}">
+                <a16:creationId xmlns:a16="http://schemas.microsoft.com/office/drawing/2014/main" id="{A6C5E70A-91B5-6649-877B-B497D65F7C48}"/>
+              </a:ext>
+            </a:extLst>
+          </p:cNvPr>
+          <p:cNvSpPr>
+            <a:spLocks noGrp="1"/>
+          </p:cNvSpPr>
+          <p:nvPr>
+            <p:ph idx="1"/>
+          </p:nvPr>
+        </p:nvSpPr>
+        <p:spPr/>
+        <p:txBody>
+          <a:bodyPr/>
+          <a:lstStyle/>
+          <a:p>
+            <a:endParaRPr lang="en-US"/>
+          </a:p>
+        </p:txBody>
+      </p:sp>
+    </p:spTree>
+    <p:extLst>
+      <p:ext uri="{BB962C8B-B14F-4D97-AF65-F5344CB8AC3E}">
+        <p14:creationId xmlns:p14="http://schemas.microsoft.com/office/powerpoint/2010/main" val="2135209098"/>
+      </p:ext>
+    </p:extLst>
+  </p:cSld>
+  <p:clrMapOvr>
+    <a:masterClrMapping/>
+  </p:clrMapOvr>
+</p:sld>
+</file>
+
+<file path=ppt/slides/slide13.xml><?xml version="1.0" encoding="utf-8"?>
+<p:sld xmlns:a="http://schemas.openxmlformats.org/drawingml/2006/main" xmlns:r="http://schemas.openxmlformats.org/officeDocument/2006/relationships" xmlns:p="http://schemas.openxmlformats.org/presentationml/2006/main">
+  <p:cSld>
+    <p:spTree>
+      <p:nvGrpSpPr>
+        <p:cNvPr id="1" name=""/>
+        <p:cNvGrpSpPr/>
+        <p:nvPr/>
+      </p:nvGrpSpPr>
+      <p:grpSpPr>
+        <a:xfrm>
+          <a:off x="0" y="0"/>
+          <a:ext cx="0" cy="0"/>
+          <a:chOff x="0" y="0"/>
+          <a:chExt cx="0" cy="0"/>
+        </a:xfrm>
+      </p:grpSpPr>
+      <p:sp>
+        <p:nvSpPr>
+          <p:cNvPr id="2" name="Title 1">
+            <a:extLst>
+              <a:ext uri="{FF2B5EF4-FFF2-40B4-BE49-F238E27FC236}">
+                <a16:creationId xmlns:a16="http://schemas.microsoft.com/office/drawing/2014/main" id="{3C32EFE4-0D0C-164D-B930-40273F5CA744}"/>
+              </a:ext>
+            </a:extLst>
+          </p:cNvPr>
+          <p:cNvSpPr>
+            <a:spLocks noGrp="1"/>
+          </p:cNvSpPr>
+          <p:nvPr>
+            <p:ph type="title"/>
+          </p:nvPr>
+        </p:nvSpPr>
+        <p:spPr/>
+        <p:txBody>
+          <a:bodyPr/>
+          <a:lstStyle/>
+          <a:p>
+            <a:r>
+              <a:rPr lang="en-US" dirty="0"/>
+              <a:t>Notes about particular parts</a:t>
+            </a:r>
+          </a:p>
+        </p:txBody>
+      </p:sp>
+      <p:sp>
+        <p:nvSpPr>
+          <p:cNvPr id="3" name="Content Placeholder 2">
+            <a:extLst>
+              <a:ext uri="{FF2B5EF4-FFF2-40B4-BE49-F238E27FC236}">
+                <a16:creationId xmlns:a16="http://schemas.microsoft.com/office/drawing/2014/main" id="{A3A54C58-DE5B-B248-9824-671890FC06E7}"/>
+              </a:ext>
+            </a:extLst>
+          </p:cNvPr>
+          <p:cNvSpPr>
+            <a:spLocks noGrp="1"/>
+          </p:cNvSpPr>
+          <p:nvPr>
+            <p:ph idx="1"/>
+          </p:nvPr>
+        </p:nvSpPr>
+        <p:spPr/>
+        <p:txBody>
+          <a:bodyPr/>
+          <a:lstStyle/>
+          <a:p>
+            <a:endParaRPr lang="en-US"/>
+          </a:p>
+        </p:txBody>
+      </p:sp>
+    </p:spTree>
+    <p:extLst>
+      <p:ext uri="{BB962C8B-B14F-4D97-AF65-F5344CB8AC3E}">
+        <p14:creationId xmlns:p14="http://schemas.microsoft.com/office/powerpoint/2010/main" val="1606292332"/>
+      </p:ext>
+    </p:extLst>
+  </p:cSld>
+  <p:clrMapOvr>
+    <a:masterClrMapping/>
+  </p:clrMapOvr>
+</p:sld>
+</file>
+
 <file path=ppt/slides/slide2.xml><?xml version="1.0" encoding="utf-8"?>
 <p:sld xmlns:a="http://schemas.openxmlformats.org/drawingml/2006/main" xmlns:r="http://schemas.openxmlformats.org/officeDocument/2006/relationships" xmlns:p="http://schemas.openxmlformats.org/presentationml/2006/main">
   <p:cSld>
@@ -4039,10 +4204,9 @@
           <a:lstStyle/>
           <a:p>
             <a:r>
-              <a:rPr lang="en-US" dirty="0" smtClean="0"/>
+              <a:rPr lang="en-US" dirty="0"/>
               <a:t>PCM Assembly</a:t>
             </a:r>
-            <a:endParaRPr lang="en-US" dirty="0"/>
           </a:p>
         </p:txBody>
       </p:sp>
@@ -4070,24 +4234,12 @@
           </a:p>
           <a:p>
             <a:r>
-              <a:rPr lang="en-US" dirty="0" smtClean="0">
-                <a:hlinkClick r:id="rId2"/>
-              </a:rPr>
-              <a:t>https</a:t>
-            </a:r>
-            <a:r>
               <a:rPr lang="en-US" dirty="0">
                 <a:hlinkClick r:id="rId2"/>
               </a:rPr>
-              <a:t>://youtu.be/2qk5vxWY46A?t=</a:t>
-            </a:r>
-            <a:r>
-              <a:rPr lang="en-US" dirty="0" smtClean="0">
-                <a:hlinkClick r:id="rId2"/>
-              </a:rPr>
-              <a:t>2m28s</a:t>
-            </a:r>
-            <a:endParaRPr lang="en-US" dirty="0" smtClean="0"/>
+              <a:t>https://youtu.be/2qk5vxWY46A?t=2m28s</a:t>
+            </a:r>
+            <a:endParaRPr lang="en-US" dirty="0"/>
           </a:p>
           <a:p>
             <a:endParaRPr lang="en-US" dirty="0"/>
@@ -4104,13 +4256,6 @@
   <p:clrMapOvr>
     <a:masterClrMapping/>
   </p:clrMapOvr>
-  <p:timing>
-    <p:tnLst>
-      <p:par>
-        <p:cTn xmlns:p14="http://schemas.microsoft.com/office/powerpoint/2010/main" id="1" dur="indefinite" restart="never" nodeType="tmRoot"/>
-      </p:par>
-    </p:tnLst>
-  </p:timing>
 </p:sld>
 </file>
 
@@ -4147,94 +4292,131 @@
           <a:lstStyle/>
           <a:p>
             <a:r>
-              <a:rPr lang="en-US" dirty="0" smtClean="0"/>
+              <a:rPr lang="en-US" dirty="0"/>
               <a:t>TODO	</a:t>
             </a:r>
+          </a:p>
+        </p:txBody>
+      </p:sp>
+      <p:sp>
+        <p:nvSpPr>
+          <p:cNvPr id="3" name="Content Placeholder 2"/>
+          <p:cNvSpPr>
+            <a:spLocks noGrp="1"/>
+          </p:cNvSpPr>
+          <p:nvPr>
+            <p:ph idx="1"/>
+          </p:nvPr>
+        </p:nvSpPr>
+        <p:spPr/>
+        <p:txBody>
+          <a:bodyPr>
+            <a:normAutofit lnSpcReduction="10000"/>
+          </a:bodyPr>
+          <a:lstStyle/>
+          <a:p>
+            <a:r>
+              <a:rPr lang="en-US" dirty="0"/>
+              <a:t>Add slides for:</a:t>
+            </a:r>
+          </a:p>
+          <a:p>
+            <a:pPr lvl="1"/>
+            <a:r>
+              <a:rPr lang="en-US" dirty="0"/>
+              <a:t>Datasheets</a:t>
+            </a:r>
+          </a:p>
+          <a:p>
+            <a:pPr lvl="1"/>
+            <a:r>
+              <a:rPr lang="en-US" dirty="0"/>
+              <a:t>SMD </a:t>
+            </a:r>
+            <a:r>
+              <a:rPr lang="en-US" dirty="0" err="1"/>
+              <a:t>vs</a:t>
+            </a:r>
+            <a:r>
+              <a:rPr lang="en-US" dirty="0"/>
+              <a:t> Through holes</a:t>
+            </a:r>
+          </a:p>
+          <a:p>
+            <a:pPr lvl="1"/>
+            <a:r>
+              <a:rPr lang="en-US" dirty="0"/>
+              <a:t>Eagle PAD/SMD terminology.</a:t>
+            </a:r>
+          </a:p>
+          <a:p>
+            <a:pPr lvl="1"/>
+            <a:r>
+              <a:rPr lang="en-US" dirty="0"/>
+              <a:t>Flow chart/illustrations of assembly process.</a:t>
+            </a:r>
+          </a:p>
+          <a:p>
+            <a:pPr lvl="1"/>
+            <a:r>
+              <a:rPr lang="en-US" dirty="0"/>
+              <a:t>Anatomy of solder joint (showing meniscus)</a:t>
+            </a:r>
+          </a:p>
+          <a:p>
+            <a:pPr lvl="1"/>
+            <a:r>
+              <a:rPr lang="en-US" dirty="0"/>
+              <a:t>Side view of board + paste + component.</a:t>
+            </a:r>
+          </a:p>
+          <a:p>
+            <a:pPr lvl="1"/>
+            <a:r>
+              <a:rPr lang="en-US" dirty="0"/>
+              <a:t>Problems with IMU pads being in accessible.</a:t>
+            </a:r>
+          </a:p>
+          <a:p>
+            <a:pPr lvl="1"/>
+            <a:r>
+              <a:rPr lang="en-US"/>
+              <a:t>Data sheet demo.</a:t>
+            </a:r>
             <a:endParaRPr lang="en-US" dirty="0"/>
           </a:p>
         </p:txBody>
       </p:sp>
-      <p:sp>
-        <p:nvSpPr>
-          <p:cNvPr id="3" name="Content Placeholder 2"/>
-          <p:cNvSpPr>
-            <a:spLocks noGrp="1"/>
-          </p:cNvSpPr>
-          <p:nvPr>
-            <p:ph idx="1"/>
-          </p:nvPr>
-        </p:nvSpPr>
-        <p:spPr/>
-        <p:txBody>
-          <a:bodyPr/>
-          <a:lstStyle/>
-          <a:p>
-            <a:r>
-              <a:rPr lang="en-US" dirty="0" smtClean="0"/>
-              <a:t>Add slides for:</a:t>
-            </a:r>
-          </a:p>
-          <a:p>
-            <a:pPr lvl="1"/>
-            <a:r>
-              <a:rPr lang="en-US" dirty="0" smtClean="0"/>
-              <a:t>SMD </a:t>
-            </a:r>
-            <a:r>
-              <a:rPr lang="en-US" dirty="0" err="1" smtClean="0"/>
-              <a:t>vs</a:t>
-            </a:r>
-            <a:r>
-              <a:rPr lang="en-US" dirty="0" smtClean="0"/>
-              <a:t> Through holes</a:t>
-            </a:r>
-          </a:p>
-          <a:p>
-            <a:pPr lvl="1"/>
-            <a:r>
-              <a:rPr lang="en-US" dirty="0" smtClean="0"/>
-              <a:t>Eagle PAD/SMD terminology.</a:t>
-            </a:r>
-          </a:p>
-          <a:p>
-            <a:pPr lvl="1"/>
-            <a:r>
-              <a:rPr lang="en-US" dirty="0" smtClean="0"/>
-              <a:t>Flow chart/illustrations of assembly process.</a:t>
-            </a:r>
-          </a:p>
-          <a:p>
-            <a:pPr lvl="1"/>
-            <a:r>
-              <a:rPr lang="en-US" dirty="0" smtClean="0"/>
-              <a:t>Anatomy of solder joint (showing </a:t>
-            </a:r>
-            <a:r>
-              <a:rPr lang="en-US" dirty="0" err="1" smtClean="0"/>
-              <a:t>miniscis</a:t>
-            </a:r>
-            <a:r>
-              <a:rPr lang="en-US" dirty="0" smtClean="0"/>
-              <a:t>)</a:t>
-            </a:r>
-          </a:p>
-          <a:p>
-            <a:pPr lvl="1"/>
-            <a:r>
-              <a:rPr lang="en-US" dirty="0" smtClean="0"/>
-              <a:t>Side view of board + paste + component.</a:t>
-            </a:r>
-          </a:p>
-          <a:p>
-            <a:pPr lvl="1"/>
-            <a:r>
-              <a:rPr lang="en-US" dirty="0" smtClean="0"/>
-              <a:t>Problems with IMU pads being in accessible.</a:t>
-            </a:r>
-            <a:endParaRPr lang="en-US" dirty="0"/>
-          </a:p>
-        </p:txBody>
-      </p:sp>
+      <p:pic>
+        <p:nvPicPr>
+          <p:cNvPr id="4" name="Picture 3">
+            <a:extLst>
+              <a:ext uri="{FF2B5EF4-FFF2-40B4-BE49-F238E27FC236}">
+                <a16:creationId xmlns:a16="http://schemas.microsoft.com/office/drawing/2014/main" id="{9DD48344-8019-BD4E-A8B2-FCC9A05955C1}"/>
+              </a:ext>
+            </a:extLst>
+          </p:cNvPr>
+          <p:cNvPicPr>
+            <a:picLocks noChangeAspect="1"/>
+          </p:cNvPicPr>
+          <p:nvPr/>
+        </p:nvPicPr>
+        <p:blipFill>
+          <a:blip r:embed="rId2"/>
+          <a:stretch>
+            <a:fillRect/>
+          </a:stretch>
+        </p:blipFill>
+        <p:spPr>
+          <a:xfrm>
+            <a:off x="9144000" y="1417638"/>
+            <a:ext cx="6083300" cy="4864100"/>
+          </a:xfrm>
+          <a:prstGeom prst="rect">
+            <a:avLst/>
+          </a:prstGeom>
+        </p:spPr>
+      </p:pic>
     </p:spTree>
     <p:extLst>
       <p:ext uri="{BB962C8B-B14F-4D97-AF65-F5344CB8AC3E}">
@@ -4281,10 +4463,9 @@
           <a:lstStyle/>
           <a:p>
             <a:r>
-              <a:rPr lang="en-US" dirty="0" smtClean="0"/>
+              <a:rPr lang="en-US" dirty="0"/>
               <a:t>Part Sizes</a:t>
             </a:r>
-            <a:endParaRPr lang="en-US" dirty="0"/>
           </a:p>
         </p:txBody>
       </p:sp>
@@ -4361,13 +4542,6 @@
   <p:clrMapOvr>
     <a:masterClrMapping/>
   </p:clrMapOvr>
-  <p:timing>
-    <p:tnLst>
-      <p:par>
-        <p:cTn xmlns:p14="http://schemas.microsoft.com/office/powerpoint/2010/main" id="1" dur="indefinite" restart="never" nodeType="tmRoot"/>
-      </p:par>
-    </p:tnLst>
-  </p:timing>
 </p:sld>
 </file>
 
@@ -4404,10 +4578,9 @@
           <a:lstStyle/>
           <a:p>
             <a:r>
-              <a:rPr lang="en-US" dirty="0" smtClean="0"/>
+              <a:rPr lang="en-US" dirty="0"/>
               <a:t>PCB Libraries</a:t>
             </a:r>
-            <a:endParaRPr lang="en-US" dirty="0"/>
           </a:p>
         </p:txBody>
       </p:sp>
@@ -4429,54 +4602,54 @@
           <a:lstStyle/>
           <a:p>
             <a:r>
-              <a:rPr lang="en-US" dirty="0" smtClean="0"/>
+              <a:rPr lang="en-US" dirty="0"/>
               <a:t>To use a part on a PCB, you need a library entry for it</a:t>
             </a:r>
           </a:p>
           <a:p>
             <a:pPr lvl="1"/>
             <a:r>
-              <a:rPr lang="en-US" dirty="0" smtClean="0"/>
+              <a:rPr lang="en-US" dirty="0"/>
               <a:t>Physical/mechanical information for the board</a:t>
             </a:r>
           </a:p>
           <a:p>
             <a:pPr lvl="1"/>
             <a:r>
-              <a:rPr lang="en-US" dirty="0" smtClean="0"/>
+              <a:rPr lang="en-US" dirty="0"/>
               <a:t>Logical/electrical information for the schematic</a:t>
             </a:r>
           </a:p>
           <a:p>
             <a:pPr lvl="1"/>
             <a:r>
-              <a:rPr lang="en-US" dirty="0" smtClean="0"/>
+              <a:rPr lang="en-US" dirty="0"/>
               <a:t>Mapping between the two</a:t>
             </a:r>
           </a:p>
           <a:p>
             <a:pPr lvl="1"/>
             <a:r>
-              <a:rPr lang="en-US" dirty="0" smtClean="0"/>
+              <a:rPr lang="en-US" dirty="0"/>
               <a:t>Metadata</a:t>
             </a:r>
           </a:p>
           <a:p>
             <a:r>
-              <a:rPr lang="en-US" dirty="0" smtClean="0"/>
+              <a:rPr lang="en-US" dirty="0"/>
               <a:t>A well designed library, will make your life much, much easier.</a:t>
             </a:r>
           </a:p>
           <a:p>
             <a:r>
-              <a:rPr lang="en-US" dirty="0" smtClean="0"/>
+              <a:rPr lang="en-US" dirty="0"/>
               <a:t>There are lots of libraries are the internet</a:t>
             </a:r>
           </a:p>
           <a:p>
             <a:pPr lvl="1"/>
             <a:r>
-              <a:rPr lang="en-US" dirty="0" smtClean="0"/>
+              <a:rPr lang="en-US" dirty="0"/>
               <a:t>Some are good, some are bad, some a poor match for what we need.</a:t>
             </a:r>
           </a:p>
@@ -4492,13 +4665,6 @@
   <p:clrMapOvr>
     <a:masterClrMapping/>
   </p:clrMapOvr>
-  <p:timing>
-    <p:tnLst>
-      <p:par>
-        <p:cTn xmlns:p14="http://schemas.microsoft.com/office/powerpoint/2010/main" id="1" dur="indefinite" restart="never" nodeType="tmRoot"/>
-      </p:par>
-    </p:tnLst>
-  </p:timing>
 </p:sld>
 </file>
 
@@ -5253,10 +5419,9 @@
           <a:lstStyle/>
           <a:p>
             <a:r>
-              <a:rPr lang="en-US" dirty="0" smtClean="0"/>
+              <a:rPr lang="en-US" dirty="0"/>
               <a:t>Package</a:t>
             </a:r>
-            <a:endParaRPr lang="en-US" dirty="0"/>
           </a:p>
         </p:txBody>
       </p:sp>
@@ -5283,10 +5448,9 @@
           <a:lstStyle/>
           <a:p>
             <a:r>
-              <a:rPr lang="en-US" dirty="0" smtClean="0"/>
+              <a:rPr lang="en-US" dirty="0"/>
               <a:t>Symbol</a:t>
             </a:r>
-            <a:endParaRPr lang="en-US" dirty="0"/>
           </a:p>
         </p:txBody>
       </p:sp>
@@ -5313,10 +5477,9 @@
           <a:lstStyle/>
           <a:p>
             <a:r>
-              <a:rPr lang="en-US" dirty="0" smtClean="0"/>
+              <a:rPr lang="en-US" dirty="0"/>
               <a:t>Device Pin Mapping</a:t>
             </a:r>
-            <a:endParaRPr lang="en-US" dirty="0"/>
           </a:p>
         </p:txBody>
       </p:sp>
@@ -5343,10 +5506,9 @@
           <a:lstStyle/>
           <a:p>
             <a:r>
-              <a:rPr lang="en-US" dirty="0" smtClean="0"/>
+              <a:rPr lang="en-US" dirty="0"/>
               <a:t>Physical part</a:t>
             </a:r>
-            <a:endParaRPr lang="en-US" dirty="0"/>
           </a:p>
         </p:txBody>
       </p:sp>
@@ -5360,13 +5522,6 @@
   <p:clrMapOvr>
     <a:masterClrMapping/>
   </p:clrMapOvr>
-  <p:timing>
-    <p:tnLst>
-      <p:par>
-        <p:cTn xmlns:p14="http://schemas.microsoft.com/office/powerpoint/2010/main" id="1" dur="indefinite" restart="never" nodeType="tmRoot"/>
-      </p:par>
-    </p:tnLst>
-  </p:timing>
 </p:sld>
 </file>
 
@@ -5403,10 +5558,9 @@
           <a:lstStyle/>
           <a:p>
             <a:r>
-              <a:rPr lang="en-US" dirty="0" smtClean="0"/>
+              <a:rPr lang="en-US" dirty="0"/>
               <a:t>PCB Libraries: Packages</a:t>
             </a:r>
-            <a:endParaRPr lang="en-US" dirty="0"/>
           </a:p>
         </p:txBody>
       </p:sp>
@@ -5426,39 +5580,39 @@
           <a:lstStyle/>
           <a:p>
             <a:r>
-              <a:rPr lang="en-US" dirty="0" smtClean="0"/>
+              <a:rPr lang="en-US" dirty="0"/>
               <a:t>Mechanical description of the part</a:t>
             </a:r>
           </a:p>
           <a:p>
             <a:r>
-              <a:rPr lang="en-US" dirty="0" smtClean="0"/>
+              <a:rPr lang="en-US" dirty="0"/>
               <a:t>Electrical connections (i.e., pads and SMDs)</a:t>
             </a:r>
           </a:p>
           <a:p>
             <a:r>
-              <a:rPr lang="en-US" dirty="0" smtClean="0"/>
+              <a:rPr lang="en-US" dirty="0"/>
               <a:t>Other things: “</a:t>
             </a:r>
             <a:r>
-              <a:rPr lang="en-US" dirty="0" err="1" smtClean="0"/>
+              <a:rPr lang="en-US" dirty="0" err="1"/>
               <a:t>keepouts</a:t>
             </a:r>
             <a:r>
-              <a:rPr lang="en-US" dirty="0" smtClean="0"/>
+              <a:rPr lang="en-US" dirty="0"/>
               <a:t>”, mounting holes, documentation, labels etc.</a:t>
             </a:r>
           </a:p>
           <a:p>
             <a:r>
-              <a:rPr lang="en-US" dirty="0" smtClean="0"/>
+              <a:rPr lang="en-US" dirty="0"/>
               <a:t>Generic packages: e.g., 0805 Resistor</a:t>
             </a:r>
           </a:p>
           <a:p>
             <a:r>
-              <a:rPr lang="en-US" dirty="0" smtClean="0"/>
+              <a:rPr lang="en-US" dirty="0"/>
               <a:t>Specific packages: e.g., Atmegat128RF</a:t>
             </a:r>
           </a:p>
@@ -5546,13 +5700,6 @@
   <p:clrMapOvr>
     <a:masterClrMapping/>
   </p:clrMapOvr>
-  <p:timing>
-    <p:tnLst>
-      <p:par>
-        <p:cTn xmlns:p14="http://schemas.microsoft.com/office/powerpoint/2010/main" id="1" dur="indefinite" restart="never" nodeType="tmRoot"/>
-      </p:par>
-    </p:tnLst>
-  </p:timing>
 </p:sld>
 </file>
 
@@ -5589,10 +5736,9 @@
           <a:lstStyle/>
           <a:p>
             <a:r>
-              <a:rPr lang="en-US" dirty="0" smtClean="0"/>
+              <a:rPr lang="en-US" dirty="0"/>
               <a:t>PCB Libraries: Symbols</a:t>
             </a:r>
-            <a:endParaRPr lang="en-US" dirty="0"/>
           </a:p>
         </p:txBody>
       </p:sp>
@@ -5617,50 +5763,50 @@
           <a:lstStyle/>
           <a:p>
             <a:r>
-              <a:rPr lang="en-US" dirty="0" smtClean="0"/>
+              <a:rPr lang="en-US" dirty="0"/>
               <a:t>Schematic representation of the component</a:t>
             </a:r>
           </a:p>
           <a:p>
             <a:r>
-              <a:rPr lang="en-US" dirty="0" smtClean="0"/>
+              <a:rPr lang="en-US" dirty="0"/>
               <a:t>Electrical connection points </a:t>
             </a:r>
             <a:r>
-              <a:rPr lang="mr-IN" dirty="0" smtClean="0"/>
+              <a:rPr lang="mr-IN" dirty="0"/>
               <a:t>–</a:t>
             </a:r>
             <a:r>
-              <a:rPr lang="en-US" dirty="0" smtClean="0"/>
+              <a:rPr lang="en-US" dirty="0"/>
               <a:t> “pins”</a:t>
             </a:r>
           </a:p>
           <a:p>
             <a:r>
-              <a:rPr lang="en-US" dirty="0" smtClean="0"/>
+              <a:rPr lang="en-US" dirty="0"/>
               <a:t>Generic symbols: resistors, capacitors, etc.</a:t>
             </a:r>
           </a:p>
           <a:p>
             <a:r>
-              <a:rPr lang="en-US" dirty="0" smtClean="0"/>
+              <a:rPr lang="en-US" dirty="0"/>
               <a:t>Specific symbols: e.g., Atmega128RF</a:t>
             </a:r>
           </a:p>
           <a:p>
             <a:r>
-              <a:rPr lang="en-US" dirty="0" smtClean="0"/>
+              <a:rPr lang="en-US" dirty="0"/>
               <a:t>Documentation, labels, etc.</a:t>
             </a:r>
           </a:p>
           <a:p>
             <a:r>
-              <a:rPr lang="en-US" dirty="0" smtClean="0"/>
+              <a:rPr lang="en-US" dirty="0"/>
               <a:t>Organized for ease of use and readability</a:t>
             </a:r>
           </a:p>
           <a:p>
-            <a:endParaRPr lang="en-US" dirty="0" smtClean="0"/>
+            <a:endParaRPr lang="en-US" dirty="0"/>
           </a:p>
         </p:txBody>
       </p:sp>
@@ -5770,13 +5916,6 @@
   <p:clrMapOvr>
     <a:masterClrMapping/>
   </p:clrMapOvr>
-  <p:timing>
-    <p:tnLst>
-      <p:par>
-        <p:cTn xmlns:p14="http://schemas.microsoft.com/office/powerpoint/2010/main" id="1" dur="indefinite" restart="never" nodeType="tmRoot"/>
-      </p:par>
-    </p:tnLst>
-  </p:timing>
 </p:sld>
 </file>
 
@@ -5813,10 +5952,9 @@
           <a:lstStyle/>
           <a:p>
             <a:r>
-              <a:rPr lang="en-US" dirty="0" smtClean="0"/>
+              <a:rPr lang="en-US" dirty="0"/>
               <a:t>PCB Libraries: Devices</a:t>
             </a:r>
-            <a:endParaRPr lang="en-US" dirty="0"/>
           </a:p>
         </p:txBody>
       </p:sp>
@@ -5838,33 +5976,33 @@
           <a:lstStyle/>
           <a:p>
             <a:r>
-              <a:rPr lang="en-US" dirty="0" smtClean="0"/>
+              <a:rPr lang="en-US" dirty="0"/>
               <a:t>Devices map between</a:t>
             </a:r>
           </a:p>
           <a:p>
             <a:pPr lvl="1"/>
             <a:r>
-              <a:rPr lang="en-US" dirty="0" smtClean="0"/>
+              <a:rPr lang="en-US" dirty="0"/>
               <a:t>1 symbol</a:t>
             </a:r>
           </a:p>
           <a:p>
             <a:pPr lvl="1"/>
             <a:r>
-              <a:rPr lang="en-US" dirty="0" smtClean="0"/>
+              <a:rPr lang="en-US" dirty="0"/>
               <a:t>&gt;=1 packages</a:t>
             </a:r>
           </a:p>
           <a:p>
             <a:r>
-              <a:rPr lang="en-US" dirty="0" smtClean="0"/>
+              <a:rPr lang="en-US" dirty="0"/>
               <a:t>For each package, the device maps the schematic pins to the package pads/SMDs.</a:t>
             </a:r>
           </a:p>
           <a:p>
             <a:r>
-              <a:rPr lang="en-US" dirty="0" smtClean="0"/>
+              <a:rPr lang="en-US" dirty="0"/>
               <a:t>Metadata</a:t>
             </a:r>
           </a:p>
@@ -5872,32 +6010,28 @@
             <a:pPr lvl="1"/>
             <a:r>
               <a:rPr lang="en-US" dirty="0"/>
-              <a:t>“attributes</a:t>
-            </a:r>
-            <a:r>
-              <a:rPr lang="en-US" dirty="0" smtClean="0"/>
-              <a:t>” -- E.g., Manufacturer, part number, etc.</a:t>
+              <a:t>“attributes” -- E.g., Manufacturer, part number, etc.</a:t>
             </a:r>
           </a:p>
           <a:p>
             <a:pPr lvl="1"/>
             <a:r>
-              <a:rPr lang="en-US" dirty="0" smtClean="0"/>
+              <a:rPr lang="en-US" dirty="0"/>
               <a:t>Name prefix for reference designators -- </a:t>
             </a:r>
             <a:r>
-              <a:rPr lang="en-US" dirty="0" err="1" smtClean="0"/>
+              <a:rPr lang="en-US" dirty="0" err="1"/>
               <a:t>e.g</a:t>
             </a:r>
             <a:r>
-              <a:rPr lang="en-US" dirty="0" smtClean="0"/>
+              <a:rPr lang="en-US" dirty="0"/>
               <a:t>, the “R” in R1, R2, etc.</a:t>
             </a:r>
           </a:p>
           <a:p>
             <a:pPr lvl="1"/>
             <a:r>
-              <a:rPr lang="en-US" dirty="0" smtClean="0"/>
+              <a:rPr lang="en-US" dirty="0"/>
               <a:t>Does it have a “value” (e.g., a resistor’s value is it’s resistance, but a microcontroller doesn’t have a value)</a:t>
             </a:r>
           </a:p>
@@ -5917,13 +6051,6 @@
   <p:clrMapOvr>
     <a:masterClrMapping/>
   </p:clrMapOvr>
-  <p:timing>
-    <p:tnLst>
-      <p:par>
-        <p:cTn xmlns:p14="http://schemas.microsoft.com/office/powerpoint/2010/main" id="1" dur="indefinite" restart="never" nodeType="tmRoot"/>
-      </p:par>
-    </p:tnLst>
-  </p:timing>
 </p:sld>
 </file>
 

--- a/Lecture Slides/Lab02-Eagle-Packages.pptx
+++ b/Lecture Slides/Lab02-Eagle-Packages.pptx
@@ -10,17 +10,17 @@
   <p:sldIdLst>
     <p:sldId id="256" r:id="rId2"/>
     <p:sldId id="265" r:id="rId3"/>
-    <p:sldId id="267" r:id="rId4"/>
-    <p:sldId id="266" r:id="rId5"/>
-    <p:sldId id="264" r:id="rId6"/>
-    <p:sldId id="257" r:id="rId7"/>
-    <p:sldId id="258" r:id="rId8"/>
-    <p:sldId id="260" r:id="rId9"/>
-    <p:sldId id="261" r:id="rId10"/>
-    <p:sldId id="263" r:id="rId11"/>
-    <p:sldId id="262" r:id="rId12"/>
-    <p:sldId id="268" r:id="rId13"/>
-    <p:sldId id="269" r:id="rId14"/>
+    <p:sldId id="264" r:id="rId4"/>
+    <p:sldId id="257" r:id="rId5"/>
+    <p:sldId id="258" r:id="rId6"/>
+    <p:sldId id="266" r:id="rId7"/>
+    <p:sldId id="260" r:id="rId8"/>
+    <p:sldId id="261" r:id="rId9"/>
+    <p:sldId id="263" r:id="rId10"/>
+    <p:sldId id="262" r:id="rId11"/>
+    <p:sldId id="268" r:id="rId12"/>
+    <p:sldId id="269" r:id="rId13"/>
+    <p:sldId id="267" r:id="rId14"/>
   </p:sldIdLst>
   <p:sldSz cx="9144000" cy="6858000" type="screen4x3"/>
   <p:notesSz cx="6858000" cy="9144000"/>
@@ -220,7 +220,7 @@
           <a:p>
             <a:fld id="{6047C4F8-16F2-034F-B62C-E7DA00D65955}" type="datetimeFigureOut">
               <a:rPr lang="en-US" smtClean="0"/>
-              <a:t>3/30/18</a:t>
+              <a:t>4/5/18</a:t>
             </a:fld>
             <a:endParaRPr lang="en-US"/>
           </a:p>
@@ -669,7 +669,7 @@
           <a:p>
             <a:fld id="{D7CD8825-7C65-DE49-B151-1F6315860DA4}" type="datetimeFigureOut">
               <a:rPr lang="en-US" smtClean="0"/>
-              <a:t>3/30/18</a:t>
+              <a:t>4/5/18</a:t>
             </a:fld>
             <a:endParaRPr lang="en-US"/>
           </a:p>
@@ -839,7 +839,7 @@
           <a:p>
             <a:fld id="{D7CD8825-7C65-DE49-B151-1F6315860DA4}" type="datetimeFigureOut">
               <a:rPr lang="en-US" smtClean="0"/>
-              <a:t>3/30/18</a:t>
+              <a:t>4/5/18</a:t>
             </a:fld>
             <a:endParaRPr lang="en-US"/>
           </a:p>
@@ -1019,7 +1019,7 @@
           <a:p>
             <a:fld id="{D7CD8825-7C65-DE49-B151-1F6315860DA4}" type="datetimeFigureOut">
               <a:rPr lang="en-US" smtClean="0"/>
-              <a:t>3/30/18</a:t>
+              <a:t>4/5/18</a:t>
             </a:fld>
             <a:endParaRPr lang="en-US"/>
           </a:p>
@@ -1189,7 +1189,7 @@
           <a:p>
             <a:fld id="{D7CD8825-7C65-DE49-B151-1F6315860DA4}" type="datetimeFigureOut">
               <a:rPr lang="en-US" smtClean="0"/>
-              <a:t>3/30/18</a:t>
+              <a:t>4/5/18</a:t>
             </a:fld>
             <a:endParaRPr lang="en-US"/>
           </a:p>
@@ -1435,7 +1435,7 @@
           <a:p>
             <a:fld id="{D7CD8825-7C65-DE49-B151-1F6315860DA4}" type="datetimeFigureOut">
               <a:rPr lang="en-US" smtClean="0"/>
-              <a:t>3/30/18</a:t>
+              <a:t>4/5/18</a:t>
             </a:fld>
             <a:endParaRPr lang="en-US"/>
           </a:p>
@@ -1723,7 +1723,7 @@
           <a:p>
             <a:fld id="{D7CD8825-7C65-DE49-B151-1F6315860DA4}" type="datetimeFigureOut">
               <a:rPr lang="en-US" smtClean="0"/>
-              <a:t>3/30/18</a:t>
+              <a:t>4/5/18</a:t>
             </a:fld>
             <a:endParaRPr lang="en-US"/>
           </a:p>
@@ -2145,7 +2145,7 @@
           <a:p>
             <a:fld id="{D7CD8825-7C65-DE49-B151-1F6315860DA4}" type="datetimeFigureOut">
               <a:rPr lang="en-US" smtClean="0"/>
-              <a:t>3/30/18</a:t>
+              <a:t>4/5/18</a:t>
             </a:fld>
             <a:endParaRPr lang="en-US"/>
           </a:p>
@@ -2263,7 +2263,7 @@
           <a:p>
             <a:fld id="{D7CD8825-7C65-DE49-B151-1F6315860DA4}" type="datetimeFigureOut">
               <a:rPr lang="en-US" smtClean="0"/>
-              <a:t>3/30/18</a:t>
+              <a:t>4/5/18</a:t>
             </a:fld>
             <a:endParaRPr lang="en-US"/>
           </a:p>
@@ -2358,7 +2358,7 @@
           <a:p>
             <a:fld id="{D7CD8825-7C65-DE49-B151-1F6315860DA4}" type="datetimeFigureOut">
               <a:rPr lang="en-US" smtClean="0"/>
-              <a:t>3/30/18</a:t>
+              <a:t>4/5/18</a:t>
             </a:fld>
             <a:endParaRPr lang="en-US"/>
           </a:p>
@@ -2635,7 +2635,7 @@
           <a:p>
             <a:fld id="{D7CD8825-7C65-DE49-B151-1F6315860DA4}" type="datetimeFigureOut">
               <a:rPr lang="en-US" smtClean="0"/>
-              <a:t>3/30/18</a:t>
+              <a:t>4/5/18</a:t>
             </a:fld>
             <a:endParaRPr lang="en-US"/>
           </a:p>
@@ -2888,7 +2888,7 @@
           <a:p>
             <a:fld id="{D7CD8825-7C65-DE49-B151-1F6315860DA4}" type="datetimeFigureOut">
               <a:rPr lang="en-US" smtClean="0"/>
-              <a:t>3/30/18</a:t>
+              <a:t>4/5/18</a:t>
             </a:fld>
             <a:endParaRPr lang="en-US"/>
           </a:p>
@@ -3101,7 +3101,7 @@
           <a:p>
             <a:fld id="{D7CD8825-7C65-DE49-B151-1F6315860DA4}" type="datetimeFigureOut">
               <a:rPr lang="en-US" smtClean="0"/>
-              <a:t>3/30/18</a:t>
+              <a:t>4/5/18</a:t>
             </a:fld>
             <a:endParaRPr lang="en-US"/>
           </a:p>
@@ -3559,308 +3559,6 @@
         </p:nvSpPr>
         <p:spPr/>
         <p:txBody>
-          <a:bodyPr>
-            <a:normAutofit/>
-          </a:bodyPr>
-          <a:lstStyle/>
-          <a:p>
-            <a:r>
-              <a:rPr lang="en-US" dirty="0"/>
-              <a:t>Device Example: LED</a:t>
-            </a:r>
-          </a:p>
-        </p:txBody>
-      </p:sp>
-      <p:sp>
-        <p:nvSpPr>
-          <p:cNvPr id="3" name="Content Placeholder 2"/>
-          <p:cNvSpPr>
-            <a:spLocks noGrp="1"/>
-          </p:cNvSpPr>
-          <p:nvPr>
-            <p:ph idx="1"/>
-          </p:nvPr>
-        </p:nvSpPr>
-        <p:spPr/>
-        <p:txBody>
-          <a:bodyPr/>
-          <a:lstStyle/>
-          <a:p>
-            <a:pPr marL="0" indent="0">
-              <a:buNone/>
-            </a:pPr>
-            <a:endParaRPr lang="en-US" dirty="0"/>
-          </a:p>
-        </p:txBody>
-      </p:sp>
-      <p:pic>
-        <p:nvPicPr>
-          <p:cNvPr id="5" name="Picture 4"/>
-          <p:cNvPicPr>
-            <a:picLocks noChangeAspect="1"/>
-          </p:cNvPicPr>
-          <p:nvPr/>
-        </p:nvPicPr>
-        <p:blipFill>
-          <a:blip r:embed="rId2"/>
-          <a:stretch>
-            <a:fillRect/>
-          </a:stretch>
-        </p:blipFill>
-        <p:spPr>
-          <a:xfrm>
-            <a:off x="457200" y="2578637"/>
-            <a:ext cx="1524000" cy="2171700"/>
-          </a:xfrm>
-          <a:prstGeom prst="rect">
-            <a:avLst/>
-          </a:prstGeom>
-        </p:spPr>
-      </p:pic>
-      <p:pic>
-        <p:nvPicPr>
-          <p:cNvPr id="6" name="Picture 5"/>
-          <p:cNvPicPr>
-            <a:picLocks noChangeAspect="1"/>
-          </p:cNvPicPr>
-          <p:nvPr/>
-        </p:nvPicPr>
-        <p:blipFill>
-          <a:blip r:embed="rId3"/>
-          <a:stretch>
-            <a:fillRect/>
-          </a:stretch>
-        </p:blipFill>
-        <p:spPr>
-          <a:xfrm>
-            <a:off x="6406384" y="1406529"/>
-            <a:ext cx="2214628" cy="1018099"/>
-          </a:xfrm>
-          <a:prstGeom prst="rect">
-            <a:avLst/>
-          </a:prstGeom>
-        </p:spPr>
-      </p:pic>
-      <p:pic>
-        <p:nvPicPr>
-          <p:cNvPr id="7" name="Picture 6"/>
-          <p:cNvPicPr>
-            <a:picLocks noChangeAspect="1"/>
-          </p:cNvPicPr>
-          <p:nvPr/>
-        </p:nvPicPr>
-        <p:blipFill>
-          <a:blip r:embed="rId4"/>
-          <a:stretch>
-            <a:fillRect/>
-          </a:stretch>
-        </p:blipFill>
-        <p:spPr>
-          <a:xfrm rot="5400000">
-            <a:off x="3992282" y="4520689"/>
-            <a:ext cx="934132" cy="2036198"/>
-          </a:xfrm>
-          <a:prstGeom prst="rect">
-            <a:avLst/>
-          </a:prstGeom>
-        </p:spPr>
-      </p:pic>
-      <p:pic>
-        <p:nvPicPr>
-          <p:cNvPr id="8" name="Picture 7"/>
-          <p:cNvPicPr>
-            <a:picLocks noChangeAspect="1"/>
-          </p:cNvPicPr>
-          <p:nvPr/>
-        </p:nvPicPr>
-        <p:blipFill>
-          <a:blip r:embed="rId5"/>
-          <a:stretch>
-            <a:fillRect/>
-          </a:stretch>
-        </p:blipFill>
-        <p:spPr>
-          <a:xfrm>
-            <a:off x="6005337" y="2755535"/>
-            <a:ext cx="2991323" cy="1437934"/>
-          </a:xfrm>
-          <a:prstGeom prst="rect">
-            <a:avLst/>
-          </a:prstGeom>
-        </p:spPr>
-      </p:pic>
-      <p:pic>
-        <p:nvPicPr>
-          <p:cNvPr id="9" name="Picture 8"/>
-          <p:cNvPicPr>
-            <a:picLocks noChangeAspect="1"/>
-          </p:cNvPicPr>
-          <p:nvPr/>
-        </p:nvPicPr>
-        <p:blipFill>
-          <a:blip r:embed="rId6"/>
-          <a:stretch>
-            <a:fillRect/>
-          </a:stretch>
-        </p:blipFill>
-        <p:spPr>
-          <a:xfrm>
-            <a:off x="6157615" y="4587908"/>
-            <a:ext cx="2853514" cy="1503533"/>
-          </a:xfrm>
-          <a:prstGeom prst="rect">
-            <a:avLst/>
-          </a:prstGeom>
-        </p:spPr>
-      </p:pic>
-      <p:pic>
-        <p:nvPicPr>
-          <p:cNvPr id="10" name="Picture 9"/>
-          <p:cNvPicPr>
-            <a:picLocks noChangeAspect="1"/>
-          </p:cNvPicPr>
-          <p:nvPr/>
-        </p:nvPicPr>
-        <p:blipFill>
-          <a:blip r:embed="rId7"/>
-          <a:stretch>
-            <a:fillRect/>
-          </a:stretch>
-        </p:blipFill>
-        <p:spPr>
-          <a:xfrm>
-            <a:off x="4108130" y="2047181"/>
-            <a:ext cx="1432686" cy="1416708"/>
-          </a:xfrm>
-          <a:prstGeom prst="rect">
-            <a:avLst/>
-          </a:prstGeom>
-        </p:spPr>
-      </p:pic>
-      <p:pic>
-        <p:nvPicPr>
-          <p:cNvPr id="11" name="Picture 10"/>
-          <p:cNvPicPr>
-            <a:picLocks noChangeAspect="1"/>
-          </p:cNvPicPr>
-          <p:nvPr/>
-        </p:nvPicPr>
-        <p:blipFill>
-          <a:blip r:embed="rId8"/>
-          <a:stretch>
-            <a:fillRect/>
-          </a:stretch>
-        </p:blipFill>
-        <p:spPr>
-          <a:xfrm>
-            <a:off x="4329829" y="3906537"/>
-            <a:ext cx="792438" cy="843800"/>
-          </a:xfrm>
-          <a:prstGeom prst="rect">
-            <a:avLst/>
-          </a:prstGeom>
-        </p:spPr>
-      </p:pic>
-      <p:sp>
-        <p:nvSpPr>
-          <p:cNvPr id="12" name="TextBox 11"/>
-          <p:cNvSpPr txBox="1"/>
-          <p:nvPr/>
-        </p:nvSpPr>
-        <p:spPr>
-          <a:xfrm>
-            <a:off x="571500" y="4714058"/>
-            <a:ext cx="2197236" cy="584776"/>
-          </a:xfrm>
-          <a:prstGeom prst="rect">
-            <a:avLst/>
-          </a:prstGeom>
-          <a:noFill/>
-        </p:spPr>
-        <p:txBody>
-          <a:bodyPr wrap="none" rtlCol="0">
-            <a:spAutoFit/>
-          </a:bodyPr>
-          <a:lstStyle/>
-          <a:p>
-            <a:r>
-              <a:rPr lang="en-US" sz="3200" dirty="0"/>
-              <a:t>One Symbol</a:t>
-            </a:r>
-          </a:p>
-        </p:txBody>
-      </p:sp>
-      <p:sp>
-        <p:nvSpPr>
-          <p:cNvPr id="13" name="TextBox 12"/>
-          <p:cNvSpPr txBox="1"/>
-          <p:nvPr/>
-        </p:nvSpPr>
-        <p:spPr>
-          <a:xfrm>
-            <a:off x="5477447" y="6126163"/>
-            <a:ext cx="2749270" cy="584776"/>
-          </a:xfrm>
-          <a:prstGeom prst="rect">
-            <a:avLst/>
-          </a:prstGeom>
-          <a:noFill/>
-        </p:spPr>
-        <p:txBody>
-          <a:bodyPr wrap="none" rtlCol="0">
-            <a:spAutoFit/>
-          </a:bodyPr>
-          <a:lstStyle/>
-          <a:p>
-            <a:r>
-              <a:rPr lang="en-US" sz="3200" dirty="0"/>
-              <a:t>Many Packages</a:t>
-            </a:r>
-          </a:p>
-        </p:txBody>
-      </p:sp>
-    </p:spTree>
-    <p:extLst>
-      <p:ext uri="{BB962C8B-B14F-4D97-AF65-F5344CB8AC3E}">
-        <p14:creationId xmlns:p14="http://schemas.microsoft.com/office/powerpoint/2010/main" val="1304726912"/>
-      </p:ext>
-    </p:extLst>
-  </p:cSld>
-  <p:clrMapOvr>
-    <a:masterClrMapping/>
-  </p:clrMapOvr>
-</p:sld>
-</file>
-
-<file path=ppt/slides/slide11.xml><?xml version="1.0" encoding="utf-8"?>
-<p:sld xmlns:a="http://schemas.openxmlformats.org/drawingml/2006/main" xmlns:r="http://schemas.openxmlformats.org/officeDocument/2006/relationships" xmlns:p="http://schemas.openxmlformats.org/presentationml/2006/main">
-  <p:cSld>
-    <p:spTree>
-      <p:nvGrpSpPr>
-        <p:cNvPr id="1" name=""/>
-        <p:cNvGrpSpPr/>
-        <p:nvPr/>
-      </p:nvGrpSpPr>
-      <p:grpSpPr>
-        <a:xfrm>
-          <a:off x="0" y="0"/>
-          <a:ext cx="0" cy="0"/>
-          <a:chOff x="0" y="0"/>
-          <a:chExt cx="0" cy="0"/>
-        </a:xfrm>
-      </p:grpSpPr>
-      <p:sp>
-        <p:nvSpPr>
-          <p:cNvPr id="2" name="Title 1"/>
-          <p:cNvSpPr>
-            <a:spLocks noGrp="1"/>
-          </p:cNvSpPr>
-          <p:nvPr>
-            <p:ph type="title"/>
-          </p:nvPr>
-        </p:nvSpPr>
-        <p:spPr/>
-        <p:txBody>
           <a:bodyPr/>
           <a:lstStyle/>
           <a:p>
@@ -4005,6 +3703,153 @@
 </p:sld>
 </file>
 
+<file path=ppt/slides/slide11.xml><?xml version="1.0" encoding="utf-8"?>
+<p:sld xmlns:a="http://schemas.openxmlformats.org/drawingml/2006/main" xmlns:r="http://schemas.openxmlformats.org/officeDocument/2006/relationships" xmlns:p="http://schemas.openxmlformats.org/presentationml/2006/main">
+  <p:cSld>
+    <p:spTree>
+      <p:nvGrpSpPr>
+        <p:cNvPr id="1" name=""/>
+        <p:cNvGrpSpPr/>
+        <p:nvPr/>
+      </p:nvGrpSpPr>
+      <p:grpSpPr>
+        <a:xfrm>
+          <a:off x="0" y="0"/>
+          <a:ext cx="0" cy="0"/>
+          <a:chOff x="0" y="0"/>
+          <a:chExt cx="0" cy="0"/>
+        </a:xfrm>
+      </p:grpSpPr>
+      <p:sp>
+        <p:nvSpPr>
+          <p:cNvPr id="2" name="Title 1">
+            <a:extLst>
+              <a:ext uri="{FF2B5EF4-FFF2-40B4-BE49-F238E27FC236}">
+                <a16:creationId xmlns:a16="http://schemas.microsoft.com/office/drawing/2014/main" id="{EE590A5A-5827-5D41-8422-580208E1A42D}"/>
+              </a:ext>
+            </a:extLst>
+          </p:cNvPr>
+          <p:cNvSpPr>
+            <a:spLocks noGrp="1"/>
+          </p:cNvSpPr>
+          <p:nvPr>
+            <p:ph type="title"/>
+          </p:nvPr>
+        </p:nvSpPr>
+        <p:spPr/>
+        <p:txBody>
+          <a:bodyPr/>
+          <a:lstStyle/>
+          <a:p>
+            <a:r>
+              <a:rPr lang="en-US" dirty="0"/>
+              <a:t>Demo and Lab Walk Through</a:t>
+            </a:r>
+          </a:p>
+        </p:txBody>
+      </p:sp>
+      <p:sp>
+        <p:nvSpPr>
+          <p:cNvPr id="3" name="Content Placeholder 2">
+            <a:extLst>
+              <a:ext uri="{FF2B5EF4-FFF2-40B4-BE49-F238E27FC236}">
+                <a16:creationId xmlns:a16="http://schemas.microsoft.com/office/drawing/2014/main" id="{A6C5E70A-91B5-6649-877B-B497D65F7C48}"/>
+              </a:ext>
+            </a:extLst>
+          </p:cNvPr>
+          <p:cNvSpPr>
+            <a:spLocks noGrp="1"/>
+          </p:cNvSpPr>
+          <p:nvPr>
+            <p:ph idx="1"/>
+          </p:nvPr>
+        </p:nvSpPr>
+        <p:spPr/>
+        <p:txBody>
+          <a:bodyPr>
+            <a:normAutofit lnSpcReduction="10000"/>
+          </a:bodyPr>
+          <a:lstStyle/>
+          <a:p>
+            <a:r>
+              <a:rPr lang="en-US" dirty="0" err="1"/>
+              <a:t>Datesheets</a:t>
+            </a:r>
+            <a:endParaRPr lang="en-US" dirty="0"/>
+          </a:p>
+          <a:p>
+            <a:r>
+              <a:rPr lang="en-US" dirty="0" err="1"/>
+              <a:t>Mosfet</a:t>
+            </a:r>
+            <a:endParaRPr lang="en-US" dirty="0"/>
+          </a:p>
+          <a:p>
+            <a:pPr lvl="1"/>
+            <a:r>
+              <a:rPr lang="en-US" dirty="0"/>
+              <a:t>Symbol</a:t>
+            </a:r>
+          </a:p>
+          <a:p>
+            <a:pPr lvl="1"/>
+            <a:r>
+              <a:rPr lang="en-US" dirty="0"/>
+              <a:t>Package – special guidelines</a:t>
+            </a:r>
+          </a:p>
+          <a:p>
+            <a:pPr lvl="1"/>
+            <a:r>
+              <a:rPr lang="en-US" dirty="0"/>
+              <a:t>Device</a:t>
+            </a:r>
+          </a:p>
+          <a:p>
+            <a:r>
+              <a:rPr lang="en-US" dirty="0"/>
+              <a:t>IMU</a:t>
+            </a:r>
+          </a:p>
+          <a:p>
+            <a:pPr lvl="1"/>
+            <a:r>
+              <a:rPr lang="en-US" dirty="0"/>
+              <a:t>Symbol </a:t>
+            </a:r>
+          </a:p>
+          <a:p>
+            <a:pPr lvl="1"/>
+            <a:r>
+              <a:rPr lang="en-US" dirty="0"/>
+              <a:t>Package</a:t>
+            </a:r>
+          </a:p>
+          <a:p>
+            <a:pPr lvl="1"/>
+            <a:r>
+              <a:rPr lang="en-US" dirty="0"/>
+              <a:t>Device</a:t>
+            </a:r>
+          </a:p>
+          <a:p>
+            <a:endParaRPr lang="en-US" dirty="0"/>
+          </a:p>
+        </p:txBody>
+      </p:sp>
+    </p:spTree>
+    <p:extLst>
+      <p:ext uri="{BB962C8B-B14F-4D97-AF65-F5344CB8AC3E}">
+        <p14:creationId xmlns:p14="http://schemas.microsoft.com/office/powerpoint/2010/main" val="2135209098"/>
+      </p:ext>
+    </p:extLst>
+  </p:cSld>
+  <p:clrMapOvr>
+    <a:masterClrMapping/>
+  </p:clrMapOvr>
+</p:sld>
+</file>
+
 <file path=ppt/slides/slide12.xml><?xml version="1.0" encoding="utf-8"?>
 <p:sld xmlns:a="http://schemas.openxmlformats.org/drawingml/2006/main" xmlns:r="http://schemas.openxmlformats.org/officeDocument/2006/relationships" xmlns:p="http://schemas.openxmlformats.org/presentationml/2006/main">
   <p:cSld>
@@ -4027,7 +3872,7 @@
           <p:cNvPr id="2" name="Title 1">
             <a:extLst>
               <a:ext uri="{FF2B5EF4-FFF2-40B4-BE49-F238E27FC236}">
-                <a16:creationId xmlns:a16="http://schemas.microsoft.com/office/drawing/2014/main" id="{EE590A5A-5827-5D41-8422-580208E1A42D}"/>
+                <a16:creationId xmlns:a16="http://schemas.microsoft.com/office/drawing/2014/main" id="{3C32EFE4-0D0C-164D-B930-40273F5CA744}"/>
               </a:ext>
             </a:extLst>
           </p:cNvPr>
@@ -4045,7 +3890,7 @@
           <a:p>
             <a:r>
               <a:rPr lang="en-US" dirty="0"/>
-              <a:t>Demo and Lab Walk Through</a:t>
+              <a:t>Notes about particular parts</a:t>
             </a:r>
           </a:p>
         </p:txBody>
@@ -4055,7 +3900,7 @@
           <p:cNvPr id="3" name="Content Placeholder 2">
             <a:extLst>
               <a:ext uri="{FF2B5EF4-FFF2-40B4-BE49-F238E27FC236}">
-                <a16:creationId xmlns:a16="http://schemas.microsoft.com/office/drawing/2014/main" id="{A6C5E70A-91B5-6649-877B-B497D65F7C48}"/>
+                <a16:creationId xmlns:a16="http://schemas.microsoft.com/office/drawing/2014/main" id="{A3A54C58-DE5B-B248-9824-671890FC06E7}"/>
               </a:ext>
             </a:extLst>
           </p:cNvPr>
@@ -4078,7 +3923,7 @@
     </p:spTree>
     <p:extLst>
       <p:ext uri="{BB962C8B-B14F-4D97-AF65-F5344CB8AC3E}">
-        <p14:creationId xmlns:p14="http://schemas.microsoft.com/office/powerpoint/2010/main" val="2135209098"/>
+        <p14:creationId xmlns:p14="http://schemas.microsoft.com/office/powerpoint/2010/main" val="1606292332"/>
       </p:ext>
     </p:extLst>
   </p:cSld>
@@ -4107,61 +3952,149 @@
       </p:grpSpPr>
       <p:sp>
         <p:nvSpPr>
-          <p:cNvPr id="2" name="Title 1">
+          <p:cNvPr id="2" name="Title 1"/>
+          <p:cNvSpPr>
+            <a:spLocks noGrp="1"/>
+          </p:cNvSpPr>
+          <p:nvPr>
+            <p:ph type="title"/>
+          </p:nvPr>
+        </p:nvSpPr>
+        <p:spPr/>
+        <p:txBody>
+          <a:bodyPr/>
+          <a:lstStyle/>
+          <a:p>
+            <a:r>
+              <a:rPr lang="en-US" dirty="0"/>
+              <a:t>TODO	</a:t>
+            </a:r>
+          </a:p>
+        </p:txBody>
+      </p:sp>
+      <p:sp>
+        <p:nvSpPr>
+          <p:cNvPr id="3" name="Content Placeholder 2"/>
+          <p:cNvSpPr>
+            <a:spLocks noGrp="1"/>
+          </p:cNvSpPr>
+          <p:nvPr>
+            <p:ph idx="1"/>
+          </p:nvPr>
+        </p:nvSpPr>
+        <p:spPr/>
+        <p:txBody>
+          <a:bodyPr>
+            <a:normAutofit lnSpcReduction="10000"/>
+          </a:bodyPr>
+          <a:lstStyle/>
+          <a:p>
+            <a:r>
+              <a:rPr lang="en-US" dirty="0"/>
+              <a:t>Add slides for:</a:t>
+            </a:r>
+          </a:p>
+          <a:p>
+            <a:pPr lvl="1"/>
+            <a:r>
+              <a:rPr lang="en-US" dirty="0"/>
+              <a:t>Datasheets</a:t>
+            </a:r>
+          </a:p>
+          <a:p>
+            <a:pPr lvl="1"/>
+            <a:r>
+              <a:rPr lang="en-US" dirty="0"/>
+              <a:t>SMD </a:t>
+            </a:r>
+            <a:r>
+              <a:rPr lang="en-US" dirty="0" err="1"/>
+              <a:t>vs</a:t>
+            </a:r>
+            <a:r>
+              <a:rPr lang="en-US" dirty="0"/>
+              <a:t> Through holes</a:t>
+            </a:r>
+          </a:p>
+          <a:p>
+            <a:pPr lvl="1"/>
+            <a:r>
+              <a:rPr lang="en-US" dirty="0"/>
+              <a:t>Eagle PAD/SMD terminology.</a:t>
+            </a:r>
+          </a:p>
+          <a:p>
+            <a:pPr lvl="1"/>
+            <a:r>
+              <a:rPr lang="en-US" dirty="0"/>
+              <a:t>Flow chart/illustrations of assembly process.</a:t>
+            </a:r>
+          </a:p>
+          <a:p>
+            <a:pPr lvl="1"/>
+            <a:r>
+              <a:rPr lang="en-US" dirty="0"/>
+              <a:t>Anatomy of solder joint (showing meniscus)</a:t>
+            </a:r>
+          </a:p>
+          <a:p>
+            <a:pPr lvl="1"/>
+            <a:r>
+              <a:rPr lang="en-US" dirty="0"/>
+              <a:t>Side view of board + paste + component.</a:t>
+            </a:r>
+          </a:p>
+          <a:p>
+            <a:pPr lvl="1"/>
+            <a:r>
+              <a:rPr lang="en-US" dirty="0"/>
+              <a:t>Problems with IMU pads being in accessible.</a:t>
+            </a:r>
+          </a:p>
+          <a:p>
+            <a:pPr lvl="1"/>
+            <a:r>
+              <a:rPr lang="en-US"/>
+              <a:t>Data sheet demo.</a:t>
+            </a:r>
+            <a:endParaRPr lang="en-US" dirty="0"/>
+          </a:p>
+        </p:txBody>
+      </p:sp>
+      <p:pic>
+        <p:nvPicPr>
+          <p:cNvPr id="4" name="Picture 3">
             <a:extLst>
               <a:ext uri="{FF2B5EF4-FFF2-40B4-BE49-F238E27FC236}">
-                <a16:creationId xmlns:a16="http://schemas.microsoft.com/office/drawing/2014/main" id="{3C32EFE4-0D0C-164D-B930-40273F5CA744}"/>
+                <a16:creationId xmlns:a16="http://schemas.microsoft.com/office/drawing/2014/main" id="{9DD48344-8019-BD4E-A8B2-FCC9A05955C1}"/>
               </a:ext>
             </a:extLst>
           </p:cNvPr>
-          <p:cNvSpPr>
-            <a:spLocks noGrp="1"/>
-          </p:cNvSpPr>
-          <p:nvPr>
-            <p:ph type="title"/>
-          </p:nvPr>
-        </p:nvSpPr>
-        <p:spPr/>
-        <p:txBody>
-          <a:bodyPr/>
-          <a:lstStyle/>
-          <a:p>
-            <a:r>
-              <a:rPr lang="en-US" dirty="0"/>
-              <a:t>Notes about particular parts</a:t>
-            </a:r>
-          </a:p>
-        </p:txBody>
-      </p:sp>
-      <p:sp>
-        <p:nvSpPr>
-          <p:cNvPr id="3" name="Content Placeholder 2">
-            <a:extLst>
-              <a:ext uri="{FF2B5EF4-FFF2-40B4-BE49-F238E27FC236}">
-                <a16:creationId xmlns:a16="http://schemas.microsoft.com/office/drawing/2014/main" id="{A3A54C58-DE5B-B248-9824-671890FC06E7}"/>
-              </a:ext>
-            </a:extLst>
-          </p:cNvPr>
-          <p:cNvSpPr>
-            <a:spLocks noGrp="1"/>
-          </p:cNvSpPr>
-          <p:nvPr>
-            <p:ph idx="1"/>
-          </p:nvPr>
-        </p:nvSpPr>
-        <p:spPr/>
-        <p:txBody>
-          <a:bodyPr/>
-          <a:lstStyle/>
-          <a:p>
-            <a:endParaRPr lang="en-US"/>
-          </a:p>
-        </p:txBody>
-      </p:sp>
+          <p:cNvPicPr>
+            <a:picLocks noChangeAspect="1"/>
+          </p:cNvPicPr>
+          <p:nvPr/>
+        </p:nvPicPr>
+        <p:blipFill>
+          <a:blip r:embed="rId2"/>
+          <a:stretch>
+            <a:fillRect/>
+          </a:stretch>
+        </p:blipFill>
+        <p:spPr>
+          <a:xfrm>
+            <a:off x="9144000" y="1417638"/>
+            <a:ext cx="6083300" cy="4864100"/>
+          </a:xfrm>
+          <a:prstGeom prst="rect">
+            <a:avLst/>
+          </a:prstGeom>
+        </p:spPr>
+      </p:pic>
     </p:spTree>
     <p:extLst>
       <p:ext uri="{BB962C8B-B14F-4D97-AF65-F5344CB8AC3E}">
-        <p14:creationId xmlns:p14="http://schemas.microsoft.com/office/powerpoint/2010/main" val="1606292332"/>
+        <p14:creationId xmlns:p14="http://schemas.microsoft.com/office/powerpoint/2010/main" val="409850314"/>
       </p:ext>
     </p:extLst>
   </p:cSld>
@@ -4293,7 +4226,7 @@
           <a:p>
             <a:r>
               <a:rPr lang="en-US" dirty="0"/>
-              <a:t>TODO	</a:t>
+              <a:t>PCB Libraries</a:t>
             </a:r>
           </a:p>
         </p:txBody>
@@ -4311,116 +4244,68 @@
         <p:spPr/>
         <p:txBody>
           <a:bodyPr>
-            <a:normAutofit lnSpcReduction="10000"/>
+            <a:normAutofit fontScale="92500" lnSpcReduction="20000"/>
           </a:bodyPr>
           <a:lstStyle/>
           <a:p>
             <a:r>
               <a:rPr lang="en-US" dirty="0"/>
-              <a:t>Add slides for:</a:t>
+              <a:t>To use a part on a PCB, you need a library entry for it</a:t>
             </a:r>
           </a:p>
           <a:p>
             <a:pPr lvl="1"/>
             <a:r>
               <a:rPr lang="en-US" dirty="0"/>
-              <a:t>Datasheets</a:t>
+              <a:t>Physical/mechanical information for the board</a:t>
             </a:r>
           </a:p>
           <a:p>
             <a:pPr lvl="1"/>
             <a:r>
               <a:rPr lang="en-US" dirty="0"/>
-              <a:t>SMD </a:t>
-            </a:r>
-            <a:r>
-              <a:rPr lang="en-US" dirty="0" err="1"/>
-              <a:t>vs</a:t>
-            </a:r>
+              <a:t>Logical/electrical information for the schematic</a:t>
+            </a:r>
+          </a:p>
+          <a:p>
+            <a:pPr lvl="1"/>
             <a:r>
               <a:rPr lang="en-US" dirty="0"/>
-              <a:t> Through holes</a:t>
+              <a:t>Mapping between the two</a:t>
             </a:r>
           </a:p>
           <a:p>
             <a:pPr lvl="1"/>
             <a:r>
               <a:rPr lang="en-US" dirty="0"/>
-              <a:t>Eagle PAD/SMD terminology.</a:t>
+              <a:t>Metadata</a:t>
+            </a:r>
+          </a:p>
+          <a:p>
+            <a:r>
+              <a:rPr lang="en-US" dirty="0"/>
+              <a:t>A well designed library, will make your life much, much easier.</a:t>
+            </a:r>
+          </a:p>
+          <a:p>
+            <a:r>
+              <a:rPr lang="en-US" dirty="0"/>
+              <a:t>There are lots of libraries are the internet</a:t>
             </a:r>
           </a:p>
           <a:p>
             <a:pPr lvl="1"/>
             <a:r>
               <a:rPr lang="en-US" dirty="0"/>
-              <a:t>Flow chart/illustrations of assembly process.</a:t>
-            </a:r>
-          </a:p>
-          <a:p>
-            <a:pPr lvl="1"/>
-            <a:r>
-              <a:rPr lang="en-US" dirty="0"/>
-              <a:t>Anatomy of solder joint (showing meniscus)</a:t>
-            </a:r>
-          </a:p>
-          <a:p>
-            <a:pPr lvl="1"/>
-            <a:r>
-              <a:rPr lang="en-US" dirty="0"/>
-              <a:t>Side view of board + paste + component.</a:t>
-            </a:r>
-          </a:p>
-          <a:p>
-            <a:pPr lvl="1"/>
-            <a:r>
-              <a:rPr lang="en-US" dirty="0"/>
-              <a:t>Problems with IMU pads being in accessible.</a:t>
-            </a:r>
-          </a:p>
-          <a:p>
-            <a:pPr lvl="1"/>
-            <a:r>
-              <a:rPr lang="en-US"/>
-              <a:t>Data sheet demo.</a:t>
-            </a:r>
-            <a:endParaRPr lang="en-US" dirty="0"/>
-          </a:p>
-        </p:txBody>
-      </p:sp>
-      <p:pic>
-        <p:nvPicPr>
-          <p:cNvPr id="4" name="Picture 3">
-            <a:extLst>
-              <a:ext uri="{FF2B5EF4-FFF2-40B4-BE49-F238E27FC236}">
-                <a16:creationId xmlns:a16="http://schemas.microsoft.com/office/drawing/2014/main" id="{9DD48344-8019-BD4E-A8B2-FCC9A05955C1}"/>
-              </a:ext>
-            </a:extLst>
-          </p:cNvPr>
-          <p:cNvPicPr>
-            <a:picLocks noChangeAspect="1"/>
-          </p:cNvPicPr>
-          <p:nvPr/>
-        </p:nvPicPr>
-        <p:blipFill>
-          <a:blip r:embed="rId2"/>
-          <a:stretch>
-            <a:fillRect/>
-          </a:stretch>
-        </p:blipFill>
-        <p:spPr>
-          <a:xfrm>
-            <a:off x="9144000" y="1417638"/>
-            <a:ext cx="6083300" cy="4864100"/>
-          </a:xfrm>
-          <a:prstGeom prst="rect">
-            <a:avLst/>
-          </a:prstGeom>
-        </p:spPr>
-      </p:pic>
+              <a:t>Some are good, some are bad, some a poor match for what we need.</a:t>
+            </a:r>
+          </a:p>
+        </p:txBody>
+      </p:sp>
     </p:spTree>
     <p:extLst>
       <p:ext uri="{BB962C8B-B14F-4D97-AF65-F5344CB8AC3E}">
-        <p14:creationId xmlns:p14="http://schemas.microsoft.com/office/powerpoint/2010/main" val="409850314"/>
+        <p14:creationId xmlns:p14="http://schemas.microsoft.com/office/powerpoint/2010/main" val="667542074"/>
       </p:ext>
     </p:extLst>
   </p:cSld>
@@ -4462,48 +4347,674 @@
           <a:bodyPr/>
           <a:lstStyle/>
           <a:p>
-            <a:r>
-              <a:rPr lang="en-US" dirty="0"/>
-              <a:t>Part Sizes</a:t>
-            </a:r>
+            <a:endParaRPr lang="en-US" dirty="0"/>
           </a:p>
         </p:txBody>
       </p:sp>
       <p:pic>
         <p:nvPicPr>
-          <p:cNvPr id="4" name="Content Placeholder 3"/>
+          <p:cNvPr id="6" name="Picture 5" descr="64-QFN_sml.jpg"/>
           <p:cNvPicPr>
-            <a:picLocks noGrp="1" noChangeAspect="1"/>
+            <a:picLocks noChangeAspect="1"/>
           </p:cNvPicPr>
-          <p:nvPr>
-            <p:ph idx="1"/>
-          </p:nvPr>
+          <p:nvPr/>
         </p:nvPicPr>
         <p:blipFill>
-          <a:blip r:embed="rId2"/>
-          <a:srcRect t="24933" b="24933"/>
+          <a:blip r:embed="rId2">
+            <a:extLst>
+              <a:ext uri="{28A0092B-C50C-407E-A947-70E740481C1C}">
+                <a14:useLocalDpi xmlns:a14="http://schemas.microsoft.com/office/drawing/2010/main" val="0"/>
+              </a:ext>
+            </a:extLst>
+          </a:blip>
           <a:stretch>
             <a:fillRect/>
           </a:stretch>
         </p:blipFill>
-        <p:spPr/>
-      </p:pic>
-      <p:sp>
-        <p:nvSpPr>
-          <p:cNvPr id="5" name="Rectangle 4"/>
-          <p:cNvSpPr/>
-          <p:nvPr/>
-        </p:nvSpPr>
         <p:spPr>
           <a:xfrm>
-            <a:off x="3841750" y="2778125"/>
-            <a:ext cx="2111375" cy="3348038"/>
+            <a:off x="285750" y="274638"/>
+            <a:ext cx="2540000" cy="2540000"/>
           </a:xfrm>
           <a:prstGeom prst="rect">
             <a:avLst/>
           </a:prstGeom>
+        </p:spPr>
+      </p:pic>
+      <p:pic>
+        <p:nvPicPr>
+          <p:cNvPr id="9" name="Picture 8"/>
+          <p:cNvPicPr>
+            <a:picLocks noChangeAspect="1"/>
+          </p:cNvPicPr>
+          <p:nvPr/>
+        </p:nvPicPr>
+        <p:blipFill>
+          <a:blip r:embed="rId3"/>
+          <a:stretch>
+            <a:fillRect/>
+          </a:stretch>
+        </p:blipFill>
+        <p:spPr>
+          <a:xfrm>
+            <a:off x="457200" y="3687762"/>
+            <a:ext cx="2569428" cy="2587625"/>
+          </a:xfrm>
+          <a:prstGeom prst="rect">
+            <a:avLst/>
+          </a:prstGeom>
+        </p:spPr>
+      </p:pic>
+      <p:pic>
+        <p:nvPicPr>
+          <p:cNvPr id="10" name="Picture 9"/>
+          <p:cNvPicPr>
+            <a:picLocks noChangeAspect="1"/>
+          </p:cNvPicPr>
+          <p:nvPr/>
+        </p:nvPicPr>
+        <p:blipFill>
+          <a:blip r:embed="rId4"/>
+          <a:stretch>
+            <a:fillRect/>
+          </a:stretch>
+        </p:blipFill>
+        <p:spPr>
+          <a:xfrm>
+            <a:off x="5569626" y="873124"/>
+            <a:ext cx="3574374" cy="5402263"/>
+          </a:xfrm>
+          <a:prstGeom prst="rect">
+            <a:avLst/>
+          </a:prstGeom>
+        </p:spPr>
+      </p:pic>
+      <p:cxnSp>
+        <p:nvCxnSpPr>
+          <p:cNvPr id="12" name="Straight Connector 11"/>
+          <p:cNvCxnSpPr/>
+          <p:nvPr/>
+        </p:nvCxnSpPr>
+        <p:spPr>
+          <a:xfrm flipV="1">
+            <a:off x="2978150" y="1095376"/>
+            <a:ext cx="2720975" cy="3175000"/>
+          </a:xfrm>
+          <a:prstGeom prst="line">
+            <a:avLst/>
+          </a:prstGeom>
+        </p:spPr>
+        <p:style>
+          <a:lnRef idx="2">
+            <a:schemeClr val="accent1"/>
+          </a:lnRef>
+          <a:fillRef idx="0">
+            <a:schemeClr val="accent1"/>
+          </a:fillRef>
+          <a:effectRef idx="1">
+            <a:schemeClr val="accent1"/>
+          </a:effectRef>
+          <a:fontRef idx="minor">
+            <a:schemeClr val="tx1"/>
+          </a:fontRef>
+        </p:style>
+      </p:cxnSp>
+      <p:cxnSp>
+        <p:nvCxnSpPr>
+          <p:cNvPr id="15" name="Straight Connector 14"/>
+          <p:cNvCxnSpPr/>
+          <p:nvPr/>
+        </p:nvCxnSpPr>
+        <p:spPr>
+          <a:xfrm flipV="1">
+            <a:off x="2978150" y="1247775"/>
+            <a:ext cx="2720975" cy="3175002"/>
+          </a:xfrm>
+          <a:prstGeom prst="line">
+            <a:avLst/>
+          </a:prstGeom>
+        </p:spPr>
+        <p:style>
+          <a:lnRef idx="2">
+            <a:schemeClr val="accent1"/>
+          </a:lnRef>
+          <a:fillRef idx="0">
+            <a:schemeClr val="accent1"/>
+          </a:fillRef>
+          <a:effectRef idx="1">
+            <a:schemeClr val="accent1"/>
+          </a:effectRef>
+          <a:fontRef idx="minor">
+            <a:schemeClr val="tx1"/>
+          </a:fontRef>
+        </p:style>
+      </p:cxnSp>
+      <p:cxnSp>
+        <p:nvCxnSpPr>
+          <p:cNvPr id="16" name="Straight Connector 15"/>
+          <p:cNvCxnSpPr/>
+          <p:nvPr/>
+        </p:nvCxnSpPr>
+        <p:spPr>
+          <a:xfrm flipV="1">
+            <a:off x="2978150" y="2651125"/>
+            <a:ext cx="2720975" cy="2047875"/>
+          </a:xfrm>
+          <a:prstGeom prst="line">
+            <a:avLst/>
+          </a:prstGeom>
+        </p:spPr>
+        <p:style>
+          <a:lnRef idx="2">
+            <a:schemeClr val="accent1"/>
+          </a:lnRef>
+          <a:fillRef idx="0">
+            <a:schemeClr val="accent1"/>
+          </a:fillRef>
+          <a:effectRef idx="1">
+            <a:schemeClr val="accent1"/>
+          </a:effectRef>
+          <a:fontRef idx="minor">
+            <a:schemeClr val="tx1"/>
+          </a:fontRef>
+        </p:style>
+      </p:cxnSp>
+      <p:cxnSp>
+        <p:nvCxnSpPr>
+          <p:cNvPr id="17" name="Straight Connector 16"/>
+          <p:cNvCxnSpPr/>
+          <p:nvPr/>
+        </p:nvCxnSpPr>
+        <p:spPr>
+          <a:xfrm flipV="1">
+            <a:off x="2978150" y="3571876"/>
+            <a:ext cx="2720975" cy="1508124"/>
+          </a:xfrm>
+          <a:prstGeom prst="line">
+            <a:avLst/>
+          </a:prstGeom>
+        </p:spPr>
+        <p:style>
+          <a:lnRef idx="2">
+            <a:schemeClr val="accent1"/>
+          </a:lnRef>
+          <a:fillRef idx="0">
+            <a:schemeClr val="accent1"/>
+          </a:fillRef>
+          <a:effectRef idx="1">
+            <a:schemeClr val="accent1"/>
+          </a:effectRef>
+          <a:fontRef idx="minor">
+            <a:schemeClr val="tx1"/>
+          </a:fontRef>
+        </p:style>
+      </p:cxnSp>
+      <p:cxnSp>
+        <p:nvCxnSpPr>
+          <p:cNvPr id="18" name="Straight Connector 17"/>
+          <p:cNvCxnSpPr/>
+          <p:nvPr/>
+        </p:nvCxnSpPr>
+        <p:spPr>
+          <a:xfrm flipV="1">
+            <a:off x="1333500" y="2206626"/>
+            <a:ext cx="4365625" cy="1603374"/>
+          </a:xfrm>
+          <a:prstGeom prst="line">
+            <a:avLst/>
+          </a:prstGeom>
+        </p:spPr>
+        <p:style>
+          <a:lnRef idx="2">
+            <a:schemeClr val="accent1"/>
+          </a:lnRef>
+          <a:fillRef idx="0">
+            <a:schemeClr val="accent1"/>
+          </a:fillRef>
+          <a:effectRef idx="1">
+            <a:schemeClr val="accent1"/>
+          </a:effectRef>
+          <a:fontRef idx="minor">
+            <a:schemeClr val="tx1"/>
+          </a:fontRef>
+        </p:style>
+      </p:cxnSp>
+      <p:cxnSp>
+        <p:nvCxnSpPr>
+          <p:cNvPr id="29" name="Straight Connector 28"/>
+          <p:cNvCxnSpPr/>
+          <p:nvPr/>
+        </p:nvCxnSpPr>
+        <p:spPr>
+          <a:xfrm flipV="1">
+            <a:off x="2978150" y="3819527"/>
+            <a:ext cx="2720975" cy="1508124"/>
+          </a:xfrm>
+          <a:prstGeom prst="line">
+            <a:avLst/>
+          </a:prstGeom>
+        </p:spPr>
+        <p:style>
+          <a:lnRef idx="2">
+            <a:schemeClr val="accent1"/>
+          </a:lnRef>
+          <a:fillRef idx="0">
+            <a:schemeClr val="accent1"/>
+          </a:fillRef>
+          <a:effectRef idx="1">
+            <a:schemeClr val="accent1"/>
+          </a:effectRef>
+          <a:fontRef idx="minor">
+            <a:schemeClr val="tx1"/>
+          </a:fontRef>
+        </p:style>
+      </p:cxnSp>
+      <p:cxnSp>
+        <p:nvCxnSpPr>
+          <p:cNvPr id="30" name="Straight Connector 29"/>
+          <p:cNvCxnSpPr/>
+          <p:nvPr/>
+        </p:nvCxnSpPr>
+        <p:spPr>
+          <a:xfrm flipV="1">
+            <a:off x="2978150" y="4029076"/>
+            <a:ext cx="2720975" cy="1508124"/>
+          </a:xfrm>
+          <a:prstGeom prst="line">
+            <a:avLst/>
+          </a:prstGeom>
+        </p:spPr>
+        <p:style>
+          <a:lnRef idx="2">
+            <a:schemeClr val="accent1"/>
+          </a:lnRef>
+          <a:fillRef idx="0">
+            <a:schemeClr val="accent1"/>
+          </a:fillRef>
+          <a:effectRef idx="1">
+            <a:schemeClr val="accent1"/>
+          </a:effectRef>
+          <a:fontRef idx="minor">
+            <a:schemeClr val="tx1"/>
+          </a:fontRef>
+        </p:style>
+      </p:cxnSp>
+      <p:cxnSp>
+        <p:nvCxnSpPr>
+          <p:cNvPr id="31" name="Straight Connector 30"/>
+          <p:cNvCxnSpPr/>
+          <p:nvPr/>
+        </p:nvCxnSpPr>
+        <p:spPr>
+          <a:xfrm flipV="1">
+            <a:off x="2978150" y="4181476"/>
+            <a:ext cx="2720975" cy="1508124"/>
+          </a:xfrm>
+          <a:prstGeom prst="line">
+            <a:avLst/>
+          </a:prstGeom>
+        </p:spPr>
+        <p:style>
+          <a:lnRef idx="2">
+            <a:schemeClr val="accent1"/>
+          </a:lnRef>
+          <a:fillRef idx="0">
+            <a:schemeClr val="accent1"/>
+          </a:fillRef>
+          <a:effectRef idx="1">
+            <a:schemeClr val="accent1"/>
+          </a:effectRef>
+          <a:fontRef idx="minor">
+            <a:schemeClr val="tx1"/>
+          </a:fontRef>
+        </p:style>
+      </p:cxnSp>
+      <p:cxnSp>
+        <p:nvCxnSpPr>
+          <p:cNvPr id="32" name="Straight Connector 31"/>
+          <p:cNvCxnSpPr/>
+          <p:nvPr/>
+        </p:nvCxnSpPr>
+        <p:spPr>
+          <a:xfrm flipV="1">
+            <a:off x="2016125" y="4422777"/>
+            <a:ext cx="3553501" cy="1784347"/>
+          </a:xfrm>
+          <a:prstGeom prst="line">
+            <a:avLst/>
+          </a:prstGeom>
+        </p:spPr>
+        <p:style>
+          <a:lnRef idx="2">
+            <a:schemeClr val="accent1"/>
+          </a:lnRef>
+          <a:fillRef idx="0">
+            <a:schemeClr val="accent1"/>
+          </a:fillRef>
+          <a:effectRef idx="1">
+            <a:schemeClr val="accent1"/>
+          </a:effectRef>
+          <a:fontRef idx="minor">
+            <a:schemeClr val="tx1"/>
+          </a:fontRef>
+        </p:style>
+      </p:cxnSp>
+      <p:cxnSp>
+        <p:nvCxnSpPr>
+          <p:cNvPr id="33" name="Straight Connector 32"/>
+          <p:cNvCxnSpPr/>
+          <p:nvPr/>
+        </p:nvCxnSpPr>
+        <p:spPr>
+          <a:xfrm flipV="1">
+            <a:off x="2227262" y="5080000"/>
+            <a:ext cx="3471863" cy="1127124"/>
+          </a:xfrm>
+          <a:prstGeom prst="line">
+            <a:avLst/>
+          </a:prstGeom>
+        </p:spPr>
+        <p:style>
+          <a:lnRef idx="2">
+            <a:schemeClr val="accent1"/>
+          </a:lnRef>
+          <a:fillRef idx="0">
+            <a:schemeClr val="accent1"/>
+          </a:fillRef>
+          <a:effectRef idx="1">
+            <a:schemeClr val="accent1"/>
+          </a:effectRef>
+          <a:fontRef idx="minor">
+            <a:schemeClr val="tx1"/>
+          </a:fontRef>
+        </p:style>
+      </p:cxnSp>
+      <p:cxnSp>
+        <p:nvCxnSpPr>
+          <p:cNvPr id="34" name="Straight Connector 33"/>
+          <p:cNvCxnSpPr/>
+          <p:nvPr/>
+        </p:nvCxnSpPr>
+        <p:spPr>
+          <a:xfrm flipV="1">
+            <a:off x="1041400" y="4699000"/>
+            <a:ext cx="4528226" cy="1508124"/>
+          </a:xfrm>
+          <a:prstGeom prst="line">
+            <a:avLst/>
+          </a:prstGeom>
+        </p:spPr>
+        <p:style>
+          <a:lnRef idx="2">
+            <a:schemeClr val="accent1"/>
+          </a:lnRef>
+          <a:fillRef idx="0">
+            <a:schemeClr val="accent1"/>
+          </a:fillRef>
+          <a:effectRef idx="1">
+            <a:schemeClr val="accent1"/>
+          </a:effectRef>
+          <a:fontRef idx="minor">
+            <a:schemeClr val="tx1"/>
+          </a:fontRef>
+        </p:style>
+      </p:cxnSp>
+      <p:cxnSp>
+        <p:nvCxnSpPr>
+          <p:cNvPr id="35" name="Straight Connector 34"/>
+          <p:cNvCxnSpPr/>
+          <p:nvPr/>
+        </p:nvCxnSpPr>
+        <p:spPr>
+          <a:xfrm flipV="1">
+            <a:off x="1317625" y="4935538"/>
+            <a:ext cx="4381500" cy="1239834"/>
+          </a:xfrm>
+          <a:prstGeom prst="line">
+            <a:avLst/>
+          </a:prstGeom>
+        </p:spPr>
+        <p:style>
+          <a:lnRef idx="2">
+            <a:schemeClr val="accent1"/>
+          </a:lnRef>
+          <a:fillRef idx="0">
+            <a:schemeClr val="accent1"/>
+          </a:fillRef>
+          <a:effectRef idx="1">
+            <a:schemeClr val="accent1"/>
+          </a:effectRef>
+          <a:fontRef idx="minor">
+            <a:schemeClr val="tx1"/>
+          </a:fontRef>
+        </p:style>
+      </p:cxnSp>
+      <p:cxnSp>
+        <p:nvCxnSpPr>
+          <p:cNvPr id="36" name="Straight Connector 35"/>
+          <p:cNvCxnSpPr/>
+          <p:nvPr/>
+        </p:nvCxnSpPr>
+        <p:spPr>
+          <a:xfrm flipV="1">
+            <a:off x="1666140" y="5327651"/>
+            <a:ext cx="4032985" cy="863597"/>
+          </a:xfrm>
+          <a:prstGeom prst="line">
+            <a:avLst/>
+          </a:prstGeom>
+        </p:spPr>
+        <p:style>
+          <a:lnRef idx="2">
+            <a:schemeClr val="accent1"/>
+          </a:lnRef>
+          <a:fillRef idx="0">
+            <a:schemeClr val="accent1"/>
+          </a:fillRef>
+          <a:effectRef idx="1">
+            <a:schemeClr val="accent1"/>
+          </a:effectRef>
+          <a:fontRef idx="minor">
+            <a:schemeClr val="tx1"/>
+          </a:fontRef>
+        </p:style>
+      </p:cxnSp>
+      <p:cxnSp>
+        <p:nvCxnSpPr>
+          <p:cNvPr id="37" name="Straight Connector 36"/>
+          <p:cNvCxnSpPr/>
+          <p:nvPr/>
+        </p:nvCxnSpPr>
+        <p:spPr>
+          <a:xfrm flipV="1">
+            <a:off x="504090" y="4667248"/>
+            <a:ext cx="5065536" cy="517525"/>
+          </a:xfrm>
+          <a:prstGeom prst="line">
+            <a:avLst/>
+          </a:prstGeom>
+        </p:spPr>
+        <p:style>
+          <a:lnRef idx="2">
+            <a:schemeClr val="accent1"/>
+          </a:lnRef>
+          <a:fillRef idx="0">
+            <a:schemeClr val="accent1"/>
+          </a:fillRef>
+          <a:effectRef idx="1">
+            <a:schemeClr val="accent1"/>
+          </a:effectRef>
+          <a:fontRef idx="minor">
+            <a:schemeClr val="tx1"/>
+          </a:fontRef>
+        </p:style>
+      </p:cxnSp>
+      <p:cxnSp>
+        <p:nvCxnSpPr>
+          <p:cNvPr id="38" name="Straight Connector 37"/>
+          <p:cNvCxnSpPr/>
+          <p:nvPr/>
+        </p:nvCxnSpPr>
+        <p:spPr>
+          <a:xfrm flipV="1">
+            <a:off x="504090" y="2984500"/>
+            <a:ext cx="8465285" cy="2452686"/>
+          </a:xfrm>
+          <a:prstGeom prst="line">
+            <a:avLst/>
+          </a:prstGeom>
+        </p:spPr>
+        <p:style>
+          <a:lnRef idx="2">
+            <a:schemeClr val="accent1"/>
+          </a:lnRef>
+          <a:fillRef idx="0">
+            <a:schemeClr val="accent1"/>
+          </a:fillRef>
+          <a:effectRef idx="1">
+            <a:schemeClr val="accent1"/>
+          </a:effectRef>
+          <a:fontRef idx="minor">
+            <a:schemeClr val="tx1"/>
+          </a:fontRef>
+        </p:style>
+      </p:cxnSp>
+      <p:cxnSp>
+        <p:nvCxnSpPr>
+          <p:cNvPr id="39" name="Straight Connector 38"/>
+          <p:cNvCxnSpPr/>
+          <p:nvPr/>
+        </p:nvCxnSpPr>
+        <p:spPr>
+          <a:xfrm flipV="1">
+            <a:off x="504090" y="3302000"/>
+            <a:ext cx="8465285" cy="2416175"/>
+          </a:xfrm>
+          <a:prstGeom prst="line">
+            <a:avLst/>
+          </a:prstGeom>
+        </p:spPr>
+        <p:style>
+          <a:lnRef idx="2">
+            <a:schemeClr val="accent1"/>
+          </a:lnRef>
+          <a:fillRef idx="0">
+            <a:schemeClr val="accent1"/>
+          </a:fillRef>
+          <a:effectRef idx="1">
+            <a:schemeClr val="accent1"/>
+          </a:effectRef>
+          <a:fontRef idx="minor">
+            <a:schemeClr val="tx1"/>
+          </a:fontRef>
+        </p:style>
+      </p:cxnSp>
+      <p:cxnSp>
+        <p:nvCxnSpPr>
+          <p:cNvPr id="40" name="Straight Connector 39"/>
+          <p:cNvCxnSpPr/>
+          <p:nvPr/>
+        </p:nvCxnSpPr>
+        <p:spPr>
+          <a:xfrm flipV="1">
+            <a:off x="504090" y="1571625"/>
+            <a:ext cx="8465285" cy="3095623"/>
+          </a:xfrm>
+          <a:prstGeom prst="line">
+            <a:avLst/>
+          </a:prstGeom>
+        </p:spPr>
+        <p:style>
+          <a:lnRef idx="2">
+            <a:schemeClr val="accent1"/>
+          </a:lnRef>
+          <a:fillRef idx="0">
+            <a:schemeClr val="accent1"/>
+          </a:fillRef>
+          <a:effectRef idx="1">
+            <a:schemeClr val="accent1"/>
+          </a:effectRef>
+          <a:fontRef idx="minor">
+            <a:schemeClr val="tx1"/>
+          </a:fontRef>
+        </p:style>
+      </p:cxnSp>
+      <p:cxnSp>
+        <p:nvCxnSpPr>
+          <p:cNvPr id="41" name="Straight Connector 40"/>
+          <p:cNvCxnSpPr/>
+          <p:nvPr/>
+        </p:nvCxnSpPr>
+        <p:spPr>
+          <a:xfrm flipV="1">
+            <a:off x="519230" y="1095376"/>
+            <a:ext cx="8450145" cy="3175000"/>
+          </a:xfrm>
+          <a:prstGeom prst="line">
+            <a:avLst/>
+          </a:prstGeom>
+        </p:spPr>
+        <p:style>
+          <a:lnRef idx="2">
+            <a:schemeClr val="accent1"/>
+          </a:lnRef>
+          <a:fillRef idx="0">
+            <a:schemeClr val="accent1"/>
+          </a:fillRef>
+          <a:effectRef idx="1">
+            <a:schemeClr val="accent1"/>
+          </a:effectRef>
+          <a:fontRef idx="minor">
+            <a:schemeClr val="tx1"/>
+          </a:fontRef>
+        </p:style>
+      </p:cxnSp>
+      <p:cxnSp>
+        <p:nvCxnSpPr>
+          <p:cNvPr id="42" name="Straight Connector 41"/>
+          <p:cNvCxnSpPr/>
+          <p:nvPr/>
+        </p:nvCxnSpPr>
+        <p:spPr>
+          <a:xfrm flipV="1">
+            <a:off x="504090" y="1905000"/>
+            <a:ext cx="8465285" cy="3030538"/>
+          </a:xfrm>
+          <a:prstGeom prst="line">
+            <a:avLst/>
+          </a:prstGeom>
+        </p:spPr>
+        <p:style>
+          <a:lnRef idx="2">
+            <a:schemeClr val="accent1"/>
+          </a:lnRef>
+          <a:fillRef idx="0">
+            <a:schemeClr val="accent1"/>
+          </a:fillRef>
+          <a:effectRef idx="1">
+            <a:schemeClr val="accent1"/>
+          </a:effectRef>
+          <a:fontRef idx="minor">
+            <a:schemeClr val="tx1"/>
+          </a:fontRef>
+        </p:style>
+      </p:cxnSp>
+      <p:sp>
+        <p:nvSpPr>
+          <p:cNvPr id="55" name="Oval 54"/>
+          <p:cNvSpPr/>
+          <p:nvPr/>
+        </p:nvSpPr>
+        <p:spPr>
+          <a:xfrm>
+            <a:off x="3905250" y="2063750"/>
+            <a:ext cx="603250" cy="4111622"/>
+          </a:xfrm>
+          <a:prstGeom prst="ellipse">
+            <a:avLst/>
+          </a:prstGeom>
           <a:noFill/>
-          <a:ln w="38100" cmpd="sng">
+          <a:ln w="57150" cmpd="sng">
             <a:solidFill>
               <a:srgbClr val="FF0000"/>
             </a:solidFill>
@@ -4532,10 +5043,126 @@
           </a:p>
         </p:txBody>
       </p:sp>
+      <p:sp>
+        <p:nvSpPr>
+          <p:cNvPr id="56" name="TextBox 55"/>
+          <p:cNvSpPr txBox="1"/>
+          <p:nvPr/>
+        </p:nvSpPr>
+        <p:spPr>
+          <a:xfrm>
+            <a:off x="1190589" y="6397625"/>
+            <a:ext cx="951102" cy="369332"/>
+          </a:xfrm>
+          <a:prstGeom prst="rect">
+            <a:avLst/>
+          </a:prstGeom>
+          <a:noFill/>
+        </p:spPr>
+        <p:txBody>
+          <a:bodyPr wrap="none" rtlCol="0">
+            <a:spAutoFit/>
+          </a:bodyPr>
+          <a:lstStyle/>
+          <a:p>
+            <a:r>
+              <a:rPr lang="en-US" dirty="0"/>
+              <a:t>Package</a:t>
+            </a:r>
+          </a:p>
+        </p:txBody>
+      </p:sp>
+      <p:sp>
+        <p:nvSpPr>
+          <p:cNvPr id="57" name="TextBox 56"/>
+          <p:cNvSpPr txBox="1"/>
+          <p:nvPr/>
+        </p:nvSpPr>
+        <p:spPr>
+          <a:xfrm>
+            <a:off x="6740489" y="6365359"/>
+            <a:ext cx="875585" cy="369332"/>
+          </a:xfrm>
+          <a:prstGeom prst="rect">
+            <a:avLst/>
+          </a:prstGeom>
+          <a:noFill/>
+        </p:spPr>
+        <p:txBody>
+          <a:bodyPr wrap="none" rtlCol="0">
+            <a:spAutoFit/>
+          </a:bodyPr>
+          <a:lstStyle/>
+          <a:p>
+            <a:r>
+              <a:rPr lang="en-US" dirty="0"/>
+              <a:t>Symbol</a:t>
+            </a:r>
+          </a:p>
+        </p:txBody>
+      </p:sp>
+      <p:sp>
+        <p:nvSpPr>
+          <p:cNvPr id="58" name="TextBox 57"/>
+          <p:cNvSpPr txBox="1"/>
+          <p:nvPr/>
+        </p:nvSpPr>
+        <p:spPr>
+          <a:xfrm>
+            <a:off x="3162264" y="6275387"/>
+            <a:ext cx="2042484" cy="369332"/>
+          </a:xfrm>
+          <a:prstGeom prst="rect">
+            <a:avLst/>
+          </a:prstGeom>
+          <a:noFill/>
+        </p:spPr>
+        <p:txBody>
+          <a:bodyPr wrap="none" rtlCol="0">
+            <a:spAutoFit/>
+          </a:bodyPr>
+          <a:lstStyle/>
+          <a:p>
+            <a:r>
+              <a:rPr lang="en-US" dirty="0"/>
+              <a:t>Device Pin Mapping</a:t>
+            </a:r>
+          </a:p>
+        </p:txBody>
+      </p:sp>
+      <p:sp>
+        <p:nvSpPr>
+          <p:cNvPr id="59" name="TextBox 58"/>
+          <p:cNvSpPr txBox="1"/>
+          <p:nvPr/>
+        </p:nvSpPr>
+        <p:spPr>
+          <a:xfrm>
+            <a:off x="849962" y="2466459"/>
+            <a:ext cx="1377300" cy="369332"/>
+          </a:xfrm>
+          <a:prstGeom prst="rect">
+            <a:avLst/>
+          </a:prstGeom>
+          <a:noFill/>
+        </p:spPr>
+        <p:txBody>
+          <a:bodyPr wrap="none" rtlCol="0">
+            <a:spAutoFit/>
+          </a:bodyPr>
+          <a:lstStyle/>
+          <a:p>
+            <a:r>
+              <a:rPr lang="en-US" dirty="0"/>
+              <a:t>Physical part</a:t>
+            </a:r>
+          </a:p>
+        </p:txBody>
+      </p:sp>
     </p:spTree>
     <p:extLst>
       <p:ext uri="{BB962C8B-B14F-4D97-AF65-F5344CB8AC3E}">
-        <p14:creationId xmlns:p14="http://schemas.microsoft.com/office/powerpoint/2010/main" val="489738326"/>
+        <p14:creationId xmlns:p14="http://schemas.microsoft.com/office/powerpoint/2010/main" val="1989894804"/>
       </p:ext>
     </p:extLst>
   </p:cSld>
@@ -4579,7 +5206,7 @@
           <a:p>
             <a:r>
               <a:rPr lang="en-US" dirty="0"/>
-              <a:t>PCB Libraries</a:t>
+              <a:t>PCB Libraries: Packages</a:t>
             </a:r>
           </a:p>
         </p:txBody>
@@ -4596,69 +5223,124 @@
         </p:nvSpPr>
         <p:spPr/>
         <p:txBody>
-          <a:bodyPr>
-            <a:normAutofit fontScale="92500" lnSpcReduction="20000"/>
-          </a:bodyPr>
+          <a:bodyPr/>
           <a:lstStyle/>
           <a:p>
             <a:r>
               <a:rPr lang="en-US" dirty="0"/>
-              <a:t>To use a part on a PCB, you need a library entry for it</a:t>
-            </a:r>
-          </a:p>
-          <a:p>
-            <a:pPr lvl="1"/>
+              <a:t>Mechanical description of the part</a:t>
+            </a:r>
+          </a:p>
+          <a:p>
             <a:r>
               <a:rPr lang="en-US" dirty="0"/>
-              <a:t>Physical/mechanical information for the board</a:t>
-            </a:r>
-          </a:p>
-          <a:p>
-            <a:pPr lvl="1"/>
+              <a:t>Electrical connections (i.e., pads and SMDs)</a:t>
+            </a:r>
+          </a:p>
+          <a:p>
             <a:r>
               <a:rPr lang="en-US" dirty="0"/>
-              <a:t>Logical/electrical information for the schematic</a:t>
-            </a:r>
-          </a:p>
-          <a:p>
-            <a:pPr lvl="1"/>
+              <a:t>Other things: “</a:t>
+            </a:r>
+            <a:r>
+              <a:rPr lang="en-US" dirty="0" err="1"/>
+              <a:t>keepouts</a:t>
+            </a:r>
             <a:r>
               <a:rPr lang="en-US" dirty="0"/>
-              <a:t>Mapping between the two</a:t>
-            </a:r>
-          </a:p>
-          <a:p>
-            <a:pPr lvl="1"/>
+              <a:t>”, mounting holes, documentation, labels etc.</a:t>
+            </a:r>
+          </a:p>
+          <a:p>
             <a:r>
               <a:rPr lang="en-US" dirty="0"/>
-              <a:t>Metadata</a:t>
+              <a:t>Generic packages: e.g., 0805 Resistor</a:t>
             </a:r>
           </a:p>
           <a:p>
             <a:r>
               <a:rPr lang="en-US" dirty="0"/>
-              <a:t>A well designed library, will make your life much, much easier.</a:t>
-            </a:r>
-          </a:p>
-          <a:p>
-            <a:r>
-              <a:rPr lang="en-US" dirty="0"/>
-              <a:t>There are lots of libraries are the internet</a:t>
-            </a:r>
-          </a:p>
-          <a:p>
-            <a:pPr lvl="1"/>
-            <a:r>
-              <a:rPr lang="en-US" dirty="0"/>
-              <a:t>Some are good, some are bad, some a poor match for what we need.</a:t>
-            </a:r>
-          </a:p>
-        </p:txBody>
-      </p:sp>
+              <a:t>Specific packages: e.g., Atmegat128RF</a:t>
+            </a:r>
+          </a:p>
+        </p:txBody>
+      </p:sp>
+      <p:pic>
+        <p:nvPicPr>
+          <p:cNvPr id="4" name="Picture 3"/>
+          <p:cNvPicPr>
+            <a:picLocks noChangeAspect="1"/>
+          </p:cNvPicPr>
+          <p:nvPr/>
+        </p:nvPicPr>
+        <p:blipFill>
+          <a:blip r:embed="rId2"/>
+          <a:stretch>
+            <a:fillRect/>
+          </a:stretch>
+        </p:blipFill>
+        <p:spPr>
+          <a:xfrm>
+            <a:off x="457200" y="5358269"/>
+            <a:ext cx="3000375" cy="1266454"/>
+          </a:xfrm>
+          <a:prstGeom prst="rect">
+            <a:avLst/>
+          </a:prstGeom>
+        </p:spPr>
+      </p:pic>
+      <p:pic>
+        <p:nvPicPr>
+          <p:cNvPr id="5" name="Picture 4"/>
+          <p:cNvPicPr>
+            <a:picLocks noChangeAspect="1"/>
+          </p:cNvPicPr>
+          <p:nvPr/>
+        </p:nvPicPr>
+        <p:blipFill>
+          <a:blip r:embed="rId3"/>
+          <a:stretch>
+            <a:fillRect/>
+          </a:stretch>
+        </p:blipFill>
+        <p:spPr>
+          <a:xfrm>
+            <a:off x="5787360" y="5130602"/>
+            <a:ext cx="3356639" cy="1721787"/>
+          </a:xfrm>
+          <a:prstGeom prst="rect">
+            <a:avLst/>
+          </a:prstGeom>
+        </p:spPr>
+      </p:pic>
+      <p:pic>
+        <p:nvPicPr>
+          <p:cNvPr id="6" name="Picture 5"/>
+          <p:cNvPicPr>
+            <a:picLocks noChangeAspect="1"/>
+          </p:cNvPicPr>
+          <p:nvPr/>
+        </p:nvPicPr>
+        <p:blipFill>
+          <a:blip r:embed="rId4"/>
+          <a:stretch>
+            <a:fillRect/>
+          </a:stretch>
+        </p:blipFill>
+        <p:spPr>
+          <a:xfrm>
+            <a:off x="3873500" y="5026182"/>
+            <a:ext cx="1447799" cy="1831818"/>
+          </a:xfrm>
+          <a:prstGeom prst="rect">
+            <a:avLst/>
+          </a:prstGeom>
+        </p:spPr>
+      </p:pic>
     </p:spTree>
     <p:extLst>
       <p:ext uri="{BB962C8B-B14F-4D97-AF65-F5344CB8AC3E}">
-        <p14:creationId xmlns:p14="http://schemas.microsoft.com/office/powerpoint/2010/main" val="667542074"/>
+        <p14:creationId xmlns:p14="http://schemas.microsoft.com/office/powerpoint/2010/main" val="1303850685"/>
       </p:ext>
     </p:extLst>
   </p:cSld>
@@ -4700,674 +5382,48 @@
           <a:bodyPr/>
           <a:lstStyle/>
           <a:p>
-            <a:endParaRPr lang="en-US" dirty="0"/>
+            <a:r>
+              <a:rPr lang="en-US" dirty="0"/>
+              <a:t>Part Sizes</a:t>
+            </a:r>
           </a:p>
         </p:txBody>
       </p:sp>
       <p:pic>
         <p:nvPicPr>
-          <p:cNvPr id="6" name="Picture 5" descr="64-QFN_sml.jpg"/>
+          <p:cNvPr id="4" name="Content Placeholder 3"/>
           <p:cNvPicPr>
-            <a:picLocks noChangeAspect="1"/>
+            <a:picLocks noGrp="1" noChangeAspect="1"/>
           </p:cNvPicPr>
-          <p:nvPr/>
+          <p:nvPr>
+            <p:ph idx="1"/>
+          </p:nvPr>
         </p:nvPicPr>
         <p:blipFill>
-          <a:blip r:embed="rId2">
-            <a:extLst>
-              <a:ext uri="{28A0092B-C50C-407E-A947-70E740481C1C}">
-                <a14:useLocalDpi xmlns:a14="http://schemas.microsoft.com/office/drawing/2010/main" val="0"/>
-              </a:ext>
-            </a:extLst>
-          </a:blip>
+          <a:blip r:embed="rId2"/>
+          <a:srcRect t="24933" b="24933"/>
           <a:stretch>
             <a:fillRect/>
           </a:stretch>
         </p:blipFill>
+        <p:spPr/>
+      </p:pic>
+      <p:sp>
+        <p:nvSpPr>
+          <p:cNvPr id="5" name="Rectangle 4"/>
+          <p:cNvSpPr/>
+          <p:nvPr/>
+        </p:nvSpPr>
         <p:spPr>
           <a:xfrm>
-            <a:off x="285750" y="274638"/>
-            <a:ext cx="2540000" cy="2540000"/>
+            <a:off x="3841750" y="2778125"/>
+            <a:ext cx="2111375" cy="3348038"/>
           </a:xfrm>
           <a:prstGeom prst="rect">
             <a:avLst/>
           </a:prstGeom>
-        </p:spPr>
-      </p:pic>
-      <p:pic>
-        <p:nvPicPr>
-          <p:cNvPr id="9" name="Picture 8"/>
-          <p:cNvPicPr>
-            <a:picLocks noChangeAspect="1"/>
-          </p:cNvPicPr>
-          <p:nvPr/>
-        </p:nvPicPr>
-        <p:blipFill>
-          <a:blip r:embed="rId3"/>
-          <a:stretch>
-            <a:fillRect/>
-          </a:stretch>
-        </p:blipFill>
-        <p:spPr>
-          <a:xfrm>
-            <a:off x="457200" y="3687762"/>
-            <a:ext cx="2569428" cy="2587625"/>
-          </a:xfrm>
-          <a:prstGeom prst="rect">
-            <a:avLst/>
-          </a:prstGeom>
-        </p:spPr>
-      </p:pic>
-      <p:pic>
-        <p:nvPicPr>
-          <p:cNvPr id="10" name="Picture 9"/>
-          <p:cNvPicPr>
-            <a:picLocks noChangeAspect="1"/>
-          </p:cNvPicPr>
-          <p:nvPr/>
-        </p:nvPicPr>
-        <p:blipFill>
-          <a:blip r:embed="rId4"/>
-          <a:stretch>
-            <a:fillRect/>
-          </a:stretch>
-        </p:blipFill>
-        <p:spPr>
-          <a:xfrm>
-            <a:off x="5569626" y="873124"/>
-            <a:ext cx="3574374" cy="5402263"/>
-          </a:xfrm>
-          <a:prstGeom prst="rect">
-            <a:avLst/>
-          </a:prstGeom>
-        </p:spPr>
-      </p:pic>
-      <p:cxnSp>
-        <p:nvCxnSpPr>
-          <p:cNvPr id="12" name="Straight Connector 11"/>
-          <p:cNvCxnSpPr/>
-          <p:nvPr/>
-        </p:nvCxnSpPr>
-        <p:spPr>
-          <a:xfrm flipV="1">
-            <a:off x="2978150" y="1095376"/>
-            <a:ext cx="2720975" cy="3175000"/>
-          </a:xfrm>
-          <a:prstGeom prst="line">
-            <a:avLst/>
-          </a:prstGeom>
-        </p:spPr>
-        <p:style>
-          <a:lnRef idx="2">
-            <a:schemeClr val="accent1"/>
-          </a:lnRef>
-          <a:fillRef idx="0">
-            <a:schemeClr val="accent1"/>
-          </a:fillRef>
-          <a:effectRef idx="1">
-            <a:schemeClr val="accent1"/>
-          </a:effectRef>
-          <a:fontRef idx="minor">
-            <a:schemeClr val="tx1"/>
-          </a:fontRef>
-        </p:style>
-      </p:cxnSp>
-      <p:cxnSp>
-        <p:nvCxnSpPr>
-          <p:cNvPr id="15" name="Straight Connector 14"/>
-          <p:cNvCxnSpPr/>
-          <p:nvPr/>
-        </p:nvCxnSpPr>
-        <p:spPr>
-          <a:xfrm flipV="1">
-            <a:off x="2978150" y="1247775"/>
-            <a:ext cx="2720975" cy="3175002"/>
-          </a:xfrm>
-          <a:prstGeom prst="line">
-            <a:avLst/>
-          </a:prstGeom>
-        </p:spPr>
-        <p:style>
-          <a:lnRef idx="2">
-            <a:schemeClr val="accent1"/>
-          </a:lnRef>
-          <a:fillRef idx="0">
-            <a:schemeClr val="accent1"/>
-          </a:fillRef>
-          <a:effectRef idx="1">
-            <a:schemeClr val="accent1"/>
-          </a:effectRef>
-          <a:fontRef idx="minor">
-            <a:schemeClr val="tx1"/>
-          </a:fontRef>
-        </p:style>
-      </p:cxnSp>
-      <p:cxnSp>
-        <p:nvCxnSpPr>
-          <p:cNvPr id="16" name="Straight Connector 15"/>
-          <p:cNvCxnSpPr/>
-          <p:nvPr/>
-        </p:nvCxnSpPr>
-        <p:spPr>
-          <a:xfrm flipV="1">
-            <a:off x="2978150" y="2651125"/>
-            <a:ext cx="2720975" cy="2047875"/>
-          </a:xfrm>
-          <a:prstGeom prst="line">
-            <a:avLst/>
-          </a:prstGeom>
-        </p:spPr>
-        <p:style>
-          <a:lnRef idx="2">
-            <a:schemeClr val="accent1"/>
-          </a:lnRef>
-          <a:fillRef idx="0">
-            <a:schemeClr val="accent1"/>
-          </a:fillRef>
-          <a:effectRef idx="1">
-            <a:schemeClr val="accent1"/>
-          </a:effectRef>
-          <a:fontRef idx="minor">
-            <a:schemeClr val="tx1"/>
-          </a:fontRef>
-        </p:style>
-      </p:cxnSp>
-      <p:cxnSp>
-        <p:nvCxnSpPr>
-          <p:cNvPr id="17" name="Straight Connector 16"/>
-          <p:cNvCxnSpPr/>
-          <p:nvPr/>
-        </p:nvCxnSpPr>
-        <p:spPr>
-          <a:xfrm flipV="1">
-            <a:off x="2978150" y="3571876"/>
-            <a:ext cx="2720975" cy="1508124"/>
-          </a:xfrm>
-          <a:prstGeom prst="line">
-            <a:avLst/>
-          </a:prstGeom>
-        </p:spPr>
-        <p:style>
-          <a:lnRef idx="2">
-            <a:schemeClr val="accent1"/>
-          </a:lnRef>
-          <a:fillRef idx="0">
-            <a:schemeClr val="accent1"/>
-          </a:fillRef>
-          <a:effectRef idx="1">
-            <a:schemeClr val="accent1"/>
-          </a:effectRef>
-          <a:fontRef idx="minor">
-            <a:schemeClr val="tx1"/>
-          </a:fontRef>
-        </p:style>
-      </p:cxnSp>
-      <p:cxnSp>
-        <p:nvCxnSpPr>
-          <p:cNvPr id="18" name="Straight Connector 17"/>
-          <p:cNvCxnSpPr/>
-          <p:nvPr/>
-        </p:nvCxnSpPr>
-        <p:spPr>
-          <a:xfrm flipV="1">
-            <a:off x="1333500" y="2206626"/>
-            <a:ext cx="4365625" cy="1603374"/>
-          </a:xfrm>
-          <a:prstGeom prst="line">
-            <a:avLst/>
-          </a:prstGeom>
-        </p:spPr>
-        <p:style>
-          <a:lnRef idx="2">
-            <a:schemeClr val="accent1"/>
-          </a:lnRef>
-          <a:fillRef idx="0">
-            <a:schemeClr val="accent1"/>
-          </a:fillRef>
-          <a:effectRef idx="1">
-            <a:schemeClr val="accent1"/>
-          </a:effectRef>
-          <a:fontRef idx="minor">
-            <a:schemeClr val="tx1"/>
-          </a:fontRef>
-        </p:style>
-      </p:cxnSp>
-      <p:cxnSp>
-        <p:nvCxnSpPr>
-          <p:cNvPr id="29" name="Straight Connector 28"/>
-          <p:cNvCxnSpPr/>
-          <p:nvPr/>
-        </p:nvCxnSpPr>
-        <p:spPr>
-          <a:xfrm flipV="1">
-            <a:off x="2978150" y="3819527"/>
-            <a:ext cx="2720975" cy="1508124"/>
-          </a:xfrm>
-          <a:prstGeom prst="line">
-            <a:avLst/>
-          </a:prstGeom>
-        </p:spPr>
-        <p:style>
-          <a:lnRef idx="2">
-            <a:schemeClr val="accent1"/>
-          </a:lnRef>
-          <a:fillRef idx="0">
-            <a:schemeClr val="accent1"/>
-          </a:fillRef>
-          <a:effectRef idx="1">
-            <a:schemeClr val="accent1"/>
-          </a:effectRef>
-          <a:fontRef idx="minor">
-            <a:schemeClr val="tx1"/>
-          </a:fontRef>
-        </p:style>
-      </p:cxnSp>
-      <p:cxnSp>
-        <p:nvCxnSpPr>
-          <p:cNvPr id="30" name="Straight Connector 29"/>
-          <p:cNvCxnSpPr/>
-          <p:nvPr/>
-        </p:nvCxnSpPr>
-        <p:spPr>
-          <a:xfrm flipV="1">
-            <a:off x="2978150" y="4029076"/>
-            <a:ext cx="2720975" cy="1508124"/>
-          </a:xfrm>
-          <a:prstGeom prst="line">
-            <a:avLst/>
-          </a:prstGeom>
-        </p:spPr>
-        <p:style>
-          <a:lnRef idx="2">
-            <a:schemeClr val="accent1"/>
-          </a:lnRef>
-          <a:fillRef idx="0">
-            <a:schemeClr val="accent1"/>
-          </a:fillRef>
-          <a:effectRef idx="1">
-            <a:schemeClr val="accent1"/>
-          </a:effectRef>
-          <a:fontRef idx="minor">
-            <a:schemeClr val="tx1"/>
-          </a:fontRef>
-        </p:style>
-      </p:cxnSp>
-      <p:cxnSp>
-        <p:nvCxnSpPr>
-          <p:cNvPr id="31" name="Straight Connector 30"/>
-          <p:cNvCxnSpPr/>
-          <p:nvPr/>
-        </p:nvCxnSpPr>
-        <p:spPr>
-          <a:xfrm flipV="1">
-            <a:off x="2978150" y="4181476"/>
-            <a:ext cx="2720975" cy="1508124"/>
-          </a:xfrm>
-          <a:prstGeom prst="line">
-            <a:avLst/>
-          </a:prstGeom>
-        </p:spPr>
-        <p:style>
-          <a:lnRef idx="2">
-            <a:schemeClr val="accent1"/>
-          </a:lnRef>
-          <a:fillRef idx="0">
-            <a:schemeClr val="accent1"/>
-          </a:fillRef>
-          <a:effectRef idx="1">
-            <a:schemeClr val="accent1"/>
-          </a:effectRef>
-          <a:fontRef idx="minor">
-            <a:schemeClr val="tx1"/>
-          </a:fontRef>
-        </p:style>
-      </p:cxnSp>
-      <p:cxnSp>
-        <p:nvCxnSpPr>
-          <p:cNvPr id="32" name="Straight Connector 31"/>
-          <p:cNvCxnSpPr/>
-          <p:nvPr/>
-        </p:nvCxnSpPr>
-        <p:spPr>
-          <a:xfrm flipV="1">
-            <a:off x="2016125" y="4422777"/>
-            <a:ext cx="3553501" cy="1784347"/>
-          </a:xfrm>
-          <a:prstGeom prst="line">
-            <a:avLst/>
-          </a:prstGeom>
-        </p:spPr>
-        <p:style>
-          <a:lnRef idx="2">
-            <a:schemeClr val="accent1"/>
-          </a:lnRef>
-          <a:fillRef idx="0">
-            <a:schemeClr val="accent1"/>
-          </a:fillRef>
-          <a:effectRef idx="1">
-            <a:schemeClr val="accent1"/>
-          </a:effectRef>
-          <a:fontRef idx="minor">
-            <a:schemeClr val="tx1"/>
-          </a:fontRef>
-        </p:style>
-      </p:cxnSp>
-      <p:cxnSp>
-        <p:nvCxnSpPr>
-          <p:cNvPr id="33" name="Straight Connector 32"/>
-          <p:cNvCxnSpPr/>
-          <p:nvPr/>
-        </p:nvCxnSpPr>
-        <p:spPr>
-          <a:xfrm flipV="1">
-            <a:off x="2227262" y="5080000"/>
-            <a:ext cx="3471863" cy="1127124"/>
-          </a:xfrm>
-          <a:prstGeom prst="line">
-            <a:avLst/>
-          </a:prstGeom>
-        </p:spPr>
-        <p:style>
-          <a:lnRef idx="2">
-            <a:schemeClr val="accent1"/>
-          </a:lnRef>
-          <a:fillRef idx="0">
-            <a:schemeClr val="accent1"/>
-          </a:fillRef>
-          <a:effectRef idx="1">
-            <a:schemeClr val="accent1"/>
-          </a:effectRef>
-          <a:fontRef idx="minor">
-            <a:schemeClr val="tx1"/>
-          </a:fontRef>
-        </p:style>
-      </p:cxnSp>
-      <p:cxnSp>
-        <p:nvCxnSpPr>
-          <p:cNvPr id="34" name="Straight Connector 33"/>
-          <p:cNvCxnSpPr/>
-          <p:nvPr/>
-        </p:nvCxnSpPr>
-        <p:spPr>
-          <a:xfrm flipV="1">
-            <a:off x="1041400" y="4699000"/>
-            <a:ext cx="4528226" cy="1508124"/>
-          </a:xfrm>
-          <a:prstGeom prst="line">
-            <a:avLst/>
-          </a:prstGeom>
-        </p:spPr>
-        <p:style>
-          <a:lnRef idx="2">
-            <a:schemeClr val="accent1"/>
-          </a:lnRef>
-          <a:fillRef idx="0">
-            <a:schemeClr val="accent1"/>
-          </a:fillRef>
-          <a:effectRef idx="1">
-            <a:schemeClr val="accent1"/>
-          </a:effectRef>
-          <a:fontRef idx="minor">
-            <a:schemeClr val="tx1"/>
-          </a:fontRef>
-        </p:style>
-      </p:cxnSp>
-      <p:cxnSp>
-        <p:nvCxnSpPr>
-          <p:cNvPr id="35" name="Straight Connector 34"/>
-          <p:cNvCxnSpPr/>
-          <p:nvPr/>
-        </p:nvCxnSpPr>
-        <p:spPr>
-          <a:xfrm flipV="1">
-            <a:off x="1317625" y="4935538"/>
-            <a:ext cx="4381500" cy="1239834"/>
-          </a:xfrm>
-          <a:prstGeom prst="line">
-            <a:avLst/>
-          </a:prstGeom>
-        </p:spPr>
-        <p:style>
-          <a:lnRef idx="2">
-            <a:schemeClr val="accent1"/>
-          </a:lnRef>
-          <a:fillRef idx="0">
-            <a:schemeClr val="accent1"/>
-          </a:fillRef>
-          <a:effectRef idx="1">
-            <a:schemeClr val="accent1"/>
-          </a:effectRef>
-          <a:fontRef idx="minor">
-            <a:schemeClr val="tx1"/>
-          </a:fontRef>
-        </p:style>
-      </p:cxnSp>
-      <p:cxnSp>
-        <p:nvCxnSpPr>
-          <p:cNvPr id="36" name="Straight Connector 35"/>
-          <p:cNvCxnSpPr/>
-          <p:nvPr/>
-        </p:nvCxnSpPr>
-        <p:spPr>
-          <a:xfrm flipV="1">
-            <a:off x="1666140" y="5327651"/>
-            <a:ext cx="4032985" cy="863597"/>
-          </a:xfrm>
-          <a:prstGeom prst="line">
-            <a:avLst/>
-          </a:prstGeom>
-        </p:spPr>
-        <p:style>
-          <a:lnRef idx="2">
-            <a:schemeClr val="accent1"/>
-          </a:lnRef>
-          <a:fillRef idx="0">
-            <a:schemeClr val="accent1"/>
-          </a:fillRef>
-          <a:effectRef idx="1">
-            <a:schemeClr val="accent1"/>
-          </a:effectRef>
-          <a:fontRef idx="minor">
-            <a:schemeClr val="tx1"/>
-          </a:fontRef>
-        </p:style>
-      </p:cxnSp>
-      <p:cxnSp>
-        <p:nvCxnSpPr>
-          <p:cNvPr id="37" name="Straight Connector 36"/>
-          <p:cNvCxnSpPr/>
-          <p:nvPr/>
-        </p:nvCxnSpPr>
-        <p:spPr>
-          <a:xfrm flipV="1">
-            <a:off x="504090" y="4667248"/>
-            <a:ext cx="5065536" cy="517525"/>
-          </a:xfrm>
-          <a:prstGeom prst="line">
-            <a:avLst/>
-          </a:prstGeom>
-        </p:spPr>
-        <p:style>
-          <a:lnRef idx="2">
-            <a:schemeClr val="accent1"/>
-          </a:lnRef>
-          <a:fillRef idx="0">
-            <a:schemeClr val="accent1"/>
-          </a:fillRef>
-          <a:effectRef idx="1">
-            <a:schemeClr val="accent1"/>
-          </a:effectRef>
-          <a:fontRef idx="minor">
-            <a:schemeClr val="tx1"/>
-          </a:fontRef>
-        </p:style>
-      </p:cxnSp>
-      <p:cxnSp>
-        <p:nvCxnSpPr>
-          <p:cNvPr id="38" name="Straight Connector 37"/>
-          <p:cNvCxnSpPr/>
-          <p:nvPr/>
-        </p:nvCxnSpPr>
-        <p:spPr>
-          <a:xfrm flipV="1">
-            <a:off x="504090" y="2984500"/>
-            <a:ext cx="8465285" cy="2452686"/>
-          </a:xfrm>
-          <a:prstGeom prst="line">
-            <a:avLst/>
-          </a:prstGeom>
-        </p:spPr>
-        <p:style>
-          <a:lnRef idx="2">
-            <a:schemeClr val="accent1"/>
-          </a:lnRef>
-          <a:fillRef idx="0">
-            <a:schemeClr val="accent1"/>
-          </a:fillRef>
-          <a:effectRef idx="1">
-            <a:schemeClr val="accent1"/>
-          </a:effectRef>
-          <a:fontRef idx="minor">
-            <a:schemeClr val="tx1"/>
-          </a:fontRef>
-        </p:style>
-      </p:cxnSp>
-      <p:cxnSp>
-        <p:nvCxnSpPr>
-          <p:cNvPr id="39" name="Straight Connector 38"/>
-          <p:cNvCxnSpPr/>
-          <p:nvPr/>
-        </p:nvCxnSpPr>
-        <p:spPr>
-          <a:xfrm flipV="1">
-            <a:off x="504090" y="3302000"/>
-            <a:ext cx="8465285" cy="2416175"/>
-          </a:xfrm>
-          <a:prstGeom prst="line">
-            <a:avLst/>
-          </a:prstGeom>
-        </p:spPr>
-        <p:style>
-          <a:lnRef idx="2">
-            <a:schemeClr val="accent1"/>
-          </a:lnRef>
-          <a:fillRef idx="0">
-            <a:schemeClr val="accent1"/>
-          </a:fillRef>
-          <a:effectRef idx="1">
-            <a:schemeClr val="accent1"/>
-          </a:effectRef>
-          <a:fontRef idx="minor">
-            <a:schemeClr val="tx1"/>
-          </a:fontRef>
-        </p:style>
-      </p:cxnSp>
-      <p:cxnSp>
-        <p:nvCxnSpPr>
-          <p:cNvPr id="40" name="Straight Connector 39"/>
-          <p:cNvCxnSpPr/>
-          <p:nvPr/>
-        </p:nvCxnSpPr>
-        <p:spPr>
-          <a:xfrm flipV="1">
-            <a:off x="504090" y="1571625"/>
-            <a:ext cx="8465285" cy="3095623"/>
-          </a:xfrm>
-          <a:prstGeom prst="line">
-            <a:avLst/>
-          </a:prstGeom>
-        </p:spPr>
-        <p:style>
-          <a:lnRef idx="2">
-            <a:schemeClr val="accent1"/>
-          </a:lnRef>
-          <a:fillRef idx="0">
-            <a:schemeClr val="accent1"/>
-          </a:fillRef>
-          <a:effectRef idx="1">
-            <a:schemeClr val="accent1"/>
-          </a:effectRef>
-          <a:fontRef idx="minor">
-            <a:schemeClr val="tx1"/>
-          </a:fontRef>
-        </p:style>
-      </p:cxnSp>
-      <p:cxnSp>
-        <p:nvCxnSpPr>
-          <p:cNvPr id="41" name="Straight Connector 40"/>
-          <p:cNvCxnSpPr/>
-          <p:nvPr/>
-        </p:nvCxnSpPr>
-        <p:spPr>
-          <a:xfrm flipV="1">
-            <a:off x="519230" y="1095376"/>
-            <a:ext cx="8450145" cy="3175000"/>
-          </a:xfrm>
-          <a:prstGeom prst="line">
-            <a:avLst/>
-          </a:prstGeom>
-        </p:spPr>
-        <p:style>
-          <a:lnRef idx="2">
-            <a:schemeClr val="accent1"/>
-          </a:lnRef>
-          <a:fillRef idx="0">
-            <a:schemeClr val="accent1"/>
-          </a:fillRef>
-          <a:effectRef idx="1">
-            <a:schemeClr val="accent1"/>
-          </a:effectRef>
-          <a:fontRef idx="minor">
-            <a:schemeClr val="tx1"/>
-          </a:fontRef>
-        </p:style>
-      </p:cxnSp>
-      <p:cxnSp>
-        <p:nvCxnSpPr>
-          <p:cNvPr id="42" name="Straight Connector 41"/>
-          <p:cNvCxnSpPr/>
-          <p:nvPr/>
-        </p:nvCxnSpPr>
-        <p:spPr>
-          <a:xfrm flipV="1">
-            <a:off x="504090" y="1905000"/>
-            <a:ext cx="8465285" cy="3030538"/>
-          </a:xfrm>
-          <a:prstGeom prst="line">
-            <a:avLst/>
-          </a:prstGeom>
-        </p:spPr>
-        <p:style>
-          <a:lnRef idx="2">
-            <a:schemeClr val="accent1"/>
-          </a:lnRef>
-          <a:fillRef idx="0">
-            <a:schemeClr val="accent1"/>
-          </a:fillRef>
-          <a:effectRef idx="1">
-            <a:schemeClr val="accent1"/>
-          </a:effectRef>
-          <a:fontRef idx="minor">
-            <a:schemeClr val="tx1"/>
-          </a:fontRef>
-        </p:style>
-      </p:cxnSp>
-      <p:sp>
-        <p:nvSpPr>
-          <p:cNvPr id="55" name="Oval 54"/>
-          <p:cNvSpPr/>
-          <p:nvPr/>
-        </p:nvSpPr>
-        <p:spPr>
-          <a:xfrm>
-            <a:off x="3905250" y="2063750"/>
-            <a:ext cx="603250" cy="4111622"/>
-          </a:xfrm>
-          <a:prstGeom prst="ellipse">
-            <a:avLst/>
-          </a:prstGeom>
           <a:noFill/>
-          <a:ln w="57150" cmpd="sng">
+          <a:ln w="38100" cmpd="sng">
             <a:solidFill>
               <a:srgbClr val="FF0000"/>
             </a:solidFill>
@@ -5398,124 +5454,61 @@
       </p:sp>
       <p:sp>
         <p:nvSpPr>
-          <p:cNvPr id="56" name="TextBox 55"/>
-          <p:cNvSpPr txBox="1"/>
+          <p:cNvPr id="3" name="Rectangle 2">
+            <a:extLst>
+              <a:ext uri="{FF2B5EF4-FFF2-40B4-BE49-F238E27FC236}">
+                <a16:creationId xmlns:a16="http://schemas.microsoft.com/office/drawing/2014/main" id="{0ACC5C46-64DE-AE46-8079-5D2C649668DF}"/>
+              </a:ext>
+            </a:extLst>
+          </p:cNvPr>
+          <p:cNvSpPr/>
           <p:nvPr/>
         </p:nvSpPr>
         <p:spPr>
           <a:xfrm>
-            <a:off x="1190589" y="6397625"/>
-            <a:ext cx="951102" cy="369332"/>
+            <a:off x="1108075" y="1600200"/>
+            <a:ext cx="2656112" cy="4570598"/>
           </a:xfrm>
           <a:prstGeom prst="rect">
             <a:avLst/>
           </a:prstGeom>
-          <a:noFill/>
-        </p:spPr>
-        <p:txBody>
-          <a:bodyPr wrap="none" rtlCol="0">
-            <a:spAutoFit/>
-          </a:bodyPr>
-          <a:lstStyle/>
-          <a:p>
-            <a:r>
-              <a:rPr lang="en-US" dirty="0"/>
-              <a:t>Package</a:t>
-            </a:r>
-          </a:p>
-        </p:txBody>
-      </p:sp>
-      <p:sp>
-        <p:nvSpPr>
-          <p:cNvPr id="57" name="TextBox 56"/>
-          <p:cNvSpPr txBox="1"/>
-          <p:nvPr/>
-        </p:nvSpPr>
-        <p:spPr>
-          <a:xfrm>
-            <a:off x="6740489" y="6365359"/>
-            <a:ext cx="875585" cy="369332"/>
-          </a:xfrm>
-          <a:prstGeom prst="rect">
-            <a:avLst/>
-          </a:prstGeom>
-          <a:noFill/>
-        </p:spPr>
-        <p:txBody>
-          <a:bodyPr wrap="none" rtlCol="0">
-            <a:spAutoFit/>
-          </a:bodyPr>
-          <a:lstStyle/>
-          <a:p>
-            <a:r>
-              <a:rPr lang="en-US" dirty="0"/>
-              <a:t>Symbol</a:t>
-            </a:r>
-          </a:p>
-        </p:txBody>
-      </p:sp>
-      <p:sp>
-        <p:nvSpPr>
-          <p:cNvPr id="58" name="TextBox 57"/>
-          <p:cNvSpPr txBox="1"/>
-          <p:nvPr/>
-        </p:nvSpPr>
-        <p:spPr>
-          <a:xfrm>
-            <a:off x="3162264" y="6275387"/>
-            <a:ext cx="2042484" cy="369332"/>
-          </a:xfrm>
-          <a:prstGeom prst="rect">
-            <a:avLst/>
-          </a:prstGeom>
-          <a:noFill/>
-        </p:spPr>
-        <p:txBody>
-          <a:bodyPr wrap="none" rtlCol="0">
-            <a:spAutoFit/>
-          </a:bodyPr>
-          <a:lstStyle/>
-          <a:p>
-            <a:r>
-              <a:rPr lang="en-US" dirty="0"/>
-              <a:t>Device Pin Mapping</a:t>
-            </a:r>
-          </a:p>
-        </p:txBody>
-      </p:sp>
-      <p:sp>
-        <p:nvSpPr>
-          <p:cNvPr id="59" name="TextBox 58"/>
-          <p:cNvSpPr txBox="1"/>
-          <p:nvPr/>
-        </p:nvSpPr>
-        <p:spPr>
-          <a:xfrm>
-            <a:off x="849962" y="2466459"/>
-            <a:ext cx="1377300" cy="369332"/>
-          </a:xfrm>
-          <a:prstGeom prst="rect">
-            <a:avLst/>
-          </a:prstGeom>
-          <a:noFill/>
-        </p:spPr>
-        <p:txBody>
-          <a:bodyPr wrap="none" rtlCol="0">
-            <a:spAutoFit/>
-          </a:bodyPr>
-          <a:lstStyle/>
-          <a:p>
-            <a:r>
-              <a:rPr lang="en-US" dirty="0"/>
-              <a:t>Physical part</a:t>
-            </a:r>
+          <a:solidFill>
+            <a:schemeClr val="bg1"/>
+          </a:solidFill>
+          <a:ln>
+            <a:solidFill>
+              <a:schemeClr val="bg1"/>
+            </a:solidFill>
+          </a:ln>
+          <a:effectLst/>
+        </p:spPr>
+        <p:style>
+          <a:lnRef idx="1">
+            <a:schemeClr val="accent1"/>
+          </a:lnRef>
+          <a:fillRef idx="3">
+            <a:schemeClr val="accent1"/>
+          </a:fillRef>
+          <a:effectRef idx="2">
+            <a:schemeClr val="accent1"/>
+          </a:effectRef>
+          <a:fontRef idx="minor">
+            <a:schemeClr val="lt1"/>
+          </a:fontRef>
+        </p:style>
+        <p:txBody>
+          <a:bodyPr rtlCol="0" anchor="ctr"/>
+          <a:lstStyle/>
+          <a:p>
+            <a:pPr algn="ctr"/>
+            <a:endParaRPr lang="en-US" dirty="0"/>
           </a:p>
         </p:txBody>
       </p:sp>
     </p:spTree>
     <p:extLst>
       <p:ext uri="{BB962C8B-B14F-4D97-AF65-F5344CB8AC3E}">
-        <p14:creationId xmlns:p14="http://schemas.microsoft.com/office/powerpoint/2010/main" val="1989894804"/>
+        <p14:creationId xmlns:p14="http://schemas.microsoft.com/office/powerpoint/2010/main" val="489738326"/>
       </p:ext>
     </p:extLst>
   </p:cSld>
@@ -5559,7 +5552,7 @@
           <a:p>
             <a:r>
               <a:rPr lang="en-US" dirty="0"/>
-              <a:t>PCB Libraries: Packages</a:t>
+              <a:t>PCB Libraries: Symbols</a:t>
             </a:r>
           </a:p>
         </p:txBody>
@@ -5574,47 +5567,61 @@
             <p:ph idx="1"/>
           </p:nvPr>
         </p:nvSpPr>
-        <p:spPr/>
+        <p:spPr>
+          <a:xfrm>
+            <a:off x="441325" y="1409700"/>
+            <a:ext cx="8229600" cy="4525963"/>
+          </a:xfrm>
+        </p:spPr>
         <p:txBody>
           <a:bodyPr/>
           <a:lstStyle/>
           <a:p>
             <a:r>
               <a:rPr lang="en-US" dirty="0"/>
-              <a:t>Mechanical description of the part</a:t>
+              <a:t>Schematic representation of the component</a:t>
             </a:r>
           </a:p>
           <a:p>
             <a:r>
               <a:rPr lang="en-US" dirty="0"/>
-              <a:t>Electrical connections (i.e., pads and SMDs)</a:t>
-            </a:r>
-          </a:p>
-          <a:p>
+              <a:t>Electrical connection points </a:t>
+            </a:r>
+            <a:r>
+              <a:rPr lang="mr-IN" dirty="0"/>
+              <a:t>–</a:t>
+            </a:r>
             <a:r>
               <a:rPr lang="en-US" dirty="0"/>
-              <a:t>Other things: “</a:t>
-            </a:r>
-            <a:r>
-              <a:rPr lang="en-US" dirty="0" err="1"/>
-              <a:t>keepouts</a:t>
-            </a:r>
+              <a:t> “pins”</a:t>
+            </a:r>
+          </a:p>
+          <a:p>
             <a:r>
               <a:rPr lang="en-US" dirty="0"/>
-              <a:t>”, mounting holes, documentation, labels etc.</a:t>
+              <a:t>Generic symbols: resistors, capacitors, etc.</a:t>
             </a:r>
           </a:p>
           <a:p>
             <a:r>
               <a:rPr lang="en-US" dirty="0"/>
-              <a:t>Generic packages: e.g., 0805 Resistor</a:t>
+              <a:t>Specific symbols: e.g., Atmega128RF</a:t>
             </a:r>
           </a:p>
           <a:p>
             <a:r>
               <a:rPr lang="en-US" dirty="0"/>
-              <a:t>Specific packages: e.g., Atmegat128RF</a:t>
-            </a:r>
+              <a:t>Documentation, labels, etc.</a:t>
+            </a:r>
+          </a:p>
+          <a:p>
+            <a:r>
+              <a:rPr lang="en-US" dirty="0"/>
+              <a:t>Organized for ease of use and readability</a:t>
+            </a:r>
+          </a:p>
+          <a:p>
+            <a:endParaRPr lang="en-US" dirty="0"/>
           </a:p>
         </p:txBody>
       </p:sp>
@@ -5634,8 +5641,8 @@
         </p:blipFill>
         <p:spPr>
           <a:xfrm>
-            <a:off x="457200" y="5358269"/>
-            <a:ext cx="3000375" cy="1266454"/>
+            <a:off x="294506" y="5046663"/>
+            <a:ext cx="1735639" cy="1571625"/>
           </a:xfrm>
           <a:prstGeom prst="rect">
             <a:avLst/>
@@ -5658,8 +5665,8 @@
         </p:blipFill>
         <p:spPr>
           <a:xfrm>
-            <a:off x="5787360" y="5130602"/>
-            <a:ext cx="3356639" cy="1721787"/>
+            <a:off x="7010612" y="5222874"/>
+            <a:ext cx="1974637" cy="1365065"/>
           </a:xfrm>
           <a:prstGeom prst="rect">
             <a:avLst/>
@@ -5682,8 +5689,32 @@
         </p:blipFill>
         <p:spPr>
           <a:xfrm>
-            <a:off x="3873500" y="5026182"/>
-            <a:ext cx="1447799" cy="1831818"/>
+            <a:off x="2603500" y="5697556"/>
+            <a:ext cx="1873250" cy="428607"/>
+          </a:xfrm>
+          <a:prstGeom prst="rect">
+            <a:avLst/>
+          </a:prstGeom>
+        </p:spPr>
+      </p:pic>
+      <p:pic>
+        <p:nvPicPr>
+          <p:cNvPr id="7" name="Picture 6"/>
+          <p:cNvPicPr>
+            <a:picLocks noChangeAspect="1"/>
+          </p:cNvPicPr>
+          <p:nvPr/>
+        </p:nvPicPr>
+        <p:blipFill>
+          <a:blip r:embed="rId5"/>
+          <a:stretch>
+            <a:fillRect/>
+          </a:stretch>
+        </p:blipFill>
+        <p:spPr>
+          <a:xfrm>
+            <a:off x="5256496" y="5180013"/>
+            <a:ext cx="953803" cy="1438275"/>
           </a:xfrm>
           <a:prstGeom prst="rect">
             <a:avLst/>
@@ -5693,7 +5724,7 @@
     </p:spTree>
     <p:extLst>
       <p:ext uri="{BB962C8B-B14F-4D97-AF65-F5344CB8AC3E}">
-        <p14:creationId xmlns:p14="http://schemas.microsoft.com/office/powerpoint/2010/main" val="1303850685"/>
+        <p14:creationId xmlns:p14="http://schemas.microsoft.com/office/powerpoint/2010/main" val="404899139"/>
       </p:ext>
     </p:extLst>
   </p:cSld>
@@ -5737,7 +5768,7 @@
           <a:p>
             <a:r>
               <a:rPr lang="en-US" dirty="0"/>
-              <a:t>PCB Libraries: Symbols</a:t>
+              <a:t>PCB Libraries: Devices</a:t>
             </a:r>
           </a:p>
         </p:txBody>
@@ -5752,164 +5783,83 @@
             <p:ph idx="1"/>
           </p:nvPr>
         </p:nvSpPr>
-        <p:spPr>
-          <a:xfrm>
-            <a:off x="441325" y="1409700"/>
-            <a:ext cx="8229600" cy="4525963"/>
-          </a:xfrm>
-        </p:spPr>
-        <p:txBody>
-          <a:bodyPr/>
+        <p:spPr/>
+        <p:txBody>
+          <a:bodyPr>
+            <a:normAutofit fontScale="92500" lnSpcReduction="20000"/>
+          </a:bodyPr>
           <a:lstStyle/>
           <a:p>
             <a:r>
               <a:rPr lang="en-US" dirty="0"/>
-              <a:t>Schematic representation of the component</a:t>
-            </a:r>
-          </a:p>
-          <a:p>
+              <a:t>Devices map between</a:t>
+            </a:r>
+          </a:p>
+          <a:p>
+            <a:pPr lvl="1"/>
             <a:r>
               <a:rPr lang="en-US" dirty="0"/>
-              <a:t>Electrical connection points </a:t>
-            </a:r>
-            <a:r>
-              <a:rPr lang="mr-IN" dirty="0"/>
-              <a:t>–</a:t>
-            </a:r>
+              <a:t>1 symbol</a:t>
+            </a:r>
+          </a:p>
+          <a:p>
+            <a:pPr lvl="1"/>
             <a:r>
               <a:rPr lang="en-US" dirty="0"/>
-              <a:t> “pins”</a:t>
+              <a:t>&gt;= 1 packages</a:t>
             </a:r>
           </a:p>
           <a:p>
             <a:r>
               <a:rPr lang="en-US" dirty="0"/>
-              <a:t>Generic symbols: resistors, capacitors, etc.</a:t>
+              <a:t>For each package, the device maps the schematic pins to the package pads/SMDs.</a:t>
             </a:r>
           </a:p>
           <a:p>
             <a:r>
               <a:rPr lang="en-US" dirty="0"/>
-              <a:t>Specific symbols: e.g., Atmega128RF</a:t>
-            </a:r>
-          </a:p>
-          <a:p>
+              <a:t>Metadata</a:t>
+            </a:r>
+          </a:p>
+          <a:p>
+            <a:pPr lvl="1"/>
             <a:r>
               <a:rPr lang="en-US" dirty="0"/>
-              <a:t>Documentation, labels, etc.</a:t>
-            </a:r>
-          </a:p>
-          <a:p>
+              <a:t>“attributes” -- E.g., Manufacturer, part number, etc.</a:t>
+            </a:r>
+          </a:p>
+          <a:p>
+            <a:pPr lvl="1"/>
             <a:r>
               <a:rPr lang="en-US" dirty="0"/>
-              <a:t>Organized for ease of use and readability</a:t>
-            </a:r>
-          </a:p>
-          <a:p>
+              <a:t>Name prefix for reference designators -- </a:t>
+            </a:r>
+            <a:r>
+              <a:rPr lang="en-US" dirty="0" err="1"/>
+              <a:t>e.g</a:t>
+            </a:r>
+            <a:r>
+              <a:rPr lang="en-US" dirty="0"/>
+              <a:t>, the “R” in R1, R2, etc.</a:t>
+            </a:r>
+          </a:p>
+          <a:p>
+            <a:pPr lvl="1"/>
+            <a:r>
+              <a:rPr lang="en-US" dirty="0"/>
+              <a:t>Does it have a “value” (e.g., a resistor’s value is it’s resistance, but a microcontroller doesn’t have a value)</a:t>
+            </a:r>
+          </a:p>
+          <a:p>
+            <a:pPr lvl="1"/>
             <a:endParaRPr lang="en-US" dirty="0"/>
           </a:p>
         </p:txBody>
       </p:sp>
-      <p:pic>
-        <p:nvPicPr>
-          <p:cNvPr id="4" name="Picture 3"/>
-          <p:cNvPicPr>
-            <a:picLocks noChangeAspect="1"/>
-          </p:cNvPicPr>
-          <p:nvPr/>
-        </p:nvPicPr>
-        <p:blipFill>
-          <a:blip r:embed="rId2"/>
-          <a:stretch>
-            <a:fillRect/>
-          </a:stretch>
-        </p:blipFill>
-        <p:spPr>
-          <a:xfrm>
-            <a:off x="294506" y="5046663"/>
-            <a:ext cx="1735639" cy="1571625"/>
-          </a:xfrm>
-          <a:prstGeom prst="rect">
-            <a:avLst/>
-          </a:prstGeom>
-        </p:spPr>
-      </p:pic>
-      <p:pic>
-        <p:nvPicPr>
-          <p:cNvPr id="5" name="Picture 4"/>
-          <p:cNvPicPr>
-            <a:picLocks noChangeAspect="1"/>
-          </p:cNvPicPr>
-          <p:nvPr/>
-        </p:nvPicPr>
-        <p:blipFill>
-          <a:blip r:embed="rId3"/>
-          <a:stretch>
-            <a:fillRect/>
-          </a:stretch>
-        </p:blipFill>
-        <p:spPr>
-          <a:xfrm>
-            <a:off x="7010612" y="5222874"/>
-            <a:ext cx="1974637" cy="1365065"/>
-          </a:xfrm>
-          <a:prstGeom prst="rect">
-            <a:avLst/>
-          </a:prstGeom>
-        </p:spPr>
-      </p:pic>
-      <p:pic>
-        <p:nvPicPr>
-          <p:cNvPr id="6" name="Picture 5"/>
-          <p:cNvPicPr>
-            <a:picLocks noChangeAspect="1"/>
-          </p:cNvPicPr>
-          <p:nvPr/>
-        </p:nvPicPr>
-        <p:blipFill>
-          <a:blip r:embed="rId4"/>
-          <a:stretch>
-            <a:fillRect/>
-          </a:stretch>
-        </p:blipFill>
-        <p:spPr>
-          <a:xfrm>
-            <a:off x="2603500" y="5697556"/>
-            <a:ext cx="1873250" cy="428607"/>
-          </a:xfrm>
-          <a:prstGeom prst="rect">
-            <a:avLst/>
-          </a:prstGeom>
-        </p:spPr>
-      </p:pic>
-      <p:pic>
-        <p:nvPicPr>
-          <p:cNvPr id="7" name="Picture 6"/>
-          <p:cNvPicPr>
-            <a:picLocks noChangeAspect="1"/>
-          </p:cNvPicPr>
-          <p:nvPr/>
-        </p:nvPicPr>
-        <p:blipFill>
-          <a:blip r:embed="rId5"/>
-          <a:stretch>
-            <a:fillRect/>
-          </a:stretch>
-        </p:blipFill>
-        <p:spPr>
-          <a:xfrm>
-            <a:off x="5256496" y="5180013"/>
-            <a:ext cx="953803" cy="1438275"/>
-          </a:xfrm>
-          <a:prstGeom prst="rect">
-            <a:avLst/>
-          </a:prstGeom>
-        </p:spPr>
-      </p:pic>
     </p:spTree>
     <p:extLst>
       <p:ext uri="{BB962C8B-B14F-4D97-AF65-F5344CB8AC3E}">
-        <p14:creationId xmlns:p14="http://schemas.microsoft.com/office/powerpoint/2010/main" val="404899139"/>
+        <p14:creationId xmlns:p14="http://schemas.microsoft.com/office/powerpoint/2010/main" val="2471138546"/>
       </p:ext>
     </p:extLst>
   </p:cSld>
@@ -5948,103 +5898,270 @@
         </p:nvSpPr>
         <p:spPr/>
         <p:txBody>
+          <a:bodyPr>
+            <a:normAutofit/>
+          </a:bodyPr>
+          <a:lstStyle/>
+          <a:p>
+            <a:r>
+              <a:rPr lang="en-US" dirty="0"/>
+              <a:t>Device Example: LED</a:t>
+            </a:r>
+          </a:p>
+        </p:txBody>
+      </p:sp>
+      <p:sp>
+        <p:nvSpPr>
+          <p:cNvPr id="3" name="Content Placeholder 2"/>
+          <p:cNvSpPr>
+            <a:spLocks noGrp="1"/>
+          </p:cNvSpPr>
+          <p:nvPr>
+            <p:ph idx="1"/>
+          </p:nvPr>
+        </p:nvSpPr>
+        <p:spPr/>
+        <p:txBody>
           <a:bodyPr/>
           <a:lstStyle/>
           <a:p>
-            <a:r>
-              <a:rPr lang="en-US" dirty="0"/>
-              <a:t>PCB Libraries: Devices</a:t>
-            </a:r>
-          </a:p>
-        </p:txBody>
-      </p:sp>
-      <p:sp>
-        <p:nvSpPr>
-          <p:cNvPr id="3" name="Content Placeholder 2"/>
-          <p:cNvSpPr>
-            <a:spLocks noGrp="1"/>
-          </p:cNvSpPr>
-          <p:nvPr>
-            <p:ph idx="1"/>
-          </p:nvPr>
-        </p:nvSpPr>
-        <p:spPr/>
-        <p:txBody>
-          <a:bodyPr>
-            <a:normAutofit fontScale="92500" lnSpcReduction="20000"/>
+            <a:pPr marL="0" indent="0">
+              <a:buNone/>
+            </a:pPr>
+            <a:endParaRPr lang="en-US" dirty="0"/>
+          </a:p>
+        </p:txBody>
+      </p:sp>
+      <p:pic>
+        <p:nvPicPr>
+          <p:cNvPr id="5" name="Picture 4"/>
+          <p:cNvPicPr>
+            <a:picLocks noChangeAspect="1"/>
+          </p:cNvPicPr>
+          <p:nvPr/>
+        </p:nvPicPr>
+        <p:blipFill>
+          <a:blip r:embed="rId2"/>
+          <a:stretch>
+            <a:fillRect/>
+          </a:stretch>
+        </p:blipFill>
+        <p:spPr>
+          <a:xfrm>
+            <a:off x="457200" y="2578637"/>
+            <a:ext cx="1524000" cy="2171700"/>
+          </a:xfrm>
+          <a:prstGeom prst="rect">
+            <a:avLst/>
+          </a:prstGeom>
+        </p:spPr>
+      </p:pic>
+      <p:pic>
+        <p:nvPicPr>
+          <p:cNvPr id="6" name="Picture 5"/>
+          <p:cNvPicPr>
+            <a:picLocks noChangeAspect="1"/>
+          </p:cNvPicPr>
+          <p:nvPr/>
+        </p:nvPicPr>
+        <p:blipFill>
+          <a:blip r:embed="rId3"/>
+          <a:stretch>
+            <a:fillRect/>
+          </a:stretch>
+        </p:blipFill>
+        <p:spPr>
+          <a:xfrm>
+            <a:off x="6406384" y="1406529"/>
+            <a:ext cx="2214628" cy="1018099"/>
+          </a:xfrm>
+          <a:prstGeom prst="rect">
+            <a:avLst/>
+          </a:prstGeom>
+        </p:spPr>
+      </p:pic>
+      <p:pic>
+        <p:nvPicPr>
+          <p:cNvPr id="7" name="Picture 6"/>
+          <p:cNvPicPr>
+            <a:picLocks noChangeAspect="1"/>
+          </p:cNvPicPr>
+          <p:nvPr/>
+        </p:nvPicPr>
+        <p:blipFill>
+          <a:blip r:embed="rId4"/>
+          <a:stretch>
+            <a:fillRect/>
+          </a:stretch>
+        </p:blipFill>
+        <p:spPr>
+          <a:xfrm rot="5400000">
+            <a:off x="3992282" y="4520689"/>
+            <a:ext cx="934132" cy="2036198"/>
+          </a:xfrm>
+          <a:prstGeom prst="rect">
+            <a:avLst/>
+          </a:prstGeom>
+        </p:spPr>
+      </p:pic>
+      <p:pic>
+        <p:nvPicPr>
+          <p:cNvPr id="8" name="Picture 7"/>
+          <p:cNvPicPr>
+            <a:picLocks noChangeAspect="1"/>
+          </p:cNvPicPr>
+          <p:nvPr/>
+        </p:nvPicPr>
+        <p:blipFill>
+          <a:blip r:embed="rId5"/>
+          <a:stretch>
+            <a:fillRect/>
+          </a:stretch>
+        </p:blipFill>
+        <p:spPr>
+          <a:xfrm>
+            <a:off x="6005337" y="2755535"/>
+            <a:ext cx="2991323" cy="1437934"/>
+          </a:xfrm>
+          <a:prstGeom prst="rect">
+            <a:avLst/>
+          </a:prstGeom>
+        </p:spPr>
+      </p:pic>
+      <p:pic>
+        <p:nvPicPr>
+          <p:cNvPr id="9" name="Picture 8"/>
+          <p:cNvPicPr>
+            <a:picLocks noChangeAspect="1"/>
+          </p:cNvPicPr>
+          <p:nvPr/>
+        </p:nvPicPr>
+        <p:blipFill>
+          <a:blip r:embed="rId6"/>
+          <a:stretch>
+            <a:fillRect/>
+          </a:stretch>
+        </p:blipFill>
+        <p:spPr>
+          <a:xfrm>
+            <a:off x="6157615" y="4587908"/>
+            <a:ext cx="2853514" cy="1503533"/>
+          </a:xfrm>
+          <a:prstGeom prst="rect">
+            <a:avLst/>
+          </a:prstGeom>
+        </p:spPr>
+      </p:pic>
+      <p:pic>
+        <p:nvPicPr>
+          <p:cNvPr id="10" name="Picture 9"/>
+          <p:cNvPicPr>
+            <a:picLocks noChangeAspect="1"/>
+          </p:cNvPicPr>
+          <p:nvPr/>
+        </p:nvPicPr>
+        <p:blipFill>
+          <a:blip r:embed="rId7"/>
+          <a:stretch>
+            <a:fillRect/>
+          </a:stretch>
+        </p:blipFill>
+        <p:spPr>
+          <a:xfrm>
+            <a:off x="4108130" y="2047181"/>
+            <a:ext cx="1432686" cy="1416708"/>
+          </a:xfrm>
+          <a:prstGeom prst="rect">
+            <a:avLst/>
+          </a:prstGeom>
+        </p:spPr>
+      </p:pic>
+      <p:pic>
+        <p:nvPicPr>
+          <p:cNvPr id="11" name="Picture 10"/>
+          <p:cNvPicPr>
+            <a:picLocks noChangeAspect="1"/>
+          </p:cNvPicPr>
+          <p:nvPr/>
+        </p:nvPicPr>
+        <p:blipFill>
+          <a:blip r:embed="rId8"/>
+          <a:stretch>
+            <a:fillRect/>
+          </a:stretch>
+        </p:blipFill>
+        <p:spPr>
+          <a:xfrm>
+            <a:off x="4329829" y="3906537"/>
+            <a:ext cx="792438" cy="843800"/>
+          </a:xfrm>
+          <a:prstGeom prst="rect">
+            <a:avLst/>
+          </a:prstGeom>
+        </p:spPr>
+      </p:pic>
+      <p:sp>
+        <p:nvSpPr>
+          <p:cNvPr id="12" name="TextBox 11"/>
+          <p:cNvSpPr txBox="1"/>
+          <p:nvPr/>
+        </p:nvSpPr>
+        <p:spPr>
+          <a:xfrm>
+            <a:off x="571500" y="4714058"/>
+            <a:ext cx="2197236" cy="584776"/>
+          </a:xfrm>
+          <a:prstGeom prst="rect">
+            <a:avLst/>
+          </a:prstGeom>
+          <a:noFill/>
+        </p:spPr>
+        <p:txBody>
+          <a:bodyPr wrap="none" rtlCol="0">
+            <a:spAutoFit/>
           </a:bodyPr>
           <a:lstStyle/>
           <a:p>
             <a:r>
-              <a:rPr lang="en-US" dirty="0"/>
-              <a:t>Devices map between</a:t>
-            </a:r>
-          </a:p>
-          <a:p>
-            <a:pPr lvl="1"/>
-            <a:r>
-              <a:rPr lang="en-US" dirty="0"/>
-              <a:t>1 symbol</a:t>
-            </a:r>
-          </a:p>
-          <a:p>
-            <a:pPr lvl="1"/>
-            <a:r>
-              <a:rPr lang="en-US" dirty="0"/>
-              <a:t>&gt;=1 packages</a:t>
-            </a:r>
-          </a:p>
-          <a:p>
-            <a:r>
-              <a:rPr lang="en-US" dirty="0"/>
-              <a:t>For each package, the device maps the schematic pins to the package pads/SMDs.</a:t>
-            </a:r>
-          </a:p>
-          <a:p>
-            <a:r>
-              <a:rPr lang="en-US" dirty="0"/>
-              <a:t>Metadata</a:t>
-            </a:r>
-          </a:p>
-          <a:p>
-            <a:pPr lvl="1"/>
-            <a:r>
-              <a:rPr lang="en-US" dirty="0"/>
-              <a:t>“attributes” -- E.g., Manufacturer, part number, etc.</a:t>
-            </a:r>
-          </a:p>
-          <a:p>
-            <a:pPr lvl="1"/>
-            <a:r>
-              <a:rPr lang="en-US" dirty="0"/>
-              <a:t>Name prefix for reference designators -- </a:t>
-            </a:r>
-            <a:r>
-              <a:rPr lang="en-US" dirty="0" err="1"/>
-              <a:t>e.g</a:t>
-            </a:r>
-            <a:r>
-              <a:rPr lang="en-US" dirty="0"/>
-              <a:t>, the “R” in R1, R2, etc.</a:t>
-            </a:r>
-          </a:p>
-          <a:p>
-            <a:pPr lvl="1"/>
-            <a:r>
-              <a:rPr lang="en-US" dirty="0"/>
-              <a:t>Does it have a “value” (e.g., a resistor’s value is it’s resistance, but a microcontroller doesn’t have a value)</a:t>
-            </a:r>
-          </a:p>
-          <a:p>
-            <a:pPr lvl="1"/>
-            <a:endParaRPr lang="en-US" dirty="0"/>
+              <a:rPr lang="en-US" sz="3200" dirty="0"/>
+              <a:t>One Symbol</a:t>
+            </a:r>
+          </a:p>
+        </p:txBody>
+      </p:sp>
+      <p:sp>
+        <p:nvSpPr>
+          <p:cNvPr id="13" name="TextBox 12"/>
+          <p:cNvSpPr txBox="1"/>
+          <p:nvPr/>
+        </p:nvSpPr>
+        <p:spPr>
+          <a:xfrm>
+            <a:off x="5477447" y="6126163"/>
+            <a:ext cx="2749270" cy="584776"/>
+          </a:xfrm>
+          <a:prstGeom prst="rect">
+            <a:avLst/>
+          </a:prstGeom>
+          <a:noFill/>
+        </p:spPr>
+        <p:txBody>
+          <a:bodyPr wrap="none" rtlCol="0">
+            <a:spAutoFit/>
+          </a:bodyPr>
+          <a:lstStyle/>
+          <a:p>
+            <a:r>
+              <a:rPr lang="en-US" sz="3200" dirty="0"/>
+              <a:t>Many Packages</a:t>
+            </a:r>
           </a:p>
         </p:txBody>
       </p:sp>
     </p:spTree>
     <p:extLst>
       <p:ext uri="{BB962C8B-B14F-4D97-AF65-F5344CB8AC3E}">
-        <p14:creationId xmlns:p14="http://schemas.microsoft.com/office/powerpoint/2010/main" val="2471138546"/>
+        <p14:creationId xmlns:p14="http://schemas.microsoft.com/office/powerpoint/2010/main" val="1304726912"/>
       </p:ext>
     </p:extLst>
   </p:cSld>

--- a/Lecture Slides/Lab02-Eagle-Packages.pptx
+++ b/Lecture Slides/Lab02-Eagle-Packages.pptx
@@ -5,11 +5,11 @@
     <p:sldMasterId id="2147483648" r:id="rId1"/>
   </p:sldMasterIdLst>
   <p:notesMasterIdLst>
-    <p:notesMasterId r:id="rId15"/>
+    <p:notesMasterId r:id="rId14"/>
   </p:notesMasterIdLst>
   <p:sldIdLst>
     <p:sldId id="256" r:id="rId2"/>
-    <p:sldId id="265" r:id="rId3"/>
+    <p:sldId id="267" r:id="rId3"/>
     <p:sldId id="264" r:id="rId4"/>
     <p:sldId id="257" r:id="rId5"/>
     <p:sldId id="258" r:id="rId6"/>
@@ -20,7 +20,6 @@
     <p:sldId id="262" r:id="rId11"/>
     <p:sldId id="268" r:id="rId12"/>
     <p:sldId id="269" r:id="rId13"/>
-    <p:sldId id="267" r:id="rId14"/>
   </p:sldIdLst>
   <p:sldSz cx="9144000" cy="6858000" type="screen4x3"/>
   <p:notesSz cx="6858000" cy="9144000"/>
@@ -220,7 +219,7 @@
           <a:p>
             <a:fld id="{6047C4F8-16F2-034F-B62C-E7DA00D65955}" type="datetimeFigureOut">
               <a:rPr lang="en-US" smtClean="0"/>
-              <a:t>4/5/18</a:t>
+              <a:t>1/23/19</a:t>
             </a:fld>
             <a:endParaRPr lang="en-US"/>
           </a:p>
@@ -669,7 +668,7 @@
           <a:p>
             <a:fld id="{D7CD8825-7C65-DE49-B151-1F6315860DA4}" type="datetimeFigureOut">
               <a:rPr lang="en-US" smtClean="0"/>
-              <a:t>4/5/18</a:t>
+              <a:t>1/23/19</a:t>
             </a:fld>
             <a:endParaRPr lang="en-US"/>
           </a:p>
@@ -839,7 +838,7 @@
           <a:p>
             <a:fld id="{D7CD8825-7C65-DE49-B151-1F6315860DA4}" type="datetimeFigureOut">
               <a:rPr lang="en-US" smtClean="0"/>
-              <a:t>4/5/18</a:t>
+              <a:t>1/23/19</a:t>
             </a:fld>
             <a:endParaRPr lang="en-US"/>
           </a:p>
@@ -1019,7 +1018,7 @@
           <a:p>
             <a:fld id="{D7CD8825-7C65-DE49-B151-1F6315860DA4}" type="datetimeFigureOut">
               <a:rPr lang="en-US" smtClean="0"/>
-              <a:t>4/5/18</a:t>
+              <a:t>1/23/19</a:t>
             </a:fld>
             <a:endParaRPr lang="en-US"/>
           </a:p>
@@ -1189,7 +1188,7 @@
           <a:p>
             <a:fld id="{D7CD8825-7C65-DE49-B151-1F6315860DA4}" type="datetimeFigureOut">
               <a:rPr lang="en-US" smtClean="0"/>
-              <a:t>4/5/18</a:t>
+              <a:t>1/23/19</a:t>
             </a:fld>
             <a:endParaRPr lang="en-US"/>
           </a:p>
@@ -1435,7 +1434,7 @@
           <a:p>
             <a:fld id="{D7CD8825-7C65-DE49-B151-1F6315860DA4}" type="datetimeFigureOut">
               <a:rPr lang="en-US" smtClean="0"/>
-              <a:t>4/5/18</a:t>
+              <a:t>1/23/19</a:t>
             </a:fld>
             <a:endParaRPr lang="en-US"/>
           </a:p>
@@ -1723,7 +1722,7 @@
           <a:p>
             <a:fld id="{D7CD8825-7C65-DE49-B151-1F6315860DA4}" type="datetimeFigureOut">
               <a:rPr lang="en-US" smtClean="0"/>
-              <a:t>4/5/18</a:t>
+              <a:t>1/23/19</a:t>
             </a:fld>
             <a:endParaRPr lang="en-US"/>
           </a:p>
@@ -2145,7 +2144,7 @@
           <a:p>
             <a:fld id="{D7CD8825-7C65-DE49-B151-1F6315860DA4}" type="datetimeFigureOut">
               <a:rPr lang="en-US" smtClean="0"/>
-              <a:t>4/5/18</a:t>
+              <a:t>1/23/19</a:t>
             </a:fld>
             <a:endParaRPr lang="en-US"/>
           </a:p>
@@ -2263,7 +2262,7 @@
           <a:p>
             <a:fld id="{D7CD8825-7C65-DE49-B151-1F6315860DA4}" type="datetimeFigureOut">
               <a:rPr lang="en-US" smtClean="0"/>
-              <a:t>4/5/18</a:t>
+              <a:t>1/23/19</a:t>
             </a:fld>
             <a:endParaRPr lang="en-US"/>
           </a:p>
@@ -2358,7 +2357,7 @@
           <a:p>
             <a:fld id="{D7CD8825-7C65-DE49-B151-1F6315860DA4}" type="datetimeFigureOut">
               <a:rPr lang="en-US" smtClean="0"/>
-              <a:t>4/5/18</a:t>
+              <a:t>1/23/19</a:t>
             </a:fld>
             <a:endParaRPr lang="en-US"/>
           </a:p>
@@ -2635,7 +2634,7 @@
           <a:p>
             <a:fld id="{D7CD8825-7C65-DE49-B151-1F6315860DA4}" type="datetimeFigureOut">
               <a:rPr lang="en-US" smtClean="0"/>
-              <a:t>4/5/18</a:t>
+              <a:t>1/23/19</a:t>
             </a:fld>
             <a:endParaRPr lang="en-US"/>
           </a:p>
@@ -2888,7 +2887,7 @@
           <a:p>
             <a:fld id="{D7CD8825-7C65-DE49-B151-1F6315860DA4}" type="datetimeFigureOut">
               <a:rPr lang="en-US" smtClean="0"/>
-              <a:t>4/5/18</a:t>
+              <a:t>1/23/19</a:t>
             </a:fld>
             <a:endParaRPr lang="en-US"/>
           </a:p>
@@ -3101,7 +3100,7 @@
           <a:p>
             <a:fld id="{D7CD8825-7C65-DE49-B151-1F6315860DA4}" type="datetimeFigureOut">
               <a:rPr lang="en-US" smtClean="0"/>
-              <a:t>4/5/18</a:t>
+              <a:t>1/23/19</a:t>
             </a:fld>
             <a:endParaRPr lang="en-US"/>
           </a:p>
@@ -3933,7 +3932,7 @@
 </p:sld>
 </file>
 
-<file path=ppt/slides/slide13.xml><?xml version="1.0" encoding="utf-8"?>
+<file path=ppt/slides/slide2.xml><?xml version="1.0" encoding="utf-8"?>
 <p:sld xmlns:a="http://schemas.openxmlformats.org/drawingml/2006/main" xmlns:r="http://schemas.openxmlformats.org/officeDocument/2006/relationships" xmlns:p="http://schemas.openxmlformats.org/presentationml/2006/main">
   <p:cSld>
     <p:spTree>
@@ -4095,94 +4094,6 @@
     <p:extLst>
       <p:ext uri="{BB962C8B-B14F-4D97-AF65-F5344CB8AC3E}">
         <p14:creationId xmlns:p14="http://schemas.microsoft.com/office/powerpoint/2010/main" val="409850314"/>
-      </p:ext>
-    </p:extLst>
-  </p:cSld>
-  <p:clrMapOvr>
-    <a:masterClrMapping/>
-  </p:clrMapOvr>
-</p:sld>
-</file>
-
-<file path=ppt/slides/slide2.xml><?xml version="1.0" encoding="utf-8"?>
-<p:sld xmlns:a="http://schemas.openxmlformats.org/drawingml/2006/main" xmlns:r="http://schemas.openxmlformats.org/officeDocument/2006/relationships" xmlns:p="http://schemas.openxmlformats.org/presentationml/2006/main">
-  <p:cSld>
-    <p:spTree>
-      <p:nvGrpSpPr>
-        <p:cNvPr id="1" name=""/>
-        <p:cNvGrpSpPr/>
-        <p:nvPr/>
-      </p:nvGrpSpPr>
-      <p:grpSpPr>
-        <a:xfrm>
-          <a:off x="0" y="0"/>
-          <a:ext cx="0" cy="0"/>
-          <a:chOff x="0" y="0"/>
-          <a:chExt cx="0" cy="0"/>
-        </a:xfrm>
-      </p:grpSpPr>
-      <p:sp>
-        <p:nvSpPr>
-          <p:cNvPr id="2" name="Title 1"/>
-          <p:cNvSpPr>
-            <a:spLocks noGrp="1"/>
-          </p:cNvSpPr>
-          <p:nvPr>
-            <p:ph type="title"/>
-          </p:nvPr>
-        </p:nvSpPr>
-        <p:spPr/>
-        <p:txBody>
-          <a:bodyPr/>
-          <a:lstStyle/>
-          <a:p>
-            <a:r>
-              <a:rPr lang="en-US" dirty="0"/>
-              <a:t>PCM Assembly</a:t>
-            </a:r>
-          </a:p>
-        </p:txBody>
-      </p:sp>
-      <p:sp>
-        <p:nvSpPr>
-          <p:cNvPr id="3" name="Content Placeholder 2"/>
-          <p:cNvSpPr>
-            <a:spLocks noGrp="1"/>
-          </p:cNvSpPr>
-          <p:nvPr>
-            <p:ph idx="1"/>
-          </p:nvPr>
-        </p:nvSpPr>
-        <p:spPr/>
-        <p:txBody>
-          <a:bodyPr/>
-          <a:lstStyle/>
-          <a:p>
-            <a:r>
-              <a:rPr lang="en-US" dirty="0">
-                <a:hlinkClick r:id="rId2"/>
-              </a:rPr>
-              <a:t>https://youtu.be/gu0v8lfLcKg?t=3m59s</a:t>
-            </a:r>
-          </a:p>
-          <a:p>
-            <a:r>
-              <a:rPr lang="en-US" dirty="0">
-                <a:hlinkClick r:id="rId2"/>
-              </a:rPr>
-              <a:t>https://youtu.be/2qk5vxWY46A?t=2m28s</a:t>
-            </a:r>
-            <a:endParaRPr lang="en-US" dirty="0"/>
-          </a:p>
-          <a:p>
-            <a:endParaRPr lang="en-US" dirty="0"/>
-          </a:p>
-        </p:txBody>
-      </p:sp>
-    </p:spTree>
-    <p:extLst>
-      <p:ext uri="{BB962C8B-B14F-4D97-AF65-F5344CB8AC3E}">
-        <p14:creationId xmlns:p14="http://schemas.microsoft.com/office/powerpoint/2010/main" val="124302695"/>
       </p:ext>
     </p:extLst>
   </p:cSld>

--- a/Lecture Slides/Lab02-Eagle-Packages.pptx
+++ b/Lecture Slides/Lab02-Eagle-Packages.pptx
@@ -219,7 +219,7 @@
           <a:p>
             <a:fld id="{6047C4F8-16F2-034F-B62C-E7DA00D65955}" type="datetimeFigureOut">
               <a:rPr lang="en-US" smtClean="0"/>
-              <a:t>1/23/19</a:t>
+              <a:t>2/21/19</a:t>
             </a:fld>
             <a:endParaRPr lang="en-US"/>
           </a:p>
@@ -668,7 +668,7 @@
           <a:p>
             <a:fld id="{D7CD8825-7C65-DE49-B151-1F6315860DA4}" type="datetimeFigureOut">
               <a:rPr lang="en-US" smtClean="0"/>
-              <a:t>1/23/19</a:t>
+              <a:t>2/21/19</a:t>
             </a:fld>
             <a:endParaRPr lang="en-US"/>
           </a:p>
@@ -838,7 +838,7 @@
           <a:p>
             <a:fld id="{D7CD8825-7C65-DE49-B151-1F6315860DA4}" type="datetimeFigureOut">
               <a:rPr lang="en-US" smtClean="0"/>
-              <a:t>1/23/19</a:t>
+              <a:t>2/21/19</a:t>
             </a:fld>
             <a:endParaRPr lang="en-US"/>
           </a:p>
@@ -1018,7 +1018,7 @@
           <a:p>
             <a:fld id="{D7CD8825-7C65-DE49-B151-1F6315860DA4}" type="datetimeFigureOut">
               <a:rPr lang="en-US" smtClean="0"/>
-              <a:t>1/23/19</a:t>
+              <a:t>2/21/19</a:t>
             </a:fld>
             <a:endParaRPr lang="en-US"/>
           </a:p>
@@ -1188,7 +1188,7 @@
           <a:p>
             <a:fld id="{D7CD8825-7C65-DE49-B151-1F6315860DA4}" type="datetimeFigureOut">
               <a:rPr lang="en-US" smtClean="0"/>
-              <a:t>1/23/19</a:t>
+              <a:t>2/21/19</a:t>
             </a:fld>
             <a:endParaRPr lang="en-US"/>
           </a:p>
@@ -1434,7 +1434,7 @@
           <a:p>
             <a:fld id="{D7CD8825-7C65-DE49-B151-1F6315860DA4}" type="datetimeFigureOut">
               <a:rPr lang="en-US" smtClean="0"/>
-              <a:t>1/23/19</a:t>
+              <a:t>2/21/19</a:t>
             </a:fld>
             <a:endParaRPr lang="en-US"/>
           </a:p>
@@ -1722,7 +1722,7 @@
           <a:p>
             <a:fld id="{D7CD8825-7C65-DE49-B151-1F6315860DA4}" type="datetimeFigureOut">
               <a:rPr lang="en-US" smtClean="0"/>
-              <a:t>1/23/19</a:t>
+              <a:t>2/21/19</a:t>
             </a:fld>
             <a:endParaRPr lang="en-US"/>
           </a:p>
@@ -2144,7 +2144,7 @@
           <a:p>
             <a:fld id="{D7CD8825-7C65-DE49-B151-1F6315860DA4}" type="datetimeFigureOut">
               <a:rPr lang="en-US" smtClean="0"/>
-              <a:t>1/23/19</a:t>
+              <a:t>2/21/19</a:t>
             </a:fld>
             <a:endParaRPr lang="en-US"/>
           </a:p>
@@ -2262,7 +2262,7 @@
           <a:p>
             <a:fld id="{D7CD8825-7C65-DE49-B151-1F6315860DA4}" type="datetimeFigureOut">
               <a:rPr lang="en-US" smtClean="0"/>
-              <a:t>1/23/19</a:t>
+              <a:t>2/21/19</a:t>
             </a:fld>
             <a:endParaRPr lang="en-US"/>
           </a:p>
@@ -2357,7 +2357,7 @@
           <a:p>
             <a:fld id="{D7CD8825-7C65-DE49-B151-1F6315860DA4}" type="datetimeFigureOut">
               <a:rPr lang="en-US" smtClean="0"/>
-              <a:t>1/23/19</a:t>
+              <a:t>2/21/19</a:t>
             </a:fld>
             <a:endParaRPr lang="en-US"/>
           </a:p>
@@ -2634,7 +2634,7 @@
           <a:p>
             <a:fld id="{D7CD8825-7C65-DE49-B151-1F6315860DA4}" type="datetimeFigureOut">
               <a:rPr lang="en-US" smtClean="0"/>
-              <a:t>1/23/19</a:t>
+              <a:t>2/21/19</a:t>
             </a:fld>
             <a:endParaRPr lang="en-US"/>
           </a:p>
@@ -2887,7 +2887,7 @@
           <a:p>
             <a:fld id="{D7CD8825-7C65-DE49-B151-1F6315860DA4}" type="datetimeFigureOut">
               <a:rPr lang="en-US" smtClean="0"/>
-              <a:t>1/23/19</a:t>
+              <a:t>2/21/19</a:t>
             </a:fld>
             <a:endParaRPr lang="en-US"/>
           </a:p>
@@ -3100,7 +3100,7 @@
           <a:p>
             <a:fld id="{D7CD8825-7C65-DE49-B151-1F6315860DA4}" type="datetimeFigureOut">
               <a:rPr lang="en-US" smtClean="0"/>
-              <a:t>1/23/19</a:t>
+              <a:t>2/21/19</a:t>
             </a:fld>
             <a:endParaRPr lang="en-US"/>
           </a:p>
